--- a/GM/Placement/Stronger Mixed-Size Placement Backbone Considering Second-Order Information/Stronger Mixed-Size Placement Backbone Considering Second-Order Information.pptx
+++ b/GM/Placement/Stronger Mixed-Size Placement Backbone Considering Second-Order Information/Stronger Mixed-Size Placement Backbone Considering Second-Order Information.pptx
@@ -5,7 +5,7 @@
     <p:sldMasterId id="2147483648" r:id="rId1"/>
   </p:sldMasterIdLst>
   <p:notesMasterIdLst>
-    <p:notesMasterId r:id="rId16"/>
+    <p:notesMasterId r:id="rId23"/>
   </p:notesMasterIdLst>
   <p:sldIdLst>
     <p:sldId id="256" r:id="rId2"/>
@@ -17,11 +17,18 @@
     <p:sldId id="303" r:id="rId8"/>
     <p:sldId id="304" r:id="rId9"/>
     <p:sldId id="305" r:id="rId10"/>
-    <p:sldId id="350" r:id="rId11"/>
-    <p:sldId id="351" r:id="rId12"/>
-    <p:sldId id="352" r:id="rId13"/>
-    <p:sldId id="353" r:id="rId14"/>
-    <p:sldId id="298" r:id="rId15"/>
+    <p:sldId id="351" r:id="rId11"/>
+    <p:sldId id="352" r:id="rId12"/>
+    <p:sldId id="353" r:id="rId13"/>
+    <p:sldId id="354" r:id="rId14"/>
+    <p:sldId id="355" r:id="rId15"/>
+    <p:sldId id="356" r:id="rId16"/>
+    <p:sldId id="358" r:id="rId17"/>
+    <p:sldId id="359" r:id="rId18"/>
+    <p:sldId id="361" r:id="rId19"/>
+    <p:sldId id="350" r:id="rId20"/>
+    <p:sldId id="362" r:id="rId21"/>
+    <p:sldId id="298" r:id="rId22"/>
   </p:sldIdLst>
   <p:sldSz cx="12192000" cy="6858000"/>
   <p:notesSz cx="6858000" cy="9144000"/>
@@ -122,7 +129,18 @@
   </p:defaultTextStyle>
   <p:extLst>
     <p:ext uri="{EFAFB233-063F-42B5-8137-9DF3F51BA10A}">
-      <p15:sldGuideLst xmlns:p15="http://schemas.microsoft.com/office/powerpoint/2012/main"/>
+      <p15:sldGuideLst xmlns:p15="http://schemas.microsoft.com/office/powerpoint/2012/main">
+        <p15:guide id="1" orient="horz" pos="2160" userDrawn="1">
+          <p15:clr>
+            <a:srgbClr val="A4A3A4"/>
+          </p15:clr>
+        </p15:guide>
+        <p15:guide id="2" pos="3840" userDrawn="1">
+          <p15:clr>
+            <a:srgbClr val="A4A3A4"/>
+          </p15:clr>
+        </p15:guide>
+      </p15:sldGuideLst>
     </p:ext>
   </p:extLst>
 </p:presentation>
@@ -1777,35 +1795,6 @@
           <a:bodyPr/>
           <a:lstStyle/>
           <a:p>
-            <a:r>
-              <a:rPr lang="zh-TW" altLang="en-US" b="0" i="0" dirty="0">
-                <a:solidFill>
-                  <a:srgbClr val="252525"/>
-                </a:solidFill>
-                <a:effectLst/>
-                <a:latin typeface="Roboto" panose="02000000000000000000" pitchFamily="2" charset="0"/>
-              </a:rPr>
-              <a:t>上海鐳達晶元智慧科技有限公司</a:t>
-            </a:r>
-            <a:endParaRPr lang="en-US" altLang="zh-TW" b="0" i="0" dirty="0">
-              <a:solidFill>
-                <a:srgbClr val="252525"/>
-              </a:solidFill>
-              <a:effectLst/>
-              <a:latin typeface="Roboto" panose="02000000000000000000" pitchFamily="2" charset="0"/>
-            </a:endParaRPr>
-          </a:p>
-          <a:p>
-            <a:r>
-              <a:rPr lang="zh-TW" altLang="en-US" b="0" i="0" dirty="0">
-                <a:solidFill>
-                  <a:srgbClr val="252525"/>
-                </a:solidFill>
-                <a:effectLst/>
-                <a:latin typeface="Roboto" panose="02000000000000000000" pitchFamily="2" charset="0"/>
-              </a:rPr>
-              <a:t>復旦大學專用積體電路與系統國家重點實驗室</a:t>
-            </a:r>
             <a:endParaRPr lang="en-US" dirty="0"/>
           </a:p>
         </p:txBody>
@@ -1837,6 +1826,740 @@
     <p:extLst>
       <p:ext uri="{BB962C8B-B14F-4D97-AF65-F5344CB8AC3E}">
         <p14:creationId xmlns:p14="http://schemas.microsoft.com/office/powerpoint/2010/main" val="1194950833"/>
+      </p:ext>
+    </p:extLst>
+  </p:cSld>
+  <p:clrMapOvr>
+    <a:masterClrMapping/>
+  </p:clrMapOvr>
+</p:notes>
+</file>
+
+<file path=ppt/notesSlides/notesSlide10.xml><?xml version="1.0" encoding="utf-8"?>
+<p:notes xmlns:a="http://schemas.openxmlformats.org/drawingml/2006/main" xmlns:r="http://schemas.openxmlformats.org/officeDocument/2006/relationships" xmlns:p="http://schemas.openxmlformats.org/presentationml/2006/main">
+  <p:cSld>
+    <p:spTree>
+      <p:nvGrpSpPr>
+        <p:cNvPr id="1" name=""/>
+        <p:cNvGrpSpPr/>
+        <p:nvPr/>
+      </p:nvGrpSpPr>
+      <p:grpSpPr>
+        <a:xfrm>
+          <a:off x="0" y="0"/>
+          <a:ext cx="0" cy="0"/>
+          <a:chOff x="0" y="0"/>
+          <a:chExt cx="0" cy="0"/>
+        </a:xfrm>
+      </p:grpSpPr>
+      <p:sp>
+        <p:nvSpPr>
+          <p:cNvPr id="2" name="投影片影像版面配置區 1"/>
+          <p:cNvSpPr>
+            <a:spLocks noGrp="1" noRot="1" noChangeAspect="1"/>
+          </p:cNvSpPr>
+          <p:nvPr>
+            <p:ph type="sldImg"/>
+          </p:nvPr>
+        </p:nvSpPr>
+        <p:spPr/>
+      </p:sp>
+      <mc:AlternateContent xmlns:mc="http://schemas.openxmlformats.org/markup-compatibility/2006">
+        <mc:Choice xmlns:a14="http://schemas.microsoft.com/office/drawing/2010/main" Requires="a14">
+          <p:sp>
+            <p:nvSpPr>
+              <p:cNvPr id="3" name="備忘稿版面配置區 2"/>
+              <p:cNvSpPr>
+                <a:spLocks noGrp="1"/>
+              </p:cNvSpPr>
+              <p:nvPr>
+                <p:ph type="body" idx="1"/>
+              </p:nvPr>
+            </p:nvSpPr>
+            <p:spPr/>
+            <p:txBody>
+              <a:bodyPr/>
+              <a:lstStyle/>
+              <a:p>
+                <a:r>
+                  <a:rPr lang="en-US" altLang="zh-TW" dirty="0"/>
+                  <a:t>* </a:t>
+                </a:r>
+                <a14:m>
+                  <m:oMath xmlns:m="http://schemas.openxmlformats.org/officeDocument/2006/math">
+                    <m:sSup>
+                      <m:sSupPr>
+                        <m:ctrlPr>
+                          <a:rPr lang="en-US" altLang="zh-TW" sz="1200" i="1" smtClean="0">
+                            <a:latin typeface="Cambria Math" panose="02040503050406030204" pitchFamily="18" charset="0"/>
+                            <a:cs typeface="Times" panose="02020603050405020304" pitchFamily="18" charset="0"/>
+                          </a:rPr>
+                        </m:ctrlPr>
+                      </m:sSupPr>
+                      <m:e>
+                        <m:r>
+                          <a:rPr lang="en-US" altLang="zh-TW" sz="1200" i="1">
+                            <a:latin typeface="Cambria Math" panose="02040503050406030204" pitchFamily="18" charset="0"/>
+                            <a:cs typeface="Times" panose="02020603050405020304" pitchFamily="18" charset="0"/>
+                          </a:rPr>
+                          <m:t>𝑦</m:t>
+                        </m:r>
+                      </m:e>
+                      <m:sup>
+                        <m:r>
+                          <a:rPr lang="en-US" altLang="zh-TW" sz="1200" i="1">
+                            <a:latin typeface="Cambria Math" panose="02040503050406030204" pitchFamily="18" charset="0"/>
+                            <a:cs typeface="Times" panose="02020603050405020304" pitchFamily="18" charset="0"/>
+                          </a:rPr>
+                          <m:t>(</m:t>
+                        </m:r>
+                        <m:r>
+                          <a:rPr lang="en-US" altLang="zh-TW" sz="1200" i="1">
+                            <a:latin typeface="Cambria Math" panose="02040503050406030204" pitchFamily="18" charset="0"/>
+                            <a:cs typeface="Times" panose="02020603050405020304" pitchFamily="18" charset="0"/>
+                          </a:rPr>
+                          <m:t>𝑘</m:t>
+                        </m:r>
+                        <m:r>
+                          <a:rPr lang="en-US" altLang="zh-TW" sz="1200" i="1">
+                            <a:latin typeface="Cambria Math" panose="02040503050406030204" pitchFamily="18" charset="0"/>
+                            <a:cs typeface="Times" panose="02020603050405020304" pitchFamily="18" charset="0"/>
+                          </a:rPr>
+                          <m:t>−1)</m:t>
+                        </m:r>
+                      </m:sup>
+                    </m:sSup>
+                    <m:r>
+                      <a:rPr lang="en-US" altLang="zh-TW" sz="1200" b="0" i="1" smtClean="0">
+                        <a:latin typeface="Cambria Math" panose="02040503050406030204" pitchFamily="18" charset="0"/>
+                        <a:cs typeface="Times" panose="02020603050405020304" pitchFamily="18" charset="0"/>
+                      </a:rPr>
+                      <m:t>=</m:t>
+                    </m:r>
+                    <m:sSup>
+                      <m:sSupPr>
+                        <m:ctrlPr>
+                          <a:rPr lang="en-US" altLang="zh-TW" sz="1200" i="1" smtClean="0">
+                            <a:latin typeface="Cambria Math" panose="02040503050406030204" pitchFamily="18" charset="0"/>
+                            <a:cs typeface="Times" panose="02020603050405020304" pitchFamily="18" charset="0"/>
+                          </a:rPr>
+                        </m:ctrlPr>
+                      </m:sSupPr>
+                      <m:e>
+                        <m:r>
+                          <a:rPr lang="en-US" altLang="zh-TW" sz="1200" b="0" i="1" smtClean="0">
+                            <a:latin typeface="Cambria Math" panose="02040503050406030204" pitchFamily="18" charset="0"/>
+                            <a:cs typeface="Times" panose="02020603050405020304" pitchFamily="18" charset="0"/>
+                          </a:rPr>
+                          <m:t>𝐻</m:t>
+                        </m:r>
+                      </m:e>
+                      <m:sup>
+                        <m:d>
+                          <m:dPr>
+                            <m:ctrlPr>
+                              <a:rPr lang="en-US" altLang="zh-TW" sz="1200" i="1" smtClean="0">
+                                <a:latin typeface="Cambria Math" panose="02040503050406030204" pitchFamily="18" charset="0"/>
+                                <a:cs typeface="Times" panose="02020603050405020304" pitchFamily="18" charset="0"/>
+                              </a:rPr>
+                            </m:ctrlPr>
+                          </m:dPr>
+                          <m:e>
+                            <m:r>
+                              <a:rPr lang="en-US" altLang="zh-TW" sz="1200" b="0" i="1" smtClean="0">
+                                <a:latin typeface="Cambria Math" panose="02040503050406030204" pitchFamily="18" charset="0"/>
+                                <a:cs typeface="Times" panose="02020603050405020304" pitchFamily="18" charset="0"/>
+                              </a:rPr>
+                              <m:t>𝑘</m:t>
+                            </m:r>
+                          </m:e>
+                        </m:d>
+                      </m:sup>
+                    </m:sSup>
+                    <m:sSup>
+                      <m:sSupPr>
+                        <m:ctrlPr>
+                          <a:rPr lang="en-US" altLang="zh-TW" sz="1200" i="1" smtClean="0">
+                            <a:latin typeface="Cambria Math" panose="02040503050406030204" pitchFamily="18" charset="0"/>
+                            <a:cs typeface="Times" panose="02020603050405020304" pitchFamily="18" charset="0"/>
+                          </a:rPr>
+                        </m:ctrlPr>
+                      </m:sSupPr>
+                      <m:e>
+                        <m:r>
+                          <a:rPr lang="en-US" altLang="zh-TW" sz="1200" b="0" i="1" smtClean="0">
+                            <a:latin typeface="Cambria Math" panose="02040503050406030204" pitchFamily="18" charset="0"/>
+                            <a:cs typeface="Times" panose="02020603050405020304" pitchFamily="18" charset="0"/>
+                          </a:rPr>
+                          <m:t>𝑠</m:t>
+                        </m:r>
+                      </m:e>
+                      <m:sup>
+                        <m:r>
+                          <a:rPr lang="en-US" altLang="zh-TW" sz="1200" b="0" i="1" smtClean="0">
+                            <a:latin typeface="Cambria Math" panose="02040503050406030204" pitchFamily="18" charset="0"/>
+                            <a:cs typeface="Times" panose="02020603050405020304" pitchFamily="18" charset="0"/>
+                          </a:rPr>
+                          <m:t>(</m:t>
+                        </m:r>
+                        <m:r>
+                          <a:rPr lang="en-US" altLang="zh-TW" sz="1200" b="0" i="1" smtClean="0">
+                            <a:latin typeface="Cambria Math" panose="02040503050406030204" pitchFamily="18" charset="0"/>
+                            <a:cs typeface="Times" panose="02020603050405020304" pitchFamily="18" charset="0"/>
+                          </a:rPr>
+                          <m:t>𝑘</m:t>
+                        </m:r>
+                        <m:r>
+                          <a:rPr lang="en-US" altLang="zh-TW" sz="1200" b="0" i="1" smtClean="0">
+                            <a:latin typeface="Cambria Math" panose="02040503050406030204" pitchFamily="18" charset="0"/>
+                            <a:cs typeface="Times" panose="02020603050405020304" pitchFamily="18" charset="0"/>
+                          </a:rPr>
+                          <m:t>−1)</m:t>
+                        </m:r>
+                      </m:sup>
+                    </m:sSup>
+                  </m:oMath>
+                </a14:m>
+                <a:r>
+                  <a:rPr lang="zh-TW" altLang="en-US" dirty="0"/>
+                  <a:t>是</a:t>
+                </a:r>
+                <a:r>
+                  <a:rPr lang="en-US" altLang="zh-TW" dirty="0"/>
+                  <a:t>quasi</a:t>
+                </a:r>
+                <a:r>
+                  <a:rPr lang="en-US" altLang="zh-TW" baseline="0" dirty="0"/>
+                  <a:t>-newton</a:t>
+                </a:r>
+                <a:r>
+                  <a:rPr lang="zh-TW" altLang="en-US" baseline="0" dirty="0"/>
+                  <a:t>估計</a:t>
+                </a:r>
+                <a:r>
+                  <a:rPr lang="en-US" altLang="zh-TW" baseline="0" dirty="0"/>
+                  <a:t>hessian</a:t>
+                </a:r>
+                <a:r>
+                  <a:rPr lang="zh-TW" altLang="en-US" baseline="0" dirty="0"/>
+                  <a:t>的方式</a:t>
+                </a:r>
+                <a:endParaRPr lang="zh-TW" altLang="en-US" dirty="0"/>
+              </a:p>
+            </p:txBody>
+          </p:sp>
+        </mc:Choice>
+        <mc:Fallback>
+          <p:sp>
+            <p:nvSpPr>
+              <p:cNvPr id="3" name="備忘稿版面配置區 2"/>
+              <p:cNvSpPr>
+                <a:spLocks noGrp="1"/>
+              </p:cNvSpPr>
+              <p:nvPr>
+                <p:ph type="body" idx="1"/>
+              </p:nvPr>
+            </p:nvSpPr>
+            <p:spPr/>
+            <p:txBody>
+              <a:bodyPr/>
+              <a:lstStyle/>
+              <a:p>
+                <a:r>
+                  <a:rPr lang="en-US" altLang="zh-TW" dirty="0"/>
+                  <a:t>* </a:t>
+                </a:r>
+                <a:r>
+                  <a:rPr lang="en-US" altLang="zh-TW" sz="1200" i="0">
+                    <a:latin typeface="Cambria Math" panose="02040503050406030204" pitchFamily="18" charset="0"/>
+                    <a:cs typeface="Times" panose="02020603050405020304" pitchFamily="18" charset="0"/>
+                  </a:rPr>
+                  <a:t>𝑦^((𝑘−1))</a:t>
+                </a:r>
+                <a:r>
+                  <a:rPr lang="en-US" altLang="zh-TW" sz="1200" b="0" i="0">
+                    <a:latin typeface="Cambria Math" panose="02040503050406030204" pitchFamily="18" charset="0"/>
+                    <a:cs typeface="Times" panose="02020603050405020304" pitchFamily="18" charset="0"/>
+                  </a:rPr>
+                  <a:t>=𝐻^((𝑘) ) 𝑠^((𝑘−1))</a:t>
+                </a:r>
+                <a:r>
+                  <a:rPr lang="zh-TW" altLang="en-US" dirty="0"/>
+                  <a:t>是</a:t>
+                </a:r>
+                <a:r>
+                  <a:rPr lang="en-US" altLang="zh-TW" dirty="0"/>
+                  <a:t>quasi</a:t>
+                </a:r>
+                <a:r>
+                  <a:rPr lang="en-US" altLang="zh-TW" baseline="0" dirty="0"/>
+                  <a:t>-newton</a:t>
+                </a:r>
+                <a:r>
+                  <a:rPr lang="zh-TW" altLang="en-US" baseline="0" dirty="0"/>
+                  <a:t>估計</a:t>
+                </a:r>
+                <a:r>
+                  <a:rPr lang="en-US" altLang="zh-TW" baseline="0" dirty="0"/>
+                  <a:t>hessian</a:t>
+                </a:r>
+                <a:r>
+                  <a:rPr lang="zh-TW" altLang="en-US" baseline="0" dirty="0"/>
+                  <a:t>的方式</a:t>
+                </a:r>
+                <a:endParaRPr lang="zh-TW" altLang="en-US" dirty="0"/>
+              </a:p>
+            </p:txBody>
+          </p:sp>
+        </mc:Fallback>
+      </mc:AlternateContent>
+      <p:sp>
+        <p:nvSpPr>
+          <p:cNvPr id="4" name="投影片編號版面配置區 3"/>
+          <p:cNvSpPr>
+            <a:spLocks noGrp="1"/>
+          </p:cNvSpPr>
+          <p:nvPr>
+            <p:ph type="sldNum" sz="quarter" idx="5"/>
+          </p:nvPr>
+        </p:nvSpPr>
+        <p:spPr/>
+        <p:txBody>
+          <a:bodyPr/>
+          <a:lstStyle/>
+          <a:p>
+            <a:fld id="{9D457EAB-1485-47AD-BEAD-484FAEBF5A54}" type="slidenum">
+              <a:rPr lang="en-US" smtClean="0"/>
+              <a:t>15</a:t>
+            </a:fld>
+            <a:endParaRPr lang="en-US"/>
+          </a:p>
+        </p:txBody>
+      </p:sp>
+    </p:spTree>
+    <p:extLst>
+      <p:ext uri="{BB962C8B-B14F-4D97-AF65-F5344CB8AC3E}">
+        <p14:creationId xmlns:p14="http://schemas.microsoft.com/office/powerpoint/2010/main" val="111738953"/>
+      </p:ext>
+    </p:extLst>
+  </p:cSld>
+  <p:clrMapOvr>
+    <a:masterClrMapping/>
+  </p:clrMapOvr>
+</p:notes>
+</file>
+
+<file path=ppt/notesSlides/notesSlide11.xml><?xml version="1.0" encoding="utf-8"?>
+<p:notes xmlns:a="http://schemas.openxmlformats.org/drawingml/2006/main" xmlns:r="http://schemas.openxmlformats.org/officeDocument/2006/relationships" xmlns:p="http://schemas.openxmlformats.org/presentationml/2006/main">
+  <p:cSld>
+    <p:spTree>
+      <p:nvGrpSpPr>
+        <p:cNvPr id="1" name=""/>
+        <p:cNvGrpSpPr/>
+        <p:nvPr/>
+      </p:nvGrpSpPr>
+      <p:grpSpPr>
+        <a:xfrm>
+          <a:off x="0" y="0"/>
+          <a:ext cx="0" cy="0"/>
+          <a:chOff x="0" y="0"/>
+          <a:chExt cx="0" cy="0"/>
+        </a:xfrm>
+      </p:grpSpPr>
+      <p:sp>
+        <p:nvSpPr>
+          <p:cNvPr id="2" name="投影片影像版面配置區 1"/>
+          <p:cNvSpPr>
+            <a:spLocks noGrp="1" noRot="1" noChangeAspect="1"/>
+          </p:cNvSpPr>
+          <p:nvPr>
+            <p:ph type="sldImg"/>
+          </p:nvPr>
+        </p:nvSpPr>
+        <p:spPr/>
+      </p:sp>
+      <p:sp>
+        <p:nvSpPr>
+          <p:cNvPr id="3" name="備忘稿版面配置區 2"/>
+          <p:cNvSpPr>
+            <a:spLocks noGrp="1"/>
+          </p:cNvSpPr>
+          <p:nvPr>
+            <p:ph type="body" idx="1"/>
+          </p:nvPr>
+        </p:nvSpPr>
+        <p:spPr/>
+        <p:txBody>
+          <a:bodyPr/>
+          <a:lstStyle/>
+          <a:p>
+            <a:r>
+              <a:rPr lang="en-US" altLang="zh-TW" dirty="0"/>
+              <a:t>* </a:t>
+            </a:r>
+            <a:r>
+              <a:rPr lang="zh-TW" altLang="en-US" dirty="0"/>
+              <a:t>因為不能保證</a:t>
+            </a:r>
+            <a:r>
+              <a:rPr lang="en-US" altLang="zh-TW" dirty="0"/>
+              <a:t>cost function</a:t>
+            </a:r>
+            <a:r>
+              <a:rPr lang="zh-TW" altLang="en-US" dirty="0"/>
+              <a:t>的單調遞減 </a:t>
+            </a:r>
+            <a:r>
+              <a:rPr lang="en-US" altLang="zh-TW" dirty="0"/>
+              <a:t>(</a:t>
+            </a:r>
+            <a:r>
+              <a:rPr lang="zh-TW" altLang="en-US" dirty="0"/>
+              <a:t>二次函數一定是單調遞減</a:t>
+            </a:r>
+            <a:r>
+              <a:rPr lang="en-US" altLang="zh-TW" dirty="0"/>
+              <a:t>)</a:t>
+            </a:r>
+            <a:endParaRPr lang="zh-TW" altLang="en-US" dirty="0"/>
+          </a:p>
+        </p:txBody>
+      </p:sp>
+      <p:sp>
+        <p:nvSpPr>
+          <p:cNvPr id="4" name="投影片編號版面配置區 3"/>
+          <p:cNvSpPr>
+            <a:spLocks noGrp="1"/>
+          </p:cNvSpPr>
+          <p:nvPr>
+            <p:ph type="sldNum" sz="quarter" idx="5"/>
+          </p:nvPr>
+        </p:nvSpPr>
+        <p:spPr/>
+        <p:txBody>
+          <a:bodyPr/>
+          <a:lstStyle/>
+          <a:p>
+            <a:fld id="{9D457EAB-1485-47AD-BEAD-484FAEBF5A54}" type="slidenum">
+              <a:rPr lang="en-US" smtClean="0"/>
+              <a:t>16</a:t>
+            </a:fld>
+            <a:endParaRPr lang="en-US"/>
+          </a:p>
+        </p:txBody>
+      </p:sp>
+    </p:spTree>
+    <p:extLst>
+      <p:ext uri="{BB962C8B-B14F-4D97-AF65-F5344CB8AC3E}">
+        <p14:creationId xmlns:p14="http://schemas.microsoft.com/office/powerpoint/2010/main" val="2698943338"/>
+      </p:ext>
+    </p:extLst>
+  </p:cSld>
+  <p:clrMapOvr>
+    <a:masterClrMapping/>
+  </p:clrMapOvr>
+</p:notes>
+</file>
+
+<file path=ppt/notesSlides/notesSlide12.xml><?xml version="1.0" encoding="utf-8"?>
+<p:notes xmlns:a="http://schemas.openxmlformats.org/drawingml/2006/main" xmlns:r="http://schemas.openxmlformats.org/officeDocument/2006/relationships" xmlns:p="http://schemas.openxmlformats.org/presentationml/2006/main">
+  <p:cSld>
+    <p:spTree>
+      <p:nvGrpSpPr>
+        <p:cNvPr id="1" name=""/>
+        <p:cNvGrpSpPr/>
+        <p:nvPr/>
+      </p:nvGrpSpPr>
+      <p:grpSpPr>
+        <a:xfrm>
+          <a:off x="0" y="0"/>
+          <a:ext cx="0" cy="0"/>
+          <a:chOff x="0" y="0"/>
+          <a:chExt cx="0" cy="0"/>
+        </a:xfrm>
+      </p:grpSpPr>
+      <p:sp>
+        <p:nvSpPr>
+          <p:cNvPr id="2" name="投影片影像版面配置區 1"/>
+          <p:cNvSpPr>
+            <a:spLocks noGrp="1" noRot="1" noChangeAspect="1"/>
+          </p:cNvSpPr>
+          <p:nvPr>
+            <p:ph type="sldImg"/>
+          </p:nvPr>
+        </p:nvSpPr>
+        <p:spPr/>
+      </p:sp>
+      <p:sp>
+        <p:nvSpPr>
+          <p:cNvPr id="3" name="備忘稿版面配置區 2"/>
+          <p:cNvSpPr>
+            <a:spLocks noGrp="1"/>
+          </p:cNvSpPr>
+          <p:nvPr>
+            <p:ph type="body" idx="1"/>
+          </p:nvPr>
+        </p:nvSpPr>
+        <p:spPr/>
+        <p:txBody>
+          <a:bodyPr/>
+          <a:lstStyle/>
+          <a:p>
+            <a:endParaRPr lang="zh-TW" altLang="en-US" dirty="0"/>
+          </a:p>
+        </p:txBody>
+      </p:sp>
+      <p:sp>
+        <p:nvSpPr>
+          <p:cNvPr id="4" name="投影片編號版面配置區 3"/>
+          <p:cNvSpPr>
+            <a:spLocks noGrp="1"/>
+          </p:cNvSpPr>
+          <p:nvPr>
+            <p:ph type="sldNum" sz="quarter" idx="5"/>
+          </p:nvPr>
+        </p:nvSpPr>
+        <p:spPr/>
+        <p:txBody>
+          <a:bodyPr/>
+          <a:lstStyle/>
+          <a:p>
+            <a:fld id="{9D457EAB-1485-47AD-BEAD-484FAEBF5A54}" type="slidenum">
+              <a:rPr lang="en-US" smtClean="0"/>
+              <a:t>17</a:t>
+            </a:fld>
+            <a:endParaRPr lang="en-US"/>
+          </a:p>
+        </p:txBody>
+      </p:sp>
+    </p:spTree>
+    <p:extLst>
+      <p:ext uri="{BB962C8B-B14F-4D97-AF65-F5344CB8AC3E}">
+        <p14:creationId xmlns:p14="http://schemas.microsoft.com/office/powerpoint/2010/main" val="3171542965"/>
+      </p:ext>
+    </p:extLst>
+  </p:cSld>
+  <p:clrMapOvr>
+    <a:masterClrMapping/>
+  </p:clrMapOvr>
+</p:notes>
+</file>
+
+<file path=ppt/notesSlides/notesSlide13.xml><?xml version="1.0" encoding="utf-8"?>
+<p:notes xmlns:a="http://schemas.openxmlformats.org/drawingml/2006/main" xmlns:r="http://schemas.openxmlformats.org/officeDocument/2006/relationships" xmlns:p="http://schemas.openxmlformats.org/presentationml/2006/main">
+  <p:cSld>
+    <p:spTree>
+      <p:nvGrpSpPr>
+        <p:cNvPr id="1" name=""/>
+        <p:cNvGrpSpPr/>
+        <p:nvPr/>
+      </p:nvGrpSpPr>
+      <p:grpSpPr>
+        <a:xfrm>
+          <a:off x="0" y="0"/>
+          <a:ext cx="0" cy="0"/>
+          <a:chOff x="0" y="0"/>
+          <a:chExt cx="0" cy="0"/>
+        </a:xfrm>
+      </p:grpSpPr>
+      <p:sp>
+        <p:nvSpPr>
+          <p:cNvPr id="2" name="投影片影像版面配置區 1"/>
+          <p:cNvSpPr>
+            <a:spLocks noGrp="1" noRot="1" noChangeAspect="1"/>
+          </p:cNvSpPr>
+          <p:nvPr>
+            <p:ph type="sldImg"/>
+          </p:nvPr>
+        </p:nvSpPr>
+        <p:spPr/>
+      </p:sp>
+      <mc:AlternateContent xmlns:mc="http://schemas.openxmlformats.org/markup-compatibility/2006" xmlns:a14="http://schemas.microsoft.com/office/drawing/2010/main">
+        <mc:Choice Requires="a14">
+          <p:sp>
+            <p:nvSpPr>
+              <p:cNvPr id="3" name="備忘稿版面配置區 2"/>
+              <p:cNvSpPr>
+                <a:spLocks noGrp="1"/>
+              </p:cNvSpPr>
+              <p:nvPr>
+                <p:ph type="body" idx="1"/>
+              </p:nvPr>
+            </p:nvSpPr>
+            <p:spPr/>
+            <p:txBody>
+              <a:bodyPr/>
+              <a:lstStyle/>
+              <a:p>
+                <a:pPr marL="171450" indent="-171450">
+                  <a:buFont typeface="Arial" panose="020B0604020202020204" pitchFamily="34" charset="0"/>
+                  <a:buChar char="•"/>
+                </a:pPr>
+                <a:br>
+                  <a:rPr lang="en-US" altLang="zh-TW" sz="1200" i="0" dirty="0">
+                    <a:latin typeface="Cambria Math" panose="02040503050406030204" pitchFamily="18" charset="0"/>
+                    <a:cs typeface="Times" panose="02020603050405020304" pitchFamily="18" charset="0"/>
+                  </a:rPr>
+                </a:br>
+                <a:endParaRPr lang="en-US" altLang="zh-TW" sz="1200" i="0" dirty="0">
+                  <a:latin typeface="Cambria Math" panose="02040503050406030204" pitchFamily="18" charset="0"/>
+                  <a:cs typeface="Times" panose="02020603050405020304" pitchFamily="18" charset="0"/>
+                </a:endParaRPr>
+              </a:p>
+            </p:txBody>
+          </p:sp>
+        </mc:Choice>
+        <mc:Fallback xmlns="">
+          <p:sp>
+            <p:nvSpPr>
+              <p:cNvPr id="3" name="備忘稿版面配置區 2"/>
+              <p:cNvSpPr>
+                <a:spLocks noGrp="1"/>
+              </p:cNvSpPr>
+              <p:nvPr>
+                <p:ph type="body" idx="1"/>
+              </p:nvPr>
+            </p:nvSpPr>
+            <p:spPr/>
+            <p:txBody>
+              <a:bodyPr/>
+              <a:lstStyle/>
+              <a:p>
+                <a:pPr marL="171450" indent="-171450">
+                  <a:buFont typeface="Arial" panose="020B0604020202020204" pitchFamily="34" charset="0"/>
+                  <a:buChar char="•"/>
+                </a:pPr>
+                <a:r>
+                  <a:rPr lang="en-US" altLang="zh-TW" sz="1200" dirty="0">
+                    <a:latin typeface="Times" panose="02020603050405020304" pitchFamily="18" charset="0"/>
+                    <a:cs typeface="Times" panose="02020603050405020304" pitchFamily="18" charset="0"/>
+                  </a:rPr>
+                  <a:t>Electrostatic:</a:t>
+                </a:r>
+                <a:r>
+                  <a:rPr lang="zh-TW" altLang="en-US" sz="1200" dirty="0">
+                    <a:latin typeface="Times" panose="02020603050405020304" pitchFamily="18" charset="0"/>
+                    <a:cs typeface="Times" panose="02020603050405020304" pitchFamily="18" charset="0"/>
+                  </a:rPr>
+                  <a:t> 靜電</a:t>
+                </a:r>
+                <a:endParaRPr lang="en-US" altLang="zh-TW" sz="1200" i="1" dirty="0">
+                  <a:latin typeface="Cambria Math" panose="02040503050406030204" pitchFamily="18" charset="0"/>
+                  <a:cs typeface="Times" panose="02020603050405020304" pitchFamily="18" charset="0"/>
+                </a:endParaRPr>
+              </a:p>
+              <a:p>
+                <a:pPr marL="171450" indent="-171450">
+                  <a:buFont typeface="Arial" panose="020B0604020202020204" pitchFamily="34" charset="0"/>
+                  <a:buChar char="•"/>
+                </a:pPr>
+                <a:r>
+                  <a:rPr lang="en-US" altLang="zh-TW" sz="1200" i="0">
+                    <a:latin typeface="Cambria Math" panose="02040503050406030204" pitchFamily="18" charset="0"/>
+                    <a:cs typeface="Times" panose="02020603050405020304" pitchFamily="18" charset="0"/>
+                  </a:rPr>
+                  <a:t>𝑊_(𝑒_</a:t>
+                </a:r>
+                <a:r>
+                  <a:rPr lang="en-US" altLang="zh-TW" sz="1200" b="0" i="0">
+                    <a:latin typeface="Cambria Math" panose="02040503050406030204" pitchFamily="18" charset="0"/>
+                    <a:cs typeface="Times" panose="02020603050405020304" pitchFamily="18" charset="0"/>
+                  </a:rPr>
+                  <a:t>𝑖 ) </a:t>
+                </a:r>
+                <a:r>
+                  <a:rPr lang="en-US" altLang="zh-TW" sz="1200" i="0">
+                    <a:latin typeface="Cambria Math" panose="02040503050406030204" pitchFamily="18" charset="0"/>
+                    <a:cs typeface="Times" panose="02020603050405020304" pitchFamily="18" charset="0"/>
+                  </a:rPr>
+                  <a:t> (𝑥, 𝑦):</a:t>
+                </a:r>
+                <a:r>
+                  <a:rPr lang="zh-TW" altLang="en-US" dirty="0"/>
+                  <a:t> </a:t>
+                </a:r>
+                <a:r>
+                  <a:rPr lang="en-US" altLang="zh-TW" dirty="0"/>
+                  <a:t>weighted</a:t>
+                </a:r>
+                <a:r>
+                  <a:rPr lang="en-US" altLang="zh-TW" baseline="0" dirty="0"/>
+                  <a:t> wirelength of  net </a:t>
+                </a:r>
+                <a:r>
+                  <a:rPr lang="en-US" altLang="zh-TW" baseline="0" dirty="0" err="1"/>
+                  <a:t>ei</a:t>
+                </a:r>
+                <a:endParaRPr lang="en-US" altLang="zh-TW" baseline="0" dirty="0"/>
+              </a:p>
+              <a:p>
+                <a:pPr marL="171450" indent="-171450" algn="l">
+                  <a:buFont typeface="Arial" panose="020B0604020202020204" pitchFamily="34" charset="0"/>
+                  <a:buChar char="•"/>
+                </a:pPr>
+                <a:r>
+                  <a:rPr lang="el-GR" altLang="zh-TW" sz="1100" dirty="0"/>
+                  <a:t>Γ</a:t>
+                </a:r>
+                <a:r>
+                  <a:rPr lang="en-US" altLang="zh-TW" sz="1100" dirty="0"/>
+                  <a:t>:</a:t>
+                </a:r>
+                <a:r>
+                  <a:rPr lang="zh-TW" altLang="en-US" sz="1100" dirty="0"/>
+                  <a:t> </a:t>
+                </a:r>
+                <a:r>
+                  <a:rPr lang="en-US" altLang="zh-TW" sz="1800" b="0" i="0" u="none" strike="noStrike" baseline="0" dirty="0">
+                    <a:latin typeface="NimbusRomNo9L-Regu"/>
+                  </a:rPr>
+                  <a:t>smoothing parameter used to adjust the</a:t>
+                </a:r>
+                <a:r>
+                  <a:rPr lang="zh-TW" altLang="en-US" sz="1800" b="0" i="0" u="none" strike="noStrike" baseline="0" dirty="0">
+                    <a:latin typeface="NimbusRomNo9L-Regu"/>
+                  </a:rPr>
+                  <a:t> </a:t>
+                </a:r>
+                <a:r>
+                  <a:rPr lang="en-US" altLang="zh-TW" sz="1800" b="0" i="0" u="none" strike="noStrike" baseline="0" dirty="0">
+                    <a:latin typeface="NimbusRomNo9L-Regu"/>
+                  </a:rPr>
+                  <a:t>accuracy.</a:t>
+                </a:r>
+                <a:endParaRPr lang="zh-TW" altLang="en-US" sz="1100" dirty="0"/>
+              </a:p>
+            </p:txBody>
+          </p:sp>
+        </mc:Fallback>
+      </mc:AlternateContent>
+      <p:sp>
+        <p:nvSpPr>
+          <p:cNvPr id="4" name="投影片編號版面配置區 3"/>
+          <p:cNvSpPr>
+            <a:spLocks noGrp="1"/>
+          </p:cNvSpPr>
+          <p:nvPr>
+            <p:ph type="sldNum" sz="quarter" idx="5"/>
+          </p:nvPr>
+        </p:nvSpPr>
+        <p:spPr/>
+        <p:txBody>
+          <a:bodyPr/>
+          <a:lstStyle/>
+          <a:p>
+            <a:fld id="{9D457EAB-1485-47AD-BEAD-484FAEBF5A54}" type="slidenum">
+              <a:rPr lang="en-US" smtClean="0"/>
+              <a:t>18</a:t>
+            </a:fld>
+            <a:endParaRPr lang="en-US"/>
+          </a:p>
+        </p:txBody>
+      </p:sp>
+    </p:spTree>
+    <p:extLst>
+      <p:ext uri="{BB962C8B-B14F-4D97-AF65-F5344CB8AC3E}">
+        <p14:creationId xmlns:p14="http://schemas.microsoft.com/office/powerpoint/2010/main" val="136820913"/>
       </p:ext>
     </p:extLst>
   </p:cSld>
@@ -2677,165 +3400,45 @@
         </p:nvSpPr>
         <p:spPr/>
       </p:sp>
-      <mc:AlternateContent xmlns:mc="http://schemas.openxmlformats.org/markup-compatibility/2006" xmlns:a14="http://schemas.microsoft.com/office/drawing/2010/main">
-        <mc:Choice Requires="a14">
-          <p:sp>
-            <p:nvSpPr>
-              <p:cNvPr id="3" name="備忘稿版面配置區 2"/>
-              <p:cNvSpPr>
-                <a:spLocks noGrp="1"/>
-              </p:cNvSpPr>
-              <p:nvPr>
-                <p:ph type="body" idx="1"/>
-              </p:nvPr>
-            </p:nvSpPr>
-            <p:spPr/>
-            <p:txBody>
-              <a:bodyPr/>
-              <a:lstStyle/>
-              <a:p>
-                <a:pPr marL="171450" indent="-171450">
-                  <a:buFont typeface="Arial" panose="020B0604020202020204" pitchFamily="34" charset="0"/>
-                  <a:buChar char="•"/>
-                </a:pPr>
-                <a:br>
-                  <a:rPr lang="en-US" altLang="zh-TW" sz="1200" i="0" dirty="0">
-                    <a:latin typeface="Cambria Math" panose="02040503050406030204" pitchFamily="18" charset="0"/>
-                    <a:cs typeface="Times" panose="02020603050405020304" pitchFamily="18" charset="0"/>
-                  </a:rPr>
-                </a:br>
-                <a:endParaRPr lang="en-US" altLang="zh-TW" sz="1200" i="0" dirty="0">
-                  <a:latin typeface="Cambria Math" panose="02040503050406030204" pitchFamily="18" charset="0"/>
-                  <a:cs typeface="Times" panose="02020603050405020304" pitchFamily="18" charset="0"/>
-                </a:endParaRPr>
-              </a:p>
-            </p:txBody>
-          </p:sp>
-        </mc:Choice>
-        <mc:Fallback xmlns="">
-          <p:sp>
-            <p:nvSpPr>
-              <p:cNvPr id="3" name="備忘稿版面配置區 2"/>
-              <p:cNvSpPr>
-                <a:spLocks noGrp="1"/>
-              </p:cNvSpPr>
-              <p:nvPr>
-                <p:ph type="body" idx="1"/>
-              </p:nvPr>
-            </p:nvSpPr>
-            <p:spPr/>
-            <p:txBody>
-              <a:bodyPr/>
-              <a:lstStyle/>
-              <a:p>
-                <a:pPr marL="171450" indent="-171450">
-                  <a:buFont typeface="Arial" panose="020B0604020202020204" pitchFamily="34" charset="0"/>
-                  <a:buChar char="•"/>
-                </a:pPr>
-                <a:r>
-                  <a:rPr lang="en-US" altLang="zh-TW" sz="1200" dirty="0">
-                    <a:latin typeface="Times" panose="02020603050405020304" pitchFamily="18" charset="0"/>
-                    <a:cs typeface="Times" panose="02020603050405020304" pitchFamily="18" charset="0"/>
-                  </a:rPr>
-                  <a:t>Electrostatic:</a:t>
-                </a:r>
-                <a:r>
-                  <a:rPr lang="zh-TW" altLang="en-US" sz="1200" dirty="0">
-                    <a:latin typeface="Times" panose="02020603050405020304" pitchFamily="18" charset="0"/>
-                    <a:cs typeface="Times" panose="02020603050405020304" pitchFamily="18" charset="0"/>
-                  </a:rPr>
-                  <a:t> 靜電</a:t>
-                </a:r>
-                <a:endParaRPr lang="en-US" altLang="zh-TW" sz="1200" i="1" dirty="0">
-                  <a:latin typeface="Cambria Math" panose="02040503050406030204" pitchFamily="18" charset="0"/>
-                  <a:cs typeface="Times" panose="02020603050405020304" pitchFamily="18" charset="0"/>
-                </a:endParaRPr>
-              </a:p>
-              <a:p>
-                <a:pPr marL="171450" indent="-171450">
-                  <a:buFont typeface="Arial" panose="020B0604020202020204" pitchFamily="34" charset="0"/>
-                  <a:buChar char="•"/>
-                </a:pPr>
-                <a:r>
-                  <a:rPr lang="en-US" altLang="zh-TW" sz="1200" i="0">
-                    <a:latin typeface="Cambria Math" panose="02040503050406030204" pitchFamily="18" charset="0"/>
-                    <a:cs typeface="Times" panose="02020603050405020304" pitchFamily="18" charset="0"/>
-                  </a:rPr>
-                  <a:t>𝑊_(𝑒_</a:t>
-                </a:r>
-                <a:r>
-                  <a:rPr lang="en-US" altLang="zh-TW" sz="1200" b="0" i="0">
-                    <a:latin typeface="Cambria Math" panose="02040503050406030204" pitchFamily="18" charset="0"/>
-                    <a:cs typeface="Times" panose="02020603050405020304" pitchFamily="18" charset="0"/>
-                  </a:rPr>
-                  <a:t>𝑖 ) </a:t>
-                </a:r>
-                <a:r>
-                  <a:rPr lang="en-US" altLang="zh-TW" sz="1200" i="0">
-                    <a:latin typeface="Cambria Math" panose="02040503050406030204" pitchFamily="18" charset="0"/>
-                    <a:cs typeface="Times" panose="02020603050405020304" pitchFamily="18" charset="0"/>
-                  </a:rPr>
-                  <a:t> (𝑥, 𝑦):</a:t>
-                </a:r>
-                <a:r>
-                  <a:rPr lang="zh-TW" altLang="en-US" dirty="0"/>
-                  <a:t> </a:t>
-                </a:r>
-                <a:r>
-                  <a:rPr lang="en-US" altLang="zh-TW" dirty="0"/>
-                  <a:t>weighted</a:t>
-                </a:r>
-                <a:r>
-                  <a:rPr lang="en-US" altLang="zh-TW" baseline="0" dirty="0"/>
-                  <a:t> wirelength of  net </a:t>
-                </a:r>
-                <a:r>
-                  <a:rPr lang="en-US" altLang="zh-TW" baseline="0" dirty="0" err="1"/>
-                  <a:t>ei</a:t>
-                </a:r>
-                <a:endParaRPr lang="en-US" altLang="zh-TW" baseline="0" dirty="0"/>
-              </a:p>
-              <a:p>
-                <a:pPr marL="171450" indent="-171450" algn="l">
-                  <a:buFont typeface="Arial" panose="020B0604020202020204" pitchFamily="34" charset="0"/>
-                  <a:buChar char="•"/>
-                </a:pPr>
-                <a:r>
-                  <a:rPr lang="el-GR" altLang="zh-TW" sz="1100" dirty="0"/>
-                  <a:t>Γ</a:t>
-                </a:r>
-                <a:r>
-                  <a:rPr lang="en-US" altLang="zh-TW" sz="1100" dirty="0"/>
-                  <a:t>:</a:t>
-                </a:r>
-                <a:r>
-                  <a:rPr lang="zh-TW" altLang="en-US" sz="1100" dirty="0"/>
-                  <a:t> </a:t>
-                </a:r>
-                <a:r>
-                  <a:rPr lang="en-US" altLang="zh-TW" sz="1800" b="0" i="0" u="none" strike="noStrike" baseline="0" dirty="0">
-                    <a:latin typeface="NimbusRomNo9L-Regu"/>
-                  </a:rPr>
-                  <a:t>smoothing parameter used to adjust the</a:t>
-                </a:r>
-                <a:r>
-                  <a:rPr lang="zh-TW" altLang="en-US" sz="1800" b="0" i="0" u="none" strike="noStrike" baseline="0" dirty="0">
-                    <a:latin typeface="NimbusRomNo9L-Regu"/>
-                  </a:rPr>
-                  <a:t> </a:t>
-                </a:r>
-                <a:r>
-                  <a:rPr lang="en-US" altLang="zh-TW" sz="1800" b="0" i="0" u="none" strike="noStrike" baseline="0" dirty="0">
-                    <a:latin typeface="NimbusRomNo9L-Regu"/>
-                  </a:rPr>
-                  <a:t>accuracy.</a:t>
-                </a:r>
-                <a:endParaRPr lang="zh-TW" altLang="en-US" sz="1100" dirty="0"/>
-              </a:p>
-            </p:txBody>
-          </p:sp>
-        </mc:Fallback>
-      </mc:AlternateContent>
+      <p:sp>
+        <p:nvSpPr>
+          <p:cNvPr id="3" name="備忘稿版面配置區 2"/>
+          <p:cNvSpPr>
+            <a:spLocks noGrp="1"/>
+          </p:cNvSpPr>
+          <p:nvPr>
+            <p:ph type="body" idx="1"/>
+          </p:nvPr>
+        </p:nvSpPr>
+        <p:spPr/>
+        <p:txBody>
+          <a:bodyPr/>
+          <a:lstStyle/>
+          <a:p>
+            <a:r>
+              <a:rPr lang="en-US" altLang="zh-TW" dirty="0"/>
+              <a:t>* </a:t>
+            </a:r>
+            <a:r>
+              <a:rPr lang="zh-TW" altLang="en-US" dirty="0"/>
+              <a:t>用</a:t>
+            </a:r>
+            <a:r>
+              <a:rPr lang="en-US" altLang="zh-TW" dirty="0"/>
+              <a:t>weight</a:t>
+            </a:r>
+            <a:r>
+              <a:rPr lang="zh-TW" altLang="en-US" dirty="0"/>
+              <a:t>或是</a:t>
+            </a:r>
+            <a:r>
+              <a:rPr lang="en-US" altLang="zh-TW" dirty="0"/>
+              <a:t>log-sum-exp</a:t>
+            </a:r>
+            <a:endParaRPr lang="zh-TW" altLang="en-US" dirty="0"/>
+          </a:p>
+        </p:txBody>
+      </p:sp>
       <p:sp>
         <p:nvSpPr>
           <p:cNvPr id="4" name="投影片編號版面配置區 3"/>
@@ -2853,7 +3456,7 @@
           <a:p>
             <a:fld id="{9D457EAB-1485-47AD-BEAD-484FAEBF5A54}" type="slidenum">
               <a:rPr lang="en-US" smtClean="0"/>
-              <a:t>9</a:t>
+              <a:t>13</a:t>
             </a:fld>
             <a:endParaRPr lang="en-US"/>
           </a:p>
@@ -2862,7 +3465,7 @@
     </p:spTree>
     <p:extLst>
       <p:ext uri="{BB962C8B-B14F-4D97-AF65-F5344CB8AC3E}">
-        <p14:creationId xmlns:p14="http://schemas.microsoft.com/office/powerpoint/2010/main" val="3323775761"/>
+        <p14:creationId xmlns:p14="http://schemas.microsoft.com/office/powerpoint/2010/main" val="2664939161"/>
       </p:ext>
     </p:extLst>
   </p:cSld>
@@ -6498,664 +7101,6 @@
           <p:cNvPr id="2" name="標題 1">
             <a:extLst>
               <a:ext uri="{FF2B5EF4-FFF2-40B4-BE49-F238E27FC236}">
-                <a16:creationId xmlns:a16="http://schemas.microsoft.com/office/drawing/2014/main" id="{1A966039-7CDD-D245-131E-9FA688D523D3}"/>
-              </a:ext>
-            </a:extLst>
-          </p:cNvPr>
-          <p:cNvSpPr>
-            <a:spLocks noGrp="1"/>
-          </p:cNvSpPr>
-          <p:nvPr>
-            <p:ph type="title"/>
-          </p:nvPr>
-        </p:nvSpPr>
-        <p:spPr/>
-        <p:txBody>
-          <a:bodyPr/>
-          <a:lstStyle/>
-          <a:p>
-            <a:r>
-              <a:rPr lang="en-US" altLang="zh-TW" sz="4000" dirty="0">
-                <a:latin typeface="Times" panose="02020603050405020304" pitchFamily="18" charset="0"/>
-                <a:cs typeface="Times" panose="02020603050405020304" pitchFamily="18" charset="0"/>
-              </a:rPr>
-              <a:t>Preliminaries – Macro Legalization</a:t>
-            </a:r>
-            <a:endParaRPr lang="zh-TW" altLang="en-US" dirty="0">
-              <a:latin typeface="Times" panose="02020603050405020304" pitchFamily="18" charset="0"/>
-              <a:cs typeface="Times" panose="02020603050405020304" pitchFamily="18" charset="0"/>
-            </a:endParaRPr>
-          </a:p>
-        </p:txBody>
-      </p:sp>
-      <mc:AlternateContent xmlns:mc="http://schemas.openxmlformats.org/markup-compatibility/2006" xmlns:a14="http://schemas.microsoft.com/office/drawing/2010/main">
-        <mc:Choice Requires="a14">
-          <p:sp>
-            <p:nvSpPr>
-              <p:cNvPr id="3" name="內容版面配置區 2">
-                <a:extLst>
-                  <a:ext uri="{FF2B5EF4-FFF2-40B4-BE49-F238E27FC236}">
-                    <a16:creationId xmlns:a16="http://schemas.microsoft.com/office/drawing/2014/main" id="{CBD7CEA3-77D1-9FFB-94D0-23801E3C63EE}"/>
-                  </a:ext>
-                </a:extLst>
-              </p:cNvPr>
-              <p:cNvSpPr>
-                <a:spLocks noGrp="1"/>
-              </p:cNvSpPr>
-              <p:nvPr>
-                <p:ph idx="1"/>
-              </p:nvPr>
-            </p:nvSpPr>
-            <p:spPr>
-              <a:xfrm>
-                <a:off x="838200" y="1825625"/>
-                <a:ext cx="10515600" cy="4895850"/>
-              </a:xfrm>
-            </p:spPr>
-            <p:txBody>
-              <a:bodyPr>
-                <a:normAutofit lnSpcReduction="10000"/>
-              </a:bodyPr>
-              <a:lstStyle/>
-              <a:p>
-                <a:pPr>
-                  <a:lnSpc>
-                    <a:spcPct val="120000"/>
-                  </a:lnSpc>
-                </a:pPr>
-                <a:r>
-                  <a:rPr lang="en-US" altLang="zh-TW" sz="2400" dirty="0">
-                    <a:latin typeface="Times" panose="02020603050405020304" pitchFamily="18" charset="0"/>
-                    <a:cs typeface="Times" panose="02020603050405020304" pitchFamily="18" charset="0"/>
-                  </a:rPr>
-                  <a:t>Macro legalization can be formulated as following.</a:t>
-                </a:r>
-              </a:p>
-              <a:p>
-                <a:pPr>
-                  <a:lnSpc>
-                    <a:spcPct val="120000"/>
-                  </a:lnSpc>
-                </a:pPr>
-                <a:endParaRPr lang="en-US" altLang="zh-TW" sz="2400" dirty="0">
-                  <a:latin typeface="Times" panose="02020603050405020304" pitchFamily="18" charset="0"/>
-                  <a:cs typeface="Times" panose="02020603050405020304" pitchFamily="18" charset="0"/>
-                </a:endParaRPr>
-              </a:p>
-              <a:p>
-                <a:pPr>
-                  <a:lnSpc>
-                    <a:spcPct val="120000"/>
-                  </a:lnSpc>
-                </a:pPr>
-                <a:endParaRPr lang="en-US" altLang="zh-TW" sz="2400" dirty="0">
-                  <a:latin typeface="Times" panose="02020603050405020304" pitchFamily="18" charset="0"/>
-                  <a:cs typeface="Times" panose="02020603050405020304" pitchFamily="18" charset="0"/>
-                </a:endParaRPr>
-              </a:p>
-              <a:p>
-                <a:pPr>
-                  <a:lnSpc>
-                    <a:spcPct val="120000"/>
-                  </a:lnSpc>
-                </a:pPr>
-                <a:endParaRPr lang="en-US" altLang="zh-TW" sz="2400" dirty="0">
-                  <a:latin typeface="Times" panose="02020603050405020304" pitchFamily="18" charset="0"/>
-                  <a:cs typeface="Times" panose="02020603050405020304" pitchFamily="18" charset="0"/>
-                </a:endParaRPr>
-              </a:p>
-              <a:p>
-                <a:pPr>
-                  <a:lnSpc>
-                    <a:spcPct val="120000"/>
-                  </a:lnSpc>
-                </a:pPr>
-                <a:endParaRPr lang="en-US" altLang="zh-TW" sz="2400" dirty="0">
-                  <a:latin typeface="Times" panose="02020603050405020304" pitchFamily="18" charset="0"/>
-                  <a:cs typeface="Times" panose="02020603050405020304" pitchFamily="18" charset="0"/>
-                </a:endParaRPr>
-              </a:p>
-              <a:p>
-                <a:pPr>
-                  <a:lnSpc>
-                    <a:spcPct val="130000"/>
-                  </a:lnSpc>
-                  <a:buFont typeface="Wingdings" panose="05000000000000000000" pitchFamily="2" charset="2"/>
-                  <a:buChar char="Ø"/>
-                </a:pPr>
-                <a:r>
-                  <a:rPr lang="en-US" altLang="zh-TW" sz="2000" b="0" i="1" dirty="0"/>
-                  <a:t> (</a:t>
-                </a:r>
-                <a14:m>
-                  <m:oMath xmlns:m="http://schemas.openxmlformats.org/officeDocument/2006/math">
-                    <m:acc>
-                      <m:accPr>
-                        <m:chr m:val="̂"/>
-                        <m:ctrlPr>
-                          <a:rPr lang="en-US" altLang="zh-TW" sz="2000" b="0" i="1" smtClean="0">
-                            <a:latin typeface="Cambria Math" panose="02040503050406030204" pitchFamily="18" charset="0"/>
-                          </a:rPr>
-                        </m:ctrlPr>
-                      </m:accPr>
-                      <m:e>
-                        <m:r>
-                          <a:rPr lang="en-US" altLang="zh-TW" sz="2000" b="0" i="1" smtClean="0">
-                            <a:latin typeface="Cambria Math" panose="02040503050406030204" pitchFamily="18" charset="0"/>
-                          </a:rPr>
-                          <m:t>𝑥</m:t>
-                        </m:r>
-                      </m:e>
-                    </m:acc>
-                    <m:r>
-                      <a:rPr lang="en-US" altLang="zh-TW" sz="2000" b="0" i="1" smtClean="0">
-                        <a:latin typeface="Cambria Math" panose="02040503050406030204" pitchFamily="18" charset="0"/>
-                      </a:rPr>
-                      <m:t>, </m:t>
-                    </m:r>
-                    <m:acc>
-                      <m:accPr>
-                        <m:chr m:val="̂"/>
-                        <m:ctrlPr>
-                          <a:rPr lang="en-US" altLang="zh-TW" sz="2000" b="0" i="1" smtClean="0">
-                            <a:latin typeface="Cambria Math" panose="02040503050406030204" pitchFamily="18" charset="0"/>
-                          </a:rPr>
-                        </m:ctrlPr>
-                      </m:accPr>
-                      <m:e>
-                        <m:r>
-                          <a:rPr lang="en-US" altLang="zh-TW" sz="2000" b="0" i="1" smtClean="0">
-                            <a:latin typeface="Cambria Math" panose="02040503050406030204" pitchFamily="18" charset="0"/>
-                          </a:rPr>
-                          <m:t>𝑦</m:t>
-                        </m:r>
-                      </m:e>
-                    </m:acc>
-                  </m:oMath>
-                </a14:m>
-                <a:r>
-                  <a:rPr lang="en-US" altLang="zh-TW" sz="2000" b="0" i="1" dirty="0"/>
-                  <a:t>)</a:t>
-                </a:r>
-                <a14:m>
-                  <m:oMath xmlns:m="http://schemas.openxmlformats.org/officeDocument/2006/math">
-                    <m:r>
-                      <a:rPr lang="en-US" altLang="zh-TW" sz="2000" b="0" i="1" smtClean="0">
-                        <a:latin typeface="Cambria Math" panose="02040503050406030204" pitchFamily="18" charset="0"/>
-                      </a:rPr>
-                      <m:t>: </m:t>
-                    </m:r>
-                  </m:oMath>
-                </a14:m>
-                <a:r>
-                  <a:rPr lang="en-US" altLang="zh-TW" sz="2000" dirty="0">
-                    <a:latin typeface="Times" panose="02020603050405020304" pitchFamily="18" charset="0"/>
-                    <a:cs typeface="Times" panose="02020603050405020304" pitchFamily="18" charset="0"/>
-                  </a:rPr>
-                  <a:t> The coordinates before legalization</a:t>
-                </a:r>
-              </a:p>
-              <a:p>
-                <a:pPr>
-                  <a:lnSpc>
-                    <a:spcPct val="130000"/>
-                  </a:lnSpc>
-                  <a:buFont typeface="Wingdings" panose="05000000000000000000" pitchFamily="2" charset="2"/>
-                  <a:buChar char="Ø"/>
-                </a:pPr>
-                <a:r>
-                  <a:rPr lang="en-US" altLang="zh-TW" sz="2000" dirty="0">
-                    <a:latin typeface="Times" panose="02020603050405020304" pitchFamily="18" charset="0"/>
-                    <a:cs typeface="Times" panose="02020603050405020304" pitchFamily="18" charset="0"/>
-                  </a:rPr>
-                  <a:t> (</a:t>
-                </a:r>
-                <a14:m>
-                  <m:oMath xmlns:m="http://schemas.openxmlformats.org/officeDocument/2006/math">
-                    <m:sSub>
-                      <m:sSubPr>
-                        <m:ctrlPr>
-                          <a:rPr lang="en-US" altLang="zh-TW" sz="2000" i="1" smtClean="0">
-                            <a:latin typeface="Cambria Math" panose="02040503050406030204" pitchFamily="18" charset="0"/>
-                            <a:cs typeface="Times" panose="02020603050405020304" pitchFamily="18" charset="0"/>
-                          </a:rPr>
-                        </m:ctrlPr>
-                      </m:sSubPr>
-                      <m:e>
-                        <m:r>
-                          <a:rPr lang="en-US" altLang="zh-TW" sz="2000" b="0" i="1" smtClean="0">
-                            <a:latin typeface="Cambria Math" panose="02040503050406030204" pitchFamily="18" charset="0"/>
-                            <a:cs typeface="Times" panose="02020603050405020304" pitchFamily="18" charset="0"/>
-                          </a:rPr>
-                          <m:t>𝑤</m:t>
-                        </m:r>
-                      </m:e>
-                      <m:sub>
-                        <m:r>
-                          <a:rPr lang="en-US" altLang="zh-TW" sz="2000" b="0" i="1" smtClean="0">
-                            <a:latin typeface="Cambria Math" panose="02040503050406030204" pitchFamily="18" charset="0"/>
-                            <a:cs typeface="Times" panose="02020603050405020304" pitchFamily="18" charset="0"/>
-                          </a:rPr>
-                          <m:t>𝑖</m:t>
-                        </m:r>
-                      </m:sub>
-                    </m:sSub>
-                    <m:r>
-                      <a:rPr lang="en-US" altLang="zh-TW" sz="2000" b="0" i="1" smtClean="0">
-                        <a:latin typeface="Cambria Math" panose="02040503050406030204" pitchFamily="18" charset="0"/>
-                        <a:cs typeface="Times" panose="02020603050405020304" pitchFamily="18" charset="0"/>
-                      </a:rPr>
-                      <m:t>, </m:t>
-                    </m:r>
-                    <m:sSub>
-                      <m:sSubPr>
-                        <m:ctrlPr>
-                          <a:rPr lang="en-US" altLang="zh-TW" sz="2000" b="0" i="1" smtClean="0">
-                            <a:latin typeface="Cambria Math" panose="02040503050406030204" pitchFamily="18" charset="0"/>
-                            <a:cs typeface="Times" panose="02020603050405020304" pitchFamily="18" charset="0"/>
-                          </a:rPr>
-                        </m:ctrlPr>
-                      </m:sSubPr>
-                      <m:e>
-                        <m:r>
-                          <a:rPr lang="en-US" altLang="zh-TW" sz="2000" b="0" i="1" smtClean="0">
-                            <a:latin typeface="Cambria Math" panose="02040503050406030204" pitchFamily="18" charset="0"/>
-                            <a:cs typeface="Times" panose="02020603050405020304" pitchFamily="18" charset="0"/>
-                          </a:rPr>
-                          <m:t>h</m:t>
-                        </m:r>
-                      </m:e>
-                      <m:sub>
-                        <m:r>
-                          <a:rPr lang="en-US" altLang="zh-TW" sz="2000" b="0" i="1" smtClean="0">
-                            <a:latin typeface="Cambria Math" panose="02040503050406030204" pitchFamily="18" charset="0"/>
-                            <a:cs typeface="Times" panose="02020603050405020304" pitchFamily="18" charset="0"/>
-                          </a:rPr>
-                          <m:t>𝑖</m:t>
-                        </m:r>
-                      </m:sub>
-                    </m:sSub>
-                  </m:oMath>
-                </a14:m>
-                <a:r>
-                  <a:rPr lang="en-US" altLang="zh-TW" sz="2000" dirty="0">
-                    <a:latin typeface="Times" panose="02020603050405020304" pitchFamily="18" charset="0"/>
-                    <a:cs typeface="Times" panose="02020603050405020304" pitchFamily="18" charset="0"/>
-                  </a:rPr>
-                  <a:t>): The width and height of the instance </a:t>
-                </a:r>
-                <a:r>
-                  <a:rPr lang="en-US" altLang="zh-TW" sz="2000" dirty="0" err="1">
-                    <a:latin typeface="Times" panose="02020603050405020304" pitchFamily="18" charset="0"/>
-                    <a:cs typeface="Times" panose="02020603050405020304" pitchFamily="18" charset="0"/>
-                  </a:rPr>
-                  <a:t>i</a:t>
-                </a:r>
-                <a:endParaRPr lang="en-US" altLang="zh-TW" sz="2000" dirty="0">
-                  <a:latin typeface="Times" panose="02020603050405020304" pitchFamily="18" charset="0"/>
-                  <a:cs typeface="Times" panose="02020603050405020304" pitchFamily="18" charset="0"/>
-                </a:endParaRPr>
-              </a:p>
-              <a:p>
-                <a:pPr>
-                  <a:lnSpc>
-                    <a:spcPct val="130000"/>
-                  </a:lnSpc>
-                  <a:buFont typeface="Wingdings" panose="05000000000000000000" pitchFamily="2" charset="2"/>
-                  <a:buChar char="Ø"/>
-                </a:pPr>
-                <a:r>
-                  <a:rPr lang="en-US" altLang="zh-TW" sz="2000" dirty="0">
-                    <a:latin typeface="Times" panose="02020603050405020304" pitchFamily="18" charset="0"/>
-                    <a:cs typeface="Times" panose="02020603050405020304" pitchFamily="18" charset="0"/>
-                  </a:rPr>
-                  <a:t> </a:t>
-                </a:r>
-                <a14:m>
-                  <m:oMath xmlns:m="http://schemas.openxmlformats.org/officeDocument/2006/math">
-                    <m:sSub>
-                      <m:sSubPr>
-                        <m:ctrlPr>
-                          <a:rPr lang="en-US" altLang="zh-TW" sz="2000" i="1" smtClean="0">
-                            <a:latin typeface="Cambria Math" panose="02040503050406030204" pitchFamily="18" charset="0"/>
-                            <a:cs typeface="Times" panose="02020603050405020304" pitchFamily="18" charset="0"/>
-                          </a:rPr>
-                        </m:ctrlPr>
-                      </m:sSubPr>
-                      <m:e>
-                        <m:r>
-                          <a:rPr lang="en-US" altLang="zh-TW" sz="2000" b="0" i="1" smtClean="0">
-                            <a:latin typeface="Cambria Math" panose="02040503050406030204" pitchFamily="18" charset="0"/>
-                            <a:cs typeface="Times" panose="02020603050405020304" pitchFamily="18" charset="0"/>
-                          </a:rPr>
-                          <m:t>𝑊</m:t>
-                        </m:r>
-                      </m:e>
-                      <m:sub>
-                        <m:r>
-                          <a:rPr lang="en-US" altLang="zh-TW" sz="2000" b="0" i="1" smtClean="0">
-                            <a:latin typeface="Cambria Math" panose="02040503050406030204" pitchFamily="18" charset="0"/>
-                            <a:cs typeface="Times" panose="02020603050405020304" pitchFamily="18" charset="0"/>
-                          </a:rPr>
-                          <m:t>𝑙</m:t>
-                        </m:r>
-                        <m:r>
-                          <a:rPr lang="en-US" altLang="zh-TW" sz="2000" b="0" i="1" smtClean="0">
-                            <a:latin typeface="Cambria Math" panose="02040503050406030204" pitchFamily="18" charset="0"/>
-                            <a:cs typeface="Times" panose="02020603050405020304" pitchFamily="18" charset="0"/>
-                          </a:rPr>
-                          <m:t> </m:t>
-                        </m:r>
-                      </m:sub>
-                    </m:sSub>
-                    <m:r>
-                      <a:rPr lang="en-US" altLang="zh-TW" sz="2000" b="0" i="1" smtClean="0">
-                        <a:latin typeface="Cambria Math" panose="02040503050406030204" pitchFamily="18" charset="0"/>
-                        <a:cs typeface="Times" panose="02020603050405020304" pitchFamily="18" charset="0"/>
-                      </a:rPr>
-                      <m:t>(</m:t>
-                    </m:r>
-                    <m:sSub>
-                      <m:sSubPr>
-                        <m:ctrlPr>
-                          <a:rPr lang="en-US" altLang="zh-TW" sz="2000" b="0" i="1" smtClean="0">
-                            <a:latin typeface="Cambria Math" panose="02040503050406030204" pitchFamily="18" charset="0"/>
-                            <a:cs typeface="Times" panose="02020603050405020304" pitchFamily="18" charset="0"/>
-                          </a:rPr>
-                        </m:ctrlPr>
-                      </m:sSubPr>
-                      <m:e>
-                        <m:r>
-                          <a:rPr lang="en-US" altLang="zh-TW" sz="2000" b="0" i="1" smtClean="0">
-                            <a:latin typeface="Cambria Math" panose="02040503050406030204" pitchFamily="18" charset="0"/>
-                            <a:cs typeface="Times" panose="02020603050405020304" pitchFamily="18" charset="0"/>
-                          </a:rPr>
-                          <m:t>𝑊</m:t>
-                        </m:r>
-                      </m:e>
-                      <m:sub>
-                        <m:r>
-                          <a:rPr lang="en-US" altLang="zh-TW" sz="2000" b="0" i="1" smtClean="0">
-                            <a:latin typeface="Cambria Math" panose="02040503050406030204" pitchFamily="18" charset="0"/>
-                            <a:cs typeface="Times" panose="02020603050405020304" pitchFamily="18" charset="0"/>
-                          </a:rPr>
-                          <m:t>h</m:t>
-                        </m:r>
-                      </m:sub>
-                    </m:sSub>
-                    <m:r>
-                      <a:rPr lang="en-US" altLang="zh-TW" sz="2000" b="0" i="1" smtClean="0">
-                        <a:latin typeface="Cambria Math" panose="02040503050406030204" pitchFamily="18" charset="0"/>
-                        <a:cs typeface="Times" panose="02020603050405020304" pitchFamily="18" charset="0"/>
-                      </a:rPr>
-                      <m:t>):</m:t>
-                    </m:r>
-                  </m:oMath>
-                </a14:m>
-                <a:r>
-                  <a:rPr lang="en-US" altLang="zh-TW" sz="2400" dirty="0">
-                    <a:latin typeface="Times" panose="02020603050405020304" pitchFamily="18" charset="0"/>
-                    <a:cs typeface="Times" panose="02020603050405020304" pitchFamily="18" charset="0"/>
-                  </a:rPr>
-                  <a:t> </a:t>
-                </a:r>
-                <a:r>
-                  <a:rPr lang="en-US" altLang="zh-TW" sz="2000" dirty="0">
-                    <a:latin typeface="Times" panose="02020603050405020304" pitchFamily="18" charset="0"/>
-                    <a:cs typeface="Times" panose="02020603050405020304" pitchFamily="18" charset="0"/>
-                  </a:rPr>
-                  <a:t>the left (right) boundary of the layout</a:t>
-                </a:r>
-              </a:p>
-              <a:p>
-                <a:pPr>
-                  <a:lnSpc>
-                    <a:spcPct val="130000"/>
-                  </a:lnSpc>
-                  <a:buFont typeface="Wingdings" panose="05000000000000000000" pitchFamily="2" charset="2"/>
-                  <a:buChar char="Ø"/>
-                </a:pPr>
-                <a14:m>
-                  <m:oMath xmlns:m="http://schemas.openxmlformats.org/officeDocument/2006/math">
-                    <m:sSub>
-                      <m:sSubPr>
-                        <m:ctrlPr>
-                          <a:rPr lang="en-US" altLang="zh-TW" sz="2000" i="1" smtClean="0">
-                            <a:latin typeface="Cambria Math" panose="02040503050406030204" pitchFamily="18" charset="0"/>
-                            <a:cs typeface="Times" panose="02020603050405020304" pitchFamily="18" charset="0"/>
-                          </a:rPr>
-                        </m:ctrlPr>
-                      </m:sSubPr>
-                      <m:e>
-                        <m:r>
-                          <a:rPr lang="en-US" altLang="zh-TW" sz="2000" b="0" i="1" smtClean="0">
-                            <a:latin typeface="Cambria Math" panose="02040503050406030204" pitchFamily="18" charset="0"/>
-                            <a:cs typeface="Times" panose="02020603050405020304" pitchFamily="18" charset="0"/>
-                          </a:rPr>
-                          <m:t> </m:t>
-                        </m:r>
-                        <m:r>
-                          <a:rPr lang="en-US" altLang="zh-TW" sz="2000" b="0" i="1" smtClean="0">
-                            <a:latin typeface="Cambria Math" panose="02040503050406030204" pitchFamily="18" charset="0"/>
-                            <a:cs typeface="Times" panose="02020603050405020304" pitchFamily="18" charset="0"/>
-                          </a:rPr>
-                          <m:t>𝐻</m:t>
-                        </m:r>
-                      </m:e>
-                      <m:sub>
-                        <m:r>
-                          <a:rPr lang="en-US" altLang="zh-TW" sz="2000" b="0" i="1" smtClean="0">
-                            <a:latin typeface="Cambria Math" panose="02040503050406030204" pitchFamily="18" charset="0"/>
-                            <a:cs typeface="Times" panose="02020603050405020304" pitchFamily="18" charset="0"/>
-                          </a:rPr>
-                          <m:t>𝑙</m:t>
-                        </m:r>
-                      </m:sub>
-                    </m:sSub>
-                    <m:r>
-                      <a:rPr lang="en-US" altLang="zh-TW" sz="2000" b="0" i="1" smtClean="0">
-                        <a:latin typeface="Cambria Math" panose="02040503050406030204" pitchFamily="18" charset="0"/>
-                        <a:cs typeface="Times" panose="02020603050405020304" pitchFamily="18" charset="0"/>
-                      </a:rPr>
-                      <m:t> (</m:t>
-                    </m:r>
-                    <m:sSub>
-                      <m:sSubPr>
-                        <m:ctrlPr>
-                          <a:rPr lang="en-US" altLang="zh-TW" sz="2000" b="0" i="1" smtClean="0">
-                            <a:latin typeface="Cambria Math" panose="02040503050406030204" pitchFamily="18" charset="0"/>
-                            <a:cs typeface="Times" panose="02020603050405020304" pitchFamily="18" charset="0"/>
-                          </a:rPr>
-                        </m:ctrlPr>
-                      </m:sSubPr>
-                      <m:e>
-                        <m:r>
-                          <a:rPr lang="en-US" altLang="zh-TW" sz="2000" b="0" i="1" smtClean="0">
-                            <a:latin typeface="Cambria Math" panose="02040503050406030204" pitchFamily="18" charset="0"/>
-                            <a:cs typeface="Times" panose="02020603050405020304" pitchFamily="18" charset="0"/>
-                          </a:rPr>
-                          <m:t>𝐻</m:t>
-                        </m:r>
-                      </m:e>
-                      <m:sub>
-                        <m:r>
-                          <a:rPr lang="en-US" altLang="zh-TW" sz="2000" b="0" i="1" smtClean="0">
-                            <a:latin typeface="Cambria Math" panose="02040503050406030204" pitchFamily="18" charset="0"/>
-                            <a:cs typeface="Times" panose="02020603050405020304" pitchFamily="18" charset="0"/>
-                          </a:rPr>
-                          <m:t>h</m:t>
-                        </m:r>
-                      </m:sub>
-                    </m:sSub>
-                    <m:r>
-                      <a:rPr lang="en-US" altLang="zh-TW" sz="2000" b="0" i="1" smtClean="0">
-                        <a:latin typeface="Cambria Math" panose="02040503050406030204" pitchFamily="18" charset="0"/>
-                        <a:cs typeface="Times" panose="02020603050405020304" pitchFamily="18" charset="0"/>
-                      </a:rPr>
-                      <m:t>)</m:t>
-                    </m:r>
-                  </m:oMath>
-                </a14:m>
-                <a:r>
-                  <a:rPr lang="en-US" altLang="zh-TW" sz="2000" dirty="0">
-                    <a:latin typeface="Times" panose="02020603050405020304" pitchFamily="18" charset="0"/>
-                    <a:cs typeface="Times" panose="02020603050405020304" pitchFamily="18" charset="0"/>
-                  </a:rPr>
-                  <a:t> : the bottom (top) boundary of the layout</a:t>
-                </a:r>
-              </a:p>
-              <a:p>
-                <a:pPr>
-                  <a:lnSpc>
-                    <a:spcPct val="120000"/>
-                  </a:lnSpc>
-                </a:pPr>
-                <a:endParaRPr lang="en-US" altLang="zh-TW" sz="2000" dirty="0">
-                  <a:latin typeface="Times" panose="02020603050405020304" pitchFamily="18" charset="0"/>
-                  <a:cs typeface="Times" panose="02020603050405020304" pitchFamily="18" charset="0"/>
-                </a:endParaRPr>
-              </a:p>
-            </p:txBody>
-          </p:sp>
-        </mc:Choice>
-        <mc:Fallback xmlns="">
-          <p:sp>
-            <p:nvSpPr>
-              <p:cNvPr id="3" name="內容版面配置區 2">
-                <a:extLst>
-                  <a:ext uri="{FF2B5EF4-FFF2-40B4-BE49-F238E27FC236}">
-                    <a16:creationId xmlns:a16="http://schemas.microsoft.com/office/drawing/2014/main" id="{CBD7CEA3-77D1-9FFB-94D0-23801E3C63EE}"/>
-                  </a:ext>
-                </a:extLst>
-              </p:cNvPr>
-              <p:cNvSpPr>
-                <a:spLocks noGrp="1" noRot="1" noChangeAspect="1" noMove="1" noResize="1" noEditPoints="1" noAdjustHandles="1" noChangeArrowheads="1" noChangeShapeType="1" noTextEdit="1"/>
-              </p:cNvSpPr>
-              <p:nvPr>
-                <p:ph idx="1"/>
-              </p:nvPr>
-            </p:nvSpPr>
-            <p:spPr>
-              <a:xfrm>
-                <a:off x="838200" y="1825625"/>
-                <a:ext cx="10515600" cy="4895850"/>
-              </a:xfrm>
-              <a:blipFill>
-                <a:blip r:embed="rId3"/>
-                <a:stretch>
-                  <a:fillRect l="-812" t="-746"/>
-                </a:stretch>
-              </a:blipFill>
-            </p:spPr>
-            <p:txBody>
-              <a:bodyPr/>
-              <a:lstStyle/>
-              <a:p>
-                <a:r>
-                  <a:rPr lang="zh-TW" altLang="en-US">
-                    <a:noFill/>
-                  </a:rPr>
-                  <a:t> </a:t>
-                </a:r>
-              </a:p>
-            </p:txBody>
-          </p:sp>
-        </mc:Fallback>
-      </mc:AlternateContent>
-      <p:sp>
-        <p:nvSpPr>
-          <p:cNvPr id="4" name="投影片編號版面配置區 3">
-            <a:extLst>
-              <a:ext uri="{FF2B5EF4-FFF2-40B4-BE49-F238E27FC236}">
-                <a16:creationId xmlns:a16="http://schemas.microsoft.com/office/drawing/2014/main" id="{B35B14FF-D48D-70F2-8D80-2E843D4EA732}"/>
-              </a:ext>
-            </a:extLst>
-          </p:cNvPr>
-          <p:cNvSpPr>
-            <a:spLocks noGrp="1"/>
-          </p:cNvSpPr>
-          <p:nvPr>
-            <p:ph type="sldNum" sz="quarter" idx="12"/>
-          </p:nvPr>
-        </p:nvSpPr>
-        <p:spPr/>
-        <p:txBody>
-          <a:bodyPr/>
-          <a:lstStyle/>
-          <a:p>
-            <a:fld id="{666274A1-CF9C-426A-8DD4-B13ED0C24231}" type="slidenum">
-              <a:rPr lang="en-US" smtClean="0"/>
-              <a:t>9</a:t>
-            </a:fld>
-            <a:endParaRPr lang="en-US"/>
-          </a:p>
-        </p:txBody>
-      </p:sp>
-      <p:pic>
-        <p:nvPicPr>
-          <p:cNvPr id="9" name="圖片 8">
-            <a:extLst>
-              <a:ext uri="{FF2B5EF4-FFF2-40B4-BE49-F238E27FC236}">
-                <a16:creationId xmlns:a16="http://schemas.microsoft.com/office/drawing/2014/main" id="{CE6414ED-4D85-B473-C1E6-4CA1BDD30203}"/>
-              </a:ext>
-            </a:extLst>
-          </p:cNvPr>
-          <p:cNvPicPr>
-            <a:picLocks noChangeAspect="1"/>
-          </p:cNvPicPr>
-          <p:nvPr/>
-        </p:nvPicPr>
-        <p:blipFill>
-          <a:blip r:embed="rId4"/>
-          <a:stretch>
-            <a:fillRect/>
-          </a:stretch>
-        </p:blipFill>
-        <p:spPr>
-          <a:xfrm>
-            <a:off x="2789994" y="2916638"/>
-            <a:ext cx="6612012" cy="1174349"/>
-          </a:xfrm>
-          <a:prstGeom prst="rect">
-            <a:avLst/>
-          </a:prstGeom>
-        </p:spPr>
-      </p:pic>
-    </p:spTree>
-    <p:extLst>
-      <p:ext uri="{BB962C8B-B14F-4D97-AF65-F5344CB8AC3E}">
-        <p14:creationId xmlns:p14="http://schemas.microsoft.com/office/powerpoint/2010/main" val="2211244705"/>
-      </p:ext>
-    </p:extLst>
-  </p:cSld>
-  <p:clrMapOvr>
-    <a:masterClrMapping/>
-  </p:clrMapOvr>
-</p:sld>
-</file>
-
-<file path=ppt/slides/slide11.xml><?xml version="1.0" encoding="utf-8"?>
-<p:sld xmlns:a="http://schemas.openxmlformats.org/drawingml/2006/main" xmlns:r="http://schemas.openxmlformats.org/officeDocument/2006/relationships" xmlns:p="http://schemas.openxmlformats.org/presentationml/2006/main">
-  <p:cSld>
-    <p:spTree>
-      <p:nvGrpSpPr>
-        <p:cNvPr id="1" name=""/>
-        <p:cNvGrpSpPr/>
-        <p:nvPr/>
-      </p:nvGrpSpPr>
-      <p:grpSpPr>
-        <a:xfrm>
-          <a:off x="0" y="0"/>
-          <a:ext cx="0" cy="0"/>
-          <a:chOff x="0" y="0"/>
-          <a:chExt cx="0" cy="0"/>
-        </a:xfrm>
-      </p:grpSpPr>
-      <p:sp>
-        <p:nvSpPr>
-          <p:cNvPr id="2" name="標題 1">
-            <a:extLst>
-              <a:ext uri="{FF2B5EF4-FFF2-40B4-BE49-F238E27FC236}">
                 <a16:creationId xmlns:a16="http://schemas.microsoft.com/office/drawing/2014/main" id="{D300A306-5A2E-AE1F-B5AD-3F0C95B6669D}"/>
               </a:ext>
             </a:extLst>
@@ -7177,14 +7122,14 @@
                 <a:latin typeface="Times" panose="02020603050405020304" pitchFamily="18" charset="0"/>
                 <a:cs typeface="Times" panose="02020603050405020304" pitchFamily="18" charset="0"/>
               </a:rPr>
-              <a:t>Preliminaries – Sequence Pair</a:t>
+              <a:t>Sequence Pair</a:t>
             </a:r>
             <a:endParaRPr lang="zh-TW" altLang="en-US" dirty="0"/>
           </a:p>
         </p:txBody>
       </p:sp>
-      <mc:AlternateContent xmlns:mc="http://schemas.openxmlformats.org/markup-compatibility/2006" xmlns:a14="http://schemas.microsoft.com/office/drawing/2010/main">
-        <mc:Choice Requires="a14">
+      <mc:AlternateContent xmlns:mc="http://schemas.openxmlformats.org/markup-compatibility/2006">
+        <mc:Choice xmlns:a14="http://schemas.microsoft.com/office/drawing/2010/main" Requires="a14">
           <p:sp>
             <p:nvSpPr>
               <p:cNvPr id="3" name="內容版面配置區 2">
@@ -7201,16 +7146,21 @@
                 <p:ph idx="1"/>
               </p:nvPr>
             </p:nvSpPr>
-            <p:spPr/>
+            <p:spPr>
+              <a:xfrm>
+                <a:off x="838200" y="1825625"/>
+                <a:ext cx="10515600" cy="4667250"/>
+              </a:xfrm>
+            </p:spPr>
             <p:txBody>
               <a:bodyPr>
-                <a:normAutofit lnSpcReduction="10000"/>
+                <a:normAutofit/>
               </a:bodyPr>
               <a:lstStyle/>
               <a:p>
                 <a:pPr>
                   <a:lnSpc>
-                    <a:spcPct val="120000"/>
+                    <a:spcPct val="140000"/>
                   </a:lnSpc>
                 </a:pPr>
                 <a:r>
@@ -7224,7 +7174,7 @@
               <a:p>
                 <a:pPr>
                   <a:lnSpc>
-                    <a:spcPct val="120000"/>
+                    <a:spcPct val="140000"/>
                   </a:lnSpc>
                 </a:pPr>
                 <a:endParaRPr lang="en-US" altLang="zh-TW" sz="2200" dirty="0">
@@ -7235,11 +7185,11 @@
               <a:p>
                 <a:pPr marL="0" indent="0">
                   <a:lnSpc>
-                    <a:spcPct val="120000"/>
+                    <a:spcPct val="140000"/>
                   </a:lnSpc>
                   <a:buNone/>
                 </a:pPr>
-                <a:endParaRPr lang="en-US" altLang="zh-TW" sz="2200" dirty="0">
+                <a:endParaRPr lang="en-US" altLang="zh-TW" sz="100" dirty="0">
                   <a:latin typeface="Times" panose="02020603050405020304" pitchFamily="18" charset="0"/>
                   <a:cs typeface="Times" panose="02020603050405020304" pitchFamily="18" charset="0"/>
                 </a:endParaRPr>
@@ -7247,7 +7197,7 @@
               <a:p>
                 <a:pPr>
                   <a:lnSpc>
-                    <a:spcPct val="120000"/>
+                    <a:spcPct val="140000"/>
                   </a:lnSpc>
                 </a:pPr>
                 <a:r>
@@ -7324,24 +7274,24 @@
               <a:p>
                 <a:pPr lvl="1">
                   <a:lnSpc>
-                    <a:spcPct val="120000"/>
+                    <a:spcPct val="140000"/>
                   </a:lnSpc>
                 </a:pPr>
                 <a:r>
-                  <a:rPr lang="en-US" altLang="zh-TW" sz="2000" dirty="0">
+                  <a:rPr lang="en-US" altLang="zh-TW" sz="1800" dirty="0">
                     <a:latin typeface="Times" panose="02020603050405020304" pitchFamily="18" charset="0"/>
                     <a:cs typeface="Times" panose="02020603050405020304" pitchFamily="18" charset="0"/>
                   </a:rPr>
-                  <a:t>With cutting-based overlap removal and sweep line algorithm.</a:t>
+                  <a:t>With cutting-based overlap removal and sweep line algorithm [24].</a:t>
                 </a:r>
               </a:p>
               <a:p>
                 <a:pPr>
                   <a:lnSpc>
-                    <a:spcPct val="120000"/>
+                    <a:spcPct val="140000"/>
                   </a:lnSpc>
                 </a:pPr>
-                <a:endParaRPr lang="en-US" altLang="zh-TW" sz="500" dirty="0">
+                <a:endParaRPr lang="en-US" altLang="zh-TW" sz="100" dirty="0">
                   <a:latin typeface="Times" panose="02020603050405020304" pitchFamily="18" charset="0"/>
                   <a:cs typeface="Times" panose="02020603050405020304" pitchFamily="18" charset="0"/>
                 </a:endParaRPr>
@@ -7349,7 +7299,7 @@
               <a:p>
                 <a:pPr>
                   <a:lnSpc>
-                    <a:spcPct val="120000"/>
+                    <a:spcPct val="140000"/>
                   </a:lnSpc>
                 </a:pPr>
                 <a:r>
@@ -7440,21 +7390,21 @@
               <a:p>
                 <a:pPr lvl="1">
                   <a:lnSpc>
-                    <a:spcPct val="120000"/>
+                    <a:spcPct val="140000"/>
                   </a:lnSpc>
                 </a:pPr>
                 <a:r>
-                  <a:rPr lang="en-US" altLang="zh-TW" sz="2000" dirty="0">
+                  <a:rPr lang="en-US" altLang="zh-TW" sz="1800" dirty="0">
                     <a:latin typeface="Times" panose="02020603050405020304" pitchFamily="18" charset="0"/>
                     <a:cs typeface="Times" panose="02020603050405020304" pitchFamily="18" charset="0"/>
                   </a:rPr>
-                  <a:t>With longest common sub-sequence algorithm.</a:t>
+                  <a:t>With longest common sub-sequence algorithm [26].</a:t>
                 </a:r>
               </a:p>
               <a:p>
                 <a:pPr>
                   <a:lnSpc>
-                    <a:spcPct val="120000"/>
+                    <a:spcPct val="140000"/>
                   </a:lnSpc>
                 </a:pPr>
                 <a:endParaRPr lang="zh-TW" altLang="en-US" sz="2200" dirty="0">
@@ -7465,7 +7415,7 @@
             </p:txBody>
           </p:sp>
         </mc:Choice>
-        <mc:Fallback xmlns="">
+        <mc:Fallback>
           <p:sp>
             <p:nvSpPr>
               <p:cNvPr id="3" name="內容版面配置區 2">
@@ -7483,10 +7433,14 @@
               </p:nvPr>
             </p:nvSpPr>
             <p:spPr>
+              <a:xfrm>
+                <a:off x="838200" y="1825625"/>
+                <a:ext cx="10515600" cy="4667250"/>
+              </a:xfrm>
               <a:blipFill>
                 <a:blip r:embed="rId2"/>
                 <a:stretch>
-                  <a:fillRect l="-696" t="-700"/>
+                  <a:fillRect l="-696"/>
                 </a:stretch>
               </a:blipFill>
             </p:spPr>
@@ -7528,7 +7482,7 @@
           <a:p>
             <a:fld id="{666274A1-CF9C-426A-8DD4-B13ED0C24231}" type="slidenum">
               <a:rPr lang="en-US" smtClean="0"/>
-              <a:t>10</a:t>
+              <a:t>9</a:t>
             </a:fld>
             <a:endParaRPr lang="en-US"/>
           </a:p>
@@ -7556,8 +7510,8 @@
         </p:blipFill>
         <p:spPr>
           <a:xfrm>
-            <a:off x="4633567" y="2576602"/>
-            <a:ext cx="2614256" cy="946452"/>
+            <a:off x="5148077" y="2742638"/>
+            <a:ext cx="1895845" cy="686362"/>
           </a:xfrm>
           <a:prstGeom prst="rect">
             <a:avLst/>
@@ -7577,7 +7531,7 @@
 </p:sld>
 </file>
 
-<file path=ppt/slides/slide12.xml><?xml version="1.0" encoding="utf-8"?>
+<file path=ppt/slides/slide11.xml><?xml version="1.0" encoding="utf-8"?>
 <p:sld xmlns:a="http://schemas.openxmlformats.org/drawingml/2006/main" xmlns:r="http://schemas.openxmlformats.org/officeDocument/2006/relationships" xmlns:p="http://schemas.openxmlformats.org/presentationml/2006/main">
   <p:cSld>
     <p:spTree>
@@ -7629,8 +7583,8 @@
           </a:p>
         </p:txBody>
       </p:sp>
-      <mc:AlternateContent xmlns:mc="http://schemas.openxmlformats.org/markup-compatibility/2006" xmlns:a14="http://schemas.microsoft.com/office/drawing/2010/main">
-        <mc:Choice Requires="a14">
+      <mc:AlternateContent xmlns:mc="http://schemas.openxmlformats.org/markup-compatibility/2006">
+        <mc:Choice xmlns:a14="http://schemas.microsoft.com/office/drawing/2010/main" Requires="a14">
           <p:sp>
             <p:nvSpPr>
               <p:cNvPr id="3" name="內容版面配置區 2">
@@ -7661,7 +7615,7 @@
               <a:p>
                 <a:pPr>
                   <a:lnSpc>
-                    <a:spcPct val="120000"/>
+                    <a:spcPct val="150000"/>
                   </a:lnSpc>
                 </a:pPr>
                 <a:r>
@@ -7710,7 +7664,7 @@
               <a:p>
                 <a:pPr>
                   <a:lnSpc>
-                    <a:spcPct val="120000"/>
+                    <a:spcPct val="150000"/>
                   </a:lnSpc>
                 </a:pPr>
                 <a:endParaRPr lang="en-US" altLang="zh-TW" sz="1100" dirty="0">
@@ -7721,7 +7675,7 @@
               <a:p>
                 <a:pPr>
                   <a:lnSpc>
-                    <a:spcPct val="120000"/>
+                    <a:spcPct val="150000"/>
                   </a:lnSpc>
                 </a:pPr>
                 <a:r>
@@ -7742,7 +7696,7 @@
               <a:p>
                 <a:pPr>
                   <a:lnSpc>
-                    <a:spcPct val="120000"/>
+                    <a:spcPct val="150000"/>
                   </a:lnSpc>
                 </a:pPr>
                 <a:endParaRPr lang="en-US" altLang="zh-TW" sz="1100" dirty="0">
@@ -7753,7 +7707,7 @@
               <a:p>
                 <a:pPr>
                   <a:lnSpc>
-                    <a:spcPct val="120000"/>
+                    <a:spcPct val="150000"/>
                   </a:lnSpc>
                 </a:pPr>
                 <a:r>
@@ -7803,7 +7757,7 @@
             </p:txBody>
           </p:sp>
         </mc:Choice>
-        <mc:Fallback xmlns="">
+        <mc:Fallback>
           <p:sp>
             <p:nvSpPr>
               <p:cNvPr id="3" name="內容版面配置區 2">
@@ -7870,7 +7824,7 @@
           <a:p>
             <a:fld id="{666274A1-CF9C-426A-8DD4-B13ED0C24231}" type="slidenum">
               <a:rPr lang="en-US" smtClean="0"/>
-              <a:t>11</a:t>
+              <a:t>10</a:t>
             </a:fld>
             <a:endParaRPr lang="en-US"/>
           </a:p>
@@ -7889,7 +7843,7 @@
 </p:sld>
 </file>
 
-<file path=ppt/slides/slide13.xml><?xml version="1.0" encoding="utf-8"?>
+<file path=ppt/slides/slide12.xml><?xml version="1.0" encoding="utf-8"?>
 <p:sld xmlns:a="http://schemas.openxmlformats.org/drawingml/2006/main" xmlns:r="http://schemas.openxmlformats.org/officeDocument/2006/relationships" xmlns:p="http://schemas.openxmlformats.org/presentationml/2006/main">
   <p:cSld>
     <p:spTree>
@@ -7993,7 +7947,7 @@
           <a:p>
             <a:fld id="{666274A1-CF9C-426A-8DD4-B13ED0C24231}" type="slidenum">
               <a:rPr lang="en-US" smtClean="0"/>
-              <a:t>12</a:t>
+              <a:t>11</a:t>
             </a:fld>
             <a:endParaRPr lang="en-US"/>
           </a:p>
@@ -8003,6 +7957,999 @@
     <p:extLst>
       <p:ext uri="{BB962C8B-B14F-4D97-AF65-F5344CB8AC3E}">
         <p14:creationId xmlns:p14="http://schemas.microsoft.com/office/powerpoint/2010/main" val="1337083802"/>
+      </p:ext>
+    </p:extLst>
+  </p:cSld>
+  <p:clrMapOvr>
+    <a:masterClrMapping/>
+  </p:clrMapOvr>
+</p:sld>
+</file>
+
+<file path=ppt/slides/slide13.xml><?xml version="1.0" encoding="utf-8"?>
+<p:sld xmlns:a="http://schemas.openxmlformats.org/drawingml/2006/main" xmlns:r="http://schemas.openxmlformats.org/officeDocument/2006/relationships" xmlns:p="http://schemas.openxmlformats.org/presentationml/2006/main">
+  <p:cSld>
+    <p:spTree>
+      <p:nvGrpSpPr>
+        <p:cNvPr id="1" name=""/>
+        <p:cNvGrpSpPr/>
+        <p:nvPr/>
+      </p:nvGrpSpPr>
+      <p:grpSpPr>
+        <a:xfrm>
+          <a:off x="0" y="0"/>
+          <a:ext cx="0" cy="0"/>
+          <a:chOff x="0" y="0"/>
+          <a:chExt cx="0" cy="0"/>
+        </a:xfrm>
+      </p:grpSpPr>
+      <p:sp>
+        <p:nvSpPr>
+          <p:cNvPr id="2" name="標題 1">
+            <a:extLst>
+              <a:ext uri="{FF2B5EF4-FFF2-40B4-BE49-F238E27FC236}">
+                <a16:creationId xmlns:a16="http://schemas.microsoft.com/office/drawing/2014/main" id="{1C786D8A-EE6A-D63A-DCCC-CEFF2CF8D2D9}"/>
+              </a:ext>
+            </a:extLst>
+          </p:cNvPr>
+          <p:cNvSpPr>
+            <a:spLocks noGrp="1"/>
+          </p:cNvSpPr>
+          <p:nvPr>
+            <p:ph type="title"/>
+          </p:nvPr>
+        </p:nvSpPr>
+        <p:spPr>
+          <a:xfrm>
+            <a:off x="838200" y="365125"/>
+            <a:ext cx="11462886" cy="1325563"/>
+          </a:xfrm>
+        </p:spPr>
+        <p:txBody>
+          <a:bodyPr>
+            <a:normAutofit/>
+          </a:bodyPr>
+          <a:lstStyle/>
+          <a:p>
+            <a:r>
+              <a:rPr lang="en-US" altLang="zh-TW" sz="3800" dirty="0">
+                <a:latin typeface="Times" panose="02020603050405020304" pitchFamily="18" charset="0"/>
+                <a:cs typeface="Times" panose="02020603050405020304" pitchFamily="18" charset="0"/>
+              </a:rPr>
+              <a:t>Gradient method</a:t>
+            </a:r>
+            <a:endParaRPr lang="zh-TW" altLang="en-US" sz="3800" dirty="0">
+              <a:latin typeface="Times" panose="02020603050405020304" pitchFamily="18" charset="0"/>
+              <a:cs typeface="Times" panose="02020603050405020304" pitchFamily="18" charset="0"/>
+            </a:endParaRPr>
+          </a:p>
+        </p:txBody>
+      </p:sp>
+      <p:sp>
+        <p:nvSpPr>
+          <p:cNvPr id="4" name="投影片編號版面配置區 3">
+            <a:extLst>
+              <a:ext uri="{FF2B5EF4-FFF2-40B4-BE49-F238E27FC236}">
+                <a16:creationId xmlns:a16="http://schemas.microsoft.com/office/drawing/2014/main" id="{0A2F5534-2155-264B-9B8B-79562DBDBCC6}"/>
+              </a:ext>
+            </a:extLst>
+          </p:cNvPr>
+          <p:cNvSpPr>
+            <a:spLocks noGrp="1"/>
+          </p:cNvSpPr>
+          <p:nvPr>
+            <p:ph type="sldNum" sz="quarter" idx="12"/>
+          </p:nvPr>
+        </p:nvSpPr>
+        <p:spPr/>
+        <p:txBody>
+          <a:bodyPr/>
+          <a:lstStyle/>
+          <a:p>
+            <a:fld id="{666274A1-CF9C-426A-8DD4-B13ED0C24231}" type="slidenum">
+              <a:rPr lang="en-US" smtClean="0"/>
+              <a:t>12</a:t>
+            </a:fld>
+            <a:endParaRPr lang="en-US"/>
+          </a:p>
+        </p:txBody>
+      </p:sp>
+      <mc:AlternateContent xmlns:mc="http://schemas.openxmlformats.org/markup-compatibility/2006">
+        <mc:Choice xmlns:a14="http://schemas.microsoft.com/office/drawing/2010/main" Requires="a14">
+          <p:sp>
+            <p:nvSpPr>
+              <p:cNvPr id="7" name="內容版面配置區 6">
+                <a:extLst>
+                  <a:ext uri="{FF2B5EF4-FFF2-40B4-BE49-F238E27FC236}">
+                    <a16:creationId xmlns:a16="http://schemas.microsoft.com/office/drawing/2014/main" id="{1EE38041-72D1-E9F6-102E-67680CA0847C}"/>
+                  </a:ext>
+                </a:extLst>
+              </p:cNvPr>
+              <p:cNvSpPr>
+                <a:spLocks noGrp="1"/>
+              </p:cNvSpPr>
+              <p:nvPr>
+                <p:ph idx="1"/>
+              </p:nvPr>
+            </p:nvSpPr>
+            <p:spPr/>
+            <p:txBody>
+              <a:bodyPr>
+                <a:normAutofit/>
+              </a:bodyPr>
+              <a:lstStyle/>
+              <a:p>
+                <a:pPr>
+                  <a:lnSpc>
+                    <a:spcPct val="120000"/>
+                  </a:lnSpc>
+                </a:pPr>
+                <a:r>
+                  <a:rPr lang="en-US" altLang="zh-TW" sz="2200" dirty="0">
+                    <a:latin typeface="Times" panose="02020603050405020304" pitchFamily="18" charset="0"/>
+                    <a:cs typeface="Times" panose="02020603050405020304" pitchFamily="18" charset="0"/>
+                  </a:rPr>
+                  <a:t>To solve the unconstraint differentiable function </a:t>
+                </a:r>
+                <a14:m>
+                  <m:oMath xmlns:m="http://schemas.openxmlformats.org/officeDocument/2006/math">
+                    <m:r>
+                      <a:rPr lang="en-US" altLang="zh-TW" sz="2200" b="0" i="1" smtClean="0">
+                        <a:latin typeface="Cambria Math" panose="02040503050406030204" pitchFamily="18" charset="0"/>
+                        <a:cs typeface="Times" panose="02020603050405020304" pitchFamily="18" charset="0"/>
+                      </a:rPr>
+                      <m:t>𝑓</m:t>
+                    </m:r>
+                    <m:r>
+                      <a:rPr lang="en-US" altLang="zh-TW" sz="2200" b="0" i="1" smtClean="0">
+                        <a:latin typeface="Cambria Math" panose="02040503050406030204" pitchFamily="18" charset="0"/>
+                        <a:cs typeface="Times" panose="02020603050405020304" pitchFamily="18" charset="0"/>
+                      </a:rPr>
+                      <m:t>(∙)</m:t>
+                    </m:r>
+                  </m:oMath>
+                </a14:m>
+                <a:r>
+                  <a:rPr lang="en-US" altLang="zh-TW" sz="2200" dirty="0">
+                    <a:latin typeface="Times" panose="02020603050405020304" pitchFamily="18" charset="0"/>
+                    <a:cs typeface="Times" panose="02020603050405020304" pitchFamily="18" charset="0"/>
+                  </a:rPr>
+                  <a:t>:</a:t>
+                </a:r>
+              </a:p>
+              <a:p>
+                <a:pPr lvl="1">
+                  <a:lnSpc>
+                    <a:spcPct val="120000"/>
+                  </a:lnSpc>
+                </a:pPr>
+                <a:r>
+                  <a:rPr lang="en-US" altLang="zh-TW" sz="1800" dirty="0">
+                    <a:latin typeface="Times" panose="02020603050405020304" pitchFamily="18" charset="0"/>
+                    <a:cs typeface="Times" panose="02020603050405020304" pitchFamily="18" charset="0"/>
+                  </a:rPr>
+                  <a:t>Let</a:t>
+                </a:r>
+                <a:r>
+                  <a:rPr lang="zh-TW" altLang="en-US" sz="1800" dirty="0">
+                    <a:latin typeface="Times" panose="02020603050405020304" pitchFamily="18" charset="0"/>
+                    <a:cs typeface="Times" panose="02020603050405020304" pitchFamily="18" charset="0"/>
+                  </a:rPr>
+                  <a:t> </a:t>
+                </a:r>
+                <a14:m>
+                  <m:oMath xmlns:m="http://schemas.openxmlformats.org/officeDocument/2006/math">
+                    <m:sSup>
+                      <m:sSupPr>
+                        <m:ctrlPr>
+                          <a:rPr lang="en-US" altLang="zh-TW" sz="1800" i="1" smtClean="0">
+                            <a:latin typeface="Cambria Math" panose="02040503050406030204" pitchFamily="18" charset="0"/>
+                            <a:cs typeface="Times" panose="02020603050405020304" pitchFamily="18" charset="0"/>
+                          </a:rPr>
+                        </m:ctrlPr>
+                      </m:sSupPr>
+                      <m:e>
+                        <m:r>
+                          <m:rPr>
+                            <m:sty m:val="p"/>
+                          </m:rPr>
+                          <a:rPr lang="en-US" altLang="zh-TW" sz="1800" i="1">
+                            <a:latin typeface="Cambria Math" panose="02040503050406030204" pitchFamily="18" charset="0"/>
+                            <a:cs typeface="Times" panose="02020603050405020304" pitchFamily="18" charset="0"/>
+                          </a:rPr>
+                          <m:t>g</m:t>
+                        </m:r>
+                      </m:e>
+                      <m:sup>
+                        <m:r>
+                          <a:rPr lang="en-US" altLang="zh-TW" sz="1800" i="1">
+                            <a:latin typeface="Cambria Math" panose="02040503050406030204" pitchFamily="18" charset="0"/>
+                            <a:cs typeface="Times" panose="02020603050405020304" pitchFamily="18" charset="0"/>
+                          </a:rPr>
+                          <m:t>(</m:t>
+                        </m:r>
+                        <m:r>
+                          <m:rPr>
+                            <m:sty m:val="p"/>
+                          </m:rPr>
+                          <a:rPr lang="en-US" altLang="zh-TW" sz="1800" i="1" smtClean="0">
+                            <a:latin typeface="Cambria Math" panose="02040503050406030204" pitchFamily="18" charset="0"/>
+                            <a:cs typeface="Times" panose="02020603050405020304" pitchFamily="18" charset="0"/>
+                          </a:rPr>
+                          <m:t>k</m:t>
+                        </m:r>
+                        <m:r>
+                          <a:rPr lang="en-US" altLang="zh-TW" sz="1800" i="1">
+                            <a:latin typeface="Cambria Math" panose="02040503050406030204" pitchFamily="18" charset="0"/>
+                            <a:cs typeface="Times" panose="02020603050405020304" pitchFamily="18" charset="0"/>
+                          </a:rPr>
+                          <m:t>)</m:t>
+                        </m:r>
+                      </m:sup>
+                    </m:sSup>
+                    <m:r>
+                      <a:rPr lang="zh-TW" altLang="en-US" sz="1800" i="1">
+                        <a:latin typeface="Cambria Math" panose="02040503050406030204" pitchFamily="18" charset="0"/>
+                        <a:cs typeface="Times" panose="02020603050405020304" pitchFamily="18" charset="0"/>
+                      </a:rPr>
+                      <m:t> </m:t>
+                    </m:r>
+                  </m:oMath>
+                </a14:m>
+                <a:r>
+                  <a:rPr lang="en-US" altLang="zh-TW" sz="1800" dirty="0">
+                    <a:latin typeface="Times" panose="02020603050405020304" pitchFamily="18" charset="0"/>
+                    <a:cs typeface="Times" panose="02020603050405020304" pitchFamily="18" charset="0"/>
+                  </a:rPr>
+                  <a:t>=</a:t>
+                </a:r>
+                <a:r>
+                  <a:rPr lang="zh-TW" altLang="en-US" sz="1800" dirty="0">
+                    <a:latin typeface="Times" panose="02020603050405020304" pitchFamily="18" charset="0"/>
+                    <a:cs typeface="Times" panose="02020603050405020304" pitchFamily="18" charset="0"/>
+                  </a:rPr>
+                  <a:t> </a:t>
+                </a:r>
+                <a14:m>
+                  <m:oMath xmlns:m="http://schemas.openxmlformats.org/officeDocument/2006/math">
+                    <m:r>
+                      <m:rPr>
+                        <m:sty m:val="p"/>
+                      </m:rPr>
+                      <a:rPr lang="zh-TW" altLang="en-US" sz="1800" i="1" smtClean="0">
+                        <a:latin typeface="Cambria Math" panose="02040503050406030204" pitchFamily="18" charset="0"/>
+                        <a:cs typeface="Times" panose="02020603050405020304" pitchFamily="18" charset="0"/>
+                      </a:rPr>
+                      <m:t>∇</m:t>
+                    </m:r>
+                    <m:r>
+                      <m:rPr>
+                        <m:sty m:val="p"/>
+                      </m:rPr>
+                      <a:rPr lang="en-US" altLang="zh-TW" sz="1800" i="1">
+                        <a:latin typeface="Cambria Math" panose="02040503050406030204" pitchFamily="18" charset="0"/>
+                        <a:cs typeface="Times" panose="02020603050405020304" pitchFamily="18" charset="0"/>
+                      </a:rPr>
+                      <m:t>f</m:t>
+                    </m:r>
+                    <m:r>
+                      <a:rPr lang="en-US" altLang="zh-TW" sz="1800" i="1" smtClean="0">
+                        <a:latin typeface="Cambria Math" panose="02040503050406030204" pitchFamily="18" charset="0"/>
+                        <a:cs typeface="Times" panose="02020603050405020304" pitchFamily="18" charset="0"/>
+                      </a:rPr>
+                      <m:t>(</m:t>
+                    </m:r>
+                    <m:sSup>
+                      <m:sSupPr>
+                        <m:ctrlPr>
+                          <a:rPr lang="en-US" altLang="zh-TW" sz="1800" i="1" smtClean="0">
+                            <a:latin typeface="Cambria Math" panose="02040503050406030204" pitchFamily="18" charset="0"/>
+                            <a:cs typeface="Times" panose="02020603050405020304" pitchFamily="18" charset="0"/>
+                          </a:rPr>
+                        </m:ctrlPr>
+                      </m:sSupPr>
+                      <m:e>
+                        <m:r>
+                          <m:rPr>
+                            <m:sty m:val="p"/>
+                          </m:rPr>
+                          <a:rPr lang="en-US" altLang="zh-TW" sz="1800" i="1">
+                            <a:latin typeface="Cambria Math" panose="02040503050406030204" pitchFamily="18" charset="0"/>
+                            <a:cs typeface="Times" panose="02020603050405020304" pitchFamily="18" charset="0"/>
+                          </a:rPr>
+                          <m:t>x</m:t>
+                        </m:r>
+                      </m:e>
+                      <m:sup>
+                        <m:r>
+                          <a:rPr lang="en-US" altLang="zh-TW" sz="1800" i="1">
+                            <a:latin typeface="Cambria Math" panose="02040503050406030204" pitchFamily="18" charset="0"/>
+                            <a:cs typeface="Times" panose="02020603050405020304" pitchFamily="18" charset="0"/>
+                          </a:rPr>
+                          <m:t>(</m:t>
+                        </m:r>
+                        <m:r>
+                          <m:rPr>
+                            <m:sty m:val="p"/>
+                          </m:rPr>
+                          <a:rPr lang="en-US" altLang="zh-TW" sz="1800" i="1" smtClean="0">
+                            <a:latin typeface="Cambria Math" panose="02040503050406030204" pitchFamily="18" charset="0"/>
+                            <a:cs typeface="Times" panose="02020603050405020304" pitchFamily="18" charset="0"/>
+                          </a:rPr>
+                          <m:t>k</m:t>
+                        </m:r>
+                        <m:r>
+                          <a:rPr lang="en-US" altLang="zh-TW" sz="1800" i="1" smtClean="0">
+                            <a:latin typeface="Cambria Math" panose="02040503050406030204" pitchFamily="18" charset="0"/>
+                            <a:cs typeface="Times" panose="02020603050405020304" pitchFamily="18" charset="0"/>
+                          </a:rPr>
+                          <m:t>)</m:t>
+                        </m:r>
+                      </m:sup>
+                    </m:sSup>
+                    <m:r>
+                      <a:rPr lang="en-US" altLang="zh-TW" sz="1800" i="1">
+                        <a:latin typeface="Cambria Math" panose="02040503050406030204" pitchFamily="18" charset="0"/>
+                        <a:cs typeface="Times" panose="02020603050405020304" pitchFamily="18" charset="0"/>
+                      </a:rPr>
+                      <m:t>)</m:t>
+                    </m:r>
+                    <m:r>
+                      <a:rPr lang="zh-TW" altLang="en-US" sz="1800" i="1">
+                        <a:latin typeface="Cambria Math" panose="02040503050406030204" pitchFamily="18" charset="0"/>
+                        <a:cs typeface="Times" panose="02020603050405020304" pitchFamily="18" charset="0"/>
+                      </a:rPr>
+                      <m:t> </m:t>
+                    </m:r>
+                  </m:oMath>
+                </a14:m>
+                <a:r>
+                  <a:rPr lang="en-US" altLang="zh-TW" sz="1800" dirty="0">
+                    <a:latin typeface="Times" panose="02020603050405020304" pitchFamily="18" charset="0"/>
+                    <a:cs typeface="Times" panose="02020603050405020304" pitchFamily="18" charset="0"/>
+                  </a:rPr>
+                  <a:t>and</a:t>
+                </a:r>
+                <a:r>
+                  <a:rPr lang="zh-TW" altLang="en-US" sz="1800" dirty="0">
+                    <a:latin typeface="Times" panose="02020603050405020304" pitchFamily="18" charset="0"/>
+                    <a:cs typeface="Times" panose="02020603050405020304" pitchFamily="18" charset="0"/>
+                  </a:rPr>
+                  <a:t> </a:t>
+                </a:r>
+                <a14:m>
+                  <m:oMath xmlns:m="http://schemas.openxmlformats.org/officeDocument/2006/math">
+                    <m:sSup>
+                      <m:sSupPr>
+                        <m:ctrlPr>
+                          <a:rPr lang="en-US" altLang="zh-TW" sz="1800" i="1">
+                            <a:latin typeface="Cambria Math" panose="02040503050406030204" pitchFamily="18" charset="0"/>
+                            <a:cs typeface="Times" panose="02020603050405020304" pitchFamily="18" charset="0"/>
+                          </a:rPr>
+                        </m:ctrlPr>
+                      </m:sSupPr>
+                      <m:e>
+                        <m:r>
+                          <m:rPr>
+                            <m:sty m:val="p"/>
+                          </m:rPr>
+                          <a:rPr lang="en-US" altLang="zh-TW" sz="1800" i="1" smtClean="0">
+                            <a:latin typeface="Cambria Math" panose="02040503050406030204" pitchFamily="18" charset="0"/>
+                            <a:cs typeface="Times" panose="02020603050405020304" pitchFamily="18" charset="0"/>
+                          </a:rPr>
+                          <m:t>H</m:t>
+                        </m:r>
+                      </m:e>
+                      <m:sup>
+                        <m:r>
+                          <a:rPr lang="en-US" altLang="zh-TW" sz="1800" i="1">
+                            <a:latin typeface="Cambria Math" panose="02040503050406030204" pitchFamily="18" charset="0"/>
+                            <a:cs typeface="Times" panose="02020603050405020304" pitchFamily="18" charset="0"/>
+                          </a:rPr>
+                          <m:t>(</m:t>
+                        </m:r>
+                        <m:r>
+                          <m:rPr>
+                            <m:sty m:val="p"/>
+                          </m:rPr>
+                          <a:rPr lang="en-US" altLang="zh-TW" sz="1800" i="1">
+                            <a:latin typeface="Cambria Math" panose="02040503050406030204" pitchFamily="18" charset="0"/>
+                            <a:cs typeface="Times" panose="02020603050405020304" pitchFamily="18" charset="0"/>
+                          </a:rPr>
+                          <m:t>k</m:t>
+                        </m:r>
+                        <m:r>
+                          <a:rPr lang="en-US" altLang="zh-TW" sz="1800" i="1">
+                            <a:latin typeface="Cambria Math" panose="02040503050406030204" pitchFamily="18" charset="0"/>
+                            <a:cs typeface="Times" panose="02020603050405020304" pitchFamily="18" charset="0"/>
+                          </a:rPr>
+                          <m:t>)</m:t>
+                        </m:r>
+                      </m:sup>
+                    </m:sSup>
+                    <m:r>
+                      <a:rPr lang="zh-TW" altLang="en-US" sz="1800" i="1">
+                        <a:latin typeface="Cambria Math" panose="02040503050406030204" pitchFamily="18" charset="0"/>
+                        <a:cs typeface="Times" panose="02020603050405020304" pitchFamily="18" charset="0"/>
+                      </a:rPr>
+                      <m:t> </m:t>
+                    </m:r>
+                  </m:oMath>
+                </a14:m>
+                <a:r>
+                  <a:rPr lang="en-US" altLang="zh-TW" sz="1800" dirty="0">
+                    <a:latin typeface="Times" panose="02020603050405020304" pitchFamily="18" charset="0"/>
+                    <a:cs typeface="Times" panose="02020603050405020304" pitchFamily="18" charset="0"/>
+                  </a:rPr>
+                  <a:t>=</a:t>
+                </a:r>
+                <a:r>
+                  <a:rPr lang="zh-TW" altLang="en-US" sz="1800" dirty="0">
+                    <a:latin typeface="Times" panose="02020603050405020304" pitchFamily="18" charset="0"/>
+                    <a:cs typeface="Times" panose="02020603050405020304" pitchFamily="18" charset="0"/>
+                  </a:rPr>
+                  <a:t> </a:t>
+                </a:r>
+                <a14:m>
+                  <m:oMath xmlns:m="http://schemas.openxmlformats.org/officeDocument/2006/math">
+                    <m:sSup>
+                      <m:sSupPr>
+                        <m:ctrlPr>
+                          <a:rPr lang="en-US" altLang="zh-TW" sz="1800" i="1" smtClean="0">
+                            <a:latin typeface="Cambria Math" panose="02040503050406030204" pitchFamily="18" charset="0"/>
+                            <a:cs typeface="Times" panose="02020603050405020304" pitchFamily="18" charset="0"/>
+                          </a:rPr>
+                        </m:ctrlPr>
+                      </m:sSupPr>
+                      <m:e>
+                        <m:r>
+                          <m:rPr>
+                            <m:sty m:val="p"/>
+                          </m:rPr>
+                          <a:rPr lang="zh-TW" altLang="en-US" sz="1800" i="1">
+                            <a:latin typeface="Cambria Math" panose="02040503050406030204" pitchFamily="18" charset="0"/>
+                            <a:cs typeface="Times" panose="02020603050405020304" pitchFamily="18" charset="0"/>
+                          </a:rPr>
+                          <m:t>∇</m:t>
+                        </m:r>
+                      </m:e>
+                      <m:sup>
+                        <m:r>
+                          <a:rPr lang="en-US" altLang="zh-TW" sz="1800" i="1">
+                            <a:latin typeface="Cambria Math" panose="02040503050406030204" pitchFamily="18" charset="0"/>
+                            <a:cs typeface="Times" panose="02020603050405020304" pitchFamily="18" charset="0"/>
+                          </a:rPr>
+                          <m:t>2</m:t>
+                        </m:r>
+                      </m:sup>
+                    </m:sSup>
+                    <m:r>
+                      <m:rPr>
+                        <m:sty m:val="p"/>
+                      </m:rPr>
+                      <a:rPr lang="en-US" altLang="zh-TW" sz="1800" i="1">
+                        <a:latin typeface="Cambria Math" panose="02040503050406030204" pitchFamily="18" charset="0"/>
+                        <a:cs typeface="Times" panose="02020603050405020304" pitchFamily="18" charset="0"/>
+                      </a:rPr>
+                      <m:t>f</m:t>
+                    </m:r>
+                    <m:r>
+                      <a:rPr lang="en-US" altLang="zh-TW" sz="1800" i="1">
+                        <a:latin typeface="Cambria Math" panose="02040503050406030204" pitchFamily="18" charset="0"/>
+                        <a:cs typeface="Times" panose="02020603050405020304" pitchFamily="18" charset="0"/>
+                      </a:rPr>
+                      <m:t>(</m:t>
+                    </m:r>
+                    <m:sSup>
+                      <m:sSupPr>
+                        <m:ctrlPr>
+                          <a:rPr lang="en-US" altLang="zh-TW" sz="1800" i="1">
+                            <a:latin typeface="Cambria Math" panose="02040503050406030204" pitchFamily="18" charset="0"/>
+                            <a:cs typeface="Times" panose="02020603050405020304" pitchFamily="18" charset="0"/>
+                          </a:rPr>
+                        </m:ctrlPr>
+                      </m:sSupPr>
+                      <m:e>
+                        <m:r>
+                          <m:rPr>
+                            <m:sty m:val="p"/>
+                          </m:rPr>
+                          <a:rPr lang="en-US" altLang="zh-TW" sz="1800" i="1">
+                            <a:latin typeface="Cambria Math" panose="02040503050406030204" pitchFamily="18" charset="0"/>
+                            <a:cs typeface="Times" panose="02020603050405020304" pitchFamily="18" charset="0"/>
+                          </a:rPr>
+                          <m:t>x</m:t>
+                        </m:r>
+                      </m:e>
+                      <m:sup>
+                        <m:r>
+                          <a:rPr lang="en-US" altLang="zh-TW" sz="1800" i="1">
+                            <a:latin typeface="Cambria Math" panose="02040503050406030204" pitchFamily="18" charset="0"/>
+                            <a:cs typeface="Times" panose="02020603050405020304" pitchFamily="18" charset="0"/>
+                          </a:rPr>
+                          <m:t>(</m:t>
+                        </m:r>
+                        <m:r>
+                          <m:rPr>
+                            <m:sty m:val="p"/>
+                          </m:rPr>
+                          <a:rPr lang="en-US" altLang="zh-TW" sz="1800" i="1">
+                            <a:latin typeface="Cambria Math" panose="02040503050406030204" pitchFamily="18" charset="0"/>
+                            <a:cs typeface="Times" panose="02020603050405020304" pitchFamily="18" charset="0"/>
+                          </a:rPr>
+                          <m:t>k</m:t>
+                        </m:r>
+                        <m:r>
+                          <a:rPr lang="en-US" altLang="zh-TW" sz="1800" i="1">
+                            <a:latin typeface="Cambria Math" panose="02040503050406030204" pitchFamily="18" charset="0"/>
+                            <a:cs typeface="Times" panose="02020603050405020304" pitchFamily="18" charset="0"/>
+                          </a:rPr>
+                          <m:t>)</m:t>
+                        </m:r>
+                      </m:sup>
+                    </m:sSup>
+                    <m:r>
+                      <a:rPr lang="en-US" altLang="zh-TW" sz="1800" i="1">
+                        <a:latin typeface="Cambria Math" panose="02040503050406030204" pitchFamily="18" charset="0"/>
+                        <a:cs typeface="Times" panose="02020603050405020304" pitchFamily="18" charset="0"/>
+                      </a:rPr>
+                      <m:t>)</m:t>
+                    </m:r>
+                    <m:r>
+                      <a:rPr lang="zh-TW" altLang="en-US" sz="1800" i="1">
+                        <a:latin typeface="Cambria Math" panose="02040503050406030204" pitchFamily="18" charset="0"/>
+                        <a:cs typeface="Times" panose="02020603050405020304" pitchFamily="18" charset="0"/>
+                      </a:rPr>
+                      <m:t> </m:t>
+                    </m:r>
+                  </m:oMath>
+                </a14:m>
+                <a:endParaRPr lang="en-US" altLang="zh-TW" sz="1800" dirty="0">
+                  <a:latin typeface="Times" panose="02020603050405020304" pitchFamily="18" charset="0"/>
+                  <a:cs typeface="Times" panose="02020603050405020304" pitchFamily="18" charset="0"/>
+                </a:endParaRPr>
+              </a:p>
+              <a:p>
+                <a:pPr lvl="1">
+                  <a:lnSpc>
+                    <a:spcPct val="120000"/>
+                  </a:lnSpc>
+                </a:pPr>
+                <a:endParaRPr lang="en-US" altLang="zh-TW" sz="1050" dirty="0">
+                  <a:latin typeface="Times" panose="02020603050405020304" pitchFamily="18" charset="0"/>
+                  <a:cs typeface="Times" panose="02020603050405020304" pitchFamily="18" charset="0"/>
+                </a:endParaRPr>
+              </a:p>
+              <a:p>
+                <a:pPr>
+                  <a:lnSpc>
+                    <a:spcPct val="120000"/>
+                  </a:lnSpc>
+                </a:pPr>
+                <a:r>
+                  <a:rPr lang="en-US" altLang="zh-TW" sz="2200" dirty="0">
+                    <a:latin typeface="Times" panose="02020603050405020304" pitchFamily="18" charset="0"/>
+                    <a:cs typeface="Times" panose="02020603050405020304" pitchFamily="18" charset="0"/>
+                  </a:rPr>
+                  <a:t>Gradient</a:t>
+                </a:r>
+                <a:r>
+                  <a:rPr lang="zh-TW" altLang="en-US" sz="2200" dirty="0">
+                    <a:latin typeface="Times" panose="02020603050405020304" pitchFamily="18" charset="0"/>
+                    <a:cs typeface="Times" panose="02020603050405020304" pitchFamily="18" charset="0"/>
+                  </a:rPr>
+                  <a:t> </a:t>
+                </a:r>
+                <a:r>
+                  <a:rPr lang="en-US" altLang="zh-TW" sz="2200" dirty="0">
+                    <a:latin typeface="Times" panose="02020603050405020304" pitchFamily="18" charset="0"/>
+                    <a:cs typeface="Times" panose="02020603050405020304" pitchFamily="18" charset="0"/>
+                  </a:rPr>
+                  <a:t>method:</a:t>
+                </a:r>
+                <a:r>
+                  <a:rPr lang="zh-TW" altLang="en-US" sz="2200" dirty="0">
+                    <a:latin typeface="Times" panose="02020603050405020304" pitchFamily="18" charset="0"/>
+                    <a:cs typeface="Times" panose="02020603050405020304" pitchFamily="18" charset="0"/>
+                  </a:rPr>
+                  <a:t> </a:t>
+                </a:r>
+                <a14:m>
+                  <m:oMath xmlns:m="http://schemas.openxmlformats.org/officeDocument/2006/math">
+                    <m:sSup>
+                      <m:sSupPr>
+                        <m:ctrlPr>
+                          <a:rPr lang="en-US" altLang="zh-TW" sz="2200" i="1" smtClean="0">
+                            <a:latin typeface="Cambria Math" panose="02040503050406030204" pitchFamily="18" charset="0"/>
+                            <a:cs typeface="Times" panose="02020603050405020304" pitchFamily="18" charset="0"/>
+                          </a:rPr>
+                        </m:ctrlPr>
+                      </m:sSupPr>
+                      <m:e>
+                        <m:r>
+                          <a:rPr lang="en-US" altLang="zh-TW" sz="2200" b="0" i="1" smtClean="0">
+                            <a:latin typeface="Cambria Math" panose="02040503050406030204" pitchFamily="18" charset="0"/>
+                            <a:cs typeface="Times" panose="02020603050405020304" pitchFamily="18" charset="0"/>
+                          </a:rPr>
+                          <m:t>𝑥</m:t>
+                        </m:r>
+                      </m:e>
+                      <m:sup>
+                        <m:r>
+                          <a:rPr lang="en-US" altLang="zh-TW" sz="2200" b="0" i="1" smtClean="0">
+                            <a:latin typeface="Cambria Math" panose="02040503050406030204" pitchFamily="18" charset="0"/>
+                            <a:cs typeface="Times" panose="02020603050405020304" pitchFamily="18" charset="0"/>
+                          </a:rPr>
+                          <m:t>(</m:t>
+                        </m:r>
+                        <m:r>
+                          <a:rPr lang="en-US" altLang="zh-TW" sz="2200" b="0" i="1" smtClean="0">
+                            <a:latin typeface="Cambria Math" panose="02040503050406030204" pitchFamily="18" charset="0"/>
+                            <a:cs typeface="Times" panose="02020603050405020304" pitchFamily="18" charset="0"/>
+                          </a:rPr>
+                          <m:t>𝑘</m:t>
+                        </m:r>
+                        <m:r>
+                          <a:rPr lang="en-US" altLang="zh-TW" sz="2200" b="0" i="1" smtClean="0">
+                            <a:latin typeface="Cambria Math" panose="02040503050406030204" pitchFamily="18" charset="0"/>
+                            <a:cs typeface="Times" panose="02020603050405020304" pitchFamily="18" charset="0"/>
+                          </a:rPr>
+                          <m:t>+1)</m:t>
+                        </m:r>
+                      </m:sup>
+                    </m:sSup>
+                    <m:r>
+                      <a:rPr lang="en-US" altLang="zh-TW" sz="2200" b="0" i="1" smtClean="0">
+                        <a:latin typeface="Cambria Math" panose="02040503050406030204" pitchFamily="18" charset="0"/>
+                        <a:cs typeface="Times" panose="02020603050405020304" pitchFamily="18" charset="0"/>
+                      </a:rPr>
+                      <m:t>=</m:t>
+                    </m:r>
+                    <m:sSup>
+                      <m:sSupPr>
+                        <m:ctrlPr>
+                          <a:rPr lang="en-US" altLang="zh-TW" sz="2200" b="0" i="1" smtClean="0">
+                            <a:latin typeface="Cambria Math" panose="02040503050406030204" pitchFamily="18" charset="0"/>
+                            <a:cs typeface="Times" panose="02020603050405020304" pitchFamily="18" charset="0"/>
+                          </a:rPr>
+                        </m:ctrlPr>
+                      </m:sSupPr>
+                      <m:e>
+                        <m:r>
+                          <a:rPr lang="en-US" altLang="zh-TW" sz="2200" b="0" i="1" smtClean="0">
+                            <a:latin typeface="Cambria Math" panose="02040503050406030204" pitchFamily="18" charset="0"/>
+                            <a:cs typeface="Times" panose="02020603050405020304" pitchFamily="18" charset="0"/>
+                          </a:rPr>
+                          <m:t>𝑥</m:t>
+                        </m:r>
+                      </m:e>
+                      <m:sup>
+                        <m:r>
+                          <a:rPr lang="en-US" altLang="zh-TW" sz="2200" b="0" i="1" smtClean="0">
+                            <a:latin typeface="Cambria Math" panose="02040503050406030204" pitchFamily="18" charset="0"/>
+                            <a:cs typeface="Times" panose="02020603050405020304" pitchFamily="18" charset="0"/>
+                          </a:rPr>
+                          <m:t>(</m:t>
+                        </m:r>
+                        <m:r>
+                          <a:rPr lang="en-US" altLang="zh-TW" sz="2200" b="0" i="1" smtClean="0">
+                            <a:latin typeface="Cambria Math" panose="02040503050406030204" pitchFamily="18" charset="0"/>
+                            <a:cs typeface="Times" panose="02020603050405020304" pitchFamily="18" charset="0"/>
+                          </a:rPr>
+                          <m:t>𝑘</m:t>
+                        </m:r>
+                        <m:r>
+                          <a:rPr lang="en-US" altLang="zh-TW" sz="2200" b="0" i="1" smtClean="0">
+                            <a:latin typeface="Cambria Math" panose="02040503050406030204" pitchFamily="18" charset="0"/>
+                            <a:cs typeface="Times" panose="02020603050405020304" pitchFamily="18" charset="0"/>
+                          </a:rPr>
+                          <m:t>)</m:t>
+                        </m:r>
+                      </m:sup>
+                    </m:sSup>
+                    <m:r>
+                      <a:rPr lang="en-US" altLang="zh-TW" sz="2200" b="0" i="1" smtClean="0">
+                        <a:latin typeface="Cambria Math" panose="02040503050406030204" pitchFamily="18" charset="0"/>
+                        <a:cs typeface="Times" panose="02020603050405020304" pitchFamily="18" charset="0"/>
+                      </a:rPr>
+                      <m:t>−</m:t>
+                    </m:r>
+                    <m:sSub>
+                      <m:sSubPr>
+                        <m:ctrlPr>
+                          <a:rPr lang="en-US" altLang="zh-TW" sz="2200" b="0" i="1" smtClean="0">
+                            <a:latin typeface="Cambria Math" panose="02040503050406030204" pitchFamily="18" charset="0"/>
+                            <a:cs typeface="Times" panose="02020603050405020304" pitchFamily="18" charset="0"/>
+                          </a:rPr>
+                        </m:ctrlPr>
+                      </m:sSubPr>
+                      <m:e>
+                        <m:r>
+                          <a:rPr lang="zh-TW" altLang="en-US" sz="2200" i="1">
+                            <a:latin typeface="Cambria Math" panose="02040503050406030204" pitchFamily="18" charset="0"/>
+                            <a:cs typeface="Times" panose="02020603050405020304" pitchFamily="18" charset="0"/>
+                          </a:rPr>
+                          <m:t>𝛼</m:t>
+                        </m:r>
+                      </m:e>
+                      <m:sub>
+                        <m:r>
+                          <a:rPr lang="en-US" altLang="zh-TW" sz="2200" b="0" i="1" smtClean="0">
+                            <a:latin typeface="Cambria Math" panose="02040503050406030204" pitchFamily="18" charset="0"/>
+                            <a:cs typeface="Times" panose="02020603050405020304" pitchFamily="18" charset="0"/>
+                          </a:rPr>
+                          <m:t>𝑘</m:t>
+                        </m:r>
+                      </m:sub>
+                    </m:sSub>
+                    <m:sSup>
+                      <m:sSupPr>
+                        <m:ctrlPr>
+                          <a:rPr lang="en-US" altLang="zh-TW" sz="2200" b="0" i="1" smtClean="0">
+                            <a:latin typeface="Cambria Math" panose="02040503050406030204" pitchFamily="18" charset="0"/>
+                            <a:cs typeface="Times" panose="02020603050405020304" pitchFamily="18" charset="0"/>
+                          </a:rPr>
+                        </m:ctrlPr>
+                      </m:sSupPr>
+                      <m:e>
+                        <m:r>
+                          <a:rPr lang="en-US" altLang="zh-TW" sz="2200" b="0" i="1" smtClean="0">
+                            <a:latin typeface="Cambria Math" panose="02040503050406030204" pitchFamily="18" charset="0"/>
+                            <a:cs typeface="Times" panose="02020603050405020304" pitchFamily="18" charset="0"/>
+                          </a:rPr>
+                          <m:t>𝑔</m:t>
+                        </m:r>
+                      </m:e>
+                      <m:sup>
+                        <m:r>
+                          <a:rPr lang="en-US" altLang="zh-TW" sz="2200" b="0" i="1" smtClean="0">
+                            <a:latin typeface="Cambria Math" panose="02040503050406030204" pitchFamily="18" charset="0"/>
+                            <a:cs typeface="Times" panose="02020603050405020304" pitchFamily="18" charset="0"/>
+                          </a:rPr>
+                          <m:t>(</m:t>
+                        </m:r>
+                        <m:r>
+                          <a:rPr lang="en-US" altLang="zh-TW" sz="2200" b="0" i="1" smtClean="0">
+                            <a:latin typeface="Cambria Math" panose="02040503050406030204" pitchFamily="18" charset="0"/>
+                            <a:cs typeface="Times" panose="02020603050405020304" pitchFamily="18" charset="0"/>
+                          </a:rPr>
+                          <m:t>𝑘</m:t>
+                        </m:r>
+                        <m:r>
+                          <a:rPr lang="en-US" altLang="zh-TW" sz="2200" b="0" i="1" smtClean="0">
+                            <a:latin typeface="Cambria Math" panose="02040503050406030204" pitchFamily="18" charset="0"/>
+                            <a:cs typeface="Times" panose="02020603050405020304" pitchFamily="18" charset="0"/>
+                          </a:rPr>
+                          <m:t>)</m:t>
+                        </m:r>
+                      </m:sup>
+                    </m:sSup>
+                  </m:oMath>
+                </a14:m>
+                <a:endParaRPr lang="en-US" altLang="zh-TW" sz="2200" dirty="0">
+                  <a:latin typeface="Times" panose="02020603050405020304" pitchFamily="18" charset="0"/>
+                  <a:cs typeface="Times" panose="02020603050405020304" pitchFamily="18" charset="0"/>
+                </a:endParaRPr>
+              </a:p>
+              <a:p>
+                <a:pPr lvl="1">
+                  <a:lnSpc>
+                    <a:spcPct val="130000"/>
+                  </a:lnSpc>
+                </a:pPr>
+                <a:r>
+                  <a:rPr lang="en-US" altLang="zh-TW" sz="1800" dirty="0">
+                    <a:latin typeface="Times" panose="02020603050405020304" pitchFamily="18" charset="0"/>
+                    <a:cs typeface="Times" panose="02020603050405020304" pitchFamily="18" charset="0"/>
+                  </a:rPr>
+                  <a:t>First order optimization.</a:t>
+                </a:r>
+              </a:p>
+              <a:p>
+                <a:pPr lvl="1">
+                  <a:lnSpc>
+                    <a:spcPct val="130000"/>
+                  </a:lnSpc>
+                </a:pPr>
+                <a:r>
+                  <a:rPr lang="en-US" altLang="zh-TW" sz="1800" dirty="0">
+                    <a:latin typeface="Times" panose="02020603050405020304" pitchFamily="18" charset="0"/>
+                    <a:cs typeface="Times" panose="02020603050405020304" pitchFamily="18" charset="0"/>
+                  </a:rPr>
+                  <a:t>Simple and computationally efficient, but with slow convergence.</a:t>
+                </a:r>
+              </a:p>
+              <a:p>
+                <a:pPr lvl="1">
+                  <a:lnSpc>
+                    <a:spcPct val="130000"/>
+                  </a:lnSpc>
+                </a:pPr>
+                <a:r>
+                  <a:rPr lang="en-US" altLang="zh-TW" sz="1800" dirty="0">
+                    <a:latin typeface="Times" panose="02020603050405020304" pitchFamily="18" charset="0"/>
+                    <a:cs typeface="Times" panose="02020603050405020304" pitchFamily="18" charset="0"/>
+                  </a:rPr>
+                  <a:t>Sensitive to the step size </a:t>
+                </a:r>
+                <a14:m>
+                  <m:oMath xmlns:m="http://schemas.openxmlformats.org/officeDocument/2006/math">
+                    <m:r>
+                      <a:rPr lang="en-US" altLang="zh-TW" sz="1800" i="1" smtClean="0">
+                        <a:latin typeface="Cambria Math" panose="02040503050406030204" pitchFamily="18" charset="0"/>
+                        <a:ea typeface="Cambria Math" panose="02040503050406030204" pitchFamily="18" charset="0"/>
+                        <a:cs typeface="Times" panose="02020603050405020304" pitchFamily="18" charset="0"/>
+                      </a:rPr>
+                      <m:t>→</m:t>
+                    </m:r>
+                  </m:oMath>
+                </a14:m>
+                <a:r>
+                  <a:rPr lang="zh-TW" altLang="en-US" sz="1800" dirty="0">
+                    <a:latin typeface="Times" panose="02020603050405020304" pitchFamily="18" charset="0"/>
+                    <a:cs typeface="Times" panose="02020603050405020304" pitchFamily="18" charset="0"/>
+                  </a:rPr>
+                  <a:t> </a:t>
+                </a:r>
+                <a:r>
+                  <a:rPr lang="en-US" altLang="zh-TW" sz="1800" dirty="0">
+                    <a:latin typeface="Times" panose="02020603050405020304" pitchFamily="18" charset="0"/>
+                    <a:cs typeface="Times" panose="02020603050405020304" pitchFamily="18" charset="0"/>
+                  </a:rPr>
+                  <a:t>DREAMPlace use predicted Lipschitz step size:</a:t>
+                </a:r>
+              </a:p>
+              <a:p>
+                <a:pPr lvl="2">
+                  <a:lnSpc>
+                    <a:spcPct val="130000"/>
+                  </a:lnSpc>
+                </a:pPr>
+                <a:r>
+                  <a:rPr lang="en-US" altLang="zh-TW" sz="1600" dirty="0">
+                    <a:latin typeface="Times" panose="02020603050405020304" pitchFamily="18" charset="0"/>
+                    <a:cs typeface="Times" panose="02020603050405020304" pitchFamily="18" charset="0"/>
+                  </a:rPr>
+                  <a:t>L is  Lipschitz constant.</a:t>
+                </a:r>
+              </a:p>
+              <a:p>
+                <a:pPr lvl="2">
+                  <a:lnSpc>
+                    <a:spcPct val="130000"/>
+                  </a:lnSpc>
+                </a:pPr>
+                <a:r>
+                  <a:rPr lang="en-US" altLang="zh-TW" sz="1600" dirty="0">
+                    <a:latin typeface="Times" panose="02020603050405020304" pitchFamily="18" charset="0"/>
+                    <a:cs typeface="Times" panose="02020603050405020304" pitchFamily="18" charset="0"/>
+                  </a:rPr>
+                  <a:t>The step size works well for </a:t>
+                </a:r>
+                <a:r>
+                  <a:rPr lang="en-US" altLang="zh-TW" sz="1600" b="1" dirty="0">
+                    <a:latin typeface="Times" panose="02020603050405020304" pitchFamily="18" charset="0"/>
+                    <a:cs typeface="Times" panose="02020603050405020304" pitchFamily="18" charset="0"/>
+                  </a:rPr>
+                  <a:t>standard cell placement </a:t>
+                </a:r>
+                <a:r>
+                  <a:rPr lang="en-US" altLang="zh-TW" sz="1600" dirty="0">
+                    <a:latin typeface="Times" panose="02020603050405020304" pitchFamily="18" charset="0"/>
+                    <a:cs typeface="Times" panose="02020603050405020304" pitchFamily="18" charset="0"/>
+                  </a:rPr>
+                  <a:t>but diverges for </a:t>
+                </a:r>
+                <a:r>
+                  <a:rPr lang="en-US" altLang="zh-TW" sz="1600" b="1" dirty="0">
+                    <a:latin typeface="Times" panose="02020603050405020304" pitchFamily="18" charset="0"/>
+                    <a:cs typeface="Times" panose="02020603050405020304" pitchFamily="18" charset="0"/>
+                  </a:rPr>
+                  <a:t>mixed-sized macro </a:t>
+                </a:r>
+                <a:r>
+                  <a:rPr lang="en-US" altLang="zh-TW" sz="1600" dirty="0">
+                    <a:latin typeface="Times" panose="02020603050405020304" pitchFamily="18" charset="0"/>
+                    <a:cs typeface="Times" panose="02020603050405020304" pitchFamily="18" charset="0"/>
+                  </a:rPr>
+                  <a:t>placement.</a:t>
+                </a:r>
+              </a:p>
+              <a:p>
+                <a:pPr lvl="2">
+                  <a:lnSpc>
+                    <a:spcPct val="130000"/>
+                  </a:lnSpc>
+                </a:pPr>
+                <a:r>
+                  <a:rPr lang="en-US" altLang="zh-TW" sz="1600" dirty="0">
+                    <a:latin typeface="Times" panose="02020603050405020304" pitchFamily="18" charset="0"/>
+                    <a:cs typeface="Times" panose="02020603050405020304" pitchFamily="18" charset="0"/>
+                  </a:rPr>
+                  <a:t>If the macro is free to move, the gradient of the cost function will change drastically.</a:t>
+                </a:r>
+                <a:endParaRPr lang="zh-TW" altLang="en-US" sz="1600" dirty="0">
+                  <a:latin typeface="Times" panose="02020603050405020304" pitchFamily="18" charset="0"/>
+                  <a:cs typeface="Times" panose="02020603050405020304" pitchFamily="18" charset="0"/>
+                </a:endParaRPr>
+              </a:p>
+            </p:txBody>
+          </p:sp>
+        </mc:Choice>
+        <mc:Fallback>
+          <p:sp>
+            <p:nvSpPr>
+              <p:cNvPr id="7" name="內容版面配置區 6">
+                <a:extLst>
+                  <a:ext uri="{FF2B5EF4-FFF2-40B4-BE49-F238E27FC236}">
+                    <a16:creationId xmlns:a16="http://schemas.microsoft.com/office/drawing/2014/main" id="{1EE38041-72D1-E9F6-102E-67680CA0847C}"/>
+                  </a:ext>
+                </a:extLst>
+              </p:cNvPr>
+              <p:cNvSpPr>
+                <a:spLocks noGrp="1" noRot="1" noChangeAspect="1" noMove="1" noResize="1" noEditPoints="1" noAdjustHandles="1" noChangeArrowheads="1" noChangeShapeType="1" noTextEdit="1"/>
+              </p:cNvSpPr>
+              <p:nvPr>
+                <p:ph idx="1"/>
+              </p:nvPr>
+            </p:nvSpPr>
+            <p:spPr>
+              <a:blipFill>
+                <a:blip r:embed="rId2"/>
+                <a:stretch>
+                  <a:fillRect l="-696"/>
+                </a:stretch>
+              </a:blipFill>
+            </p:spPr>
+            <p:txBody>
+              <a:bodyPr/>
+              <a:lstStyle/>
+              <a:p>
+                <a:r>
+                  <a:rPr lang="zh-TW" altLang="en-US">
+                    <a:noFill/>
+                  </a:rPr>
+                  <a:t> </a:t>
+                </a:r>
+              </a:p>
+            </p:txBody>
+          </p:sp>
+        </mc:Fallback>
+      </mc:AlternateContent>
+      <p:pic>
+        <p:nvPicPr>
+          <p:cNvPr id="9" name="圖片 8">
+            <a:extLst>
+              <a:ext uri="{FF2B5EF4-FFF2-40B4-BE49-F238E27FC236}">
+                <a16:creationId xmlns:a16="http://schemas.microsoft.com/office/drawing/2014/main" id="{28088F56-893A-D854-F46B-F040D2CD27D7}"/>
+              </a:ext>
+            </a:extLst>
+          </p:cNvPr>
+          <p:cNvPicPr>
+            <a:picLocks noChangeAspect="1"/>
+          </p:cNvPicPr>
+          <p:nvPr/>
+        </p:nvPicPr>
+        <p:blipFill>
+          <a:blip r:embed="rId3"/>
+          <a:stretch>
+            <a:fillRect/>
+          </a:stretch>
+        </p:blipFill>
+        <p:spPr>
+          <a:xfrm>
+            <a:off x="8727618" y="4173068"/>
+            <a:ext cx="2821985" cy="649189"/>
+          </a:xfrm>
+          <a:prstGeom prst="rect">
+            <a:avLst/>
+          </a:prstGeom>
+        </p:spPr>
+      </p:pic>
+    </p:spTree>
+    <p:extLst>
+      <p:ext uri="{BB962C8B-B14F-4D97-AF65-F5344CB8AC3E}">
+        <p14:creationId xmlns:p14="http://schemas.microsoft.com/office/powerpoint/2010/main" val="700675942"/>
       </p:ext>
     </p:extLst>
   </p:cSld>
@@ -8031,10 +8978,52 @@
       </p:grpSpPr>
       <p:sp>
         <p:nvSpPr>
-          <p:cNvPr id="4" name="Slide Number Placeholder 3">
+          <p:cNvPr id="2" name="標題 1">
             <a:extLst>
               <a:ext uri="{FF2B5EF4-FFF2-40B4-BE49-F238E27FC236}">
-                <a16:creationId xmlns:a16="http://schemas.microsoft.com/office/drawing/2014/main" id="{DB47E6D4-11C1-7FA3-40FD-EC8CC1AC8613}"/>
+                <a16:creationId xmlns:a16="http://schemas.microsoft.com/office/drawing/2014/main" id="{1C786D8A-EE6A-D63A-DCCC-CEFF2CF8D2D9}"/>
+              </a:ext>
+            </a:extLst>
+          </p:cNvPr>
+          <p:cNvSpPr>
+            <a:spLocks noGrp="1"/>
+          </p:cNvSpPr>
+          <p:nvPr>
+            <p:ph type="title"/>
+          </p:nvPr>
+        </p:nvSpPr>
+        <p:spPr>
+          <a:xfrm>
+            <a:off x="838200" y="365125"/>
+            <a:ext cx="11462886" cy="1325563"/>
+          </a:xfrm>
+        </p:spPr>
+        <p:txBody>
+          <a:bodyPr>
+            <a:normAutofit/>
+          </a:bodyPr>
+          <a:lstStyle/>
+          <a:p>
+            <a:r>
+              <a:rPr lang="en-US" altLang="zh-TW" sz="3800" dirty="0">
+                <a:latin typeface="Times" panose="02020603050405020304" pitchFamily="18" charset="0"/>
+                <a:cs typeface="Times" panose="02020603050405020304" pitchFamily="18" charset="0"/>
+              </a:rPr>
+              <a:t>Newton method</a:t>
+            </a:r>
+            <a:endParaRPr lang="zh-TW" altLang="en-US" sz="3800" dirty="0">
+              <a:latin typeface="Times" panose="02020603050405020304" pitchFamily="18" charset="0"/>
+              <a:cs typeface="Times" panose="02020603050405020304" pitchFamily="18" charset="0"/>
+            </a:endParaRPr>
+          </a:p>
+        </p:txBody>
+      </p:sp>
+      <p:sp>
+        <p:nvSpPr>
+          <p:cNvPr id="4" name="投影片編號版面配置區 3">
+            <a:extLst>
+              <a:ext uri="{FF2B5EF4-FFF2-40B4-BE49-F238E27FC236}">
+                <a16:creationId xmlns:a16="http://schemas.microsoft.com/office/drawing/2014/main" id="{0A2F5534-2155-264B-9B8B-79562DBDBCC6}"/>
               </a:ext>
             </a:extLst>
           </p:cNvPr>
@@ -8058,52 +9047,5511 @@
           </a:p>
         </p:txBody>
       </p:sp>
+      <mc:AlternateContent xmlns:mc="http://schemas.openxmlformats.org/markup-compatibility/2006">
+        <mc:Choice xmlns:a14="http://schemas.microsoft.com/office/drawing/2010/main" Requires="a14">
+          <p:sp>
+            <p:nvSpPr>
+              <p:cNvPr id="7" name="內容版面配置區 6">
+                <a:extLst>
+                  <a:ext uri="{FF2B5EF4-FFF2-40B4-BE49-F238E27FC236}">
+                    <a16:creationId xmlns:a16="http://schemas.microsoft.com/office/drawing/2014/main" id="{1EE38041-72D1-E9F6-102E-67680CA0847C}"/>
+                  </a:ext>
+                </a:extLst>
+              </p:cNvPr>
+              <p:cNvSpPr>
+                <a:spLocks noGrp="1"/>
+              </p:cNvSpPr>
+              <p:nvPr>
+                <p:ph idx="1"/>
+              </p:nvPr>
+            </p:nvSpPr>
+            <p:spPr/>
+            <p:txBody>
+              <a:bodyPr>
+                <a:normAutofit/>
+              </a:bodyPr>
+              <a:lstStyle/>
+              <a:p>
+                <a:pPr>
+                  <a:lnSpc>
+                    <a:spcPct val="120000"/>
+                  </a:lnSpc>
+                </a:pPr>
+                <a:r>
+                  <a:rPr lang="en-US" altLang="zh-TW" sz="2200" dirty="0">
+                    <a:latin typeface="Times" panose="02020603050405020304" pitchFamily="18" charset="0"/>
+                    <a:cs typeface="Times" panose="02020603050405020304" pitchFamily="18" charset="0"/>
+                  </a:rPr>
+                  <a:t>Newton</a:t>
+                </a:r>
+                <a:r>
+                  <a:rPr lang="zh-TW" altLang="en-US" sz="2200" dirty="0">
+                    <a:latin typeface="Times" panose="02020603050405020304" pitchFamily="18" charset="0"/>
+                    <a:cs typeface="Times" panose="02020603050405020304" pitchFamily="18" charset="0"/>
+                  </a:rPr>
+                  <a:t> </a:t>
+                </a:r>
+                <a:r>
+                  <a:rPr lang="en-US" altLang="zh-TW" sz="2200" dirty="0">
+                    <a:latin typeface="Times" panose="02020603050405020304" pitchFamily="18" charset="0"/>
+                    <a:cs typeface="Times" panose="02020603050405020304" pitchFamily="18" charset="0"/>
+                  </a:rPr>
+                  <a:t>method:</a:t>
+                </a:r>
+                <a:r>
+                  <a:rPr lang="zh-TW" altLang="en-US" sz="2200" dirty="0">
+                    <a:latin typeface="Times" panose="02020603050405020304" pitchFamily="18" charset="0"/>
+                    <a:cs typeface="Times" panose="02020603050405020304" pitchFamily="18" charset="0"/>
+                  </a:rPr>
+                  <a:t> </a:t>
+                </a:r>
+                <a14:m>
+                  <m:oMath xmlns:m="http://schemas.openxmlformats.org/officeDocument/2006/math">
+                    <m:sSup>
+                      <m:sSupPr>
+                        <m:ctrlPr>
+                          <a:rPr lang="en-US" altLang="zh-TW" sz="2200" i="1" smtClean="0">
+                            <a:latin typeface="Cambria Math" panose="02040503050406030204" pitchFamily="18" charset="0"/>
+                            <a:cs typeface="Times" panose="02020603050405020304" pitchFamily="18" charset="0"/>
+                          </a:rPr>
+                        </m:ctrlPr>
+                      </m:sSupPr>
+                      <m:e>
+                        <m:r>
+                          <a:rPr lang="en-US" altLang="zh-TW" sz="2200" b="0" i="1" smtClean="0">
+                            <a:latin typeface="Cambria Math" panose="02040503050406030204" pitchFamily="18" charset="0"/>
+                            <a:cs typeface="Times" panose="02020603050405020304" pitchFamily="18" charset="0"/>
+                          </a:rPr>
+                          <m:t>𝑥</m:t>
+                        </m:r>
+                      </m:e>
+                      <m:sup>
+                        <m:r>
+                          <a:rPr lang="en-US" altLang="zh-TW" sz="2200" b="0" i="1" smtClean="0">
+                            <a:latin typeface="Cambria Math" panose="02040503050406030204" pitchFamily="18" charset="0"/>
+                            <a:cs typeface="Times" panose="02020603050405020304" pitchFamily="18" charset="0"/>
+                          </a:rPr>
+                          <m:t>(</m:t>
+                        </m:r>
+                        <m:r>
+                          <a:rPr lang="en-US" altLang="zh-TW" sz="2200" b="0" i="1" smtClean="0">
+                            <a:latin typeface="Cambria Math" panose="02040503050406030204" pitchFamily="18" charset="0"/>
+                            <a:cs typeface="Times" panose="02020603050405020304" pitchFamily="18" charset="0"/>
+                          </a:rPr>
+                          <m:t>𝑘</m:t>
+                        </m:r>
+                        <m:r>
+                          <a:rPr lang="en-US" altLang="zh-TW" sz="2200" b="0" i="1" smtClean="0">
+                            <a:latin typeface="Cambria Math" panose="02040503050406030204" pitchFamily="18" charset="0"/>
+                            <a:cs typeface="Times" panose="02020603050405020304" pitchFamily="18" charset="0"/>
+                          </a:rPr>
+                          <m:t>+1)</m:t>
+                        </m:r>
+                      </m:sup>
+                    </m:sSup>
+                    <m:r>
+                      <a:rPr lang="en-US" altLang="zh-TW" sz="2200" b="0" i="1" smtClean="0">
+                        <a:latin typeface="Cambria Math" panose="02040503050406030204" pitchFamily="18" charset="0"/>
+                        <a:cs typeface="Times" panose="02020603050405020304" pitchFamily="18" charset="0"/>
+                      </a:rPr>
+                      <m:t>=</m:t>
+                    </m:r>
+                    <m:sSup>
+                      <m:sSupPr>
+                        <m:ctrlPr>
+                          <a:rPr lang="en-US" altLang="zh-TW" sz="2200" b="0" i="1" smtClean="0">
+                            <a:latin typeface="Cambria Math" panose="02040503050406030204" pitchFamily="18" charset="0"/>
+                            <a:cs typeface="Times" panose="02020603050405020304" pitchFamily="18" charset="0"/>
+                          </a:rPr>
+                        </m:ctrlPr>
+                      </m:sSupPr>
+                      <m:e>
+                        <m:r>
+                          <a:rPr lang="en-US" altLang="zh-TW" sz="2200" b="0" i="1" smtClean="0">
+                            <a:latin typeface="Cambria Math" panose="02040503050406030204" pitchFamily="18" charset="0"/>
+                            <a:cs typeface="Times" panose="02020603050405020304" pitchFamily="18" charset="0"/>
+                          </a:rPr>
+                          <m:t>𝑥</m:t>
+                        </m:r>
+                      </m:e>
+                      <m:sup>
+                        <m:r>
+                          <a:rPr lang="en-US" altLang="zh-TW" sz="2200" b="0" i="1" smtClean="0">
+                            <a:latin typeface="Cambria Math" panose="02040503050406030204" pitchFamily="18" charset="0"/>
+                            <a:cs typeface="Times" panose="02020603050405020304" pitchFamily="18" charset="0"/>
+                          </a:rPr>
+                          <m:t>(</m:t>
+                        </m:r>
+                        <m:r>
+                          <a:rPr lang="en-US" altLang="zh-TW" sz="2200" b="0" i="1" smtClean="0">
+                            <a:latin typeface="Cambria Math" panose="02040503050406030204" pitchFamily="18" charset="0"/>
+                            <a:cs typeface="Times" panose="02020603050405020304" pitchFamily="18" charset="0"/>
+                          </a:rPr>
+                          <m:t>𝑘</m:t>
+                        </m:r>
+                        <m:r>
+                          <a:rPr lang="en-US" altLang="zh-TW" sz="2200" b="0" i="1" smtClean="0">
+                            <a:latin typeface="Cambria Math" panose="02040503050406030204" pitchFamily="18" charset="0"/>
+                            <a:cs typeface="Times" panose="02020603050405020304" pitchFamily="18" charset="0"/>
+                          </a:rPr>
+                          <m:t>)</m:t>
+                        </m:r>
+                      </m:sup>
+                    </m:sSup>
+                    <m:r>
+                      <a:rPr lang="en-US" altLang="zh-TW" sz="2200" b="0" i="1" smtClean="0">
+                        <a:latin typeface="Cambria Math" panose="02040503050406030204" pitchFamily="18" charset="0"/>
+                        <a:cs typeface="Times" panose="02020603050405020304" pitchFamily="18" charset="0"/>
+                      </a:rPr>
+                      <m:t>−</m:t>
+                    </m:r>
+                    <m:sSup>
+                      <m:sSupPr>
+                        <m:ctrlPr>
+                          <a:rPr lang="en-US" altLang="zh-TW" sz="2200" b="0" i="1" smtClean="0">
+                            <a:latin typeface="Cambria Math" panose="02040503050406030204" pitchFamily="18" charset="0"/>
+                            <a:cs typeface="Times" panose="02020603050405020304" pitchFamily="18" charset="0"/>
+                          </a:rPr>
+                        </m:ctrlPr>
+                      </m:sSupPr>
+                      <m:e>
+                        <m:sSup>
+                          <m:sSupPr>
+                            <m:ctrlPr>
+                              <a:rPr lang="en-US" altLang="zh-TW" sz="2200" b="0" i="1" smtClean="0">
+                                <a:latin typeface="Cambria Math" panose="02040503050406030204" pitchFamily="18" charset="0"/>
+                                <a:cs typeface="Times" panose="02020603050405020304" pitchFamily="18" charset="0"/>
+                              </a:rPr>
+                            </m:ctrlPr>
+                          </m:sSupPr>
+                          <m:e>
+                            <m:r>
+                              <a:rPr lang="en-US" altLang="zh-TW" sz="2200" i="1">
+                                <a:latin typeface="Cambria Math" panose="02040503050406030204" pitchFamily="18" charset="0"/>
+                                <a:cs typeface="Times" panose="02020603050405020304" pitchFamily="18" charset="0"/>
+                              </a:rPr>
+                              <m:t>(</m:t>
+                            </m:r>
+                            <m:r>
+                              <a:rPr lang="en-US" altLang="zh-TW" sz="2200" b="0" i="1" smtClean="0">
+                                <a:latin typeface="Cambria Math" panose="02040503050406030204" pitchFamily="18" charset="0"/>
+                                <a:cs typeface="Times" panose="02020603050405020304" pitchFamily="18" charset="0"/>
+                              </a:rPr>
+                              <m:t>𝐻</m:t>
+                            </m:r>
+                          </m:e>
+                          <m:sup>
+                            <m:r>
+                              <a:rPr lang="en-US" altLang="zh-TW" sz="2200" b="0" i="1" smtClean="0">
+                                <a:latin typeface="Cambria Math" panose="02040503050406030204" pitchFamily="18" charset="0"/>
+                                <a:cs typeface="Times" panose="02020603050405020304" pitchFamily="18" charset="0"/>
+                              </a:rPr>
+                              <m:t>(</m:t>
+                            </m:r>
+                            <m:r>
+                              <a:rPr lang="en-US" altLang="zh-TW" sz="2200" b="0" i="1" smtClean="0">
+                                <a:latin typeface="Cambria Math" panose="02040503050406030204" pitchFamily="18" charset="0"/>
+                                <a:cs typeface="Times" panose="02020603050405020304" pitchFamily="18" charset="0"/>
+                              </a:rPr>
+                              <m:t>𝑘</m:t>
+                            </m:r>
+                            <m:r>
+                              <a:rPr lang="en-US" altLang="zh-TW" sz="2200" b="0" i="1" smtClean="0">
+                                <a:latin typeface="Cambria Math" panose="02040503050406030204" pitchFamily="18" charset="0"/>
+                                <a:cs typeface="Times" panose="02020603050405020304" pitchFamily="18" charset="0"/>
+                              </a:rPr>
+                              <m:t>)</m:t>
+                            </m:r>
+                          </m:sup>
+                        </m:sSup>
+                        <m:r>
+                          <a:rPr lang="en-US" altLang="zh-TW" sz="2200" i="1">
+                            <a:latin typeface="Cambria Math" panose="02040503050406030204" pitchFamily="18" charset="0"/>
+                            <a:cs typeface="Times" panose="02020603050405020304" pitchFamily="18" charset="0"/>
+                          </a:rPr>
+                          <m:t>)</m:t>
+                        </m:r>
+                      </m:e>
+                      <m:sup>
+                        <m:r>
+                          <a:rPr lang="en-US" altLang="zh-TW" sz="2200" b="0" i="1" smtClean="0">
+                            <a:latin typeface="Cambria Math" panose="02040503050406030204" pitchFamily="18" charset="0"/>
+                            <a:cs typeface="Times" panose="02020603050405020304" pitchFamily="18" charset="0"/>
+                          </a:rPr>
+                          <m:t>−1</m:t>
+                        </m:r>
+                      </m:sup>
+                    </m:sSup>
+                    <m:sSup>
+                      <m:sSupPr>
+                        <m:ctrlPr>
+                          <a:rPr lang="en-US" altLang="zh-TW" sz="2200" b="0" i="1" smtClean="0">
+                            <a:latin typeface="Cambria Math" panose="02040503050406030204" pitchFamily="18" charset="0"/>
+                            <a:cs typeface="Times" panose="02020603050405020304" pitchFamily="18" charset="0"/>
+                          </a:rPr>
+                        </m:ctrlPr>
+                      </m:sSupPr>
+                      <m:e>
+                        <m:r>
+                          <a:rPr lang="en-US" altLang="zh-TW" sz="2200" b="0" i="1" smtClean="0">
+                            <a:latin typeface="Cambria Math" panose="02040503050406030204" pitchFamily="18" charset="0"/>
+                            <a:cs typeface="Times" panose="02020603050405020304" pitchFamily="18" charset="0"/>
+                          </a:rPr>
+                          <m:t>𝑔</m:t>
+                        </m:r>
+                      </m:e>
+                      <m:sup>
+                        <m:r>
+                          <a:rPr lang="en-US" altLang="zh-TW" sz="2200" b="0" i="1" smtClean="0">
+                            <a:latin typeface="Cambria Math" panose="02040503050406030204" pitchFamily="18" charset="0"/>
+                            <a:cs typeface="Times" panose="02020603050405020304" pitchFamily="18" charset="0"/>
+                          </a:rPr>
+                          <m:t>(</m:t>
+                        </m:r>
+                        <m:r>
+                          <a:rPr lang="en-US" altLang="zh-TW" sz="2200" b="0" i="1" smtClean="0">
+                            <a:latin typeface="Cambria Math" panose="02040503050406030204" pitchFamily="18" charset="0"/>
+                            <a:cs typeface="Times" panose="02020603050405020304" pitchFamily="18" charset="0"/>
+                          </a:rPr>
+                          <m:t>𝑘</m:t>
+                        </m:r>
+                        <m:r>
+                          <a:rPr lang="en-US" altLang="zh-TW" sz="2200" b="0" i="1" smtClean="0">
+                            <a:latin typeface="Cambria Math" panose="02040503050406030204" pitchFamily="18" charset="0"/>
+                            <a:cs typeface="Times" panose="02020603050405020304" pitchFamily="18" charset="0"/>
+                          </a:rPr>
+                          <m:t>)</m:t>
+                        </m:r>
+                      </m:sup>
+                    </m:sSup>
+                  </m:oMath>
+                </a14:m>
+                <a:endParaRPr lang="en-US" altLang="zh-TW" sz="2200" dirty="0">
+                  <a:latin typeface="Times" panose="02020603050405020304" pitchFamily="18" charset="0"/>
+                  <a:cs typeface="Times" panose="02020603050405020304" pitchFamily="18" charset="0"/>
+                </a:endParaRPr>
+              </a:p>
+              <a:p>
+                <a:pPr lvl="1">
+                  <a:lnSpc>
+                    <a:spcPct val="130000"/>
+                  </a:lnSpc>
+                </a:pPr>
+                <a:r>
+                  <a:rPr lang="en-US" altLang="zh-TW" sz="1800" dirty="0">
+                    <a:latin typeface="Times" panose="02020603050405020304" pitchFamily="18" charset="0"/>
+                    <a:cs typeface="Times" panose="02020603050405020304" pitchFamily="18" charset="0"/>
+                  </a:rPr>
+                  <a:t>Second order optimization.</a:t>
+                </a:r>
+              </a:p>
+              <a:p>
+                <a:pPr lvl="1">
+                  <a:lnSpc>
+                    <a:spcPct val="130000"/>
+                  </a:lnSpc>
+                </a:pPr>
+                <a14:m>
+                  <m:oMath xmlns:m="http://schemas.openxmlformats.org/officeDocument/2006/math">
+                    <m:sSup>
+                      <m:sSupPr>
+                        <m:ctrlPr>
+                          <a:rPr lang="en-US" altLang="zh-TW" sz="1800" b="0" i="1" smtClean="0">
+                            <a:latin typeface="Cambria Math" panose="02040503050406030204" pitchFamily="18" charset="0"/>
+                            <a:cs typeface="Times" panose="02020603050405020304" pitchFamily="18" charset="0"/>
+                          </a:rPr>
+                        </m:ctrlPr>
+                      </m:sSupPr>
+                      <m:e>
+                        <m:r>
+                          <a:rPr lang="en-US" altLang="zh-TW" sz="1800" b="0" i="1" smtClean="0">
+                            <a:latin typeface="Cambria Math" panose="02040503050406030204" pitchFamily="18" charset="0"/>
+                            <a:cs typeface="Times" panose="02020603050405020304" pitchFamily="18" charset="0"/>
+                          </a:rPr>
+                          <m:t>𝐻</m:t>
+                        </m:r>
+                      </m:e>
+                      <m:sup>
+                        <m:r>
+                          <a:rPr lang="en-US" altLang="zh-TW" sz="1800" b="0" i="1" smtClean="0">
+                            <a:latin typeface="Cambria Math" panose="02040503050406030204" pitchFamily="18" charset="0"/>
+                            <a:cs typeface="Times" panose="02020603050405020304" pitchFamily="18" charset="0"/>
+                          </a:rPr>
+                          <m:t>(</m:t>
+                        </m:r>
+                        <m:r>
+                          <a:rPr lang="en-US" altLang="zh-TW" sz="1800" b="0" i="1" smtClean="0">
+                            <a:latin typeface="Cambria Math" panose="02040503050406030204" pitchFamily="18" charset="0"/>
+                            <a:cs typeface="Times" panose="02020603050405020304" pitchFamily="18" charset="0"/>
+                          </a:rPr>
+                          <m:t>𝑘</m:t>
+                        </m:r>
+                        <m:r>
+                          <a:rPr lang="en-US" altLang="zh-TW" sz="1800" b="0" i="1" smtClean="0">
+                            <a:latin typeface="Cambria Math" panose="02040503050406030204" pitchFamily="18" charset="0"/>
+                            <a:cs typeface="Times" panose="02020603050405020304" pitchFamily="18" charset="0"/>
+                          </a:rPr>
+                          <m:t>)</m:t>
+                        </m:r>
+                      </m:sup>
+                    </m:sSup>
+                    <m:r>
+                      <a:rPr lang="en-US" altLang="zh-TW" sz="1800" b="0" i="1" smtClean="0">
+                        <a:latin typeface="Cambria Math" panose="02040503050406030204" pitchFamily="18" charset="0"/>
+                        <a:cs typeface="Times" panose="02020603050405020304" pitchFamily="18" charset="0"/>
+                      </a:rPr>
+                      <m:t> </m:t>
+                    </m:r>
+                  </m:oMath>
+                </a14:m>
+                <a:r>
+                  <a:rPr lang="en-US" altLang="zh-TW" sz="1800" dirty="0">
+                    <a:latin typeface="Times" panose="02020603050405020304" pitchFamily="18" charset="0"/>
+                    <a:cs typeface="Times" panose="02020603050405020304" pitchFamily="18" charset="0"/>
+                  </a:rPr>
+                  <a:t>: Hessian matrix.</a:t>
+                </a:r>
+              </a:p>
+              <a:p>
+                <a:pPr lvl="1">
+                  <a:lnSpc>
+                    <a:spcPct val="130000"/>
+                  </a:lnSpc>
+                </a:pPr>
+                <a:r>
+                  <a:rPr lang="en-US" altLang="zh-TW" sz="1800" dirty="0">
+                    <a:latin typeface="Times" panose="02020603050405020304" pitchFamily="18" charset="0"/>
+                    <a:cs typeface="Times" panose="02020603050405020304" pitchFamily="18" charset="0"/>
+                  </a:rPr>
+                  <a:t>Converge faster, but computationally expensive and memory-intensive.</a:t>
+                </a:r>
+              </a:p>
+              <a:p>
+                <a:pPr lvl="1">
+                  <a:lnSpc>
+                    <a:spcPct val="130000"/>
+                  </a:lnSpc>
+                </a:pPr>
+                <a:r>
+                  <a:rPr lang="en-US" altLang="zh-TW" sz="1800" dirty="0">
+                    <a:latin typeface="Times" panose="02020603050405020304" pitchFamily="18" charset="0"/>
+                    <a:cs typeface="Times" panose="02020603050405020304" pitchFamily="18" charset="0"/>
+                  </a:rPr>
+                  <a:t>Quasi-Newton method can reduce cost by approximating Hessian matrix.</a:t>
+                </a:r>
+              </a:p>
+              <a:p>
+                <a:pPr lvl="2">
+                  <a:lnSpc>
+                    <a:spcPct val="130000"/>
+                  </a:lnSpc>
+                </a:pPr>
+                <a14:m>
+                  <m:oMath xmlns:m="http://schemas.openxmlformats.org/officeDocument/2006/math">
+                    <m:sSup>
+                      <m:sSupPr>
+                        <m:ctrlPr>
+                          <a:rPr lang="en-US" altLang="zh-TW" sz="1600" b="1" i="1" smtClean="0">
+                            <a:latin typeface="Cambria Math" panose="02040503050406030204" pitchFamily="18" charset="0"/>
+                            <a:cs typeface="Times" panose="02020603050405020304" pitchFamily="18" charset="0"/>
+                          </a:rPr>
+                        </m:ctrlPr>
+                      </m:sSupPr>
+                      <m:e>
+                        <m:r>
+                          <a:rPr lang="en-US" altLang="zh-TW" sz="1600" b="1" i="1" smtClean="0">
+                            <a:latin typeface="Cambria Math" panose="02040503050406030204" pitchFamily="18" charset="0"/>
+                            <a:cs typeface="Times" panose="02020603050405020304" pitchFamily="18" charset="0"/>
+                          </a:rPr>
+                          <m:t>𝑯</m:t>
+                        </m:r>
+                      </m:e>
+                      <m:sup>
+                        <m:d>
+                          <m:dPr>
+                            <m:ctrlPr>
+                              <a:rPr lang="en-US" altLang="zh-TW" sz="1600" b="1" i="1" smtClean="0">
+                                <a:latin typeface="Cambria Math" panose="02040503050406030204" pitchFamily="18" charset="0"/>
+                                <a:cs typeface="Times" panose="02020603050405020304" pitchFamily="18" charset="0"/>
+                              </a:rPr>
+                            </m:ctrlPr>
+                          </m:dPr>
+                          <m:e>
+                            <m:r>
+                              <a:rPr lang="en-US" altLang="zh-TW" sz="1600" b="1" i="1" smtClean="0">
+                                <a:latin typeface="Cambria Math" panose="02040503050406030204" pitchFamily="18" charset="0"/>
+                                <a:cs typeface="Times" panose="02020603050405020304" pitchFamily="18" charset="0"/>
+                              </a:rPr>
+                              <m:t>𝒌</m:t>
+                            </m:r>
+                          </m:e>
+                        </m:d>
+                      </m:sup>
+                    </m:sSup>
+                    <m:sSup>
+                      <m:sSupPr>
+                        <m:ctrlPr>
+                          <a:rPr lang="en-US" altLang="zh-TW" sz="1600" b="1" i="1" smtClean="0">
+                            <a:latin typeface="Cambria Math" panose="02040503050406030204" pitchFamily="18" charset="0"/>
+                            <a:cs typeface="Times" panose="02020603050405020304" pitchFamily="18" charset="0"/>
+                          </a:rPr>
+                        </m:ctrlPr>
+                      </m:sSupPr>
+                      <m:e>
+                        <m:r>
+                          <a:rPr lang="en-US" altLang="zh-TW" sz="1600" b="1" i="1" smtClean="0">
+                            <a:latin typeface="Cambria Math" panose="02040503050406030204" pitchFamily="18" charset="0"/>
+                            <a:cs typeface="Times" panose="02020603050405020304" pitchFamily="18" charset="0"/>
+                          </a:rPr>
+                          <m:t>𝒔</m:t>
+                        </m:r>
+                      </m:e>
+                      <m:sup>
+                        <m:r>
+                          <a:rPr lang="en-US" altLang="zh-TW" sz="1600" b="1" i="1" smtClean="0">
+                            <a:latin typeface="Cambria Math" panose="02040503050406030204" pitchFamily="18" charset="0"/>
+                            <a:cs typeface="Times" panose="02020603050405020304" pitchFamily="18" charset="0"/>
+                          </a:rPr>
+                          <m:t>(</m:t>
+                        </m:r>
+                        <m:r>
+                          <a:rPr lang="en-US" altLang="zh-TW" sz="1600" b="1" i="1" smtClean="0">
+                            <a:latin typeface="Cambria Math" panose="02040503050406030204" pitchFamily="18" charset="0"/>
+                            <a:cs typeface="Times" panose="02020603050405020304" pitchFamily="18" charset="0"/>
+                          </a:rPr>
+                          <m:t>𝒌</m:t>
+                        </m:r>
+                        <m:r>
+                          <a:rPr lang="en-US" altLang="zh-TW" sz="1600" b="1" i="1" smtClean="0">
+                            <a:latin typeface="Cambria Math" panose="02040503050406030204" pitchFamily="18" charset="0"/>
+                            <a:cs typeface="Times" panose="02020603050405020304" pitchFamily="18" charset="0"/>
+                          </a:rPr>
+                          <m:t>−</m:t>
+                        </m:r>
+                        <m:r>
+                          <a:rPr lang="en-US" altLang="zh-TW" sz="1600" b="1" i="1" smtClean="0">
+                            <a:latin typeface="Cambria Math" panose="02040503050406030204" pitchFamily="18" charset="0"/>
+                            <a:cs typeface="Times" panose="02020603050405020304" pitchFamily="18" charset="0"/>
+                          </a:rPr>
+                          <m:t>𝟏</m:t>
+                        </m:r>
+                        <m:r>
+                          <a:rPr lang="en-US" altLang="zh-TW" sz="1600" b="1" i="1" smtClean="0">
+                            <a:latin typeface="Cambria Math" panose="02040503050406030204" pitchFamily="18" charset="0"/>
+                            <a:cs typeface="Times" panose="02020603050405020304" pitchFamily="18" charset="0"/>
+                          </a:rPr>
+                          <m:t>)</m:t>
+                        </m:r>
+                      </m:sup>
+                    </m:sSup>
+                    <m:r>
+                      <a:rPr lang="en-US" altLang="zh-TW" sz="1600" b="1" i="1" smtClean="0">
+                        <a:latin typeface="Cambria Math" panose="02040503050406030204" pitchFamily="18" charset="0"/>
+                        <a:cs typeface="Times" panose="02020603050405020304" pitchFamily="18" charset="0"/>
+                      </a:rPr>
+                      <m:t>= </m:t>
+                    </m:r>
+                    <m:sSup>
+                      <m:sSupPr>
+                        <m:ctrlPr>
+                          <a:rPr lang="en-US" altLang="zh-TW" sz="1600" b="1" i="1" smtClean="0">
+                            <a:latin typeface="Cambria Math" panose="02040503050406030204" pitchFamily="18" charset="0"/>
+                            <a:cs typeface="Times" panose="02020603050405020304" pitchFamily="18" charset="0"/>
+                          </a:rPr>
+                        </m:ctrlPr>
+                      </m:sSupPr>
+                      <m:e>
+                        <m:r>
+                          <a:rPr lang="en-US" altLang="zh-TW" sz="1600" b="1" i="1" smtClean="0">
+                            <a:latin typeface="Cambria Math" panose="02040503050406030204" pitchFamily="18" charset="0"/>
+                            <a:cs typeface="Times" panose="02020603050405020304" pitchFamily="18" charset="0"/>
+                          </a:rPr>
+                          <m:t>𝒚</m:t>
+                        </m:r>
+                      </m:e>
+                      <m:sup>
+                        <m:r>
+                          <a:rPr lang="en-US" altLang="zh-TW" sz="1600" b="1" i="1" smtClean="0">
+                            <a:latin typeface="Cambria Math" panose="02040503050406030204" pitchFamily="18" charset="0"/>
+                            <a:cs typeface="Times" panose="02020603050405020304" pitchFamily="18" charset="0"/>
+                          </a:rPr>
+                          <m:t>(</m:t>
+                        </m:r>
+                        <m:r>
+                          <a:rPr lang="en-US" altLang="zh-TW" sz="1600" b="1" i="1" smtClean="0">
+                            <a:latin typeface="Cambria Math" panose="02040503050406030204" pitchFamily="18" charset="0"/>
+                            <a:cs typeface="Times" panose="02020603050405020304" pitchFamily="18" charset="0"/>
+                          </a:rPr>
+                          <m:t>𝒌</m:t>
+                        </m:r>
+                        <m:r>
+                          <a:rPr lang="en-US" altLang="zh-TW" sz="1600" b="1" i="1" smtClean="0">
+                            <a:latin typeface="Cambria Math" panose="02040503050406030204" pitchFamily="18" charset="0"/>
+                            <a:cs typeface="Times" panose="02020603050405020304" pitchFamily="18" charset="0"/>
+                          </a:rPr>
+                          <m:t>−</m:t>
+                        </m:r>
+                        <m:r>
+                          <a:rPr lang="en-US" altLang="zh-TW" sz="1600" b="1" i="1" smtClean="0">
+                            <a:latin typeface="Cambria Math" panose="02040503050406030204" pitchFamily="18" charset="0"/>
+                            <a:cs typeface="Times" panose="02020603050405020304" pitchFamily="18" charset="0"/>
+                          </a:rPr>
+                          <m:t>𝟏</m:t>
+                        </m:r>
+                        <m:r>
+                          <a:rPr lang="en-US" altLang="zh-TW" sz="1600" b="1" i="1" smtClean="0">
+                            <a:latin typeface="Cambria Math" panose="02040503050406030204" pitchFamily="18" charset="0"/>
+                            <a:cs typeface="Times" panose="02020603050405020304" pitchFamily="18" charset="0"/>
+                          </a:rPr>
+                          <m:t>)</m:t>
+                        </m:r>
+                      </m:sup>
+                    </m:sSup>
+                  </m:oMath>
+                </a14:m>
+                <a:r>
+                  <a:rPr lang="en-US" altLang="zh-TW" sz="1600" dirty="0">
+                    <a:latin typeface="Times" panose="02020603050405020304" pitchFamily="18" charset="0"/>
+                    <a:cs typeface="Times" panose="02020603050405020304" pitchFamily="18" charset="0"/>
+                  </a:rPr>
+                  <a:t>, where </a:t>
+                </a:r>
+                <a14:m>
+                  <m:oMath xmlns:m="http://schemas.openxmlformats.org/officeDocument/2006/math">
+                    <m:sSup>
+                      <m:sSupPr>
+                        <m:ctrlPr>
+                          <a:rPr lang="en-US" altLang="zh-TW" sz="1600" i="1">
+                            <a:latin typeface="Cambria Math" panose="02040503050406030204" pitchFamily="18" charset="0"/>
+                            <a:cs typeface="Times" panose="02020603050405020304" pitchFamily="18" charset="0"/>
+                          </a:rPr>
+                        </m:ctrlPr>
+                      </m:sSupPr>
+                      <m:e>
+                        <m:r>
+                          <a:rPr lang="en-US" altLang="zh-TW" sz="1600" i="1">
+                            <a:latin typeface="Cambria Math" panose="02040503050406030204" pitchFamily="18" charset="0"/>
+                            <a:cs typeface="Times" panose="02020603050405020304" pitchFamily="18" charset="0"/>
+                          </a:rPr>
+                          <m:t>𝑠</m:t>
+                        </m:r>
+                      </m:e>
+                      <m:sup>
+                        <m:r>
+                          <a:rPr lang="en-US" altLang="zh-TW" sz="1600" i="1">
+                            <a:latin typeface="Cambria Math" panose="02040503050406030204" pitchFamily="18" charset="0"/>
+                            <a:cs typeface="Times" panose="02020603050405020304" pitchFamily="18" charset="0"/>
+                          </a:rPr>
+                          <m:t>(</m:t>
+                        </m:r>
+                        <m:r>
+                          <a:rPr lang="en-US" altLang="zh-TW" sz="1600" i="1">
+                            <a:latin typeface="Cambria Math" panose="02040503050406030204" pitchFamily="18" charset="0"/>
+                            <a:cs typeface="Times" panose="02020603050405020304" pitchFamily="18" charset="0"/>
+                          </a:rPr>
+                          <m:t>𝑘</m:t>
+                        </m:r>
+                        <m:r>
+                          <a:rPr lang="en-US" altLang="zh-TW" sz="1600" i="1">
+                            <a:latin typeface="Cambria Math" panose="02040503050406030204" pitchFamily="18" charset="0"/>
+                            <a:cs typeface="Times" panose="02020603050405020304" pitchFamily="18" charset="0"/>
+                          </a:rPr>
+                          <m:t>−1)</m:t>
+                        </m:r>
+                      </m:sup>
+                    </m:sSup>
+                    <m:r>
+                      <a:rPr lang="en-US" altLang="zh-TW" sz="1600" b="0" i="1" smtClean="0">
+                        <a:latin typeface="Cambria Math" panose="02040503050406030204" pitchFamily="18" charset="0"/>
+                        <a:cs typeface="Times" panose="02020603050405020304" pitchFamily="18" charset="0"/>
+                      </a:rPr>
+                      <m:t>=</m:t>
+                    </m:r>
+                    <m:sSup>
+                      <m:sSupPr>
+                        <m:ctrlPr>
+                          <a:rPr lang="en-US" altLang="zh-TW" sz="1600" b="0" i="1" smtClean="0">
+                            <a:latin typeface="Cambria Math" panose="02040503050406030204" pitchFamily="18" charset="0"/>
+                            <a:cs typeface="Times" panose="02020603050405020304" pitchFamily="18" charset="0"/>
+                          </a:rPr>
+                        </m:ctrlPr>
+                      </m:sSupPr>
+                      <m:e>
+                        <m:r>
+                          <a:rPr lang="en-US" altLang="zh-TW" sz="1600" b="0" i="1" smtClean="0">
+                            <a:latin typeface="Cambria Math" panose="02040503050406030204" pitchFamily="18" charset="0"/>
+                            <a:cs typeface="Times" panose="02020603050405020304" pitchFamily="18" charset="0"/>
+                          </a:rPr>
+                          <m:t>𝑥</m:t>
+                        </m:r>
+                      </m:e>
+                      <m:sup>
+                        <m:r>
+                          <a:rPr lang="en-US" altLang="zh-TW" sz="1600" b="0" i="1" smtClean="0">
+                            <a:latin typeface="Cambria Math" panose="02040503050406030204" pitchFamily="18" charset="0"/>
+                            <a:cs typeface="Times" panose="02020603050405020304" pitchFamily="18" charset="0"/>
+                          </a:rPr>
+                          <m:t>(</m:t>
+                        </m:r>
+                        <m:r>
+                          <a:rPr lang="en-US" altLang="zh-TW" sz="1600" b="0" i="1" smtClean="0">
+                            <a:latin typeface="Cambria Math" panose="02040503050406030204" pitchFamily="18" charset="0"/>
+                            <a:cs typeface="Times" panose="02020603050405020304" pitchFamily="18" charset="0"/>
+                          </a:rPr>
+                          <m:t>𝑘</m:t>
+                        </m:r>
+                        <m:r>
+                          <a:rPr lang="en-US" altLang="zh-TW" sz="1600" b="0" i="1" smtClean="0">
+                            <a:latin typeface="Cambria Math" panose="02040503050406030204" pitchFamily="18" charset="0"/>
+                            <a:cs typeface="Times" panose="02020603050405020304" pitchFamily="18" charset="0"/>
+                          </a:rPr>
+                          <m:t>)</m:t>
+                        </m:r>
+                      </m:sup>
+                    </m:sSup>
+                    <m:r>
+                      <a:rPr lang="en-US" altLang="zh-TW" sz="1600" b="0" i="1" smtClean="0">
+                        <a:latin typeface="Cambria Math" panose="02040503050406030204" pitchFamily="18" charset="0"/>
+                        <a:cs typeface="Times" panose="02020603050405020304" pitchFamily="18" charset="0"/>
+                      </a:rPr>
+                      <m:t>−</m:t>
+                    </m:r>
+                    <m:sSup>
+                      <m:sSupPr>
+                        <m:ctrlPr>
+                          <a:rPr lang="en-US" altLang="zh-TW" sz="1600" b="0" i="1" smtClean="0">
+                            <a:latin typeface="Cambria Math" panose="02040503050406030204" pitchFamily="18" charset="0"/>
+                            <a:cs typeface="Times" panose="02020603050405020304" pitchFamily="18" charset="0"/>
+                          </a:rPr>
+                        </m:ctrlPr>
+                      </m:sSupPr>
+                      <m:e>
+                        <m:r>
+                          <a:rPr lang="en-US" altLang="zh-TW" sz="1600" b="0" i="1" smtClean="0">
+                            <a:latin typeface="Cambria Math" panose="02040503050406030204" pitchFamily="18" charset="0"/>
+                            <a:cs typeface="Times" panose="02020603050405020304" pitchFamily="18" charset="0"/>
+                          </a:rPr>
+                          <m:t>𝑥</m:t>
+                        </m:r>
+                      </m:e>
+                      <m:sup>
+                        <m:r>
+                          <a:rPr lang="en-US" altLang="zh-TW" sz="1600" b="0" i="1" smtClean="0">
+                            <a:latin typeface="Cambria Math" panose="02040503050406030204" pitchFamily="18" charset="0"/>
+                            <a:cs typeface="Times" panose="02020603050405020304" pitchFamily="18" charset="0"/>
+                          </a:rPr>
+                          <m:t>(</m:t>
+                        </m:r>
+                        <m:r>
+                          <a:rPr lang="en-US" altLang="zh-TW" sz="1600" b="0" i="1" smtClean="0">
+                            <a:latin typeface="Cambria Math" panose="02040503050406030204" pitchFamily="18" charset="0"/>
+                            <a:cs typeface="Times" panose="02020603050405020304" pitchFamily="18" charset="0"/>
+                          </a:rPr>
+                          <m:t>𝑘</m:t>
+                        </m:r>
+                        <m:r>
+                          <a:rPr lang="en-US" altLang="zh-TW" sz="1600" b="0" i="1" smtClean="0">
+                            <a:latin typeface="Cambria Math" panose="02040503050406030204" pitchFamily="18" charset="0"/>
+                            <a:cs typeface="Times" panose="02020603050405020304" pitchFamily="18" charset="0"/>
+                          </a:rPr>
+                          <m:t>−1)</m:t>
+                        </m:r>
+                      </m:sup>
+                    </m:sSup>
+                  </m:oMath>
+                </a14:m>
+                <a:r>
+                  <a:rPr lang="en-US" altLang="zh-TW" sz="1600" dirty="0">
+                    <a:latin typeface="Times" panose="02020603050405020304" pitchFamily="18" charset="0"/>
+                    <a:cs typeface="Times" panose="02020603050405020304" pitchFamily="18" charset="0"/>
+                  </a:rPr>
+                  <a:t>, </a:t>
+                </a:r>
+                <a14:m>
+                  <m:oMath xmlns:m="http://schemas.openxmlformats.org/officeDocument/2006/math">
+                    <m:sSup>
+                      <m:sSupPr>
+                        <m:ctrlPr>
+                          <a:rPr lang="en-US" altLang="zh-TW" sz="1600" i="1">
+                            <a:latin typeface="Cambria Math" panose="02040503050406030204" pitchFamily="18" charset="0"/>
+                            <a:cs typeface="Times" panose="02020603050405020304" pitchFamily="18" charset="0"/>
+                          </a:rPr>
+                        </m:ctrlPr>
+                      </m:sSupPr>
+                      <m:e>
+                        <m:r>
+                          <a:rPr lang="en-US" altLang="zh-TW" sz="1600" i="1">
+                            <a:latin typeface="Cambria Math" panose="02040503050406030204" pitchFamily="18" charset="0"/>
+                            <a:cs typeface="Times" panose="02020603050405020304" pitchFamily="18" charset="0"/>
+                          </a:rPr>
+                          <m:t>𝑦</m:t>
+                        </m:r>
+                      </m:e>
+                      <m:sup>
+                        <m:r>
+                          <a:rPr lang="en-US" altLang="zh-TW" sz="1600" i="1">
+                            <a:latin typeface="Cambria Math" panose="02040503050406030204" pitchFamily="18" charset="0"/>
+                            <a:cs typeface="Times" panose="02020603050405020304" pitchFamily="18" charset="0"/>
+                          </a:rPr>
+                          <m:t>(</m:t>
+                        </m:r>
+                        <m:r>
+                          <a:rPr lang="en-US" altLang="zh-TW" sz="1600" i="1">
+                            <a:latin typeface="Cambria Math" panose="02040503050406030204" pitchFamily="18" charset="0"/>
+                            <a:cs typeface="Times" panose="02020603050405020304" pitchFamily="18" charset="0"/>
+                          </a:rPr>
+                          <m:t>𝑘</m:t>
+                        </m:r>
+                        <m:r>
+                          <a:rPr lang="en-US" altLang="zh-TW" sz="1600" i="1">
+                            <a:latin typeface="Cambria Math" panose="02040503050406030204" pitchFamily="18" charset="0"/>
+                            <a:cs typeface="Times" panose="02020603050405020304" pitchFamily="18" charset="0"/>
+                          </a:rPr>
+                          <m:t>−1)</m:t>
+                        </m:r>
+                      </m:sup>
+                    </m:sSup>
+                    <m:r>
+                      <a:rPr lang="en-US" altLang="zh-TW" sz="1600" b="0" i="1" smtClean="0">
+                        <a:latin typeface="Cambria Math" panose="02040503050406030204" pitchFamily="18" charset="0"/>
+                        <a:cs typeface="Times" panose="02020603050405020304" pitchFamily="18" charset="0"/>
+                      </a:rPr>
+                      <m:t>=</m:t>
+                    </m:r>
+                    <m:sSup>
+                      <m:sSupPr>
+                        <m:ctrlPr>
+                          <a:rPr lang="en-US" altLang="zh-TW" sz="1600" b="0" i="1" smtClean="0">
+                            <a:latin typeface="Cambria Math" panose="02040503050406030204" pitchFamily="18" charset="0"/>
+                            <a:cs typeface="Times" panose="02020603050405020304" pitchFamily="18" charset="0"/>
+                          </a:rPr>
+                        </m:ctrlPr>
+                      </m:sSupPr>
+                      <m:e>
+                        <m:r>
+                          <a:rPr lang="en-US" altLang="zh-TW" sz="1600" b="0" i="1" smtClean="0">
+                            <a:latin typeface="Cambria Math" panose="02040503050406030204" pitchFamily="18" charset="0"/>
+                            <a:cs typeface="Times" panose="02020603050405020304" pitchFamily="18" charset="0"/>
+                          </a:rPr>
+                          <m:t>𝑔</m:t>
+                        </m:r>
+                      </m:e>
+                      <m:sup>
+                        <m:r>
+                          <a:rPr lang="en-US" altLang="zh-TW" sz="1600" b="0" i="1" smtClean="0">
+                            <a:latin typeface="Cambria Math" panose="02040503050406030204" pitchFamily="18" charset="0"/>
+                            <a:cs typeface="Times" panose="02020603050405020304" pitchFamily="18" charset="0"/>
+                          </a:rPr>
+                          <m:t>(</m:t>
+                        </m:r>
+                        <m:r>
+                          <a:rPr lang="en-US" altLang="zh-TW" sz="1600" b="0" i="1" smtClean="0">
+                            <a:latin typeface="Cambria Math" panose="02040503050406030204" pitchFamily="18" charset="0"/>
+                            <a:cs typeface="Times" panose="02020603050405020304" pitchFamily="18" charset="0"/>
+                          </a:rPr>
+                          <m:t>𝑘</m:t>
+                        </m:r>
+                        <m:r>
+                          <a:rPr lang="en-US" altLang="zh-TW" sz="1600" b="0" i="1" smtClean="0">
+                            <a:latin typeface="Cambria Math" panose="02040503050406030204" pitchFamily="18" charset="0"/>
+                            <a:cs typeface="Times" panose="02020603050405020304" pitchFamily="18" charset="0"/>
+                          </a:rPr>
+                          <m:t>)</m:t>
+                        </m:r>
+                      </m:sup>
+                    </m:sSup>
+                    <m:r>
+                      <a:rPr lang="en-US" altLang="zh-TW" sz="1600" b="0" i="1" smtClean="0">
+                        <a:latin typeface="Cambria Math" panose="02040503050406030204" pitchFamily="18" charset="0"/>
+                        <a:cs typeface="Times" panose="02020603050405020304" pitchFamily="18" charset="0"/>
+                      </a:rPr>
+                      <m:t>−</m:t>
+                    </m:r>
+                    <m:sSup>
+                      <m:sSupPr>
+                        <m:ctrlPr>
+                          <a:rPr lang="en-US" altLang="zh-TW" sz="1600" b="0" i="1" smtClean="0">
+                            <a:latin typeface="Cambria Math" panose="02040503050406030204" pitchFamily="18" charset="0"/>
+                            <a:cs typeface="Times" panose="02020603050405020304" pitchFamily="18" charset="0"/>
+                          </a:rPr>
+                        </m:ctrlPr>
+                      </m:sSupPr>
+                      <m:e>
+                        <m:r>
+                          <a:rPr lang="en-US" altLang="zh-TW" sz="1600" b="0" i="1" smtClean="0">
+                            <a:latin typeface="Cambria Math" panose="02040503050406030204" pitchFamily="18" charset="0"/>
+                            <a:cs typeface="Times" panose="02020603050405020304" pitchFamily="18" charset="0"/>
+                          </a:rPr>
+                          <m:t>𝑔</m:t>
+                        </m:r>
+                      </m:e>
+                      <m:sup>
+                        <m:r>
+                          <a:rPr lang="en-US" altLang="zh-TW" sz="1600" b="0" i="1" smtClean="0">
+                            <a:latin typeface="Cambria Math" panose="02040503050406030204" pitchFamily="18" charset="0"/>
+                            <a:cs typeface="Times" panose="02020603050405020304" pitchFamily="18" charset="0"/>
+                          </a:rPr>
+                          <m:t>(</m:t>
+                        </m:r>
+                        <m:r>
+                          <a:rPr lang="en-US" altLang="zh-TW" sz="1600" b="0" i="1" smtClean="0">
+                            <a:latin typeface="Cambria Math" panose="02040503050406030204" pitchFamily="18" charset="0"/>
+                            <a:cs typeface="Times" panose="02020603050405020304" pitchFamily="18" charset="0"/>
+                          </a:rPr>
+                          <m:t>𝑘</m:t>
+                        </m:r>
+                        <m:r>
+                          <a:rPr lang="en-US" altLang="zh-TW" sz="1600" b="0" i="1" smtClean="0">
+                            <a:latin typeface="Cambria Math" panose="02040503050406030204" pitchFamily="18" charset="0"/>
+                            <a:cs typeface="Times" panose="02020603050405020304" pitchFamily="18" charset="0"/>
+                          </a:rPr>
+                          <m:t>−1)</m:t>
+                        </m:r>
+                      </m:sup>
+                    </m:sSup>
+                  </m:oMath>
+                </a14:m>
+                <a:endParaRPr lang="en-US" altLang="zh-TW" sz="1600" dirty="0">
+                  <a:latin typeface="Times" panose="02020603050405020304" pitchFamily="18" charset="0"/>
+                  <a:cs typeface="Times" panose="02020603050405020304" pitchFamily="18" charset="0"/>
+                </a:endParaRPr>
+              </a:p>
+              <a:p>
+                <a:pPr>
+                  <a:lnSpc>
+                    <a:spcPct val="130000"/>
+                  </a:lnSpc>
+                </a:pPr>
+                <a:endParaRPr lang="en-US" altLang="zh-TW" sz="1100" dirty="0">
+                  <a:latin typeface="Times" panose="02020603050405020304" pitchFamily="18" charset="0"/>
+                  <a:cs typeface="Times" panose="02020603050405020304" pitchFamily="18" charset="0"/>
+                </a:endParaRPr>
+              </a:p>
+              <a:p>
+                <a:pPr>
+                  <a:lnSpc>
+                    <a:spcPct val="130000"/>
+                  </a:lnSpc>
+                </a:pPr>
+                <a:r>
+                  <a:rPr lang="en-US" altLang="zh-TW" sz="2200" dirty="0">
+                    <a:latin typeface="Times" panose="02020603050405020304" pitchFamily="18" charset="0"/>
+                    <a:cs typeface="Times" panose="02020603050405020304" pitchFamily="18" charset="0"/>
+                  </a:rPr>
+                  <a:t>Mixed-sized placement need to update the wirelength function and penalty factor of density function.</a:t>
+                </a:r>
+              </a:p>
+              <a:p>
+                <a:pPr lvl="1">
+                  <a:lnSpc>
+                    <a:spcPct val="130000"/>
+                  </a:lnSpc>
+                </a:pPr>
+                <a:r>
+                  <a:rPr lang="en-US" altLang="zh-TW" sz="1800" dirty="0">
+                    <a:latin typeface="Times" panose="02020603050405020304" pitchFamily="18" charset="0"/>
+                    <a:cs typeface="Times" panose="02020603050405020304" pitchFamily="18" charset="0"/>
+                  </a:rPr>
+                  <a:t>Need to recompute the gradient of previous iteration, which is time-consuming.</a:t>
+                </a:r>
+              </a:p>
+            </p:txBody>
+          </p:sp>
+        </mc:Choice>
+        <mc:Fallback>
+          <p:sp>
+            <p:nvSpPr>
+              <p:cNvPr id="7" name="內容版面配置區 6">
+                <a:extLst>
+                  <a:ext uri="{FF2B5EF4-FFF2-40B4-BE49-F238E27FC236}">
+                    <a16:creationId xmlns:a16="http://schemas.microsoft.com/office/drawing/2014/main" id="{1EE38041-72D1-E9F6-102E-67680CA0847C}"/>
+                  </a:ext>
+                </a:extLst>
+              </p:cNvPr>
+              <p:cNvSpPr>
+                <a:spLocks noGrp="1" noRot="1" noChangeAspect="1" noMove="1" noResize="1" noEditPoints="1" noAdjustHandles="1" noChangeArrowheads="1" noChangeShapeType="1" noTextEdit="1"/>
+              </p:cNvSpPr>
+              <p:nvPr>
+                <p:ph idx="1"/>
+              </p:nvPr>
+            </p:nvSpPr>
+            <p:spPr>
+              <a:blipFill>
+                <a:blip r:embed="rId3"/>
+                <a:stretch>
+                  <a:fillRect l="-696" b="-1821"/>
+                </a:stretch>
+              </a:blipFill>
+            </p:spPr>
+            <p:txBody>
+              <a:bodyPr/>
+              <a:lstStyle/>
+              <a:p>
+                <a:r>
+                  <a:rPr lang="zh-TW" altLang="en-US">
+                    <a:noFill/>
+                  </a:rPr>
+                  <a:t> </a:t>
+                </a:r>
+              </a:p>
+            </p:txBody>
+          </p:sp>
+        </mc:Fallback>
+      </mc:AlternateContent>
+    </p:spTree>
+    <p:extLst>
+      <p:ext uri="{BB962C8B-B14F-4D97-AF65-F5344CB8AC3E}">
+        <p14:creationId xmlns:p14="http://schemas.microsoft.com/office/powerpoint/2010/main" val="392318573"/>
+      </p:ext>
+    </p:extLst>
+  </p:cSld>
+  <p:clrMapOvr>
+    <a:masterClrMapping/>
+  </p:clrMapOvr>
+</p:sld>
+</file>
+
+<file path=ppt/slides/slide15.xml><?xml version="1.0" encoding="utf-8"?>
+<p:sld xmlns:a="http://schemas.openxmlformats.org/drawingml/2006/main" xmlns:r="http://schemas.openxmlformats.org/officeDocument/2006/relationships" xmlns:p="http://schemas.openxmlformats.org/presentationml/2006/main" show="0">
+  <p:cSld>
+    <p:spTree>
+      <p:nvGrpSpPr>
+        <p:cNvPr id="1" name=""/>
+        <p:cNvGrpSpPr/>
+        <p:nvPr/>
+      </p:nvGrpSpPr>
+      <p:grpSpPr>
+        <a:xfrm>
+          <a:off x="0" y="0"/>
+          <a:ext cx="0" cy="0"/>
+          <a:chOff x="0" y="0"/>
+          <a:chExt cx="0" cy="0"/>
+        </a:xfrm>
+      </p:grpSpPr>
       <p:sp>
         <p:nvSpPr>
-          <p:cNvPr id="5" name="TextBox 4">
+          <p:cNvPr id="2" name="標題 1">
             <a:extLst>
               <a:ext uri="{FF2B5EF4-FFF2-40B4-BE49-F238E27FC236}">
-                <a16:creationId xmlns:a16="http://schemas.microsoft.com/office/drawing/2014/main" id="{DE342AA9-4E4B-2420-9858-9BBA5A519307}"/>
+                <a16:creationId xmlns:a16="http://schemas.microsoft.com/office/drawing/2014/main" id="{99D6718F-68E6-C5BF-4F6D-CE5A72C43968}"/>
               </a:ext>
             </a:extLst>
           </p:cNvPr>
-          <p:cNvSpPr txBox="1"/>
+          <p:cNvSpPr>
+            <a:spLocks noGrp="1"/>
+          </p:cNvSpPr>
+          <p:nvPr>
+            <p:ph type="title"/>
+          </p:nvPr>
+        </p:nvSpPr>
+        <p:spPr/>
+        <p:txBody>
+          <a:bodyPr/>
+          <a:lstStyle/>
+          <a:p>
+            <a:endParaRPr lang="zh-TW" altLang="en-US"/>
+          </a:p>
+        </p:txBody>
+      </p:sp>
+      <p:sp>
+        <p:nvSpPr>
+          <p:cNvPr id="3" name="內容版面配置區 2">
+            <a:extLst>
+              <a:ext uri="{FF2B5EF4-FFF2-40B4-BE49-F238E27FC236}">
+                <a16:creationId xmlns:a16="http://schemas.microsoft.com/office/drawing/2014/main" id="{CECD5032-1907-09C2-0A52-8F3B6B329D9B}"/>
+              </a:ext>
+            </a:extLst>
+          </p:cNvPr>
+          <p:cNvSpPr>
+            <a:spLocks noGrp="1"/>
+          </p:cNvSpPr>
+          <p:nvPr>
+            <p:ph idx="1"/>
+          </p:nvPr>
+        </p:nvSpPr>
+        <p:spPr/>
+        <p:txBody>
+          <a:bodyPr/>
+          <a:lstStyle/>
+          <a:p>
+            <a:endParaRPr lang="zh-TW" altLang="en-US"/>
+          </a:p>
+        </p:txBody>
+      </p:sp>
+      <p:sp>
+        <p:nvSpPr>
+          <p:cNvPr id="4" name="投影片編號版面配置區 3">
+            <a:extLst>
+              <a:ext uri="{FF2B5EF4-FFF2-40B4-BE49-F238E27FC236}">
+                <a16:creationId xmlns:a16="http://schemas.microsoft.com/office/drawing/2014/main" id="{540C7844-AAF2-B286-BC01-D9A072EBF850}"/>
+              </a:ext>
+            </a:extLst>
+          </p:cNvPr>
+          <p:cNvSpPr>
+            <a:spLocks noGrp="1"/>
+          </p:cNvSpPr>
+          <p:nvPr>
+            <p:ph type="sldNum" sz="quarter" idx="12"/>
+          </p:nvPr>
+        </p:nvSpPr>
+        <p:spPr/>
+        <p:txBody>
+          <a:bodyPr/>
+          <a:lstStyle/>
+          <a:p>
+            <a:fld id="{666274A1-CF9C-426A-8DD4-B13ED0C24231}" type="slidenum">
+              <a:rPr lang="en-US" smtClean="0"/>
+              <a:t>14</a:t>
+            </a:fld>
+            <a:endParaRPr lang="en-US"/>
+          </a:p>
+        </p:txBody>
+      </p:sp>
+      <p:pic>
+        <p:nvPicPr>
+          <p:cNvPr id="6" name="圖片 5">
+            <a:extLst>
+              <a:ext uri="{FF2B5EF4-FFF2-40B4-BE49-F238E27FC236}">
+                <a16:creationId xmlns:a16="http://schemas.microsoft.com/office/drawing/2014/main" id="{3451D8C7-2AEC-6106-2C92-862A7A70EBFC}"/>
+              </a:ext>
+            </a:extLst>
+          </p:cNvPr>
+          <p:cNvPicPr>
+            <a:picLocks noChangeAspect="1"/>
+          </p:cNvPicPr>
           <p:nvPr/>
-        </p:nvSpPr>
+        </p:nvPicPr>
+        <p:blipFill>
+          <a:blip r:embed="rId2"/>
+          <a:stretch>
+            <a:fillRect/>
+          </a:stretch>
+        </p:blipFill>
         <p:spPr>
           <a:xfrm>
-            <a:off x="2697986" y="2967335"/>
-            <a:ext cx="6936514" cy="923330"/>
+            <a:off x="1327861" y="2750634"/>
+            <a:ext cx="9536278" cy="2501319"/>
           </a:xfrm>
           <a:prstGeom prst="rect">
             <a:avLst/>
           </a:prstGeom>
-          <a:noFill/>
+        </p:spPr>
+      </p:pic>
+    </p:spTree>
+    <p:extLst>
+      <p:ext uri="{BB962C8B-B14F-4D97-AF65-F5344CB8AC3E}">
+        <p14:creationId xmlns:p14="http://schemas.microsoft.com/office/powerpoint/2010/main" val="3705055418"/>
+      </p:ext>
+    </p:extLst>
+  </p:cSld>
+  <p:clrMapOvr>
+    <a:masterClrMapping/>
+  </p:clrMapOvr>
+</p:sld>
+</file>
+
+<file path=ppt/slides/slide16.xml><?xml version="1.0" encoding="utf-8"?>
+<p:sld xmlns:a="http://schemas.openxmlformats.org/drawingml/2006/main" xmlns:r="http://schemas.openxmlformats.org/officeDocument/2006/relationships" xmlns:p="http://schemas.openxmlformats.org/presentationml/2006/main">
+  <p:cSld>
+    <p:spTree>
+      <p:nvGrpSpPr>
+        <p:cNvPr id="1" name=""/>
+        <p:cNvGrpSpPr/>
+        <p:nvPr/>
+      </p:nvGrpSpPr>
+      <p:grpSpPr>
+        <a:xfrm>
+          <a:off x="0" y="0"/>
+          <a:ext cx="0" cy="0"/>
+          <a:chOff x="0" y="0"/>
+          <a:chExt cx="0" cy="0"/>
+        </a:xfrm>
+      </p:grpSpPr>
+      <p:sp>
+        <p:nvSpPr>
+          <p:cNvPr id="2" name="標題 1">
+            <a:extLst>
+              <a:ext uri="{FF2B5EF4-FFF2-40B4-BE49-F238E27FC236}">
+                <a16:creationId xmlns:a16="http://schemas.microsoft.com/office/drawing/2014/main" id="{1C786D8A-EE6A-D63A-DCCC-CEFF2CF8D2D9}"/>
+              </a:ext>
+            </a:extLst>
+          </p:cNvPr>
+          <p:cNvSpPr>
+            <a:spLocks noGrp="1"/>
+          </p:cNvSpPr>
+          <p:nvPr>
+            <p:ph type="title"/>
+          </p:nvPr>
+        </p:nvSpPr>
+        <p:spPr>
+          <a:xfrm>
+            <a:off x="838200" y="365125"/>
+            <a:ext cx="11462886" cy="1325563"/>
+          </a:xfrm>
         </p:spPr>
         <p:txBody>
-          <a:bodyPr wrap="none" rtlCol="0">
-            <a:spAutoFit/>
+          <a:bodyPr>
+            <a:normAutofit/>
           </a:bodyPr>
           <a:lstStyle/>
           <a:p>
             <a:r>
-              <a:rPr lang="en-US" altLang="zh-TW" sz="5400" dirty="0">
+              <a:rPr lang="en-US" altLang="zh-TW" sz="3800" dirty="0">
                 <a:latin typeface="Times" panose="02020603050405020304" pitchFamily="18" charset="0"/>
                 <a:cs typeface="Times" panose="02020603050405020304" pitchFamily="18" charset="0"/>
               </a:rPr>
-              <a:t>Thank you for listening!</a:t>
-            </a:r>
-            <a:endParaRPr lang="zh-TW" altLang="en-US" sz="5400" dirty="0">
+              <a:t>Barzilai-</a:t>
+            </a:r>
+            <a:r>
+              <a:rPr lang="en-US" altLang="zh-TW" sz="3800" dirty="0" err="1">
+                <a:latin typeface="Times" panose="02020603050405020304" pitchFamily="18" charset="0"/>
+                <a:cs typeface="Times" panose="02020603050405020304" pitchFamily="18" charset="0"/>
+              </a:rPr>
+              <a:t>Borwein</a:t>
+            </a:r>
+            <a:r>
+              <a:rPr lang="en-US" altLang="zh-TW" sz="3800" dirty="0">
+                <a:latin typeface="Times" panose="02020603050405020304" pitchFamily="18" charset="0"/>
+                <a:cs typeface="Times" panose="02020603050405020304" pitchFamily="18" charset="0"/>
+              </a:rPr>
+              <a:t> Method Enabled Nesterov Algorithm</a:t>
+            </a:r>
+            <a:endParaRPr lang="zh-TW" altLang="en-US" sz="3800" dirty="0">
               <a:latin typeface="Times" panose="02020603050405020304" pitchFamily="18" charset="0"/>
               <a:cs typeface="Times" panose="02020603050405020304" pitchFamily="18" charset="0"/>
             </a:endParaRPr>
           </a:p>
         </p:txBody>
       </p:sp>
+      <p:sp>
+        <p:nvSpPr>
+          <p:cNvPr id="4" name="投影片編號版面配置區 3">
+            <a:extLst>
+              <a:ext uri="{FF2B5EF4-FFF2-40B4-BE49-F238E27FC236}">
+                <a16:creationId xmlns:a16="http://schemas.microsoft.com/office/drawing/2014/main" id="{0A2F5534-2155-264B-9B8B-79562DBDBCC6}"/>
+              </a:ext>
+            </a:extLst>
+          </p:cNvPr>
+          <p:cNvSpPr>
+            <a:spLocks noGrp="1"/>
+          </p:cNvSpPr>
+          <p:nvPr>
+            <p:ph type="sldNum" sz="quarter" idx="12"/>
+          </p:nvPr>
+        </p:nvSpPr>
+        <p:spPr/>
+        <p:txBody>
+          <a:bodyPr/>
+          <a:lstStyle/>
+          <a:p>
+            <a:fld id="{666274A1-CF9C-426A-8DD4-B13ED0C24231}" type="slidenum">
+              <a:rPr lang="en-US" smtClean="0"/>
+              <a:t>15</a:t>
+            </a:fld>
+            <a:endParaRPr lang="en-US"/>
+          </a:p>
+        </p:txBody>
+      </p:sp>
+      <mc:AlternateContent xmlns:mc="http://schemas.openxmlformats.org/markup-compatibility/2006">
+        <mc:Choice xmlns:a14="http://schemas.microsoft.com/office/drawing/2010/main" Requires="a14">
+          <p:sp>
+            <p:nvSpPr>
+              <p:cNvPr id="7" name="內容版面配置區 6">
+                <a:extLst>
+                  <a:ext uri="{FF2B5EF4-FFF2-40B4-BE49-F238E27FC236}">
+                    <a16:creationId xmlns:a16="http://schemas.microsoft.com/office/drawing/2014/main" id="{1EE38041-72D1-E9F6-102E-67680CA0847C}"/>
+                  </a:ext>
+                </a:extLst>
+              </p:cNvPr>
+              <p:cNvSpPr>
+                <a:spLocks noGrp="1"/>
+              </p:cNvSpPr>
+              <p:nvPr>
+                <p:ph idx="1"/>
+              </p:nvPr>
+            </p:nvSpPr>
+            <p:spPr/>
+            <p:txBody>
+              <a:bodyPr>
+                <a:normAutofit lnSpcReduction="10000"/>
+              </a:bodyPr>
+              <a:lstStyle/>
+              <a:p>
+                <a:pPr>
+                  <a:lnSpc>
+                    <a:spcPct val="120000"/>
+                  </a:lnSpc>
+                </a:pPr>
+                <a:r>
+                  <a:rPr lang="en-US" altLang="zh-TW" sz="2200" dirty="0">
+                    <a:latin typeface="Times" panose="02020603050405020304" pitchFamily="18" charset="0"/>
+                    <a:ea typeface="標楷體" panose="03000509000000000000" pitchFamily="65" charset="-120"/>
+                    <a:cs typeface="Times" panose="02020603050405020304" pitchFamily="18" charset="0"/>
+                  </a:rPr>
+                  <a:t>Barzilai-</a:t>
+                </a:r>
+                <a:r>
+                  <a:rPr lang="en-US" altLang="zh-TW" sz="2200" dirty="0" err="1">
+                    <a:latin typeface="Times" panose="02020603050405020304" pitchFamily="18" charset="0"/>
+                    <a:ea typeface="標楷體" panose="03000509000000000000" pitchFamily="65" charset="-120"/>
+                    <a:cs typeface="Times" panose="02020603050405020304" pitchFamily="18" charset="0"/>
+                  </a:rPr>
+                  <a:t>Borwein</a:t>
+                </a:r>
+                <a:r>
+                  <a:rPr lang="en-US" altLang="zh-TW" sz="2200" dirty="0">
+                    <a:latin typeface="Times" panose="02020603050405020304" pitchFamily="18" charset="0"/>
+                    <a:ea typeface="標楷體" panose="03000509000000000000" pitchFamily="65" charset="-120"/>
+                    <a:cs typeface="Times" panose="02020603050405020304" pitchFamily="18" charset="0"/>
+                  </a:rPr>
+                  <a:t> method:</a:t>
+                </a:r>
+                <a:r>
+                  <a:rPr lang="zh-TW" altLang="en-US" sz="2200" dirty="0">
+                    <a:latin typeface="Times" panose="02020603050405020304" pitchFamily="18" charset="0"/>
+                    <a:ea typeface="標楷體" panose="03000509000000000000" pitchFamily="65" charset="-120"/>
+                    <a:cs typeface="Times" panose="02020603050405020304" pitchFamily="18" charset="0"/>
+                  </a:rPr>
+                  <a:t> </a:t>
+                </a:r>
+                <a14:m>
+                  <m:oMath xmlns:m="http://schemas.openxmlformats.org/officeDocument/2006/math">
+                    <m:sSup>
+                      <m:sSupPr>
+                        <m:ctrlPr>
+                          <a:rPr lang="en-US" altLang="zh-TW" sz="2200" i="1" smtClean="0">
+                            <a:latin typeface="Cambria Math" panose="02040503050406030204" pitchFamily="18" charset="0"/>
+                            <a:cs typeface="Times" panose="02020603050405020304" pitchFamily="18" charset="0"/>
+                          </a:rPr>
+                        </m:ctrlPr>
+                      </m:sSupPr>
+                      <m:e>
+                        <m:r>
+                          <a:rPr lang="en-US" altLang="zh-TW" sz="2200" b="0" i="1" smtClean="0">
+                            <a:latin typeface="Cambria Math" panose="02040503050406030204" pitchFamily="18" charset="0"/>
+                            <a:cs typeface="Times" panose="02020603050405020304" pitchFamily="18" charset="0"/>
+                          </a:rPr>
+                          <m:t>𝑥</m:t>
+                        </m:r>
+                      </m:e>
+                      <m:sup>
+                        <m:r>
+                          <a:rPr lang="en-US" altLang="zh-TW" sz="2200" b="0" i="1" smtClean="0">
+                            <a:latin typeface="Cambria Math" panose="02040503050406030204" pitchFamily="18" charset="0"/>
+                            <a:cs typeface="Times" panose="02020603050405020304" pitchFamily="18" charset="0"/>
+                          </a:rPr>
+                          <m:t>(</m:t>
+                        </m:r>
+                        <m:r>
+                          <a:rPr lang="en-US" altLang="zh-TW" sz="2200" b="0" i="1" smtClean="0">
+                            <a:latin typeface="Cambria Math" panose="02040503050406030204" pitchFamily="18" charset="0"/>
+                            <a:cs typeface="Times" panose="02020603050405020304" pitchFamily="18" charset="0"/>
+                          </a:rPr>
+                          <m:t>𝑘</m:t>
+                        </m:r>
+                        <m:r>
+                          <a:rPr lang="en-US" altLang="zh-TW" sz="2200" b="0" i="1" smtClean="0">
+                            <a:latin typeface="Cambria Math" panose="02040503050406030204" pitchFamily="18" charset="0"/>
+                            <a:cs typeface="Times" panose="02020603050405020304" pitchFamily="18" charset="0"/>
+                          </a:rPr>
+                          <m:t>+1)</m:t>
+                        </m:r>
+                      </m:sup>
+                    </m:sSup>
+                    <m:r>
+                      <a:rPr lang="en-US" altLang="zh-TW" sz="2200" b="0" i="1" smtClean="0">
+                        <a:latin typeface="Cambria Math" panose="02040503050406030204" pitchFamily="18" charset="0"/>
+                        <a:cs typeface="Times" panose="02020603050405020304" pitchFamily="18" charset="0"/>
+                      </a:rPr>
+                      <m:t>=</m:t>
+                    </m:r>
+                    <m:sSup>
+                      <m:sSupPr>
+                        <m:ctrlPr>
+                          <a:rPr lang="en-US" altLang="zh-TW" sz="2200" b="0" i="1" smtClean="0">
+                            <a:latin typeface="Cambria Math" panose="02040503050406030204" pitchFamily="18" charset="0"/>
+                            <a:cs typeface="Times" panose="02020603050405020304" pitchFamily="18" charset="0"/>
+                          </a:rPr>
+                        </m:ctrlPr>
+                      </m:sSupPr>
+                      <m:e>
+                        <m:r>
+                          <a:rPr lang="en-US" altLang="zh-TW" sz="2200" b="0" i="1" smtClean="0">
+                            <a:latin typeface="Cambria Math" panose="02040503050406030204" pitchFamily="18" charset="0"/>
+                            <a:cs typeface="Times" panose="02020603050405020304" pitchFamily="18" charset="0"/>
+                          </a:rPr>
+                          <m:t>𝑥</m:t>
+                        </m:r>
+                      </m:e>
+                      <m:sup>
+                        <m:r>
+                          <a:rPr lang="en-US" altLang="zh-TW" sz="2200" b="0" i="1" smtClean="0">
+                            <a:latin typeface="Cambria Math" panose="02040503050406030204" pitchFamily="18" charset="0"/>
+                            <a:cs typeface="Times" panose="02020603050405020304" pitchFamily="18" charset="0"/>
+                          </a:rPr>
+                          <m:t>(</m:t>
+                        </m:r>
+                        <m:r>
+                          <a:rPr lang="en-US" altLang="zh-TW" sz="2200" b="0" i="1" smtClean="0">
+                            <a:latin typeface="Cambria Math" panose="02040503050406030204" pitchFamily="18" charset="0"/>
+                            <a:cs typeface="Times" panose="02020603050405020304" pitchFamily="18" charset="0"/>
+                          </a:rPr>
+                          <m:t>𝑘</m:t>
+                        </m:r>
+                        <m:r>
+                          <a:rPr lang="en-US" altLang="zh-TW" sz="2200" b="0" i="1" smtClean="0">
+                            <a:latin typeface="Cambria Math" panose="02040503050406030204" pitchFamily="18" charset="0"/>
+                            <a:cs typeface="Times" panose="02020603050405020304" pitchFamily="18" charset="0"/>
+                          </a:rPr>
+                          <m:t>)</m:t>
+                        </m:r>
+                      </m:sup>
+                    </m:sSup>
+                    <m:r>
+                      <a:rPr lang="en-US" altLang="zh-TW" sz="2200" b="0" i="1" smtClean="0">
+                        <a:latin typeface="Cambria Math" panose="02040503050406030204" pitchFamily="18" charset="0"/>
+                        <a:cs typeface="Times" panose="02020603050405020304" pitchFamily="18" charset="0"/>
+                      </a:rPr>
+                      <m:t>−</m:t>
+                    </m:r>
+                    <m:sSubSup>
+                      <m:sSubSupPr>
+                        <m:ctrlPr>
+                          <a:rPr lang="en-US" altLang="zh-TW" sz="2200" b="0" i="1" smtClean="0">
+                            <a:latin typeface="Cambria Math" panose="02040503050406030204" pitchFamily="18" charset="0"/>
+                            <a:cs typeface="Times" panose="02020603050405020304" pitchFamily="18" charset="0"/>
+                          </a:rPr>
+                        </m:ctrlPr>
+                      </m:sSubSupPr>
+                      <m:e>
+                        <m:r>
+                          <a:rPr lang="zh-TW" altLang="en-US" sz="2200" b="0" i="1" smtClean="0">
+                            <a:latin typeface="Cambria Math" panose="02040503050406030204" pitchFamily="18" charset="0"/>
+                            <a:cs typeface="Times" panose="02020603050405020304" pitchFamily="18" charset="0"/>
+                          </a:rPr>
+                          <m:t>𝛼</m:t>
+                        </m:r>
+                      </m:e>
+                      <m:sub>
+                        <m:r>
+                          <a:rPr lang="en-US" altLang="zh-TW" sz="2200" b="0" i="1" smtClean="0">
+                            <a:latin typeface="Cambria Math" panose="02040503050406030204" pitchFamily="18" charset="0"/>
+                            <a:cs typeface="Times" panose="02020603050405020304" pitchFamily="18" charset="0"/>
+                          </a:rPr>
+                          <m:t>𝑏𝑏</m:t>
+                        </m:r>
+                      </m:sub>
+                      <m:sup>
+                        <m:d>
+                          <m:dPr>
+                            <m:ctrlPr>
+                              <a:rPr lang="en-US" altLang="zh-TW" sz="2200" b="0" i="1" smtClean="0">
+                                <a:latin typeface="Cambria Math" panose="02040503050406030204" pitchFamily="18" charset="0"/>
+                                <a:cs typeface="Times" panose="02020603050405020304" pitchFamily="18" charset="0"/>
+                              </a:rPr>
+                            </m:ctrlPr>
+                          </m:dPr>
+                          <m:e>
+                            <m:r>
+                              <a:rPr lang="en-US" altLang="zh-TW" sz="2200" b="0" i="1" smtClean="0">
+                                <a:latin typeface="Cambria Math" panose="02040503050406030204" pitchFamily="18" charset="0"/>
+                                <a:cs typeface="Times" panose="02020603050405020304" pitchFamily="18" charset="0"/>
+                              </a:rPr>
+                              <m:t>𝑘</m:t>
+                            </m:r>
+                          </m:e>
+                        </m:d>
+                      </m:sup>
+                    </m:sSubSup>
+                    <m:sSup>
+                      <m:sSupPr>
+                        <m:ctrlPr>
+                          <a:rPr lang="en-US" altLang="zh-TW" sz="2200" b="0" i="1" smtClean="0">
+                            <a:latin typeface="Cambria Math" panose="02040503050406030204" pitchFamily="18" charset="0"/>
+                            <a:cs typeface="Times" panose="02020603050405020304" pitchFamily="18" charset="0"/>
+                          </a:rPr>
+                        </m:ctrlPr>
+                      </m:sSupPr>
+                      <m:e>
+                        <m:r>
+                          <a:rPr lang="en-US" altLang="zh-TW" sz="2200" b="0" i="1" smtClean="0">
+                            <a:latin typeface="Cambria Math" panose="02040503050406030204" pitchFamily="18" charset="0"/>
+                            <a:cs typeface="Times" panose="02020603050405020304" pitchFamily="18" charset="0"/>
+                          </a:rPr>
+                          <m:t>𝑔</m:t>
+                        </m:r>
+                      </m:e>
+                      <m:sup>
+                        <m:d>
+                          <m:dPr>
+                            <m:ctrlPr>
+                              <a:rPr lang="en-US" altLang="zh-TW" sz="2200" b="0" i="1" smtClean="0">
+                                <a:latin typeface="Cambria Math" panose="02040503050406030204" pitchFamily="18" charset="0"/>
+                                <a:cs typeface="Times" panose="02020603050405020304" pitchFamily="18" charset="0"/>
+                              </a:rPr>
+                            </m:ctrlPr>
+                          </m:dPr>
+                          <m:e>
+                            <m:r>
+                              <a:rPr lang="en-US" altLang="zh-TW" sz="2200" b="0" i="1" smtClean="0">
+                                <a:latin typeface="Cambria Math" panose="02040503050406030204" pitchFamily="18" charset="0"/>
+                                <a:cs typeface="Times" panose="02020603050405020304" pitchFamily="18" charset="0"/>
+                              </a:rPr>
+                              <m:t>𝑘</m:t>
+                            </m:r>
+                          </m:e>
+                        </m:d>
+                      </m:sup>
+                    </m:sSup>
+                    <m:r>
+                      <a:rPr lang="en-US" altLang="zh-TW" sz="2200" b="0" i="1" smtClean="0">
+                        <a:latin typeface="Cambria Math" panose="02040503050406030204" pitchFamily="18" charset="0"/>
+                        <a:cs typeface="Times" panose="02020603050405020304" pitchFamily="18" charset="0"/>
+                      </a:rPr>
+                      <m:t>=</m:t>
+                    </m:r>
+                    <m:sSup>
+                      <m:sSupPr>
+                        <m:ctrlPr>
+                          <a:rPr lang="en-US" altLang="zh-TW" sz="2200" i="1">
+                            <a:latin typeface="Cambria Math" panose="02040503050406030204" pitchFamily="18" charset="0"/>
+                            <a:cs typeface="Times" panose="02020603050405020304" pitchFamily="18" charset="0"/>
+                          </a:rPr>
+                        </m:ctrlPr>
+                      </m:sSupPr>
+                      <m:e>
+                        <m:r>
+                          <a:rPr lang="en-US" altLang="zh-TW" sz="2200" i="1">
+                            <a:latin typeface="Cambria Math" panose="02040503050406030204" pitchFamily="18" charset="0"/>
+                            <a:cs typeface="Times" panose="02020603050405020304" pitchFamily="18" charset="0"/>
+                          </a:rPr>
+                          <m:t>𝑥</m:t>
+                        </m:r>
+                      </m:e>
+                      <m:sup>
+                        <m:d>
+                          <m:dPr>
+                            <m:ctrlPr>
+                              <a:rPr lang="en-US" altLang="zh-TW" sz="2200" i="1">
+                                <a:latin typeface="Cambria Math" panose="02040503050406030204" pitchFamily="18" charset="0"/>
+                                <a:cs typeface="Times" panose="02020603050405020304" pitchFamily="18" charset="0"/>
+                              </a:rPr>
+                            </m:ctrlPr>
+                          </m:dPr>
+                          <m:e>
+                            <m:r>
+                              <a:rPr lang="en-US" altLang="zh-TW" sz="2200" i="1">
+                                <a:latin typeface="Cambria Math" panose="02040503050406030204" pitchFamily="18" charset="0"/>
+                                <a:cs typeface="Times" panose="02020603050405020304" pitchFamily="18" charset="0"/>
+                              </a:rPr>
+                              <m:t>𝑘</m:t>
+                            </m:r>
+                          </m:e>
+                        </m:d>
+                      </m:sup>
+                    </m:sSup>
+                    <m:r>
+                      <a:rPr lang="en-US" altLang="zh-TW" sz="2200" i="1">
+                        <a:latin typeface="Cambria Math" panose="02040503050406030204" pitchFamily="18" charset="0"/>
+                        <a:cs typeface="Times" panose="02020603050405020304" pitchFamily="18" charset="0"/>
+                      </a:rPr>
+                      <m:t>−</m:t>
+                    </m:r>
+                    <m:sSubSup>
+                      <m:sSubSupPr>
+                        <m:ctrlPr>
+                          <a:rPr lang="en-US" altLang="zh-TW" sz="2200" i="1">
+                            <a:latin typeface="Cambria Math" panose="02040503050406030204" pitchFamily="18" charset="0"/>
+                            <a:cs typeface="Times" panose="02020603050405020304" pitchFamily="18" charset="0"/>
+                          </a:rPr>
+                        </m:ctrlPr>
+                      </m:sSubSupPr>
+                      <m:e>
+                        <m:r>
+                          <a:rPr lang="en-US" altLang="zh-TW" sz="2200" b="0" i="1" smtClean="0">
+                            <a:latin typeface="Cambria Math" panose="02040503050406030204" pitchFamily="18" charset="0"/>
+                            <a:cs typeface="Times" panose="02020603050405020304" pitchFamily="18" charset="0"/>
+                          </a:rPr>
+                          <m:t>((</m:t>
+                        </m:r>
+                        <m:r>
+                          <a:rPr lang="zh-TW" altLang="en-US" sz="2200" i="1">
+                            <a:latin typeface="Cambria Math" panose="02040503050406030204" pitchFamily="18" charset="0"/>
+                            <a:cs typeface="Times" panose="02020603050405020304" pitchFamily="18" charset="0"/>
+                          </a:rPr>
+                          <m:t>𝛼</m:t>
+                        </m:r>
+                      </m:e>
+                      <m:sub>
+                        <m:r>
+                          <a:rPr lang="en-US" altLang="zh-TW" sz="2200" i="1">
+                            <a:latin typeface="Cambria Math" panose="02040503050406030204" pitchFamily="18" charset="0"/>
+                            <a:cs typeface="Times" panose="02020603050405020304" pitchFamily="18" charset="0"/>
+                          </a:rPr>
+                          <m:t>𝑏𝑏</m:t>
+                        </m:r>
+                      </m:sub>
+                      <m:sup>
+                        <m:d>
+                          <m:dPr>
+                            <m:ctrlPr>
+                              <a:rPr lang="en-US" altLang="zh-TW" sz="2200" i="1">
+                                <a:latin typeface="Cambria Math" panose="02040503050406030204" pitchFamily="18" charset="0"/>
+                                <a:cs typeface="Times" panose="02020603050405020304" pitchFamily="18" charset="0"/>
+                              </a:rPr>
+                            </m:ctrlPr>
+                          </m:dPr>
+                          <m:e>
+                            <m:r>
+                              <a:rPr lang="en-US" altLang="zh-TW" sz="2200" i="1">
+                                <a:latin typeface="Cambria Math" panose="02040503050406030204" pitchFamily="18" charset="0"/>
+                                <a:cs typeface="Times" panose="02020603050405020304" pitchFamily="18" charset="0"/>
+                              </a:rPr>
+                              <m:t>𝑘</m:t>
+                            </m:r>
+                          </m:e>
+                        </m:d>
+                      </m:sup>
+                    </m:sSubSup>
+                    <m:sSup>
+                      <m:sSupPr>
+                        <m:ctrlPr>
+                          <a:rPr lang="en-US" altLang="zh-TW" sz="2200" i="1" smtClean="0">
+                            <a:latin typeface="Cambria Math" panose="02040503050406030204" pitchFamily="18" charset="0"/>
+                            <a:cs typeface="Times" panose="02020603050405020304" pitchFamily="18" charset="0"/>
+                          </a:rPr>
+                        </m:ctrlPr>
+                      </m:sSupPr>
+                      <m:e>
+                        <m:r>
+                          <a:rPr lang="en-US" altLang="zh-TW" sz="2200" b="0" i="1" smtClean="0">
+                            <a:latin typeface="Cambria Math" panose="02040503050406030204" pitchFamily="18" charset="0"/>
+                            <a:cs typeface="Times" panose="02020603050405020304" pitchFamily="18" charset="0"/>
+                          </a:rPr>
+                          <m:t>)</m:t>
+                        </m:r>
+                      </m:e>
+                      <m:sup>
+                        <m:r>
+                          <a:rPr lang="en-US" altLang="zh-TW" sz="2200" b="0" i="1" smtClean="0">
+                            <a:latin typeface="Cambria Math" panose="02040503050406030204" pitchFamily="18" charset="0"/>
+                            <a:cs typeface="Times" panose="02020603050405020304" pitchFamily="18" charset="0"/>
+                          </a:rPr>
+                          <m:t>−1</m:t>
+                        </m:r>
+                      </m:sup>
+                    </m:sSup>
+                    <m:r>
+                      <a:rPr lang="en-US" altLang="zh-TW" sz="2200" b="0" i="1" smtClean="0">
+                        <a:latin typeface="Cambria Math" panose="02040503050406030204" pitchFamily="18" charset="0"/>
+                        <a:cs typeface="Times" panose="02020603050405020304" pitchFamily="18" charset="0"/>
+                      </a:rPr>
+                      <m:t>𝐼</m:t>
+                    </m:r>
+                    <m:sSup>
+                      <m:sSupPr>
+                        <m:ctrlPr>
+                          <a:rPr lang="en-US" altLang="zh-TW" sz="2200" i="1" smtClean="0">
+                            <a:latin typeface="Cambria Math" panose="02040503050406030204" pitchFamily="18" charset="0"/>
+                            <a:cs typeface="Times" panose="02020603050405020304" pitchFamily="18" charset="0"/>
+                          </a:rPr>
+                        </m:ctrlPr>
+                      </m:sSupPr>
+                      <m:e>
+                        <m:r>
+                          <a:rPr lang="en-US" altLang="zh-TW" sz="2200" b="0" i="1" smtClean="0">
+                            <a:latin typeface="Cambria Math" panose="02040503050406030204" pitchFamily="18" charset="0"/>
+                            <a:cs typeface="Times" panose="02020603050405020304" pitchFamily="18" charset="0"/>
+                          </a:rPr>
+                          <m:t>)</m:t>
+                        </m:r>
+                      </m:e>
+                      <m:sup>
+                        <m:r>
+                          <a:rPr lang="en-US" altLang="zh-TW" sz="2200" b="0" i="1" smtClean="0">
+                            <a:latin typeface="Cambria Math" panose="02040503050406030204" pitchFamily="18" charset="0"/>
+                            <a:cs typeface="Times" panose="02020603050405020304" pitchFamily="18" charset="0"/>
+                          </a:rPr>
+                          <m:t>−1</m:t>
+                        </m:r>
+                      </m:sup>
+                    </m:sSup>
+                    <m:sSup>
+                      <m:sSupPr>
+                        <m:ctrlPr>
+                          <a:rPr lang="en-US" altLang="zh-TW" sz="2200" i="1">
+                            <a:latin typeface="Cambria Math" panose="02040503050406030204" pitchFamily="18" charset="0"/>
+                            <a:cs typeface="Times" panose="02020603050405020304" pitchFamily="18" charset="0"/>
+                          </a:rPr>
+                        </m:ctrlPr>
+                      </m:sSupPr>
+                      <m:e>
+                        <m:r>
+                          <a:rPr lang="en-US" altLang="zh-TW" sz="2200" i="1">
+                            <a:latin typeface="Cambria Math" panose="02040503050406030204" pitchFamily="18" charset="0"/>
+                            <a:cs typeface="Times" panose="02020603050405020304" pitchFamily="18" charset="0"/>
+                          </a:rPr>
+                          <m:t>𝑔</m:t>
+                        </m:r>
+                      </m:e>
+                      <m:sup>
+                        <m:d>
+                          <m:dPr>
+                            <m:ctrlPr>
+                              <a:rPr lang="en-US" altLang="zh-TW" sz="2200" i="1">
+                                <a:latin typeface="Cambria Math" panose="02040503050406030204" pitchFamily="18" charset="0"/>
+                                <a:cs typeface="Times" panose="02020603050405020304" pitchFamily="18" charset="0"/>
+                              </a:rPr>
+                            </m:ctrlPr>
+                          </m:dPr>
+                          <m:e>
+                            <m:r>
+                              <a:rPr lang="en-US" altLang="zh-TW" sz="2200" i="1">
+                                <a:latin typeface="Cambria Math" panose="02040503050406030204" pitchFamily="18" charset="0"/>
+                                <a:cs typeface="Times" panose="02020603050405020304" pitchFamily="18" charset="0"/>
+                              </a:rPr>
+                              <m:t>𝑘</m:t>
+                            </m:r>
+                          </m:e>
+                        </m:d>
+                      </m:sup>
+                    </m:sSup>
+                  </m:oMath>
+                </a14:m>
+                <a:endParaRPr lang="en-US" altLang="zh-TW" sz="2200" dirty="0">
+                  <a:latin typeface="Times" panose="02020603050405020304" pitchFamily="18" charset="0"/>
+                  <a:ea typeface="標楷體" panose="03000509000000000000" pitchFamily="65" charset="-120"/>
+                  <a:cs typeface="Times" panose="02020603050405020304" pitchFamily="18" charset="0"/>
+                </a:endParaRPr>
+              </a:p>
+              <a:p>
+                <a:pPr lvl="1">
+                  <a:lnSpc>
+                    <a:spcPct val="200000"/>
+                  </a:lnSpc>
+                </a:pPr>
+                <a:r>
+                  <a:rPr lang="en-US" altLang="zh-TW" sz="1800" dirty="0">
+                    <a:latin typeface="Times" panose="02020603050405020304" pitchFamily="18" charset="0"/>
+                    <a:ea typeface="標楷體" panose="03000509000000000000" pitchFamily="65" charset="-120"/>
+                    <a:cs typeface="Times" panose="02020603050405020304" pitchFamily="18" charset="0"/>
+                  </a:rPr>
+                  <a:t>Second order optimization.</a:t>
+                </a:r>
+              </a:p>
+              <a:p>
+                <a:pPr lvl="1">
+                  <a:lnSpc>
+                    <a:spcPct val="200000"/>
+                  </a:lnSpc>
+                </a:pPr>
+                <a:r>
+                  <a:rPr lang="en-US" altLang="zh-TW" sz="1800" dirty="0">
+                    <a:latin typeface="Times" panose="02020603050405020304" pitchFamily="18" charset="0"/>
+                    <a:ea typeface="標楷體" panose="03000509000000000000" pitchFamily="65" charset="-120"/>
+                    <a:cs typeface="Times" panose="02020603050405020304" pitchFamily="18" charset="0"/>
+                  </a:rPr>
+                  <a:t>To calculate </a:t>
+                </a:r>
+                <a14:m>
+                  <m:oMath xmlns:m="http://schemas.openxmlformats.org/officeDocument/2006/math">
+                    <m:sSubSup>
+                      <m:sSubSupPr>
+                        <m:ctrlPr>
+                          <a:rPr lang="en-US" altLang="zh-TW" sz="1800" i="1">
+                            <a:latin typeface="Cambria Math" panose="02040503050406030204" pitchFamily="18" charset="0"/>
+                            <a:cs typeface="Times" panose="02020603050405020304" pitchFamily="18" charset="0"/>
+                          </a:rPr>
+                        </m:ctrlPr>
+                      </m:sSubSupPr>
+                      <m:e>
+                        <m:r>
+                          <a:rPr lang="zh-TW" altLang="en-US" sz="1800" i="1">
+                            <a:latin typeface="Cambria Math" panose="02040503050406030204" pitchFamily="18" charset="0"/>
+                            <a:cs typeface="Times" panose="02020603050405020304" pitchFamily="18" charset="0"/>
+                          </a:rPr>
+                          <m:t>𝛼</m:t>
+                        </m:r>
+                      </m:e>
+                      <m:sub>
+                        <m:r>
+                          <a:rPr lang="en-US" altLang="zh-TW" sz="1800" i="1">
+                            <a:latin typeface="Cambria Math" panose="02040503050406030204" pitchFamily="18" charset="0"/>
+                            <a:cs typeface="Times" panose="02020603050405020304" pitchFamily="18" charset="0"/>
+                          </a:rPr>
+                          <m:t>𝑏𝑏</m:t>
+                        </m:r>
+                      </m:sub>
+                      <m:sup>
+                        <m:d>
+                          <m:dPr>
+                            <m:ctrlPr>
+                              <a:rPr lang="en-US" altLang="zh-TW" sz="1800" i="1">
+                                <a:latin typeface="Cambria Math" panose="02040503050406030204" pitchFamily="18" charset="0"/>
+                                <a:cs typeface="Times" panose="02020603050405020304" pitchFamily="18" charset="0"/>
+                              </a:rPr>
+                            </m:ctrlPr>
+                          </m:dPr>
+                          <m:e>
+                            <m:r>
+                              <a:rPr lang="en-US" altLang="zh-TW" sz="1800" i="1">
+                                <a:latin typeface="Cambria Math" panose="02040503050406030204" pitchFamily="18" charset="0"/>
+                                <a:cs typeface="Times" panose="02020603050405020304" pitchFamily="18" charset="0"/>
+                              </a:rPr>
+                              <m:t>𝑘</m:t>
+                            </m:r>
+                          </m:e>
+                        </m:d>
+                      </m:sup>
+                    </m:sSubSup>
+                    <m:r>
+                      <a:rPr lang="en-US" altLang="zh-TW" sz="1800" i="1">
+                        <a:latin typeface="Cambria Math" panose="02040503050406030204" pitchFamily="18" charset="0"/>
+                        <a:cs typeface="Times" panose="02020603050405020304" pitchFamily="18" charset="0"/>
+                      </a:rPr>
+                      <m:t> </m:t>
+                    </m:r>
+                    <m:r>
+                      <a:rPr lang="en-US" altLang="zh-TW" sz="1800" i="1">
+                        <a:latin typeface="Cambria Math" panose="02040503050406030204" pitchFamily="18" charset="0"/>
+                        <a:ea typeface="Cambria Math" panose="02040503050406030204" pitchFamily="18" charset="0"/>
+                        <a:cs typeface="Times" panose="02020603050405020304" pitchFamily="18" charset="0"/>
+                      </a:rPr>
+                      <m:t>→ </m:t>
+                    </m:r>
+                  </m:oMath>
+                </a14:m>
+                <a:r>
+                  <a:rPr lang="zh-TW" altLang="en-US" sz="1800" b="0" dirty="0">
+                    <a:latin typeface="Times" panose="02020603050405020304" pitchFamily="18" charset="0"/>
+                    <a:ea typeface="標楷體" panose="03000509000000000000" pitchFamily="65" charset="-120"/>
+                    <a:cs typeface="Times" panose="02020603050405020304" pitchFamily="18" charset="0"/>
+                  </a:rPr>
+                  <a:t> </a:t>
+                </a:r>
+                <a:r>
+                  <a:rPr lang="zh-TW" altLang="en-US" sz="1800" dirty="0">
+                    <a:latin typeface="Times" panose="02020603050405020304" pitchFamily="18" charset="0"/>
+                    <a:ea typeface="標楷體" panose="03000509000000000000" pitchFamily="65" charset="-120"/>
+                    <a:cs typeface="Times" panose="02020603050405020304" pitchFamily="18" charset="0"/>
+                  </a:rPr>
+                  <a:t>利用</a:t>
+                </a:r>
+                <a:r>
+                  <a:rPr lang="en-US" altLang="zh-TW" sz="1800" dirty="0">
+                    <a:latin typeface="Times" panose="02020603050405020304" pitchFamily="18" charset="0"/>
+                    <a:ea typeface="標楷體" panose="03000509000000000000" pitchFamily="65" charset="-120"/>
+                    <a:cs typeface="Times" panose="02020603050405020304" pitchFamily="18" charset="0"/>
+                  </a:rPr>
+                  <a:t>Hessian matrix</a:t>
+                </a:r>
+                <a:r>
+                  <a:rPr lang="zh-TW" altLang="en-US" sz="1800" dirty="0">
+                    <a:latin typeface="Times" panose="02020603050405020304" pitchFamily="18" charset="0"/>
+                    <a:ea typeface="標楷體" panose="03000509000000000000" pitchFamily="65" charset="-120"/>
+                    <a:cs typeface="Times" panose="02020603050405020304" pitchFamily="18" charset="0"/>
+                  </a:rPr>
+                  <a:t>的倒數來估計 </a:t>
+                </a:r>
+                <a14:m>
+                  <m:oMath xmlns:m="http://schemas.openxmlformats.org/officeDocument/2006/math">
+                    <m:r>
+                      <a:rPr lang="en-US" altLang="zh-TW" sz="1800" i="1">
+                        <a:latin typeface="Cambria Math" panose="02040503050406030204" pitchFamily="18" charset="0"/>
+                        <a:ea typeface="Cambria Math" panose="02040503050406030204" pitchFamily="18" charset="0"/>
+                        <a:cs typeface="Times" panose="02020603050405020304" pitchFamily="18" charset="0"/>
+                      </a:rPr>
+                      <m:t>→ </m:t>
+                    </m:r>
+                  </m:oMath>
+                </a14:m>
+                <a:r>
+                  <a:rPr lang="zh-TW" altLang="en-US" sz="1800" b="0" dirty="0">
+                    <a:latin typeface="Times" panose="02020603050405020304" pitchFamily="18" charset="0"/>
+                    <a:ea typeface="標楷體" panose="03000509000000000000" pitchFamily="65" charset="-120"/>
+                    <a:cs typeface="Times" panose="02020603050405020304" pitchFamily="18" charset="0"/>
+                  </a:rPr>
+                  <a:t> </a:t>
+                </a:r>
+                <a:r>
+                  <a:rPr lang="en-US" altLang="zh-TW" sz="1800" b="0" dirty="0">
+                    <a:latin typeface="Times" panose="02020603050405020304" pitchFamily="18" charset="0"/>
+                    <a:ea typeface="標楷體" panose="03000509000000000000" pitchFamily="65" charset="-120"/>
+                    <a:cs typeface="Times" panose="02020603050405020304" pitchFamily="18" charset="0"/>
+                  </a:rPr>
+                  <a:t>Let </a:t>
+                </a:r>
+                <a14:m>
+                  <m:oMath xmlns:m="http://schemas.openxmlformats.org/officeDocument/2006/math">
+                    <m:sSup>
+                      <m:sSupPr>
+                        <m:ctrlPr>
+                          <a:rPr lang="en-US" altLang="zh-TW" sz="1800" b="0" i="1" smtClean="0">
+                            <a:latin typeface="Cambria Math" panose="02040503050406030204" pitchFamily="18" charset="0"/>
+                            <a:cs typeface="Times" panose="02020603050405020304" pitchFamily="18" charset="0"/>
+                          </a:rPr>
+                        </m:ctrlPr>
+                      </m:sSupPr>
+                      <m:e>
+                        <m:sSubSup>
+                          <m:sSubSupPr>
+                            <m:ctrlPr>
+                              <a:rPr lang="en-US" altLang="zh-TW" sz="1800" i="1">
+                                <a:latin typeface="Cambria Math" panose="02040503050406030204" pitchFamily="18" charset="0"/>
+                                <a:cs typeface="Times" panose="02020603050405020304" pitchFamily="18" charset="0"/>
+                              </a:rPr>
+                            </m:ctrlPr>
+                          </m:sSubSupPr>
+                          <m:e>
+                            <m:r>
+                              <a:rPr lang="en-US" altLang="zh-TW" sz="1800" i="1">
+                                <a:latin typeface="Cambria Math" panose="02040503050406030204" pitchFamily="18" charset="0"/>
+                                <a:cs typeface="Times" panose="02020603050405020304" pitchFamily="18" charset="0"/>
+                              </a:rPr>
+                              <m:t>(</m:t>
+                            </m:r>
+                            <m:r>
+                              <a:rPr lang="zh-TW" altLang="en-US" sz="1800" i="1">
+                                <a:latin typeface="Cambria Math" panose="02040503050406030204" pitchFamily="18" charset="0"/>
+                                <a:cs typeface="Times" panose="02020603050405020304" pitchFamily="18" charset="0"/>
+                              </a:rPr>
+                              <m:t>𝛼</m:t>
+                            </m:r>
+                          </m:e>
+                          <m:sub>
+                            <m:r>
+                              <a:rPr lang="en-US" altLang="zh-TW" sz="1800" i="1">
+                                <a:latin typeface="Cambria Math" panose="02040503050406030204" pitchFamily="18" charset="0"/>
+                                <a:cs typeface="Times" panose="02020603050405020304" pitchFamily="18" charset="0"/>
+                              </a:rPr>
+                              <m:t>𝑏𝑏</m:t>
+                            </m:r>
+                          </m:sub>
+                          <m:sup>
+                            <m:d>
+                              <m:dPr>
+                                <m:ctrlPr>
+                                  <a:rPr lang="en-US" altLang="zh-TW" sz="1800" i="1">
+                                    <a:latin typeface="Cambria Math" panose="02040503050406030204" pitchFamily="18" charset="0"/>
+                                    <a:cs typeface="Times" panose="02020603050405020304" pitchFamily="18" charset="0"/>
+                                  </a:rPr>
+                                </m:ctrlPr>
+                              </m:dPr>
+                              <m:e>
+                                <m:r>
+                                  <a:rPr lang="en-US" altLang="zh-TW" sz="1800" i="1">
+                                    <a:latin typeface="Cambria Math" panose="02040503050406030204" pitchFamily="18" charset="0"/>
+                                    <a:cs typeface="Times" panose="02020603050405020304" pitchFamily="18" charset="0"/>
+                                  </a:rPr>
+                                  <m:t>𝑘</m:t>
+                                </m:r>
+                              </m:e>
+                            </m:d>
+                          </m:sup>
+                        </m:sSubSup>
+                        <m:sSup>
+                          <m:sSupPr>
+                            <m:ctrlPr>
+                              <a:rPr lang="en-US" altLang="zh-TW" sz="1800" i="1">
+                                <a:latin typeface="Cambria Math" panose="02040503050406030204" pitchFamily="18" charset="0"/>
+                                <a:cs typeface="Times" panose="02020603050405020304" pitchFamily="18" charset="0"/>
+                              </a:rPr>
+                            </m:ctrlPr>
+                          </m:sSupPr>
+                          <m:e>
+                            <m:r>
+                              <a:rPr lang="en-US" altLang="zh-TW" sz="1800" i="1">
+                                <a:latin typeface="Cambria Math" panose="02040503050406030204" pitchFamily="18" charset="0"/>
+                                <a:cs typeface="Times" panose="02020603050405020304" pitchFamily="18" charset="0"/>
+                              </a:rPr>
+                              <m:t>)</m:t>
+                            </m:r>
+                          </m:e>
+                          <m:sup>
+                            <m:r>
+                              <a:rPr lang="en-US" altLang="zh-TW" sz="1800" i="1">
+                                <a:latin typeface="Cambria Math" panose="02040503050406030204" pitchFamily="18" charset="0"/>
+                                <a:cs typeface="Times" panose="02020603050405020304" pitchFamily="18" charset="0"/>
+                              </a:rPr>
+                              <m:t>−1</m:t>
+                            </m:r>
+                          </m:sup>
+                        </m:sSup>
+                        <m:r>
+                          <a:rPr lang="en-US" altLang="zh-TW" sz="1800" i="1">
+                            <a:latin typeface="Cambria Math" panose="02040503050406030204" pitchFamily="18" charset="0"/>
+                            <a:cs typeface="Times" panose="02020603050405020304" pitchFamily="18" charset="0"/>
+                          </a:rPr>
+                          <m:t>𝐼</m:t>
+                        </m:r>
+                        <m:r>
+                          <a:rPr lang="en-US" altLang="zh-TW" sz="1800" b="0" i="1" smtClean="0">
+                            <a:latin typeface="Cambria Math" panose="02040503050406030204" pitchFamily="18" charset="0"/>
+                            <a:cs typeface="Times" panose="02020603050405020304" pitchFamily="18" charset="0"/>
+                          </a:rPr>
+                          <m:t> </m:t>
+                        </m:r>
+                        <m:r>
+                          <a:rPr lang="en-US" altLang="zh-TW" sz="1800" b="0" i="1" smtClean="0">
+                            <a:latin typeface="Cambria Math" panose="02040503050406030204" pitchFamily="18" charset="0"/>
+                            <a:ea typeface="Cambria Math" panose="02040503050406030204" pitchFamily="18" charset="0"/>
+                            <a:cs typeface="Times" panose="02020603050405020304" pitchFamily="18" charset="0"/>
+                          </a:rPr>
+                          <m:t>≈</m:t>
+                        </m:r>
+                        <m:r>
+                          <a:rPr lang="en-US" altLang="zh-TW" sz="1800" b="0" i="1" smtClean="0">
+                            <a:latin typeface="Cambria Math" panose="02040503050406030204" pitchFamily="18" charset="0"/>
+                            <a:cs typeface="Times" panose="02020603050405020304" pitchFamily="18" charset="0"/>
+                          </a:rPr>
+                          <m:t>𝐻</m:t>
+                        </m:r>
+                      </m:e>
+                      <m:sup>
+                        <m:r>
+                          <a:rPr lang="en-US" altLang="zh-TW" sz="1800" b="0" i="1" smtClean="0">
+                            <a:latin typeface="Cambria Math" panose="02040503050406030204" pitchFamily="18" charset="0"/>
+                            <a:cs typeface="Times" panose="02020603050405020304" pitchFamily="18" charset="0"/>
+                          </a:rPr>
+                          <m:t>(</m:t>
+                        </m:r>
+                        <m:r>
+                          <a:rPr lang="en-US" altLang="zh-TW" sz="1800" b="0" i="1" smtClean="0">
+                            <a:latin typeface="Cambria Math" panose="02040503050406030204" pitchFamily="18" charset="0"/>
+                            <a:cs typeface="Times" panose="02020603050405020304" pitchFamily="18" charset="0"/>
+                          </a:rPr>
+                          <m:t>𝑘</m:t>
+                        </m:r>
+                        <m:r>
+                          <a:rPr lang="en-US" altLang="zh-TW" sz="1800" b="0" i="1" smtClean="0">
+                            <a:latin typeface="Cambria Math" panose="02040503050406030204" pitchFamily="18" charset="0"/>
+                            <a:cs typeface="Times" panose="02020603050405020304" pitchFamily="18" charset="0"/>
+                          </a:rPr>
+                          <m:t>)</m:t>
+                        </m:r>
+                      </m:sup>
+                    </m:sSup>
+                  </m:oMath>
+                </a14:m>
+                <a:endParaRPr lang="en-US" altLang="zh-TW" sz="1800" b="0" i="1" dirty="0">
+                  <a:latin typeface="Times" panose="02020603050405020304" pitchFamily="18" charset="0"/>
+                  <a:ea typeface="標楷體" panose="03000509000000000000" pitchFamily="65" charset="-120"/>
+                  <a:cs typeface="Times" panose="02020603050405020304" pitchFamily="18" charset="0"/>
+                </a:endParaRPr>
+              </a:p>
+              <a:p>
+                <a:pPr lvl="1">
+                  <a:lnSpc>
+                    <a:spcPct val="200000"/>
+                  </a:lnSpc>
+                </a:pPr>
+                <a:r>
+                  <a:rPr lang="en-US" altLang="zh-TW" sz="1800" dirty="0">
+                    <a:latin typeface="Times" panose="02020603050405020304" pitchFamily="18" charset="0"/>
+                    <a:ea typeface="標楷體" panose="03000509000000000000" pitchFamily="65" charset="-120"/>
+                    <a:cs typeface="Times" panose="02020603050405020304" pitchFamily="18" charset="0"/>
+                  </a:rPr>
+                  <a:t>Apply </a:t>
+                </a:r>
+                <a:r>
+                  <a:rPr lang="en-US" altLang="zh-TW" sz="1800" u="sng" dirty="0">
+                    <a:latin typeface="Times" panose="02020603050405020304" pitchFamily="18" charset="0"/>
+                    <a:ea typeface="標楷體" panose="03000509000000000000" pitchFamily="65" charset="-120"/>
+                    <a:cs typeface="Times" panose="02020603050405020304" pitchFamily="18" charset="0"/>
+                  </a:rPr>
+                  <a:t>quasi-Newton method </a:t>
+                </a:r>
+                <a:r>
+                  <a:rPr lang="en-US" altLang="zh-TW" sz="1800" dirty="0">
+                    <a:latin typeface="Times" panose="02020603050405020304" pitchFamily="18" charset="0"/>
+                    <a:ea typeface="標楷體" panose="03000509000000000000" pitchFamily="65" charset="-120"/>
+                    <a:cs typeface="Times" panose="02020603050405020304" pitchFamily="18" charset="0"/>
+                  </a:rPr>
+                  <a:t>to approximate </a:t>
+                </a:r>
+                <a14:m>
+                  <m:oMath xmlns:m="http://schemas.openxmlformats.org/officeDocument/2006/math">
+                    <m:sSup>
+                      <m:sSupPr>
+                        <m:ctrlPr>
+                          <a:rPr lang="en-US" altLang="zh-TW" sz="1800" i="1">
+                            <a:latin typeface="Cambria Math" panose="02040503050406030204" pitchFamily="18" charset="0"/>
+                            <a:cs typeface="Times" panose="02020603050405020304" pitchFamily="18" charset="0"/>
+                          </a:rPr>
+                        </m:ctrlPr>
+                      </m:sSupPr>
+                      <m:e>
+                        <m:r>
+                          <a:rPr lang="en-US" altLang="zh-TW" sz="1800" i="1">
+                            <a:latin typeface="Cambria Math" panose="02040503050406030204" pitchFamily="18" charset="0"/>
+                            <a:cs typeface="Times" panose="02020603050405020304" pitchFamily="18" charset="0"/>
+                          </a:rPr>
+                          <m:t>𝐻</m:t>
+                        </m:r>
+                      </m:e>
+                      <m:sup>
+                        <m:d>
+                          <m:dPr>
+                            <m:ctrlPr>
+                              <a:rPr lang="en-US" altLang="zh-TW" sz="1800" i="1">
+                                <a:latin typeface="Cambria Math" panose="02040503050406030204" pitchFamily="18" charset="0"/>
+                                <a:cs typeface="Times" panose="02020603050405020304" pitchFamily="18" charset="0"/>
+                              </a:rPr>
+                            </m:ctrlPr>
+                          </m:dPr>
+                          <m:e>
+                            <m:r>
+                              <a:rPr lang="en-US" altLang="zh-TW" sz="1800" i="1">
+                                <a:latin typeface="Cambria Math" panose="02040503050406030204" pitchFamily="18" charset="0"/>
+                                <a:cs typeface="Times" panose="02020603050405020304" pitchFamily="18" charset="0"/>
+                              </a:rPr>
+                              <m:t>𝑘</m:t>
+                            </m:r>
+                          </m:e>
+                        </m:d>
+                      </m:sup>
+                    </m:sSup>
+                  </m:oMath>
+                </a14:m>
+                <a:r>
+                  <a:rPr lang="en-US" altLang="zh-TW" sz="1800" dirty="0">
+                    <a:latin typeface="Times" panose="02020603050405020304" pitchFamily="18" charset="0"/>
+                    <a:ea typeface="標楷體" panose="03000509000000000000" pitchFamily="65" charset="-120"/>
+                    <a:cs typeface="Times" panose="02020603050405020304" pitchFamily="18" charset="0"/>
+                  </a:rPr>
+                  <a:t> </a:t>
+                </a:r>
+                <a14:m>
+                  <m:oMath xmlns:m="http://schemas.openxmlformats.org/officeDocument/2006/math">
+                    <m:r>
+                      <a:rPr lang="en-US" altLang="zh-TW" sz="1800" i="1">
+                        <a:latin typeface="Cambria Math" panose="02040503050406030204" pitchFamily="18" charset="0"/>
+                        <a:ea typeface="Cambria Math" panose="02040503050406030204" pitchFamily="18" charset="0"/>
+                        <a:cs typeface="Times" panose="02020603050405020304" pitchFamily="18" charset="0"/>
+                      </a:rPr>
+                      <m:t>→</m:t>
+                    </m:r>
+                  </m:oMath>
+                </a14:m>
+                <a:r>
+                  <a:rPr lang="en-US" altLang="zh-TW" sz="1800" dirty="0">
+                    <a:latin typeface="Times" panose="02020603050405020304" pitchFamily="18" charset="0"/>
+                    <a:ea typeface="標楷體" panose="03000509000000000000" pitchFamily="65" charset="-120"/>
+                    <a:cs typeface="Times" panose="02020603050405020304" pitchFamily="18" charset="0"/>
+                  </a:rPr>
+                  <a:t>  </a:t>
+                </a:r>
+                <a14:m>
+                  <m:oMath xmlns:m="http://schemas.openxmlformats.org/officeDocument/2006/math">
+                    <m:r>
+                      <a:rPr lang="en-US" altLang="zh-TW" sz="1800" dirty="0">
+                        <a:latin typeface="Cambria Math" panose="02040503050406030204" pitchFamily="18" charset="0"/>
+                        <a:cs typeface="Times" panose="02020603050405020304" pitchFamily="18" charset="0"/>
+                      </a:rPr>
+                      <m:t> </m:t>
+                    </m:r>
+                    <m:sSup>
+                      <m:sSupPr>
+                        <m:ctrlPr>
+                          <a:rPr lang="en-US" altLang="zh-TW" sz="1800" i="1">
+                            <a:latin typeface="Cambria Math" panose="02040503050406030204" pitchFamily="18" charset="0"/>
+                            <a:cs typeface="Times" panose="02020603050405020304" pitchFamily="18" charset="0"/>
+                          </a:rPr>
+                        </m:ctrlPr>
+                      </m:sSupPr>
+                      <m:e>
+                        <m:r>
+                          <a:rPr lang="en-US" altLang="zh-TW" sz="1800" i="1">
+                            <a:latin typeface="Cambria Math" panose="02040503050406030204" pitchFamily="18" charset="0"/>
+                            <a:cs typeface="Times" panose="02020603050405020304" pitchFamily="18" charset="0"/>
+                          </a:rPr>
+                          <m:t>𝑦</m:t>
+                        </m:r>
+                      </m:e>
+                      <m:sup>
+                        <m:r>
+                          <a:rPr lang="en-US" altLang="zh-TW" sz="1800" i="1">
+                            <a:latin typeface="Cambria Math" panose="02040503050406030204" pitchFamily="18" charset="0"/>
+                            <a:cs typeface="Times" panose="02020603050405020304" pitchFamily="18" charset="0"/>
+                          </a:rPr>
+                          <m:t>(</m:t>
+                        </m:r>
+                        <m:r>
+                          <a:rPr lang="en-US" altLang="zh-TW" sz="1800" i="1">
+                            <a:latin typeface="Cambria Math" panose="02040503050406030204" pitchFamily="18" charset="0"/>
+                            <a:cs typeface="Times" panose="02020603050405020304" pitchFamily="18" charset="0"/>
+                          </a:rPr>
+                          <m:t>𝑘</m:t>
+                        </m:r>
+                        <m:r>
+                          <a:rPr lang="en-US" altLang="zh-TW" sz="1800" i="1">
+                            <a:latin typeface="Cambria Math" panose="02040503050406030204" pitchFamily="18" charset="0"/>
+                            <a:cs typeface="Times" panose="02020603050405020304" pitchFamily="18" charset="0"/>
+                          </a:rPr>
+                          <m:t>−1)</m:t>
+                        </m:r>
+                      </m:sup>
+                    </m:sSup>
+                    <m:r>
+                      <a:rPr lang="en-US" altLang="zh-TW" sz="1800" b="0" i="1" smtClean="0">
+                        <a:latin typeface="Cambria Math" panose="02040503050406030204" pitchFamily="18" charset="0"/>
+                        <a:cs typeface="Times" panose="02020603050405020304" pitchFamily="18" charset="0"/>
+                      </a:rPr>
+                      <m:t>=</m:t>
+                    </m:r>
+                    <m:sSup>
+                      <m:sSupPr>
+                        <m:ctrlPr>
+                          <a:rPr lang="en-US" altLang="zh-TW" sz="1800" i="1" smtClean="0">
+                            <a:latin typeface="Cambria Math" panose="02040503050406030204" pitchFamily="18" charset="0"/>
+                            <a:cs typeface="Times" panose="02020603050405020304" pitchFamily="18" charset="0"/>
+                          </a:rPr>
+                        </m:ctrlPr>
+                      </m:sSupPr>
+                      <m:e>
+                        <m:r>
+                          <a:rPr lang="en-US" altLang="zh-TW" sz="1800" b="0" i="1" smtClean="0">
+                            <a:latin typeface="Cambria Math" panose="02040503050406030204" pitchFamily="18" charset="0"/>
+                            <a:cs typeface="Times" panose="02020603050405020304" pitchFamily="18" charset="0"/>
+                          </a:rPr>
+                          <m:t>𝐻</m:t>
+                        </m:r>
+                      </m:e>
+                      <m:sup>
+                        <m:d>
+                          <m:dPr>
+                            <m:ctrlPr>
+                              <a:rPr lang="en-US" altLang="zh-TW" sz="1800" i="1" smtClean="0">
+                                <a:latin typeface="Cambria Math" panose="02040503050406030204" pitchFamily="18" charset="0"/>
+                                <a:cs typeface="Times" panose="02020603050405020304" pitchFamily="18" charset="0"/>
+                              </a:rPr>
+                            </m:ctrlPr>
+                          </m:dPr>
+                          <m:e>
+                            <m:r>
+                              <a:rPr lang="en-US" altLang="zh-TW" sz="1800" b="0" i="1" smtClean="0">
+                                <a:latin typeface="Cambria Math" panose="02040503050406030204" pitchFamily="18" charset="0"/>
+                                <a:cs typeface="Times" panose="02020603050405020304" pitchFamily="18" charset="0"/>
+                              </a:rPr>
+                              <m:t>𝑘</m:t>
+                            </m:r>
+                          </m:e>
+                        </m:d>
+                      </m:sup>
+                    </m:sSup>
+                    <m:sSup>
+                      <m:sSupPr>
+                        <m:ctrlPr>
+                          <a:rPr lang="en-US" altLang="zh-TW" sz="1800" i="1" smtClean="0">
+                            <a:latin typeface="Cambria Math" panose="02040503050406030204" pitchFamily="18" charset="0"/>
+                            <a:cs typeface="Times" panose="02020603050405020304" pitchFamily="18" charset="0"/>
+                          </a:rPr>
+                        </m:ctrlPr>
+                      </m:sSupPr>
+                      <m:e>
+                        <m:r>
+                          <a:rPr lang="en-US" altLang="zh-TW" sz="1800" b="0" i="1" smtClean="0">
+                            <a:latin typeface="Cambria Math" panose="02040503050406030204" pitchFamily="18" charset="0"/>
+                            <a:cs typeface="Times" panose="02020603050405020304" pitchFamily="18" charset="0"/>
+                          </a:rPr>
+                          <m:t>𝑠</m:t>
+                        </m:r>
+                      </m:e>
+                      <m:sup>
+                        <m:r>
+                          <a:rPr lang="en-US" altLang="zh-TW" sz="1800" b="0" i="1" smtClean="0">
+                            <a:latin typeface="Cambria Math" panose="02040503050406030204" pitchFamily="18" charset="0"/>
+                            <a:cs typeface="Times" panose="02020603050405020304" pitchFamily="18" charset="0"/>
+                          </a:rPr>
+                          <m:t>(</m:t>
+                        </m:r>
+                        <m:r>
+                          <a:rPr lang="en-US" altLang="zh-TW" sz="1800" b="0" i="1" smtClean="0">
+                            <a:latin typeface="Cambria Math" panose="02040503050406030204" pitchFamily="18" charset="0"/>
+                            <a:cs typeface="Times" panose="02020603050405020304" pitchFamily="18" charset="0"/>
+                          </a:rPr>
+                          <m:t>𝑘</m:t>
+                        </m:r>
+                        <m:r>
+                          <a:rPr lang="en-US" altLang="zh-TW" sz="1800" b="0" i="1" smtClean="0">
+                            <a:latin typeface="Cambria Math" panose="02040503050406030204" pitchFamily="18" charset="0"/>
+                            <a:cs typeface="Times" panose="02020603050405020304" pitchFamily="18" charset="0"/>
+                          </a:rPr>
+                          <m:t>−1)</m:t>
+                        </m:r>
+                      </m:sup>
+                    </m:sSup>
+                    <m:r>
+                      <a:rPr lang="zh-TW" altLang="en-US" sz="1800" i="1" smtClean="0">
+                        <a:latin typeface="Cambria Math" panose="02040503050406030204" pitchFamily="18" charset="0"/>
+                        <a:cs typeface="Times" panose="02020603050405020304" pitchFamily="18" charset="0"/>
+                      </a:rPr>
+                      <m:t> </m:t>
+                    </m:r>
+                  </m:oMath>
+                </a14:m>
+                <a:endParaRPr lang="en-US" altLang="zh-TW" sz="1800" i="1" dirty="0">
+                  <a:latin typeface="Times" panose="02020603050405020304" pitchFamily="18" charset="0"/>
+                  <a:ea typeface="標楷體" panose="03000509000000000000" pitchFamily="65" charset="-120"/>
+                  <a:cs typeface="Times" panose="02020603050405020304" pitchFamily="18" charset="0"/>
+                </a:endParaRPr>
+              </a:p>
+              <a:p>
+                <a:pPr lvl="2">
+                  <a:lnSpc>
+                    <a:spcPct val="200000"/>
+                  </a:lnSpc>
+                </a:pPr>
+                <a14:m>
+                  <m:oMath xmlns:m="http://schemas.openxmlformats.org/officeDocument/2006/math">
+                    <m:sSup>
+                      <m:sSupPr>
+                        <m:ctrlPr>
+                          <a:rPr lang="en-US" altLang="zh-TW" sz="1400" i="1" smtClean="0">
+                            <a:latin typeface="Cambria Math" panose="02040503050406030204" pitchFamily="18" charset="0"/>
+                            <a:cs typeface="Times" panose="02020603050405020304" pitchFamily="18" charset="0"/>
+                          </a:rPr>
+                        </m:ctrlPr>
+                      </m:sSupPr>
+                      <m:e>
+                        <m:r>
+                          <a:rPr lang="en-US" altLang="zh-TW" sz="1400" b="0" i="1" smtClean="0">
+                            <a:latin typeface="Cambria Math" panose="02040503050406030204" pitchFamily="18" charset="0"/>
+                            <a:cs typeface="Times" panose="02020603050405020304" pitchFamily="18" charset="0"/>
+                          </a:rPr>
+                          <m:t>𝑠</m:t>
+                        </m:r>
+                      </m:e>
+                      <m:sup>
+                        <m:r>
+                          <a:rPr lang="en-US" altLang="zh-TW" sz="1400" b="0" i="1" smtClean="0">
+                            <a:latin typeface="Cambria Math" panose="02040503050406030204" pitchFamily="18" charset="0"/>
+                            <a:cs typeface="Times" panose="02020603050405020304" pitchFamily="18" charset="0"/>
+                          </a:rPr>
+                          <m:t>(</m:t>
+                        </m:r>
+                        <m:r>
+                          <a:rPr lang="en-US" altLang="zh-TW" sz="1400" b="0" i="1" smtClean="0">
+                            <a:latin typeface="Cambria Math" panose="02040503050406030204" pitchFamily="18" charset="0"/>
+                            <a:cs typeface="Times" panose="02020603050405020304" pitchFamily="18" charset="0"/>
+                          </a:rPr>
+                          <m:t>𝑘</m:t>
+                        </m:r>
+                        <m:r>
+                          <a:rPr lang="en-US" altLang="zh-TW" sz="1400" b="0" i="1" smtClean="0">
+                            <a:latin typeface="Cambria Math" panose="02040503050406030204" pitchFamily="18" charset="0"/>
+                            <a:cs typeface="Times" panose="02020603050405020304" pitchFamily="18" charset="0"/>
+                          </a:rPr>
+                          <m:t>−1)</m:t>
+                        </m:r>
+                      </m:sup>
+                    </m:sSup>
+                    <m:r>
+                      <a:rPr lang="en-US" altLang="zh-TW" sz="1400" b="0" i="1" smtClean="0">
+                        <a:latin typeface="Cambria Math" panose="02040503050406030204" pitchFamily="18" charset="0"/>
+                        <a:cs typeface="Times" panose="02020603050405020304" pitchFamily="18" charset="0"/>
+                      </a:rPr>
+                      <m:t>=</m:t>
+                    </m:r>
+                    <m:sSup>
+                      <m:sSupPr>
+                        <m:ctrlPr>
+                          <a:rPr lang="en-US" altLang="zh-TW" sz="1400" i="1">
+                            <a:latin typeface="Cambria Math" panose="02040503050406030204" pitchFamily="18" charset="0"/>
+                            <a:cs typeface="Times" panose="02020603050405020304" pitchFamily="18" charset="0"/>
+                          </a:rPr>
+                        </m:ctrlPr>
+                      </m:sSupPr>
+                      <m:e>
+                        <m:sSup>
+                          <m:sSupPr>
+                            <m:ctrlPr>
+                              <a:rPr lang="en-US" altLang="zh-TW" sz="1400" i="1">
+                                <a:latin typeface="Cambria Math" panose="02040503050406030204" pitchFamily="18" charset="0"/>
+                                <a:cs typeface="Times" panose="02020603050405020304" pitchFamily="18" charset="0"/>
+                              </a:rPr>
+                            </m:ctrlPr>
+                          </m:sSupPr>
+                          <m:e>
+                            <m:r>
+                              <a:rPr lang="en-US" altLang="zh-TW" sz="1400" b="0" i="1" smtClean="0">
+                                <a:latin typeface="Cambria Math" panose="02040503050406030204" pitchFamily="18" charset="0"/>
+                                <a:cs typeface="Times" panose="02020603050405020304" pitchFamily="18" charset="0"/>
+                              </a:rPr>
+                              <m:t>𝑥</m:t>
+                            </m:r>
+                          </m:e>
+                          <m:sup>
+                            <m:r>
+                              <a:rPr lang="en-US" altLang="zh-TW" sz="1400" i="1">
+                                <a:latin typeface="Cambria Math" panose="02040503050406030204" pitchFamily="18" charset="0"/>
+                                <a:cs typeface="Times" panose="02020603050405020304" pitchFamily="18" charset="0"/>
+                              </a:rPr>
+                              <m:t>(</m:t>
+                            </m:r>
+                            <m:r>
+                              <a:rPr lang="en-US" altLang="zh-TW" sz="1400" i="1">
+                                <a:latin typeface="Cambria Math" panose="02040503050406030204" pitchFamily="18" charset="0"/>
+                                <a:cs typeface="Times" panose="02020603050405020304" pitchFamily="18" charset="0"/>
+                              </a:rPr>
+                              <m:t>𝑘</m:t>
+                            </m:r>
+                            <m:r>
+                              <a:rPr lang="en-US" altLang="zh-TW" sz="1400" i="1">
+                                <a:latin typeface="Cambria Math" panose="02040503050406030204" pitchFamily="18" charset="0"/>
+                                <a:cs typeface="Times" panose="02020603050405020304" pitchFamily="18" charset="0"/>
+                              </a:rPr>
+                              <m:t>)</m:t>
+                            </m:r>
+                          </m:sup>
+                        </m:sSup>
+                        <m:r>
+                          <a:rPr lang="en-US" altLang="zh-TW" sz="1400" b="0" i="1" smtClean="0">
+                            <a:latin typeface="Cambria Math" panose="02040503050406030204" pitchFamily="18" charset="0"/>
+                            <a:cs typeface="Times" panose="02020603050405020304" pitchFamily="18" charset="0"/>
+                          </a:rPr>
+                          <m:t> −</m:t>
+                        </m:r>
+                        <m:r>
+                          <a:rPr lang="en-US" altLang="zh-TW" sz="1400" b="0" i="1" smtClean="0">
+                            <a:latin typeface="Cambria Math" panose="02040503050406030204" pitchFamily="18" charset="0"/>
+                            <a:cs typeface="Times" panose="02020603050405020304" pitchFamily="18" charset="0"/>
+                          </a:rPr>
+                          <m:t>𝑥</m:t>
+                        </m:r>
+                      </m:e>
+                      <m:sup>
+                        <m:r>
+                          <a:rPr lang="en-US" altLang="zh-TW" sz="1400" i="1">
+                            <a:latin typeface="Cambria Math" panose="02040503050406030204" pitchFamily="18" charset="0"/>
+                            <a:cs typeface="Times" panose="02020603050405020304" pitchFamily="18" charset="0"/>
+                          </a:rPr>
+                          <m:t>(</m:t>
+                        </m:r>
+                        <m:r>
+                          <a:rPr lang="en-US" altLang="zh-TW" sz="1400" i="1">
+                            <a:latin typeface="Cambria Math" panose="02040503050406030204" pitchFamily="18" charset="0"/>
+                            <a:cs typeface="Times" panose="02020603050405020304" pitchFamily="18" charset="0"/>
+                          </a:rPr>
+                          <m:t>𝑘</m:t>
+                        </m:r>
+                        <m:r>
+                          <a:rPr lang="en-US" altLang="zh-TW" sz="1400" i="1">
+                            <a:latin typeface="Cambria Math" panose="02040503050406030204" pitchFamily="18" charset="0"/>
+                            <a:cs typeface="Times" panose="02020603050405020304" pitchFamily="18" charset="0"/>
+                          </a:rPr>
+                          <m:t>−1)</m:t>
+                        </m:r>
+                      </m:sup>
+                    </m:sSup>
+                  </m:oMath>
+                </a14:m>
+                <a:r>
+                  <a:rPr lang="en-US" altLang="zh-TW" sz="1400" i="1" dirty="0">
+                    <a:latin typeface="Times" panose="02020603050405020304" pitchFamily="18" charset="0"/>
+                    <a:ea typeface="標楷體" panose="03000509000000000000" pitchFamily="65" charset="-120"/>
+                    <a:cs typeface="Times" panose="02020603050405020304" pitchFamily="18" charset="0"/>
+                  </a:rPr>
+                  <a:t>, </a:t>
+                </a:r>
+                <a14:m>
+                  <m:oMath xmlns:m="http://schemas.openxmlformats.org/officeDocument/2006/math">
+                    <m:r>
+                      <a:rPr lang="en-US" altLang="zh-TW" sz="1400" b="0" i="1" smtClean="0">
+                        <a:latin typeface="Cambria Math" panose="02040503050406030204" pitchFamily="18" charset="0"/>
+                        <a:cs typeface="Times" panose="02020603050405020304" pitchFamily="18" charset="0"/>
+                      </a:rPr>
+                      <m:t>   </m:t>
+                    </m:r>
+                    <m:sSup>
+                      <m:sSupPr>
+                        <m:ctrlPr>
+                          <a:rPr lang="en-US" altLang="zh-TW" sz="1400" i="1">
+                            <a:latin typeface="Cambria Math" panose="02040503050406030204" pitchFamily="18" charset="0"/>
+                            <a:cs typeface="Times" panose="02020603050405020304" pitchFamily="18" charset="0"/>
+                          </a:rPr>
+                        </m:ctrlPr>
+                      </m:sSupPr>
+                      <m:e>
+                        <m:r>
+                          <a:rPr lang="en-US" altLang="zh-TW" sz="1400" b="0" i="1" smtClean="0">
+                            <a:latin typeface="Cambria Math" panose="02040503050406030204" pitchFamily="18" charset="0"/>
+                            <a:cs typeface="Times" panose="02020603050405020304" pitchFamily="18" charset="0"/>
+                          </a:rPr>
+                          <m:t>𝑦</m:t>
+                        </m:r>
+                      </m:e>
+                      <m:sup>
+                        <m:r>
+                          <a:rPr lang="en-US" altLang="zh-TW" sz="1400" i="1">
+                            <a:latin typeface="Cambria Math" panose="02040503050406030204" pitchFamily="18" charset="0"/>
+                            <a:cs typeface="Times" panose="02020603050405020304" pitchFamily="18" charset="0"/>
+                          </a:rPr>
+                          <m:t>(</m:t>
+                        </m:r>
+                        <m:r>
+                          <a:rPr lang="en-US" altLang="zh-TW" sz="1400" i="1">
+                            <a:latin typeface="Cambria Math" panose="02040503050406030204" pitchFamily="18" charset="0"/>
+                            <a:cs typeface="Times" panose="02020603050405020304" pitchFamily="18" charset="0"/>
+                          </a:rPr>
+                          <m:t>𝑘</m:t>
+                        </m:r>
+                        <m:r>
+                          <a:rPr lang="en-US" altLang="zh-TW" sz="1400" i="1">
+                            <a:latin typeface="Cambria Math" panose="02040503050406030204" pitchFamily="18" charset="0"/>
+                            <a:cs typeface="Times" panose="02020603050405020304" pitchFamily="18" charset="0"/>
+                          </a:rPr>
+                          <m:t>−1)</m:t>
+                        </m:r>
+                      </m:sup>
+                    </m:sSup>
+                    <m:r>
+                      <a:rPr lang="en-US" altLang="zh-TW" sz="1400" i="1">
+                        <a:latin typeface="Cambria Math" panose="02040503050406030204" pitchFamily="18" charset="0"/>
+                        <a:cs typeface="Times" panose="02020603050405020304" pitchFamily="18" charset="0"/>
+                      </a:rPr>
+                      <m:t>=</m:t>
+                    </m:r>
+                    <m:sSup>
+                      <m:sSupPr>
+                        <m:ctrlPr>
+                          <a:rPr lang="en-US" altLang="zh-TW" sz="1400" i="1">
+                            <a:latin typeface="Cambria Math" panose="02040503050406030204" pitchFamily="18" charset="0"/>
+                            <a:cs typeface="Times" panose="02020603050405020304" pitchFamily="18" charset="0"/>
+                          </a:rPr>
+                        </m:ctrlPr>
+                      </m:sSupPr>
+                      <m:e>
+                        <m:sSup>
+                          <m:sSupPr>
+                            <m:ctrlPr>
+                              <a:rPr lang="en-US" altLang="zh-TW" sz="1400" i="1">
+                                <a:latin typeface="Cambria Math" panose="02040503050406030204" pitchFamily="18" charset="0"/>
+                                <a:cs typeface="Times" panose="02020603050405020304" pitchFamily="18" charset="0"/>
+                              </a:rPr>
+                            </m:ctrlPr>
+                          </m:sSupPr>
+                          <m:e>
+                            <m:r>
+                              <a:rPr lang="en-US" altLang="zh-TW" sz="1400" b="0" i="1" smtClean="0">
+                                <a:latin typeface="Cambria Math" panose="02040503050406030204" pitchFamily="18" charset="0"/>
+                                <a:cs typeface="Times" panose="02020603050405020304" pitchFamily="18" charset="0"/>
+                              </a:rPr>
+                              <m:t>𝑔</m:t>
+                            </m:r>
+                          </m:e>
+                          <m:sup>
+                            <m:r>
+                              <a:rPr lang="en-US" altLang="zh-TW" sz="1400" i="1">
+                                <a:latin typeface="Cambria Math" panose="02040503050406030204" pitchFamily="18" charset="0"/>
+                                <a:cs typeface="Times" panose="02020603050405020304" pitchFamily="18" charset="0"/>
+                              </a:rPr>
+                              <m:t>(</m:t>
+                            </m:r>
+                            <m:r>
+                              <a:rPr lang="en-US" altLang="zh-TW" sz="1400" i="1">
+                                <a:latin typeface="Cambria Math" panose="02040503050406030204" pitchFamily="18" charset="0"/>
+                                <a:cs typeface="Times" panose="02020603050405020304" pitchFamily="18" charset="0"/>
+                              </a:rPr>
+                              <m:t>𝑘</m:t>
+                            </m:r>
+                            <m:r>
+                              <a:rPr lang="en-US" altLang="zh-TW" sz="1400" i="1">
+                                <a:latin typeface="Cambria Math" panose="02040503050406030204" pitchFamily="18" charset="0"/>
+                                <a:cs typeface="Times" panose="02020603050405020304" pitchFamily="18" charset="0"/>
+                              </a:rPr>
+                              <m:t>)</m:t>
+                            </m:r>
+                          </m:sup>
+                        </m:sSup>
+                        <m:r>
+                          <a:rPr lang="en-US" altLang="zh-TW" sz="1400" i="1">
+                            <a:latin typeface="Cambria Math" panose="02040503050406030204" pitchFamily="18" charset="0"/>
+                            <a:cs typeface="Times" panose="02020603050405020304" pitchFamily="18" charset="0"/>
+                          </a:rPr>
+                          <m:t> −</m:t>
+                        </m:r>
+                        <m:r>
+                          <a:rPr lang="en-US" altLang="zh-TW" sz="1400" b="0" i="1" smtClean="0">
+                            <a:latin typeface="Cambria Math" panose="02040503050406030204" pitchFamily="18" charset="0"/>
+                            <a:cs typeface="Times" panose="02020603050405020304" pitchFamily="18" charset="0"/>
+                          </a:rPr>
+                          <m:t>𝑔</m:t>
+                        </m:r>
+                      </m:e>
+                      <m:sup>
+                        <m:r>
+                          <a:rPr lang="en-US" altLang="zh-TW" sz="1400" i="1">
+                            <a:latin typeface="Cambria Math" panose="02040503050406030204" pitchFamily="18" charset="0"/>
+                            <a:cs typeface="Times" panose="02020603050405020304" pitchFamily="18" charset="0"/>
+                          </a:rPr>
+                          <m:t>(</m:t>
+                        </m:r>
+                        <m:r>
+                          <a:rPr lang="en-US" altLang="zh-TW" sz="1400" i="1">
+                            <a:latin typeface="Cambria Math" panose="02040503050406030204" pitchFamily="18" charset="0"/>
+                            <a:cs typeface="Times" panose="02020603050405020304" pitchFamily="18" charset="0"/>
+                          </a:rPr>
+                          <m:t>𝑘</m:t>
+                        </m:r>
+                        <m:r>
+                          <a:rPr lang="en-US" altLang="zh-TW" sz="1400" i="1">
+                            <a:latin typeface="Cambria Math" panose="02040503050406030204" pitchFamily="18" charset="0"/>
+                            <a:cs typeface="Times" panose="02020603050405020304" pitchFamily="18" charset="0"/>
+                          </a:rPr>
+                          <m:t>−1)</m:t>
+                        </m:r>
+                      </m:sup>
+                    </m:sSup>
+                  </m:oMath>
+                </a14:m>
+                <a:endParaRPr lang="en-US" altLang="zh-TW" sz="1400" i="1" dirty="0">
+                  <a:latin typeface="Times" panose="02020603050405020304" pitchFamily="18" charset="0"/>
+                  <a:ea typeface="標楷體" panose="03000509000000000000" pitchFamily="65" charset="-120"/>
+                  <a:cs typeface="Times" panose="02020603050405020304" pitchFamily="18" charset="0"/>
+                </a:endParaRPr>
+              </a:p>
+              <a:p>
+                <a:pPr lvl="1">
+                  <a:lnSpc>
+                    <a:spcPct val="200000"/>
+                  </a:lnSpc>
+                </a:pPr>
+                <a:r>
+                  <a:rPr lang="zh-TW" altLang="en-US" sz="1800" dirty="0">
+                    <a:latin typeface="Times" panose="02020603050405020304" pitchFamily="18" charset="0"/>
+                    <a:ea typeface="標楷體" panose="03000509000000000000" pitchFamily="65" charset="-120"/>
+                    <a:cs typeface="Times" panose="02020603050405020304" pitchFamily="18" charset="0"/>
+                  </a:rPr>
+                  <a:t>代入</a:t>
+                </a:r>
+                <a14:m>
+                  <m:oMath xmlns:m="http://schemas.openxmlformats.org/officeDocument/2006/math">
+                    <m:sSubSup>
+                      <m:sSubSupPr>
+                        <m:ctrlPr>
+                          <a:rPr lang="en-US" altLang="zh-TW" sz="1800" i="1" smtClean="0">
+                            <a:latin typeface="Cambria Math" panose="02040503050406030204" pitchFamily="18" charset="0"/>
+                            <a:cs typeface="Times" panose="02020603050405020304" pitchFamily="18" charset="0"/>
+                          </a:rPr>
+                        </m:ctrlPr>
+                      </m:sSubSupPr>
+                      <m:e>
+                        <m:r>
+                          <a:rPr lang="zh-TW" altLang="en-US" sz="1800" i="1">
+                            <a:latin typeface="Cambria Math" panose="02040503050406030204" pitchFamily="18" charset="0"/>
+                            <a:cs typeface="Times" panose="02020603050405020304" pitchFamily="18" charset="0"/>
+                          </a:rPr>
+                          <m:t>𝛼</m:t>
+                        </m:r>
+                      </m:e>
+                      <m:sub>
+                        <m:r>
+                          <a:rPr lang="en-US" altLang="zh-TW" sz="1800" i="1">
+                            <a:latin typeface="Cambria Math" panose="02040503050406030204" pitchFamily="18" charset="0"/>
+                            <a:cs typeface="Times" panose="02020603050405020304" pitchFamily="18" charset="0"/>
+                          </a:rPr>
+                          <m:t>𝑏𝑏</m:t>
+                        </m:r>
+                      </m:sub>
+                      <m:sup>
+                        <m:d>
+                          <m:dPr>
+                            <m:ctrlPr>
+                              <a:rPr lang="en-US" altLang="zh-TW" sz="1800" i="1">
+                                <a:latin typeface="Cambria Math" panose="02040503050406030204" pitchFamily="18" charset="0"/>
+                                <a:cs typeface="Times" panose="02020603050405020304" pitchFamily="18" charset="0"/>
+                              </a:rPr>
+                            </m:ctrlPr>
+                          </m:dPr>
+                          <m:e>
+                            <m:r>
+                              <a:rPr lang="en-US" altLang="zh-TW" sz="1800" i="1">
+                                <a:latin typeface="Cambria Math" panose="02040503050406030204" pitchFamily="18" charset="0"/>
+                                <a:cs typeface="Times" panose="02020603050405020304" pitchFamily="18" charset="0"/>
+                              </a:rPr>
+                              <m:t>𝑘</m:t>
+                            </m:r>
+                          </m:e>
+                        </m:d>
+                      </m:sup>
+                    </m:sSubSup>
+                  </m:oMath>
+                </a14:m>
+                <a:r>
+                  <a:rPr lang="zh-TW" altLang="en-US" sz="1800" dirty="0">
+                    <a:latin typeface="Times" panose="02020603050405020304" pitchFamily="18" charset="0"/>
+                    <a:ea typeface="標楷體" panose="03000509000000000000" pitchFamily="65" charset="-120"/>
+                    <a:cs typeface="Times" panose="02020603050405020304" pitchFamily="18" charset="0"/>
+                  </a:rPr>
+                  <a:t>  </a:t>
+                </a:r>
+                <a14:m>
+                  <m:oMath xmlns:m="http://schemas.openxmlformats.org/officeDocument/2006/math">
+                    <m:r>
+                      <a:rPr lang="en-US" altLang="zh-TW" sz="1800" i="1">
+                        <a:latin typeface="Cambria Math" panose="02040503050406030204" pitchFamily="18" charset="0"/>
+                        <a:ea typeface="Cambria Math" panose="02040503050406030204" pitchFamily="18" charset="0"/>
+                        <a:cs typeface="Times" panose="02020603050405020304" pitchFamily="18" charset="0"/>
+                      </a:rPr>
+                      <m:t>→</m:t>
+                    </m:r>
+                    <m:r>
+                      <a:rPr lang="zh-TW" altLang="en-US" sz="1800" i="1" smtClean="0">
+                        <a:latin typeface="Cambria Math" panose="02040503050406030204" pitchFamily="18" charset="0"/>
+                        <a:ea typeface="Cambria Math" panose="02040503050406030204" pitchFamily="18" charset="0"/>
+                        <a:cs typeface="Times" panose="02020603050405020304" pitchFamily="18" charset="0"/>
+                      </a:rPr>
+                      <m:t> </m:t>
+                    </m:r>
+                  </m:oMath>
+                </a14:m>
+                <a:r>
+                  <a:rPr lang="zh-TW" altLang="en-US" sz="1800" dirty="0">
+                    <a:latin typeface="Times" panose="02020603050405020304" pitchFamily="18" charset="0"/>
+                    <a:ea typeface="標楷體" panose="03000509000000000000" pitchFamily="65" charset="-120"/>
+                    <a:cs typeface="Times" panose="02020603050405020304" pitchFamily="18" charset="0"/>
+                  </a:rPr>
+                  <a:t> </a:t>
+                </a:r>
+                <a14:m>
+                  <m:oMath xmlns:m="http://schemas.openxmlformats.org/officeDocument/2006/math">
+                    <m:sSup>
+                      <m:sSupPr>
+                        <m:ctrlPr>
+                          <a:rPr lang="en-US" altLang="zh-TW" sz="1800" i="1">
+                            <a:latin typeface="Cambria Math" panose="02040503050406030204" pitchFamily="18" charset="0"/>
+                            <a:cs typeface="Times" panose="02020603050405020304" pitchFamily="18" charset="0"/>
+                          </a:rPr>
+                        </m:ctrlPr>
+                      </m:sSupPr>
+                      <m:e>
+                        <m:r>
+                          <a:rPr lang="en-US" altLang="zh-TW" sz="1800" i="1">
+                            <a:latin typeface="Cambria Math" panose="02040503050406030204" pitchFamily="18" charset="0"/>
+                            <a:cs typeface="Times" panose="02020603050405020304" pitchFamily="18" charset="0"/>
+                          </a:rPr>
+                          <m:t>𝑦</m:t>
+                        </m:r>
+                      </m:e>
+                      <m:sup>
+                        <m:r>
+                          <a:rPr lang="en-US" altLang="zh-TW" sz="1800" i="1">
+                            <a:latin typeface="Cambria Math" panose="02040503050406030204" pitchFamily="18" charset="0"/>
+                            <a:cs typeface="Times" panose="02020603050405020304" pitchFamily="18" charset="0"/>
+                          </a:rPr>
+                          <m:t>(</m:t>
+                        </m:r>
+                        <m:r>
+                          <a:rPr lang="en-US" altLang="zh-TW" sz="1800" i="1">
+                            <a:latin typeface="Cambria Math" panose="02040503050406030204" pitchFamily="18" charset="0"/>
+                            <a:cs typeface="Times" panose="02020603050405020304" pitchFamily="18" charset="0"/>
+                          </a:rPr>
+                          <m:t>𝑘</m:t>
+                        </m:r>
+                        <m:r>
+                          <a:rPr lang="en-US" altLang="zh-TW" sz="1800" i="1">
+                            <a:latin typeface="Cambria Math" panose="02040503050406030204" pitchFamily="18" charset="0"/>
+                            <a:cs typeface="Times" panose="02020603050405020304" pitchFamily="18" charset="0"/>
+                          </a:rPr>
+                          <m:t>−1)</m:t>
+                        </m:r>
+                      </m:sup>
+                    </m:sSup>
+                    <m:r>
+                      <a:rPr lang="en-US" altLang="zh-TW" sz="1800" i="1" smtClean="0">
+                        <a:latin typeface="Cambria Math" panose="02040503050406030204" pitchFamily="18" charset="0"/>
+                        <a:ea typeface="Cambria Math" panose="02040503050406030204" pitchFamily="18" charset="0"/>
+                        <a:cs typeface="Times" panose="02020603050405020304" pitchFamily="18" charset="0"/>
+                      </a:rPr>
+                      <m:t>~</m:t>
+                    </m:r>
+                    <m:sSubSup>
+                      <m:sSubSupPr>
+                        <m:ctrlPr>
+                          <a:rPr lang="en-US" altLang="zh-TW" sz="1800" i="1">
+                            <a:latin typeface="Cambria Math" panose="02040503050406030204" pitchFamily="18" charset="0"/>
+                            <a:cs typeface="Times" panose="02020603050405020304" pitchFamily="18" charset="0"/>
+                          </a:rPr>
+                        </m:ctrlPr>
+                      </m:sSubSupPr>
+                      <m:e>
+                        <m:r>
+                          <a:rPr lang="en-US" altLang="zh-TW" sz="1800" i="1">
+                            <a:latin typeface="Cambria Math" panose="02040503050406030204" pitchFamily="18" charset="0"/>
+                            <a:cs typeface="Times" panose="02020603050405020304" pitchFamily="18" charset="0"/>
+                          </a:rPr>
+                          <m:t>(</m:t>
+                        </m:r>
+                        <m:r>
+                          <a:rPr lang="zh-TW" altLang="en-US" sz="1800" i="1">
+                            <a:latin typeface="Cambria Math" panose="02040503050406030204" pitchFamily="18" charset="0"/>
+                            <a:cs typeface="Times" panose="02020603050405020304" pitchFamily="18" charset="0"/>
+                          </a:rPr>
+                          <m:t>𝛼</m:t>
+                        </m:r>
+                      </m:e>
+                      <m:sub>
+                        <m:r>
+                          <a:rPr lang="en-US" altLang="zh-TW" sz="1800" i="1">
+                            <a:latin typeface="Cambria Math" panose="02040503050406030204" pitchFamily="18" charset="0"/>
+                            <a:cs typeface="Times" panose="02020603050405020304" pitchFamily="18" charset="0"/>
+                          </a:rPr>
+                          <m:t>𝑏𝑏</m:t>
+                        </m:r>
+                      </m:sub>
+                      <m:sup>
+                        <m:d>
+                          <m:dPr>
+                            <m:ctrlPr>
+                              <a:rPr lang="en-US" altLang="zh-TW" sz="1800" i="1">
+                                <a:latin typeface="Cambria Math" panose="02040503050406030204" pitchFamily="18" charset="0"/>
+                                <a:cs typeface="Times" panose="02020603050405020304" pitchFamily="18" charset="0"/>
+                              </a:rPr>
+                            </m:ctrlPr>
+                          </m:dPr>
+                          <m:e>
+                            <m:r>
+                              <a:rPr lang="en-US" altLang="zh-TW" sz="1800" i="1">
+                                <a:latin typeface="Cambria Math" panose="02040503050406030204" pitchFamily="18" charset="0"/>
+                                <a:cs typeface="Times" panose="02020603050405020304" pitchFamily="18" charset="0"/>
+                              </a:rPr>
+                              <m:t>𝑘</m:t>
+                            </m:r>
+                          </m:e>
+                        </m:d>
+                      </m:sup>
+                    </m:sSubSup>
+                    <m:sSup>
+                      <m:sSupPr>
+                        <m:ctrlPr>
+                          <a:rPr lang="en-US" altLang="zh-TW" sz="1800" i="1">
+                            <a:latin typeface="Cambria Math" panose="02040503050406030204" pitchFamily="18" charset="0"/>
+                            <a:cs typeface="Times" panose="02020603050405020304" pitchFamily="18" charset="0"/>
+                          </a:rPr>
+                        </m:ctrlPr>
+                      </m:sSupPr>
+                      <m:e>
+                        <m:r>
+                          <a:rPr lang="en-US" altLang="zh-TW" sz="1800" i="1">
+                            <a:latin typeface="Cambria Math" panose="02040503050406030204" pitchFamily="18" charset="0"/>
+                            <a:cs typeface="Times" panose="02020603050405020304" pitchFamily="18" charset="0"/>
+                          </a:rPr>
+                          <m:t>)</m:t>
+                        </m:r>
+                      </m:e>
+                      <m:sup>
+                        <m:r>
+                          <a:rPr lang="en-US" altLang="zh-TW" sz="1800" i="1">
+                            <a:latin typeface="Cambria Math" panose="02040503050406030204" pitchFamily="18" charset="0"/>
+                            <a:cs typeface="Times" panose="02020603050405020304" pitchFamily="18" charset="0"/>
+                          </a:rPr>
+                          <m:t>−1</m:t>
+                        </m:r>
+                      </m:sup>
+                    </m:sSup>
+                    <m:r>
+                      <a:rPr lang="en-US" altLang="zh-TW" sz="1800" b="0" i="1" smtClean="0">
+                        <a:latin typeface="Cambria Math" panose="02040503050406030204" pitchFamily="18" charset="0"/>
+                        <a:cs typeface="Times" panose="02020603050405020304" pitchFamily="18" charset="0"/>
+                      </a:rPr>
+                      <m:t>𝐼</m:t>
+                    </m:r>
+                    <m:r>
+                      <a:rPr lang="en-US" altLang="zh-TW" sz="1800" b="0" i="1" smtClean="0">
+                        <a:latin typeface="Cambria Math" panose="02040503050406030204" pitchFamily="18" charset="0"/>
+                        <a:ea typeface="Cambria Math" panose="02040503050406030204" pitchFamily="18" charset="0"/>
+                        <a:cs typeface="Times" panose="02020603050405020304" pitchFamily="18" charset="0"/>
+                      </a:rPr>
+                      <m:t>∙</m:t>
+                    </m:r>
+                    <m:sSup>
+                      <m:sSupPr>
+                        <m:ctrlPr>
+                          <a:rPr lang="en-US" altLang="zh-TW" sz="1800" i="1">
+                            <a:latin typeface="Cambria Math" panose="02040503050406030204" pitchFamily="18" charset="0"/>
+                            <a:cs typeface="Times" panose="02020603050405020304" pitchFamily="18" charset="0"/>
+                          </a:rPr>
+                        </m:ctrlPr>
+                      </m:sSupPr>
+                      <m:e>
+                        <m:r>
+                          <a:rPr lang="en-US" altLang="zh-TW" sz="1800" i="1">
+                            <a:latin typeface="Cambria Math" panose="02040503050406030204" pitchFamily="18" charset="0"/>
+                            <a:cs typeface="Times" panose="02020603050405020304" pitchFamily="18" charset="0"/>
+                          </a:rPr>
+                          <m:t>𝑠</m:t>
+                        </m:r>
+                      </m:e>
+                      <m:sup>
+                        <m:d>
+                          <m:dPr>
+                            <m:ctrlPr>
+                              <a:rPr lang="en-US" altLang="zh-TW" sz="1800" i="1">
+                                <a:latin typeface="Cambria Math" panose="02040503050406030204" pitchFamily="18" charset="0"/>
+                                <a:cs typeface="Times" panose="02020603050405020304" pitchFamily="18" charset="0"/>
+                              </a:rPr>
+                            </m:ctrlPr>
+                          </m:dPr>
+                          <m:e>
+                            <m:r>
+                              <a:rPr lang="en-US" altLang="zh-TW" sz="1800" i="1">
+                                <a:latin typeface="Cambria Math" panose="02040503050406030204" pitchFamily="18" charset="0"/>
+                                <a:cs typeface="Times" panose="02020603050405020304" pitchFamily="18" charset="0"/>
+                              </a:rPr>
+                              <m:t>𝑘</m:t>
+                            </m:r>
+                            <m:r>
+                              <a:rPr lang="en-US" altLang="zh-TW" sz="1800" i="1">
+                                <a:latin typeface="Cambria Math" panose="02040503050406030204" pitchFamily="18" charset="0"/>
+                                <a:cs typeface="Times" panose="02020603050405020304" pitchFamily="18" charset="0"/>
+                              </a:rPr>
+                              <m:t>−1</m:t>
+                            </m:r>
+                          </m:e>
+                        </m:d>
+                      </m:sup>
+                    </m:sSup>
+                  </m:oMath>
+                </a14:m>
+                <a:r>
+                  <a:rPr lang="en-US" altLang="zh-TW" sz="1800" i="1" dirty="0">
+                    <a:latin typeface="Cambria Math" panose="02040503050406030204" pitchFamily="18" charset="0"/>
+                    <a:ea typeface="Cambria Math" panose="02040503050406030204" pitchFamily="18" charset="0"/>
+                    <a:cs typeface="Times" panose="02020603050405020304" pitchFamily="18" charset="0"/>
+                  </a:rPr>
+                  <a:t> </a:t>
+                </a:r>
+                <a14:m>
+                  <m:oMath xmlns:m="http://schemas.openxmlformats.org/officeDocument/2006/math">
+                    <m:r>
+                      <a:rPr lang="en-US" altLang="zh-TW" sz="1800" b="0" i="1" smtClean="0">
+                        <a:latin typeface="Cambria Math" panose="02040503050406030204" pitchFamily="18" charset="0"/>
+                        <a:ea typeface="Cambria Math" panose="02040503050406030204" pitchFamily="18" charset="0"/>
+                        <a:cs typeface="Times" panose="02020603050405020304" pitchFamily="18" charset="0"/>
+                      </a:rPr>
+                      <m:t>  </m:t>
+                    </m:r>
+                    <m:r>
+                      <a:rPr lang="en-US" altLang="zh-TW" sz="1800" i="1">
+                        <a:latin typeface="Cambria Math" panose="02040503050406030204" pitchFamily="18" charset="0"/>
+                        <a:ea typeface="Cambria Math" panose="02040503050406030204" pitchFamily="18" charset="0"/>
+                        <a:cs typeface="Times" panose="02020603050405020304" pitchFamily="18" charset="0"/>
+                      </a:rPr>
+                      <m:t>∙</m:t>
+                    </m:r>
+                  </m:oMath>
+                </a14:m>
+                <a:r>
+                  <a:rPr lang="en-US" altLang="zh-TW" sz="1800" dirty="0">
+                    <a:ea typeface="Cambria Math" panose="02040503050406030204" pitchFamily="18" charset="0"/>
+                    <a:cs typeface="Times" panose="02020603050405020304" pitchFamily="18" charset="0"/>
+                  </a:rPr>
+                  <a:t> </a:t>
+                </a:r>
+                <a14:m>
+                  <m:oMath xmlns:m="http://schemas.openxmlformats.org/officeDocument/2006/math">
+                    <m:r>
+                      <a:rPr lang="en-US" altLang="zh-TW" sz="1800" i="1">
+                        <a:latin typeface="Cambria Math" panose="02040503050406030204" pitchFamily="18" charset="0"/>
+                        <a:ea typeface="Cambria Math" panose="02040503050406030204" pitchFamily="18" charset="0"/>
+                        <a:cs typeface="Times" panose="02020603050405020304" pitchFamily="18" charset="0"/>
+                      </a:rPr>
+                      <m:t>∙</m:t>
+                    </m:r>
+                  </m:oMath>
+                </a14:m>
+                <a:r>
+                  <a:rPr lang="en-US" altLang="zh-TW" sz="1800" dirty="0">
+                    <a:ea typeface="Cambria Math" panose="02040503050406030204" pitchFamily="18" charset="0"/>
+                    <a:cs typeface="Times" panose="02020603050405020304" pitchFamily="18" charset="0"/>
+                  </a:rPr>
+                  <a:t> </a:t>
+                </a:r>
+                <a14:m>
+                  <m:oMath xmlns:m="http://schemas.openxmlformats.org/officeDocument/2006/math">
+                    <m:r>
+                      <a:rPr lang="en-US" altLang="zh-TW" sz="1800" smtClean="0">
+                        <a:latin typeface="Cambria Math" panose="02040503050406030204" pitchFamily="18" charset="0"/>
+                        <a:ea typeface="Cambria Math" panose="02040503050406030204" pitchFamily="18" charset="0"/>
+                        <a:cs typeface="Times" panose="02020603050405020304" pitchFamily="18" charset="0"/>
+                      </a:rPr>
+                      <m:t>∙</m:t>
+                    </m:r>
+                  </m:oMath>
+                </a14:m>
+                <a:r>
+                  <a:rPr lang="en-US" altLang="zh-TW" sz="1800" dirty="0">
+                    <a:latin typeface="Cambria Math" panose="02040503050406030204" pitchFamily="18" charset="0"/>
+                    <a:ea typeface="Cambria Math" panose="02040503050406030204" pitchFamily="18" charset="0"/>
+                    <a:cs typeface="Times" panose="02020603050405020304" pitchFamily="18" charset="0"/>
+                  </a:rPr>
+                  <a:t>   </a:t>
+                </a:r>
+                <a:r>
+                  <a:rPr lang="en-US" altLang="zh-TW" sz="1600" dirty="0">
+                    <a:latin typeface="Cambria Math" panose="02040503050406030204" pitchFamily="18" charset="0"/>
+                    <a:ea typeface="Cambria Math" panose="02040503050406030204" pitchFamily="18" charset="0"/>
+                    <a:cs typeface="Times" panose="02020603050405020304" pitchFamily="18" charset="0"/>
+                  </a:rPr>
+                  <a:t>(1)</a:t>
+                </a:r>
+                <a:endParaRPr lang="en-US" altLang="zh-TW" sz="1800" dirty="0">
+                  <a:latin typeface="Cambria Math" panose="02040503050406030204" pitchFamily="18" charset="0"/>
+                  <a:ea typeface="Cambria Math" panose="02040503050406030204" pitchFamily="18" charset="0"/>
+                  <a:cs typeface="Times" panose="02020603050405020304" pitchFamily="18" charset="0"/>
+                </a:endParaRPr>
+              </a:p>
+              <a:p>
+                <a:pPr marL="457200" lvl="1" indent="0">
+                  <a:lnSpc>
+                    <a:spcPct val="200000"/>
+                  </a:lnSpc>
+                  <a:buNone/>
+                </a:pPr>
+                <a:r>
+                  <a:rPr lang="en-US" altLang="zh-TW" sz="1800" dirty="0">
+                    <a:ea typeface="Cambria Math" panose="02040503050406030204" pitchFamily="18" charset="0"/>
+                    <a:cs typeface="Times" panose="02020603050405020304" pitchFamily="18" charset="0"/>
+                  </a:rPr>
+                  <a:t>	              </a:t>
+                </a:r>
+                <a14:m>
+                  <m:oMath xmlns:m="http://schemas.openxmlformats.org/officeDocument/2006/math">
+                    <m:r>
+                      <a:rPr lang="en-US" altLang="zh-TW" sz="1800" i="1">
+                        <a:latin typeface="Cambria Math" panose="02040503050406030204" pitchFamily="18" charset="0"/>
+                        <a:ea typeface="Cambria Math" panose="02040503050406030204" pitchFamily="18" charset="0"/>
+                        <a:cs typeface="Times" panose="02020603050405020304" pitchFamily="18" charset="0"/>
+                      </a:rPr>
+                      <m:t>→</m:t>
+                    </m:r>
+                    <m:r>
+                      <a:rPr lang="zh-TW" altLang="en-US" sz="1800" i="1" smtClean="0">
+                        <a:latin typeface="Cambria Math" panose="02040503050406030204" pitchFamily="18" charset="0"/>
+                        <a:ea typeface="Cambria Math" panose="02040503050406030204" pitchFamily="18" charset="0"/>
+                        <a:cs typeface="Times" panose="02020603050405020304" pitchFamily="18" charset="0"/>
+                      </a:rPr>
+                      <m:t> </m:t>
+                    </m:r>
+                    <m:sSup>
+                      <m:sSupPr>
+                        <m:ctrlPr>
+                          <a:rPr lang="en-US" altLang="zh-TW" sz="1800" i="1">
+                            <a:latin typeface="Cambria Math" panose="02040503050406030204" pitchFamily="18" charset="0"/>
+                            <a:cs typeface="Times" panose="02020603050405020304" pitchFamily="18" charset="0"/>
+                          </a:rPr>
+                        </m:ctrlPr>
+                      </m:sSupPr>
+                      <m:e>
+                        <m:r>
+                          <a:rPr lang="en-US" altLang="zh-TW" sz="1800" i="1">
+                            <a:latin typeface="Cambria Math" panose="02040503050406030204" pitchFamily="18" charset="0"/>
+                            <a:cs typeface="Times" panose="02020603050405020304" pitchFamily="18" charset="0"/>
+                          </a:rPr>
+                          <m:t>𝑠</m:t>
+                        </m:r>
+                      </m:e>
+                      <m:sup>
+                        <m:r>
+                          <a:rPr lang="en-US" altLang="zh-TW" sz="1800" i="1">
+                            <a:latin typeface="Cambria Math" panose="02040503050406030204" pitchFamily="18" charset="0"/>
+                            <a:cs typeface="Times" panose="02020603050405020304" pitchFamily="18" charset="0"/>
+                          </a:rPr>
+                          <m:t>(</m:t>
+                        </m:r>
+                        <m:r>
+                          <a:rPr lang="en-US" altLang="zh-TW" sz="1800" i="1">
+                            <a:latin typeface="Cambria Math" panose="02040503050406030204" pitchFamily="18" charset="0"/>
+                            <a:cs typeface="Times" panose="02020603050405020304" pitchFamily="18" charset="0"/>
+                          </a:rPr>
+                          <m:t>𝑘</m:t>
+                        </m:r>
+                        <m:r>
+                          <a:rPr lang="en-US" altLang="zh-TW" sz="1800" i="1">
+                            <a:latin typeface="Cambria Math" panose="02040503050406030204" pitchFamily="18" charset="0"/>
+                            <a:cs typeface="Times" panose="02020603050405020304" pitchFamily="18" charset="0"/>
+                          </a:rPr>
+                          <m:t>−1)</m:t>
+                        </m:r>
+                      </m:sup>
+                    </m:sSup>
+                    <m:r>
+                      <a:rPr lang="en-US" altLang="zh-TW" sz="1800" i="1">
+                        <a:latin typeface="Cambria Math" panose="02040503050406030204" pitchFamily="18" charset="0"/>
+                        <a:ea typeface="Cambria Math" panose="02040503050406030204" pitchFamily="18" charset="0"/>
+                        <a:cs typeface="Times" panose="02020603050405020304" pitchFamily="18" charset="0"/>
+                      </a:rPr>
+                      <m:t>~</m:t>
+                    </m:r>
+                    <m:sSubSup>
+                      <m:sSubSupPr>
+                        <m:ctrlPr>
+                          <a:rPr lang="en-US" altLang="zh-TW" sz="1800" i="1">
+                            <a:latin typeface="Cambria Math" panose="02040503050406030204" pitchFamily="18" charset="0"/>
+                            <a:cs typeface="Times" panose="02020603050405020304" pitchFamily="18" charset="0"/>
+                          </a:rPr>
+                        </m:ctrlPr>
+                      </m:sSubSupPr>
+                      <m:e>
+                        <m:r>
+                          <a:rPr lang="zh-TW" altLang="en-US" sz="1800" i="1">
+                            <a:latin typeface="Cambria Math" panose="02040503050406030204" pitchFamily="18" charset="0"/>
+                            <a:cs typeface="Times" panose="02020603050405020304" pitchFamily="18" charset="0"/>
+                          </a:rPr>
+                          <m:t>𝛼</m:t>
+                        </m:r>
+                      </m:e>
+                      <m:sub>
+                        <m:r>
+                          <a:rPr lang="en-US" altLang="zh-TW" sz="1800" i="1">
+                            <a:latin typeface="Cambria Math" panose="02040503050406030204" pitchFamily="18" charset="0"/>
+                            <a:cs typeface="Times" panose="02020603050405020304" pitchFamily="18" charset="0"/>
+                          </a:rPr>
+                          <m:t>𝑏𝑏</m:t>
+                        </m:r>
+                      </m:sub>
+                      <m:sup>
+                        <m:d>
+                          <m:dPr>
+                            <m:ctrlPr>
+                              <a:rPr lang="en-US" altLang="zh-TW" sz="1800" i="1">
+                                <a:latin typeface="Cambria Math" panose="02040503050406030204" pitchFamily="18" charset="0"/>
+                                <a:cs typeface="Times" panose="02020603050405020304" pitchFamily="18" charset="0"/>
+                              </a:rPr>
+                            </m:ctrlPr>
+                          </m:dPr>
+                          <m:e>
+                            <m:r>
+                              <a:rPr lang="en-US" altLang="zh-TW" sz="1800" i="1">
+                                <a:latin typeface="Cambria Math" panose="02040503050406030204" pitchFamily="18" charset="0"/>
+                                <a:cs typeface="Times" panose="02020603050405020304" pitchFamily="18" charset="0"/>
+                              </a:rPr>
+                              <m:t>𝑘</m:t>
+                            </m:r>
+                          </m:e>
+                        </m:d>
+                      </m:sup>
+                    </m:sSubSup>
+                    <m:r>
+                      <a:rPr lang="en-US" altLang="zh-TW" sz="1800" i="1">
+                        <a:latin typeface="Cambria Math" panose="02040503050406030204" pitchFamily="18" charset="0"/>
+                        <a:cs typeface="Times" panose="02020603050405020304" pitchFamily="18" charset="0"/>
+                      </a:rPr>
+                      <m:t>𝐼</m:t>
+                    </m:r>
+                    <m:r>
+                      <a:rPr lang="en-US" altLang="zh-TW" sz="1800" i="1">
+                        <a:latin typeface="Cambria Math" panose="02040503050406030204" pitchFamily="18" charset="0"/>
+                        <a:ea typeface="Cambria Math" panose="02040503050406030204" pitchFamily="18" charset="0"/>
+                        <a:cs typeface="Times" panose="02020603050405020304" pitchFamily="18" charset="0"/>
+                      </a:rPr>
+                      <m:t>∙</m:t>
+                    </m:r>
+                  </m:oMath>
+                </a14:m>
+                <a:r>
+                  <a:rPr lang="en-US" altLang="zh-TW" sz="1800" dirty="0">
+                    <a:cs typeface="Times" panose="02020603050405020304" pitchFamily="18" charset="0"/>
+                  </a:rPr>
+                  <a:t> </a:t>
+                </a:r>
+                <a14:m>
+                  <m:oMath xmlns:m="http://schemas.openxmlformats.org/officeDocument/2006/math">
+                    <m:sSup>
+                      <m:sSupPr>
+                        <m:ctrlPr>
+                          <a:rPr lang="en-US" altLang="zh-TW" sz="1800" i="1">
+                            <a:latin typeface="Cambria Math" panose="02040503050406030204" pitchFamily="18" charset="0"/>
+                            <a:cs typeface="Times" panose="02020603050405020304" pitchFamily="18" charset="0"/>
+                          </a:rPr>
+                        </m:ctrlPr>
+                      </m:sSupPr>
+                      <m:e>
+                        <m:r>
+                          <a:rPr lang="en-US" altLang="zh-TW" sz="1800" i="1">
+                            <a:latin typeface="Cambria Math" panose="02040503050406030204" pitchFamily="18" charset="0"/>
+                            <a:cs typeface="Times" panose="02020603050405020304" pitchFamily="18" charset="0"/>
+                          </a:rPr>
+                          <m:t>𝑦</m:t>
+                        </m:r>
+                      </m:e>
+                      <m:sup>
+                        <m:r>
+                          <a:rPr lang="en-US" altLang="zh-TW" sz="1800" i="1">
+                            <a:latin typeface="Cambria Math" panose="02040503050406030204" pitchFamily="18" charset="0"/>
+                            <a:cs typeface="Times" panose="02020603050405020304" pitchFamily="18" charset="0"/>
+                          </a:rPr>
+                          <m:t>(</m:t>
+                        </m:r>
+                        <m:r>
+                          <a:rPr lang="en-US" altLang="zh-TW" sz="1800" i="1">
+                            <a:latin typeface="Cambria Math" panose="02040503050406030204" pitchFamily="18" charset="0"/>
+                            <a:cs typeface="Times" panose="02020603050405020304" pitchFamily="18" charset="0"/>
+                          </a:rPr>
+                          <m:t>𝑘</m:t>
+                        </m:r>
+                        <m:r>
+                          <a:rPr lang="en-US" altLang="zh-TW" sz="1800" i="1">
+                            <a:latin typeface="Cambria Math" panose="02040503050406030204" pitchFamily="18" charset="0"/>
+                            <a:cs typeface="Times" panose="02020603050405020304" pitchFamily="18" charset="0"/>
+                          </a:rPr>
+                          <m:t>−1)</m:t>
+                        </m:r>
+                      </m:sup>
+                    </m:sSup>
+                  </m:oMath>
+                </a14:m>
+                <a:r>
+                  <a:rPr lang="en-US" altLang="zh-TW" sz="1800" dirty="0">
+                    <a:latin typeface="Times" panose="02020603050405020304" pitchFamily="18" charset="0"/>
+                    <a:ea typeface="標楷體" panose="03000509000000000000" pitchFamily="65" charset="-120"/>
+                    <a:cs typeface="Times" panose="02020603050405020304" pitchFamily="18" charset="0"/>
+                  </a:rPr>
+                  <a:t>          </a:t>
+                </a:r>
+                <a14:m>
+                  <m:oMath xmlns:m="http://schemas.openxmlformats.org/officeDocument/2006/math">
+                    <m:r>
+                      <a:rPr lang="en-US" altLang="zh-TW" sz="1800" i="1">
+                        <a:latin typeface="Cambria Math" panose="02040503050406030204" pitchFamily="18" charset="0"/>
+                        <a:ea typeface="Cambria Math" panose="02040503050406030204" pitchFamily="18" charset="0"/>
+                        <a:cs typeface="Times" panose="02020603050405020304" pitchFamily="18" charset="0"/>
+                      </a:rPr>
+                      <m:t>∙</m:t>
+                    </m:r>
+                  </m:oMath>
+                </a14:m>
+                <a:r>
+                  <a:rPr lang="en-US" altLang="zh-TW" sz="1800" dirty="0">
+                    <a:ea typeface="Cambria Math" panose="02040503050406030204" pitchFamily="18" charset="0"/>
+                    <a:cs typeface="Times" panose="02020603050405020304" pitchFamily="18" charset="0"/>
+                  </a:rPr>
+                  <a:t> </a:t>
+                </a:r>
+                <a14:m>
+                  <m:oMath xmlns:m="http://schemas.openxmlformats.org/officeDocument/2006/math">
+                    <m:r>
+                      <a:rPr lang="en-US" altLang="zh-TW" sz="1800" i="1">
+                        <a:latin typeface="Cambria Math" panose="02040503050406030204" pitchFamily="18" charset="0"/>
+                        <a:ea typeface="Cambria Math" panose="02040503050406030204" pitchFamily="18" charset="0"/>
+                        <a:cs typeface="Times" panose="02020603050405020304" pitchFamily="18" charset="0"/>
+                      </a:rPr>
+                      <m:t>∙</m:t>
+                    </m:r>
+                  </m:oMath>
+                </a14:m>
+                <a:r>
+                  <a:rPr lang="en-US" altLang="zh-TW" sz="1800" dirty="0">
+                    <a:ea typeface="Cambria Math" panose="02040503050406030204" pitchFamily="18" charset="0"/>
+                    <a:cs typeface="Times" panose="02020603050405020304" pitchFamily="18" charset="0"/>
+                  </a:rPr>
+                  <a:t> </a:t>
+                </a:r>
+                <a14:m>
+                  <m:oMath xmlns:m="http://schemas.openxmlformats.org/officeDocument/2006/math">
+                    <m:r>
+                      <a:rPr lang="en-US" altLang="zh-TW" sz="1800">
+                        <a:latin typeface="Cambria Math" panose="02040503050406030204" pitchFamily="18" charset="0"/>
+                        <a:ea typeface="Cambria Math" panose="02040503050406030204" pitchFamily="18" charset="0"/>
+                        <a:cs typeface="Times" panose="02020603050405020304" pitchFamily="18" charset="0"/>
+                      </a:rPr>
+                      <m:t>∙</m:t>
+                    </m:r>
+                  </m:oMath>
+                </a14:m>
+                <a:r>
+                  <a:rPr lang="en-US" altLang="zh-TW" sz="1800" dirty="0">
+                    <a:latin typeface="Cambria Math" panose="02040503050406030204" pitchFamily="18" charset="0"/>
+                    <a:ea typeface="Cambria Math" panose="02040503050406030204" pitchFamily="18" charset="0"/>
+                    <a:cs typeface="Times" panose="02020603050405020304" pitchFamily="18" charset="0"/>
+                  </a:rPr>
+                  <a:t>   </a:t>
+                </a:r>
+                <a:r>
+                  <a:rPr lang="en-US" altLang="zh-TW" sz="1600" dirty="0">
+                    <a:latin typeface="Cambria Math" panose="02040503050406030204" pitchFamily="18" charset="0"/>
+                    <a:ea typeface="Cambria Math" panose="02040503050406030204" pitchFamily="18" charset="0"/>
+                    <a:cs typeface="Times" panose="02020603050405020304" pitchFamily="18" charset="0"/>
+                  </a:rPr>
+                  <a:t>(2)</a:t>
+                </a:r>
+                <a:endParaRPr lang="en-US" altLang="zh-TW" sz="1800" dirty="0">
+                  <a:latin typeface="Cambria Math" panose="02040503050406030204" pitchFamily="18" charset="0"/>
+                  <a:ea typeface="Cambria Math" panose="02040503050406030204" pitchFamily="18" charset="0"/>
+                  <a:cs typeface="Times" panose="02020603050405020304" pitchFamily="18" charset="0"/>
+                </a:endParaRPr>
+              </a:p>
+            </p:txBody>
+          </p:sp>
+        </mc:Choice>
+        <mc:Fallback>
+          <p:sp>
+            <p:nvSpPr>
+              <p:cNvPr id="7" name="內容版面配置區 6">
+                <a:extLst>
+                  <a:ext uri="{FF2B5EF4-FFF2-40B4-BE49-F238E27FC236}">
+                    <a16:creationId xmlns:a16="http://schemas.microsoft.com/office/drawing/2014/main" id="{1EE38041-72D1-E9F6-102E-67680CA0847C}"/>
+                  </a:ext>
+                </a:extLst>
+              </p:cNvPr>
+              <p:cNvSpPr>
+                <a:spLocks noGrp="1" noRot="1" noChangeAspect="1" noMove="1" noResize="1" noEditPoints="1" noAdjustHandles="1" noChangeArrowheads="1" noChangeShapeType="1" noTextEdit="1"/>
+              </p:cNvSpPr>
+              <p:nvPr>
+                <p:ph idx="1"/>
+              </p:nvPr>
+            </p:nvSpPr>
+            <p:spPr>
+              <a:blipFill>
+                <a:blip r:embed="rId3"/>
+                <a:stretch>
+                  <a:fillRect l="-696"/>
+                </a:stretch>
+              </a:blipFill>
+            </p:spPr>
+            <p:txBody>
+              <a:bodyPr/>
+              <a:lstStyle/>
+              <a:p>
+                <a:r>
+                  <a:rPr lang="zh-TW" altLang="en-US">
+                    <a:noFill/>
+                  </a:rPr>
+                  <a:t> </a:t>
+                </a:r>
+              </a:p>
+            </p:txBody>
+          </p:sp>
+        </mc:Fallback>
+      </mc:AlternateContent>
     </p:spTree>
     <p:extLst>
       <p:ext uri="{BB962C8B-B14F-4D97-AF65-F5344CB8AC3E}">
-        <p14:creationId xmlns:p14="http://schemas.microsoft.com/office/powerpoint/2010/main" val="1947749228"/>
+        <p14:creationId xmlns:p14="http://schemas.microsoft.com/office/powerpoint/2010/main" val="1973529592"/>
+      </p:ext>
+    </p:extLst>
+  </p:cSld>
+  <p:clrMapOvr>
+    <a:masterClrMapping/>
+  </p:clrMapOvr>
+</p:sld>
+</file>
+
+<file path=ppt/slides/slide17.xml><?xml version="1.0" encoding="utf-8"?>
+<p:sld xmlns:a="http://schemas.openxmlformats.org/drawingml/2006/main" xmlns:r="http://schemas.openxmlformats.org/officeDocument/2006/relationships" xmlns:p="http://schemas.openxmlformats.org/presentationml/2006/main">
+  <p:cSld>
+    <p:spTree>
+      <p:nvGrpSpPr>
+        <p:cNvPr id="1" name=""/>
+        <p:cNvGrpSpPr/>
+        <p:nvPr/>
+      </p:nvGrpSpPr>
+      <p:grpSpPr>
+        <a:xfrm>
+          <a:off x="0" y="0"/>
+          <a:ext cx="0" cy="0"/>
+          <a:chOff x="0" y="0"/>
+          <a:chExt cx="0" cy="0"/>
+        </a:xfrm>
+      </p:grpSpPr>
+      <p:sp>
+        <p:nvSpPr>
+          <p:cNvPr id="2" name="標題 1">
+            <a:extLst>
+              <a:ext uri="{FF2B5EF4-FFF2-40B4-BE49-F238E27FC236}">
+                <a16:creationId xmlns:a16="http://schemas.microsoft.com/office/drawing/2014/main" id="{1C786D8A-EE6A-D63A-DCCC-CEFF2CF8D2D9}"/>
+              </a:ext>
+            </a:extLst>
+          </p:cNvPr>
+          <p:cNvSpPr>
+            <a:spLocks noGrp="1"/>
+          </p:cNvSpPr>
+          <p:nvPr>
+            <p:ph type="title"/>
+          </p:nvPr>
+        </p:nvSpPr>
+        <p:spPr>
+          <a:xfrm>
+            <a:off x="838200" y="365125"/>
+            <a:ext cx="11462886" cy="1325563"/>
+          </a:xfrm>
+        </p:spPr>
+        <p:txBody>
+          <a:bodyPr>
+            <a:normAutofit/>
+          </a:bodyPr>
+          <a:lstStyle/>
+          <a:p>
+            <a:r>
+              <a:rPr lang="en-US" altLang="zh-TW" sz="3800" dirty="0">
+                <a:latin typeface="Times" panose="02020603050405020304" pitchFamily="18" charset="0"/>
+                <a:cs typeface="Times" panose="02020603050405020304" pitchFamily="18" charset="0"/>
+              </a:rPr>
+              <a:t>Barzilai-</a:t>
+            </a:r>
+            <a:r>
+              <a:rPr lang="en-US" altLang="zh-TW" sz="3800" dirty="0" err="1">
+                <a:latin typeface="Times" panose="02020603050405020304" pitchFamily="18" charset="0"/>
+                <a:cs typeface="Times" panose="02020603050405020304" pitchFamily="18" charset="0"/>
+              </a:rPr>
+              <a:t>Borwein</a:t>
+            </a:r>
+            <a:r>
+              <a:rPr lang="en-US" altLang="zh-TW" sz="3800" dirty="0">
+                <a:latin typeface="Times" panose="02020603050405020304" pitchFamily="18" charset="0"/>
+                <a:cs typeface="Times" panose="02020603050405020304" pitchFamily="18" charset="0"/>
+              </a:rPr>
+              <a:t> Method Enabled Nesterov Algorithm</a:t>
+            </a:r>
+            <a:endParaRPr lang="zh-TW" altLang="en-US" sz="3800" dirty="0">
+              <a:latin typeface="Times" panose="02020603050405020304" pitchFamily="18" charset="0"/>
+              <a:cs typeface="Times" panose="02020603050405020304" pitchFamily="18" charset="0"/>
+            </a:endParaRPr>
+          </a:p>
+        </p:txBody>
+      </p:sp>
+      <p:sp>
+        <p:nvSpPr>
+          <p:cNvPr id="4" name="投影片編號版面配置區 3">
+            <a:extLst>
+              <a:ext uri="{FF2B5EF4-FFF2-40B4-BE49-F238E27FC236}">
+                <a16:creationId xmlns:a16="http://schemas.microsoft.com/office/drawing/2014/main" id="{0A2F5534-2155-264B-9B8B-79562DBDBCC6}"/>
+              </a:ext>
+            </a:extLst>
+          </p:cNvPr>
+          <p:cNvSpPr>
+            <a:spLocks noGrp="1"/>
+          </p:cNvSpPr>
+          <p:nvPr>
+            <p:ph type="sldNum" sz="quarter" idx="12"/>
+          </p:nvPr>
+        </p:nvSpPr>
+        <p:spPr/>
+        <p:txBody>
+          <a:bodyPr/>
+          <a:lstStyle/>
+          <a:p>
+            <a:fld id="{666274A1-CF9C-426A-8DD4-B13ED0C24231}" type="slidenum">
+              <a:rPr lang="en-US" smtClean="0"/>
+              <a:t>16</a:t>
+            </a:fld>
+            <a:endParaRPr lang="en-US"/>
+          </a:p>
+        </p:txBody>
+      </p:sp>
+      <mc:AlternateContent xmlns:mc="http://schemas.openxmlformats.org/markup-compatibility/2006">
+        <mc:Choice xmlns:a14="http://schemas.microsoft.com/office/drawing/2010/main" Requires="a14">
+          <p:sp>
+            <p:nvSpPr>
+              <p:cNvPr id="7" name="內容版面配置區 6">
+                <a:extLst>
+                  <a:ext uri="{FF2B5EF4-FFF2-40B4-BE49-F238E27FC236}">
+                    <a16:creationId xmlns:a16="http://schemas.microsoft.com/office/drawing/2014/main" id="{1EE38041-72D1-E9F6-102E-67680CA0847C}"/>
+                  </a:ext>
+                </a:extLst>
+              </p:cNvPr>
+              <p:cNvSpPr>
+                <a:spLocks noGrp="1"/>
+              </p:cNvSpPr>
+              <p:nvPr>
+                <p:ph idx="1"/>
+              </p:nvPr>
+            </p:nvSpPr>
+            <p:spPr>
+              <a:xfrm>
+                <a:off x="838200" y="1396178"/>
+                <a:ext cx="10515600" cy="4780785"/>
+              </a:xfrm>
+            </p:spPr>
+            <p:txBody>
+              <a:bodyPr anchor="t">
+                <a:normAutofit/>
+              </a:bodyPr>
+              <a:lstStyle/>
+              <a:p>
+                <a:pPr>
+                  <a:lnSpc>
+                    <a:spcPct val="150000"/>
+                  </a:lnSpc>
+                </a:pPr>
+                <a:r>
+                  <a:rPr lang="en-US" altLang="zh-TW" sz="1800" dirty="0">
+                    <a:latin typeface="Times" panose="02020603050405020304" pitchFamily="18" charset="0"/>
+                    <a:ea typeface="標楷體" panose="03000509000000000000" pitchFamily="65" charset="-120"/>
+                    <a:cs typeface="Times" panose="02020603050405020304" pitchFamily="18" charset="0"/>
+                  </a:rPr>
+                  <a:t>To get </a:t>
+                </a:r>
+                <a14:m>
+                  <m:oMath xmlns:m="http://schemas.openxmlformats.org/officeDocument/2006/math">
+                    <m:sSubSup>
+                      <m:sSubSupPr>
+                        <m:ctrlPr>
+                          <a:rPr lang="en-US" altLang="zh-TW" sz="1800" i="1" smtClean="0">
+                            <a:latin typeface="Cambria Math" panose="02040503050406030204" pitchFamily="18" charset="0"/>
+                            <a:cs typeface="Times" panose="02020603050405020304" pitchFamily="18" charset="0"/>
+                          </a:rPr>
+                        </m:ctrlPr>
+                      </m:sSubSupPr>
+                      <m:e>
+                        <m:r>
+                          <a:rPr lang="zh-TW" altLang="en-US" sz="1800" i="1">
+                            <a:latin typeface="Cambria Math" panose="02040503050406030204" pitchFamily="18" charset="0"/>
+                            <a:cs typeface="Times" panose="02020603050405020304" pitchFamily="18" charset="0"/>
+                          </a:rPr>
+                          <m:t>𝛼</m:t>
+                        </m:r>
+                      </m:e>
+                      <m:sub>
+                        <m:r>
+                          <a:rPr lang="en-US" altLang="zh-TW" sz="1800" i="1">
+                            <a:latin typeface="Cambria Math" panose="02040503050406030204" pitchFamily="18" charset="0"/>
+                            <a:cs typeface="Times" panose="02020603050405020304" pitchFamily="18" charset="0"/>
+                          </a:rPr>
+                          <m:t>𝑏𝑏</m:t>
+                        </m:r>
+                      </m:sub>
+                      <m:sup>
+                        <m:d>
+                          <m:dPr>
+                            <m:ctrlPr>
+                              <a:rPr lang="en-US" altLang="zh-TW" sz="1800" i="1">
+                                <a:latin typeface="Cambria Math" panose="02040503050406030204" pitchFamily="18" charset="0"/>
+                                <a:cs typeface="Times" panose="02020603050405020304" pitchFamily="18" charset="0"/>
+                              </a:rPr>
+                            </m:ctrlPr>
+                          </m:dPr>
+                          <m:e>
+                            <m:r>
+                              <a:rPr lang="en-US" altLang="zh-TW" sz="1800" i="1">
+                                <a:latin typeface="Cambria Math" panose="02040503050406030204" pitchFamily="18" charset="0"/>
+                                <a:cs typeface="Times" panose="02020603050405020304" pitchFamily="18" charset="0"/>
+                              </a:rPr>
+                              <m:t>𝑘</m:t>
+                            </m:r>
+                          </m:e>
+                        </m:d>
+                      </m:sup>
+                    </m:sSubSup>
+                  </m:oMath>
+                </a14:m>
+                <a:r>
+                  <a:rPr lang="zh-TW" altLang="en-US" sz="1800" dirty="0">
+                    <a:latin typeface="Times" panose="02020603050405020304" pitchFamily="18" charset="0"/>
+                    <a:ea typeface="標楷體" panose="03000509000000000000" pitchFamily="65" charset="-120"/>
+                    <a:cs typeface="Times" panose="02020603050405020304" pitchFamily="18" charset="0"/>
+                  </a:rPr>
+                  <a:t>，</a:t>
+                </a:r>
+                <a:r>
+                  <a:rPr lang="en-US" altLang="zh-TW" sz="1800" dirty="0">
+                    <a:latin typeface="Times" panose="02020603050405020304" pitchFamily="18" charset="0"/>
+                    <a:ea typeface="標楷體" panose="03000509000000000000" pitchFamily="65" charset="-120"/>
+                    <a:cs typeface="Times" panose="02020603050405020304" pitchFamily="18" charset="0"/>
+                  </a:rPr>
+                  <a:t>we have to solve</a:t>
+                </a:r>
+                <a:r>
+                  <a:rPr lang="zh-TW" altLang="en-US" sz="1800" dirty="0">
+                    <a:latin typeface="Times" panose="02020603050405020304" pitchFamily="18" charset="0"/>
+                    <a:ea typeface="標楷體" panose="03000509000000000000" pitchFamily="65" charset="-120"/>
+                    <a:cs typeface="Times" panose="02020603050405020304" pitchFamily="18" charset="0"/>
+                  </a:rPr>
+                  <a:t>  </a:t>
+                </a:r>
+                <a14:m>
+                  <m:oMath xmlns:m="http://schemas.openxmlformats.org/officeDocument/2006/math">
+                    <m:d>
+                      <m:dPr>
+                        <m:begChr m:val="{"/>
+                        <m:endChr m:val=""/>
+                        <m:ctrlPr>
+                          <a:rPr lang="en-US" altLang="zh-TW" sz="1800" i="1" smtClean="0">
+                            <a:latin typeface="Cambria Math" panose="02040503050406030204" pitchFamily="18" charset="0"/>
+                            <a:ea typeface="標楷體" panose="03000509000000000000" pitchFamily="65" charset="-120"/>
+                            <a:cs typeface="Times" panose="02020603050405020304" pitchFamily="18" charset="0"/>
+                          </a:rPr>
+                        </m:ctrlPr>
+                      </m:dPr>
+                      <m:e>
+                        <m:eqArr>
+                          <m:eqArrPr>
+                            <m:ctrlPr>
+                              <a:rPr lang="en-US" altLang="zh-TW" sz="1800" i="1" smtClean="0">
+                                <a:latin typeface="Cambria Math" panose="02040503050406030204" pitchFamily="18" charset="0"/>
+                                <a:ea typeface="標楷體" panose="03000509000000000000" pitchFamily="65" charset="-120"/>
+                                <a:cs typeface="Times" panose="02020603050405020304" pitchFamily="18" charset="0"/>
+                              </a:rPr>
+                            </m:ctrlPr>
+                          </m:eqArrPr>
+                          <m:e>
+                            <m:func>
+                              <m:funcPr>
+                                <m:ctrlPr>
+                                  <a:rPr lang="en-US" altLang="zh-TW" sz="1800" i="1">
+                                    <a:latin typeface="Cambria Math" panose="02040503050406030204" pitchFamily="18" charset="0"/>
+                                    <a:ea typeface="標楷體" panose="03000509000000000000" pitchFamily="65" charset="-120"/>
+                                    <a:cs typeface="Times" panose="02020603050405020304" pitchFamily="18" charset="0"/>
+                                  </a:rPr>
+                                </m:ctrlPr>
+                              </m:funcPr>
+                              <m:fName>
+                                <m:r>
+                                  <a:rPr lang="en-US" altLang="zh-TW" sz="1800" b="0" i="0" smtClean="0">
+                                    <a:latin typeface="Cambria Math" panose="02040503050406030204" pitchFamily="18" charset="0"/>
+                                    <a:ea typeface="標楷體" panose="03000509000000000000" pitchFamily="65" charset="-120"/>
+                                    <a:cs typeface="Times" panose="02020603050405020304" pitchFamily="18" charset="0"/>
+                                  </a:rPr>
+                                  <m:t>     </m:t>
+                                </m:r>
+                                <m:r>
+                                  <m:rPr>
+                                    <m:sty m:val="p"/>
+                                  </m:rPr>
+                                  <a:rPr lang="en-US" altLang="zh-TW" sz="1800">
+                                    <a:latin typeface="Cambria Math" panose="02040503050406030204" pitchFamily="18" charset="0"/>
+                                    <a:ea typeface="標楷體" panose="03000509000000000000" pitchFamily="65" charset="-120"/>
+                                    <a:cs typeface="Times" panose="02020603050405020304" pitchFamily="18" charset="0"/>
+                                  </a:rPr>
+                                  <m:t>min</m:t>
+                                </m:r>
+                              </m:fName>
+                              <m:e>
+                                <m:d>
+                                  <m:dPr>
+                                    <m:begChr m:val="|"/>
+                                    <m:endChr m:val="|"/>
+                                    <m:ctrlPr>
+                                      <a:rPr lang="en-US" altLang="zh-TW" sz="1800" i="1">
+                                        <a:latin typeface="Cambria Math" panose="02040503050406030204" pitchFamily="18" charset="0"/>
+                                        <a:ea typeface="標楷體" panose="03000509000000000000" pitchFamily="65" charset="-120"/>
+                                        <a:cs typeface="Times" panose="02020603050405020304" pitchFamily="18" charset="0"/>
+                                      </a:rPr>
+                                    </m:ctrlPr>
+                                  </m:dPr>
+                                  <m:e>
+                                    <m:d>
+                                      <m:dPr>
+                                        <m:begChr m:val="|"/>
+                                        <m:endChr m:val="|"/>
+                                        <m:ctrlPr>
+                                          <a:rPr lang="en-US" altLang="zh-TW" sz="1800" i="1">
+                                            <a:latin typeface="Cambria Math" panose="02040503050406030204" pitchFamily="18" charset="0"/>
+                                            <a:ea typeface="標楷體" panose="03000509000000000000" pitchFamily="65" charset="-120"/>
+                                            <a:cs typeface="Times" panose="02020603050405020304" pitchFamily="18" charset="0"/>
+                                          </a:rPr>
+                                        </m:ctrlPr>
+                                      </m:dPr>
+                                      <m:e>
+                                        <m:sSup>
+                                          <m:sSupPr>
+                                            <m:ctrlPr>
+                                              <a:rPr lang="en-US" altLang="zh-TW" sz="1800" i="1">
+                                                <a:latin typeface="Cambria Math" panose="02040503050406030204" pitchFamily="18" charset="0"/>
+                                                <a:cs typeface="Times" panose="02020603050405020304" pitchFamily="18" charset="0"/>
+                                              </a:rPr>
+                                            </m:ctrlPr>
+                                          </m:sSupPr>
+                                          <m:e>
+                                            <m:r>
+                                              <a:rPr lang="en-US" altLang="zh-TW" sz="1800" i="1">
+                                                <a:latin typeface="Cambria Math" panose="02040503050406030204" pitchFamily="18" charset="0"/>
+                                                <a:cs typeface="Times" panose="02020603050405020304" pitchFamily="18" charset="0"/>
+                                              </a:rPr>
+                                              <m:t>𝑠</m:t>
+                                            </m:r>
+                                          </m:e>
+                                          <m:sup>
+                                            <m:d>
+                                              <m:dPr>
+                                                <m:ctrlPr>
+                                                  <a:rPr lang="en-US" altLang="zh-TW" sz="1800" i="1">
+                                                    <a:latin typeface="Cambria Math" panose="02040503050406030204" pitchFamily="18" charset="0"/>
+                                                    <a:cs typeface="Times" panose="02020603050405020304" pitchFamily="18" charset="0"/>
+                                                  </a:rPr>
+                                                </m:ctrlPr>
+                                              </m:dPr>
+                                              <m:e>
+                                                <m:r>
+                                                  <a:rPr lang="en-US" altLang="zh-TW" sz="1800" i="1">
+                                                    <a:latin typeface="Cambria Math" panose="02040503050406030204" pitchFamily="18" charset="0"/>
+                                                    <a:cs typeface="Times" panose="02020603050405020304" pitchFamily="18" charset="0"/>
+                                                  </a:rPr>
+                                                  <m:t>𝑘</m:t>
+                                                </m:r>
+                                                <m:r>
+                                                  <a:rPr lang="en-US" altLang="zh-TW" sz="1800" i="1">
+                                                    <a:latin typeface="Cambria Math" panose="02040503050406030204" pitchFamily="18" charset="0"/>
+                                                    <a:cs typeface="Times" panose="02020603050405020304" pitchFamily="18" charset="0"/>
+                                                  </a:rPr>
+                                                  <m:t>−1</m:t>
+                                                </m:r>
+                                              </m:e>
+                                            </m:d>
+                                          </m:sup>
+                                        </m:sSup>
+                                        <m:r>
+                                          <a:rPr lang="zh-TW" altLang="en-US" sz="1800" i="1">
+                                            <a:latin typeface="Cambria Math" panose="02040503050406030204" pitchFamily="18" charset="0"/>
+                                            <a:cs typeface="Times" panose="02020603050405020304" pitchFamily="18" charset="0"/>
+                                          </a:rPr>
+                                          <m:t> </m:t>
+                                        </m:r>
+                                        <m:r>
+                                          <a:rPr lang="en-US" altLang="zh-TW" sz="1800" i="1">
+                                            <a:latin typeface="Cambria Math" panose="02040503050406030204" pitchFamily="18" charset="0"/>
+                                            <a:cs typeface="Times" panose="02020603050405020304" pitchFamily="18" charset="0"/>
+                                          </a:rPr>
+                                          <m:t>−</m:t>
+                                        </m:r>
+                                        <m:r>
+                                          <a:rPr lang="zh-TW" altLang="en-US" sz="1800" i="1">
+                                            <a:latin typeface="Cambria Math" panose="02040503050406030204" pitchFamily="18" charset="0"/>
+                                            <a:cs typeface="Times" panose="02020603050405020304" pitchFamily="18" charset="0"/>
+                                          </a:rPr>
+                                          <m:t> </m:t>
+                                        </m:r>
+                                        <m:sSubSup>
+                                          <m:sSubSupPr>
+                                            <m:ctrlPr>
+                                              <a:rPr lang="en-US" altLang="zh-TW" sz="1800" i="1">
+                                                <a:latin typeface="Cambria Math" panose="02040503050406030204" pitchFamily="18" charset="0"/>
+                                                <a:cs typeface="Times" panose="02020603050405020304" pitchFamily="18" charset="0"/>
+                                              </a:rPr>
+                                            </m:ctrlPr>
+                                          </m:sSubSupPr>
+                                          <m:e>
+                                            <m:r>
+                                              <a:rPr lang="zh-TW" altLang="en-US" sz="1800" i="1">
+                                                <a:latin typeface="Cambria Math" panose="02040503050406030204" pitchFamily="18" charset="0"/>
+                                                <a:cs typeface="Times" panose="02020603050405020304" pitchFamily="18" charset="0"/>
+                                              </a:rPr>
+                                              <m:t>𝛼</m:t>
+                                            </m:r>
+                                          </m:e>
+                                          <m:sub>
+                                            <m:r>
+                                              <a:rPr lang="en-US" altLang="zh-TW" sz="1800" i="1">
+                                                <a:latin typeface="Cambria Math" panose="02040503050406030204" pitchFamily="18" charset="0"/>
+                                                <a:cs typeface="Times" panose="02020603050405020304" pitchFamily="18" charset="0"/>
+                                              </a:rPr>
+                                              <m:t>𝑏𝑏</m:t>
+                                            </m:r>
+                                          </m:sub>
+                                          <m:sup>
+                                            <m:d>
+                                              <m:dPr>
+                                                <m:ctrlPr>
+                                                  <a:rPr lang="en-US" altLang="zh-TW" sz="1800" i="1">
+                                                    <a:latin typeface="Cambria Math" panose="02040503050406030204" pitchFamily="18" charset="0"/>
+                                                    <a:cs typeface="Times" panose="02020603050405020304" pitchFamily="18" charset="0"/>
+                                                  </a:rPr>
+                                                </m:ctrlPr>
+                                              </m:dPr>
+                                              <m:e>
+                                                <m:r>
+                                                  <a:rPr lang="en-US" altLang="zh-TW" sz="1800" i="1">
+                                                    <a:latin typeface="Cambria Math" panose="02040503050406030204" pitchFamily="18" charset="0"/>
+                                                    <a:cs typeface="Times" panose="02020603050405020304" pitchFamily="18" charset="0"/>
+                                                  </a:rPr>
+                                                  <m:t>𝑘</m:t>
+                                                </m:r>
+                                              </m:e>
+                                            </m:d>
+                                          </m:sup>
+                                        </m:sSubSup>
+                                        <m:r>
+                                          <a:rPr lang="en-US" altLang="zh-TW" sz="1800" i="1">
+                                            <a:latin typeface="Cambria Math" panose="02040503050406030204" pitchFamily="18" charset="0"/>
+                                            <a:cs typeface="Times" panose="02020603050405020304" pitchFamily="18" charset="0"/>
+                                          </a:rPr>
+                                          <m:t>𝐼</m:t>
+                                        </m:r>
+                                        <m:r>
+                                          <a:rPr lang="en-US" altLang="zh-TW" sz="1800" i="1">
+                                            <a:latin typeface="Cambria Math" panose="02040503050406030204" pitchFamily="18" charset="0"/>
+                                            <a:ea typeface="Cambria Math" panose="02040503050406030204" pitchFamily="18" charset="0"/>
+                                            <a:cs typeface="Times" panose="02020603050405020304" pitchFamily="18" charset="0"/>
+                                          </a:rPr>
+                                          <m:t>∙</m:t>
+                                        </m:r>
+                                        <m:r>
+                                          <m:rPr>
+                                            <m:nor/>
+                                          </m:rPr>
+                                          <a:rPr lang="en-US" altLang="zh-TW" sz="1800" dirty="0">
+                                            <a:cs typeface="Times" panose="02020603050405020304" pitchFamily="18" charset="0"/>
+                                          </a:rPr>
+                                          <m:t> </m:t>
+                                        </m:r>
+                                        <m:sSup>
+                                          <m:sSupPr>
+                                            <m:ctrlPr>
+                                              <a:rPr lang="en-US" altLang="zh-TW" sz="1800" i="1">
+                                                <a:latin typeface="Cambria Math" panose="02040503050406030204" pitchFamily="18" charset="0"/>
+                                                <a:cs typeface="Times" panose="02020603050405020304" pitchFamily="18" charset="0"/>
+                                              </a:rPr>
+                                            </m:ctrlPr>
+                                          </m:sSupPr>
+                                          <m:e>
+                                            <m:r>
+                                              <a:rPr lang="en-US" altLang="zh-TW" sz="1800" i="1">
+                                                <a:latin typeface="Cambria Math" panose="02040503050406030204" pitchFamily="18" charset="0"/>
+                                                <a:cs typeface="Times" panose="02020603050405020304" pitchFamily="18" charset="0"/>
+                                              </a:rPr>
+                                              <m:t>𝑦</m:t>
+                                            </m:r>
+                                          </m:e>
+                                          <m:sup>
+                                            <m:d>
+                                              <m:dPr>
+                                                <m:ctrlPr>
+                                                  <a:rPr lang="en-US" altLang="zh-TW" sz="1800" i="1">
+                                                    <a:latin typeface="Cambria Math" panose="02040503050406030204" pitchFamily="18" charset="0"/>
+                                                    <a:cs typeface="Times" panose="02020603050405020304" pitchFamily="18" charset="0"/>
+                                                  </a:rPr>
+                                                </m:ctrlPr>
+                                              </m:dPr>
+                                              <m:e>
+                                                <m:r>
+                                                  <a:rPr lang="en-US" altLang="zh-TW" sz="1800" i="1">
+                                                    <a:latin typeface="Cambria Math" panose="02040503050406030204" pitchFamily="18" charset="0"/>
+                                                    <a:cs typeface="Times" panose="02020603050405020304" pitchFamily="18" charset="0"/>
+                                                  </a:rPr>
+                                                  <m:t>𝑘</m:t>
+                                                </m:r>
+                                                <m:r>
+                                                  <a:rPr lang="en-US" altLang="zh-TW" sz="1800" i="1">
+                                                    <a:latin typeface="Cambria Math" panose="02040503050406030204" pitchFamily="18" charset="0"/>
+                                                    <a:cs typeface="Times" panose="02020603050405020304" pitchFamily="18" charset="0"/>
+                                                  </a:rPr>
+                                                  <m:t>−1</m:t>
+                                                </m:r>
+                                              </m:e>
+                                            </m:d>
+                                          </m:sup>
+                                        </m:sSup>
+                                      </m:e>
+                                    </m:d>
+                                  </m:e>
+                                </m:d>
+                                <m:r>
+                                  <a:rPr lang="en-US" altLang="zh-TW" sz="1800" b="0" i="1" smtClean="0">
+                                    <a:latin typeface="Cambria Math" panose="02040503050406030204" pitchFamily="18" charset="0"/>
+                                    <a:cs typeface="Times" panose="02020603050405020304" pitchFamily="18" charset="0"/>
+                                  </a:rPr>
+                                  <m:t>          </m:t>
+                                </m:r>
+                                <m:r>
+                                  <a:rPr lang="en-US" altLang="zh-TW" sz="1800" i="1">
+                                    <a:latin typeface="Cambria Math" panose="02040503050406030204" pitchFamily="18" charset="0"/>
+                                    <a:ea typeface="Cambria Math" panose="02040503050406030204" pitchFamily="18" charset="0"/>
+                                    <a:cs typeface="Times" panose="02020603050405020304" pitchFamily="18" charset="0"/>
+                                  </a:rPr>
+                                  <m:t>∙</m:t>
+                                </m:r>
+                                <m:r>
+                                  <m:rPr>
+                                    <m:nor/>
+                                  </m:rPr>
+                                  <a:rPr lang="en-US" altLang="zh-TW" sz="1800" dirty="0">
+                                    <a:ea typeface="Cambria Math" panose="02040503050406030204" pitchFamily="18" charset="0"/>
+                                    <a:cs typeface="Times" panose="02020603050405020304" pitchFamily="18" charset="0"/>
+                                  </a:rPr>
+                                  <m:t> </m:t>
+                                </m:r>
+                                <m:r>
+                                  <a:rPr lang="en-US" altLang="zh-TW" sz="1800" i="1">
+                                    <a:latin typeface="Cambria Math" panose="02040503050406030204" pitchFamily="18" charset="0"/>
+                                    <a:ea typeface="Cambria Math" panose="02040503050406030204" pitchFamily="18" charset="0"/>
+                                    <a:cs typeface="Times" panose="02020603050405020304" pitchFamily="18" charset="0"/>
+                                  </a:rPr>
+                                  <m:t>∙</m:t>
+                                </m:r>
+                                <m:r>
+                                  <m:rPr>
+                                    <m:nor/>
+                                  </m:rPr>
+                                  <a:rPr lang="en-US" altLang="zh-TW" sz="1800" dirty="0">
+                                    <a:ea typeface="Cambria Math" panose="02040503050406030204" pitchFamily="18" charset="0"/>
+                                    <a:cs typeface="Times" panose="02020603050405020304" pitchFamily="18" charset="0"/>
+                                  </a:rPr>
+                                  <m:t> </m:t>
+                                </m:r>
+                                <m:r>
+                                  <a:rPr lang="en-US" altLang="zh-TW" sz="1800">
+                                    <a:latin typeface="Cambria Math" panose="02040503050406030204" pitchFamily="18" charset="0"/>
+                                    <a:ea typeface="Cambria Math" panose="02040503050406030204" pitchFamily="18" charset="0"/>
+                                    <a:cs typeface="Times" panose="02020603050405020304" pitchFamily="18" charset="0"/>
+                                  </a:rPr>
+                                  <m:t>∙</m:t>
+                                </m:r>
+                                <m:r>
+                                  <m:rPr>
+                                    <m:nor/>
+                                  </m:rPr>
+                                  <a:rPr lang="en-US" altLang="zh-TW" sz="1800" dirty="0">
+                                    <a:latin typeface="Cambria Math" panose="02040503050406030204" pitchFamily="18" charset="0"/>
+                                    <a:ea typeface="Cambria Math" panose="02040503050406030204" pitchFamily="18" charset="0"/>
+                                    <a:cs typeface="Times" panose="02020603050405020304" pitchFamily="18" charset="0"/>
+                                  </a:rPr>
+                                  <m:t>   </m:t>
+                                </m:r>
+                                <m:r>
+                                  <m:rPr>
+                                    <m:nor/>
+                                  </m:rPr>
+                                  <a:rPr lang="en-US" altLang="zh-TW" sz="1600" dirty="0">
+                                    <a:latin typeface="Cambria Math" panose="02040503050406030204" pitchFamily="18" charset="0"/>
+                                    <a:ea typeface="Cambria Math" panose="02040503050406030204" pitchFamily="18" charset="0"/>
+                                    <a:cs typeface="Times" panose="02020603050405020304" pitchFamily="18" charset="0"/>
+                                  </a:rPr>
+                                  <m:t>(1)</m:t>
+                                </m:r>
+                                <m:r>
+                                  <m:rPr>
+                                    <m:nor/>
+                                  </m:rPr>
+                                  <a:rPr lang="en-US" altLang="zh-TW" sz="1600" b="0" i="0" dirty="0" smtClean="0">
+                                    <a:latin typeface="Cambria Math" panose="02040503050406030204" pitchFamily="18" charset="0"/>
+                                    <a:ea typeface="Cambria Math" panose="02040503050406030204" pitchFamily="18" charset="0"/>
+                                    <a:cs typeface="Times" panose="02020603050405020304" pitchFamily="18" charset="0"/>
+                                  </a:rPr>
+                                  <m:t>  </m:t>
+                                </m:r>
+                                <m:r>
+                                  <m:rPr>
+                                    <m:nor/>
+                                  </m:rPr>
+                                  <a:rPr lang="en-US" altLang="zh-TW" sz="1800" dirty="0">
+                                    <a:latin typeface="Cambria Math" panose="02040503050406030204" pitchFamily="18" charset="0"/>
+                                    <a:ea typeface="Cambria Math" panose="02040503050406030204" pitchFamily="18" charset="0"/>
+                                    <a:cs typeface="Times" panose="02020603050405020304" pitchFamily="18" charset="0"/>
+                                  </a:rPr>
+                                  <m:t> </m:t>
+                                </m:r>
+                              </m:e>
+                            </m:func>
+                          </m:e>
+                          <m:e>
+                            <m:func>
+                              <m:funcPr>
+                                <m:ctrlPr>
+                                  <a:rPr lang="en-US" altLang="zh-TW" sz="1800" i="1">
+                                    <a:latin typeface="Cambria Math" panose="02040503050406030204" pitchFamily="18" charset="0"/>
+                                    <a:ea typeface="標楷體" panose="03000509000000000000" pitchFamily="65" charset="-120"/>
+                                    <a:cs typeface="Times" panose="02020603050405020304" pitchFamily="18" charset="0"/>
+                                  </a:rPr>
+                                </m:ctrlPr>
+                              </m:funcPr>
+                              <m:fName>
+                                <m:r>
+                                  <a:rPr lang="en-US" altLang="zh-TW" sz="1800" b="0" i="0" smtClean="0">
+                                    <a:latin typeface="Cambria Math" panose="02040503050406030204" pitchFamily="18" charset="0"/>
+                                    <a:ea typeface="標楷體" panose="03000509000000000000" pitchFamily="65" charset="-120"/>
+                                    <a:cs typeface="Times" panose="02020603050405020304" pitchFamily="18" charset="0"/>
+                                  </a:rPr>
+                                  <m:t>  </m:t>
+                                </m:r>
+                                <m:r>
+                                  <m:rPr>
+                                    <m:sty m:val="p"/>
+                                  </m:rPr>
+                                  <a:rPr lang="en-US" altLang="zh-TW" sz="1800">
+                                    <a:latin typeface="Cambria Math" panose="02040503050406030204" pitchFamily="18" charset="0"/>
+                                    <a:ea typeface="標楷體" panose="03000509000000000000" pitchFamily="65" charset="-120"/>
+                                    <a:cs typeface="Times" panose="02020603050405020304" pitchFamily="18" charset="0"/>
+                                  </a:rPr>
+                                  <m:t>min</m:t>
+                                </m:r>
+                              </m:fName>
+                              <m:e>
+                                <m:d>
+                                  <m:dPr>
+                                    <m:begChr m:val="|"/>
+                                    <m:endChr m:val="|"/>
+                                    <m:ctrlPr>
+                                      <a:rPr lang="en-US" altLang="zh-TW" sz="1800" i="1">
+                                        <a:latin typeface="Cambria Math" panose="02040503050406030204" pitchFamily="18" charset="0"/>
+                                        <a:ea typeface="標楷體" panose="03000509000000000000" pitchFamily="65" charset="-120"/>
+                                        <a:cs typeface="Times" panose="02020603050405020304" pitchFamily="18" charset="0"/>
+                                      </a:rPr>
+                                    </m:ctrlPr>
+                                  </m:dPr>
+                                  <m:e>
+                                    <m:d>
+                                      <m:dPr>
+                                        <m:begChr m:val="|"/>
+                                        <m:endChr m:val="|"/>
+                                        <m:ctrlPr>
+                                          <a:rPr lang="en-US" altLang="zh-TW" sz="1800" i="1">
+                                            <a:latin typeface="Cambria Math" panose="02040503050406030204" pitchFamily="18" charset="0"/>
+                                            <a:ea typeface="標楷體" panose="03000509000000000000" pitchFamily="65" charset="-120"/>
+                                            <a:cs typeface="Times" panose="02020603050405020304" pitchFamily="18" charset="0"/>
+                                          </a:rPr>
+                                        </m:ctrlPr>
+                                      </m:dPr>
+                                      <m:e>
+                                        <m:sSubSup>
+                                          <m:sSubSupPr>
+                                            <m:ctrlPr>
+                                              <a:rPr lang="en-US" altLang="zh-TW" sz="1800" i="1">
+                                                <a:latin typeface="Cambria Math" panose="02040503050406030204" pitchFamily="18" charset="0"/>
+                                                <a:cs typeface="Times" panose="02020603050405020304" pitchFamily="18" charset="0"/>
+                                              </a:rPr>
+                                            </m:ctrlPr>
+                                          </m:sSubSupPr>
+                                          <m:e>
+                                            <m:r>
+                                              <a:rPr lang="en-US" altLang="zh-TW" sz="1800" i="1">
+                                                <a:latin typeface="Cambria Math" panose="02040503050406030204" pitchFamily="18" charset="0"/>
+                                                <a:cs typeface="Times" panose="02020603050405020304" pitchFamily="18" charset="0"/>
+                                              </a:rPr>
+                                              <m:t>(</m:t>
+                                            </m:r>
+                                            <m:r>
+                                              <a:rPr lang="zh-TW" altLang="en-US" sz="1800" i="1">
+                                                <a:latin typeface="Cambria Math" panose="02040503050406030204" pitchFamily="18" charset="0"/>
+                                                <a:cs typeface="Times" panose="02020603050405020304" pitchFamily="18" charset="0"/>
+                                              </a:rPr>
+                                              <m:t>𝛼</m:t>
+                                            </m:r>
+                                          </m:e>
+                                          <m:sub>
+                                            <m:r>
+                                              <a:rPr lang="en-US" altLang="zh-TW" sz="1800" i="1">
+                                                <a:latin typeface="Cambria Math" panose="02040503050406030204" pitchFamily="18" charset="0"/>
+                                                <a:cs typeface="Times" panose="02020603050405020304" pitchFamily="18" charset="0"/>
+                                              </a:rPr>
+                                              <m:t>𝑏𝑏</m:t>
+                                            </m:r>
+                                          </m:sub>
+                                          <m:sup>
+                                            <m:d>
+                                              <m:dPr>
+                                                <m:ctrlPr>
+                                                  <a:rPr lang="en-US" altLang="zh-TW" sz="1800" i="1">
+                                                    <a:latin typeface="Cambria Math" panose="02040503050406030204" pitchFamily="18" charset="0"/>
+                                                    <a:cs typeface="Times" panose="02020603050405020304" pitchFamily="18" charset="0"/>
+                                                  </a:rPr>
+                                                </m:ctrlPr>
+                                              </m:dPr>
+                                              <m:e>
+                                                <m:r>
+                                                  <a:rPr lang="en-US" altLang="zh-TW" sz="1800" i="1">
+                                                    <a:latin typeface="Cambria Math" panose="02040503050406030204" pitchFamily="18" charset="0"/>
+                                                    <a:cs typeface="Times" panose="02020603050405020304" pitchFamily="18" charset="0"/>
+                                                  </a:rPr>
+                                                  <m:t>𝑘</m:t>
+                                                </m:r>
+                                              </m:e>
+                                            </m:d>
+                                          </m:sup>
+                                        </m:sSubSup>
+                                        <m:sSup>
+                                          <m:sSupPr>
+                                            <m:ctrlPr>
+                                              <a:rPr lang="en-US" altLang="zh-TW" sz="1800" i="1">
+                                                <a:latin typeface="Cambria Math" panose="02040503050406030204" pitchFamily="18" charset="0"/>
+                                                <a:cs typeface="Times" panose="02020603050405020304" pitchFamily="18" charset="0"/>
+                                              </a:rPr>
+                                            </m:ctrlPr>
+                                          </m:sSupPr>
+                                          <m:e>
+                                            <m:r>
+                                              <a:rPr lang="en-US" altLang="zh-TW" sz="1800" i="1">
+                                                <a:latin typeface="Cambria Math" panose="02040503050406030204" pitchFamily="18" charset="0"/>
+                                                <a:cs typeface="Times" panose="02020603050405020304" pitchFamily="18" charset="0"/>
+                                              </a:rPr>
+                                              <m:t>)</m:t>
+                                            </m:r>
+                                          </m:e>
+                                          <m:sup>
+                                            <m:r>
+                                              <a:rPr lang="en-US" altLang="zh-TW" sz="1800" i="1">
+                                                <a:latin typeface="Cambria Math" panose="02040503050406030204" pitchFamily="18" charset="0"/>
+                                                <a:cs typeface="Times" panose="02020603050405020304" pitchFamily="18" charset="0"/>
+                                              </a:rPr>
+                                              <m:t>−1</m:t>
+                                            </m:r>
+                                          </m:sup>
+                                        </m:sSup>
+                                        <m:r>
+                                          <a:rPr lang="en-US" altLang="zh-TW" sz="1800" i="1">
+                                            <a:latin typeface="Cambria Math" panose="02040503050406030204" pitchFamily="18" charset="0"/>
+                                            <a:cs typeface="Times" panose="02020603050405020304" pitchFamily="18" charset="0"/>
+                                          </a:rPr>
+                                          <m:t>𝐼</m:t>
+                                        </m:r>
+                                        <m:r>
+                                          <a:rPr lang="en-US" altLang="zh-TW" sz="1800" i="1">
+                                            <a:latin typeface="Cambria Math" panose="02040503050406030204" pitchFamily="18" charset="0"/>
+                                            <a:ea typeface="Cambria Math" panose="02040503050406030204" pitchFamily="18" charset="0"/>
+                                            <a:cs typeface="Times" panose="02020603050405020304" pitchFamily="18" charset="0"/>
+                                          </a:rPr>
+                                          <m:t>∙</m:t>
+                                        </m:r>
+                                        <m:sSup>
+                                          <m:sSupPr>
+                                            <m:ctrlPr>
+                                              <a:rPr lang="en-US" altLang="zh-TW" sz="1800" i="1">
+                                                <a:latin typeface="Cambria Math" panose="02040503050406030204" pitchFamily="18" charset="0"/>
+                                                <a:cs typeface="Times" panose="02020603050405020304" pitchFamily="18" charset="0"/>
+                                              </a:rPr>
+                                            </m:ctrlPr>
+                                          </m:sSupPr>
+                                          <m:e>
+                                            <m:r>
+                                              <a:rPr lang="en-US" altLang="zh-TW" sz="1800" i="1">
+                                                <a:latin typeface="Cambria Math" panose="02040503050406030204" pitchFamily="18" charset="0"/>
+                                                <a:cs typeface="Times" panose="02020603050405020304" pitchFamily="18" charset="0"/>
+                                              </a:rPr>
+                                              <m:t>𝑠</m:t>
+                                            </m:r>
+                                          </m:e>
+                                          <m:sup>
+                                            <m:d>
+                                              <m:dPr>
+                                                <m:ctrlPr>
+                                                  <a:rPr lang="en-US" altLang="zh-TW" sz="1800" i="1">
+                                                    <a:latin typeface="Cambria Math" panose="02040503050406030204" pitchFamily="18" charset="0"/>
+                                                    <a:cs typeface="Times" panose="02020603050405020304" pitchFamily="18" charset="0"/>
+                                                  </a:rPr>
+                                                </m:ctrlPr>
+                                              </m:dPr>
+                                              <m:e>
+                                                <m:r>
+                                                  <a:rPr lang="en-US" altLang="zh-TW" sz="1800" i="1">
+                                                    <a:latin typeface="Cambria Math" panose="02040503050406030204" pitchFamily="18" charset="0"/>
+                                                    <a:cs typeface="Times" panose="02020603050405020304" pitchFamily="18" charset="0"/>
+                                                  </a:rPr>
+                                                  <m:t>𝑘</m:t>
+                                                </m:r>
+                                                <m:r>
+                                                  <a:rPr lang="en-US" altLang="zh-TW" sz="1800" i="1">
+                                                    <a:latin typeface="Cambria Math" panose="02040503050406030204" pitchFamily="18" charset="0"/>
+                                                    <a:cs typeface="Times" panose="02020603050405020304" pitchFamily="18" charset="0"/>
+                                                  </a:rPr>
+                                                  <m:t>−1</m:t>
+                                                </m:r>
+                                              </m:e>
+                                            </m:d>
+                                          </m:sup>
+                                        </m:sSup>
+                                        <m:r>
+                                          <a:rPr lang="en-US" altLang="zh-TW" sz="1800" i="1">
+                                            <a:latin typeface="Cambria Math" panose="02040503050406030204" pitchFamily="18" charset="0"/>
+                                            <a:cs typeface="Times" panose="02020603050405020304" pitchFamily="18" charset="0"/>
+                                          </a:rPr>
+                                          <m:t>−</m:t>
+                                        </m:r>
+                                        <m:sSup>
+                                          <m:sSupPr>
+                                            <m:ctrlPr>
+                                              <a:rPr lang="en-US" altLang="zh-TW" sz="1800" i="1">
+                                                <a:latin typeface="Cambria Math" panose="02040503050406030204" pitchFamily="18" charset="0"/>
+                                                <a:cs typeface="Times" panose="02020603050405020304" pitchFamily="18" charset="0"/>
+                                              </a:rPr>
+                                            </m:ctrlPr>
+                                          </m:sSupPr>
+                                          <m:e>
+                                            <m:r>
+                                              <a:rPr lang="en-US" altLang="zh-TW" sz="1800" i="1">
+                                                <a:latin typeface="Cambria Math" panose="02040503050406030204" pitchFamily="18" charset="0"/>
+                                                <a:cs typeface="Times" panose="02020603050405020304" pitchFamily="18" charset="0"/>
+                                              </a:rPr>
+                                              <m:t>𝑦</m:t>
+                                            </m:r>
+                                          </m:e>
+                                          <m:sup>
+                                            <m:d>
+                                              <m:dPr>
+                                                <m:ctrlPr>
+                                                  <a:rPr lang="en-US" altLang="zh-TW" sz="1800" i="1">
+                                                    <a:latin typeface="Cambria Math" panose="02040503050406030204" pitchFamily="18" charset="0"/>
+                                                    <a:cs typeface="Times" panose="02020603050405020304" pitchFamily="18" charset="0"/>
+                                                  </a:rPr>
+                                                </m:ctrlPr>
+                                              </m:dPr>
+                                              <m:e>
+                                                <m:r>
+                                                  <a:rPr lang="en-US" altLang="zh-TW" sz="1800" i="1">
+                                                    <a:latin typeface="Cambria Math" panose="02040503050406030204" pitchFamily="18" charset="0"/>
+                                                    <a:cs typeface="Times" panose="02020603050405020304" pitchFamily="18" charset="0"/>
+                                                  </a:rPr>
+                                                  <m:t>𝑘</m:t>
+                                                </m:r>
+                                                <m:r>
+                                                  <a:rPr lang="en-US" altLang="zh-TW" sz="1800" i="1">
+                                                    <a:latin typeface="Cambria Math" panose="02040503050406030204" pitchFamily="18" charset="0"/>
+                                                    <a:cs typeface="Times" panose="02020603050405020304" pitchFamily="18" charset="0"/>
+                                                  </a:rPr>
+                                                  <m:t>−1</m:t>
+                                                </m:r>
+                                              </m:e>
+                                            </m:d>
+                                          </m:sup>
+                                        </m:sSup>
+                                      </m:e>
+                                    </m:d>
+                                  </m:e>
+                                </m:d>
+                                <m:r>
+                                  <a:rPr lang="en-US" altLang="zh-TW" sz="1800" b="0" i="1" smtClean="0">
+                                    <a:latin typeface="Cambria Math" panose="02040503050406030204" pitchFamily="18" charset="0"/>
+                                    <a:cs typeface="Times" panose="02020603050405020304" pitchFamily="18" charset="0"/>
+                                  </a:rPr>
+                                  <m:t>    </m:t>
+                                </m:r>
+                                <m:r>
+                                  <a:rPr lang="en-US" altLang="zh-TW" sz="1800" i="1">
+                                    <a:latin typeface="Cambria Math" panose="02040503050406030204" pitchFamily="18" charset="0"/>
+                                    <a:ea typeface="Cambria Math" panose="02040503050406030204" pitchFamily="18" charset="0"/>
+                                    <a:cs typeface="Times" panose="02020603050405020304" pitchFamily="18" charset="0"/>
+                                  </a:rPr>
+                                  <m:t>∙</m:t>
+                                </m:r>
+                                <m:r>
+                                  <m:rPr>
+                                    <m:nor/>
+                                  </m:rPr>
+                                  <a:rPr lang="en-US" altLang="zh-TW" sz="1800" dirty="0">
+                                    <a:ea typeface="Cambria Math" panose="02040503050406030204" pitchFamily="18" charset="0"/>
+                                    <a:cs typeface="Times" panose="02020603050405020304" pitchFamily="18" charset="0"/>
+                                  </a:rPr>
+                                  <m:t> </m:t>
+                                </m:r>
+                                <m:r>
+                                  <a:rPr lang="en-US" altLang="zh-TW" sz="1800" i="1">
+                                    <a:latin typeface="Cambria Math" panose="02040503050406030204" pitchFamily="18" charset="0"/>
+                                    <a:ea typeface="Cambria Math" panose="02040503050406030204" pitchFamily="18" charset="0"/>
+                                    <a:cs typeface="Times" panose="02020603050405020304" pitchFamily="18" charset="0"/>
+                                  </a:rPr>
+                                  <m:t>∙</m:t>
+                                </m:r>
+                                <m:r>
+                                  <m:rPr>
+                                    <m:nor/>
+                                  </m:rPr>
+                                  <a:rPr lang="en-US" altLang="zh-TW" sz="1800" dirty="0">
+                                    <a:ea typeface="Cambria Math" panose="02040503050406030204" pitchFamily="18" charset="0"/>
+                                    <a:cs typeface="Times" panose="02020603050405020304" pitchFamily="18" charset="0"/>
+                                  </a:rPr>
+                                  <m:t> </m:t>
+                                </m:r>
+                                <m:r>
+                                  <a:rPr lang="en-US" altLang="zh-TW" sz="1800">
+                                    <a:latin typeface="Cambria Math" panose="02040503050406030204" pitchFamily="18" charset="0"/>
+                                    <a:ea typeface="Cambria Math" panose="02040503050406030204" pitchFamily="18" charset="0"/>
+                                    <a:cs typeface="Times" panose="02020603050405020304" pitchFamily="18" charset="0"/>
+                                  </a:rPr>
+                                  <m:t>∙</m:t>
+                                </m:r>
+                                <m:r>
+                                  <m:rPr>
+                                    <m:nor/>
+                                  </m:rPr>
+                                  <a:rPr lang="en-US" altLang="zh-TW" sz="1800" dirty="0">
+                                    <a:latin typeface="Cambria Math" panose="02040503050406030204" pitchFamily="18" charset="0"/>
+                                    <a:ea typeface="Cambria Math" panose="02040503050406030204" pitchFamily="18" charset="0"/>
+                                    <a:cs typeface="Times" panose="02020603050405020304" pitchFamily="18" charset="0"/>
+                                  </a:rPr>
+                                  <m:t>   </m:t>
+                                </m:r>
+                                <m:r>
+                                  <m:rPr>
+                                    <m:nor/>
+                                  </m:rPr>
+                                  <a:rPr lang="en-US" altLang="zh-TW" sz="1600" dirty="0">
+                                    <a:latin typeface="Cambria Math" panose="02040503050406030204" pitchFamily="18" charset="0"/>
+                                    <a:ea typeface="Cambria Math" panose="02040503050406030204" pitchFamily="18" charset="0"/>
+                                    <a:cs typeface="Times" panose="02020603050405020304" pitchFamily="18" charset="0"/>
+                                  </a:rPr>
+                                  <m:t>(2)</m:t>
+                                </m:r>
+                              </m:e>
+                            </m:func>
+                          </m:e>
+                        </m:eqArr>
+                      </m:e>
+                    </m:d>
+                  </m:oMath>
+                </a14:m>
+                <a:endParaRPr lang="en-US" altLang="zh-TW" sz="2200" dirty="0">
+                  <a:latin typeface="Times" panose="02020603050405020304" pitchFamily="18" charset="0"/>
+                  <a:ea typeface="標楷體" panose="03000509000000000000" pitchFamily="65" charset="-120"/>
+                  <a:cs typeface="Times" panose="02020603050405020304" pitchFamily="18" charset="0"/>
+                </a:endParaRPr>
+              </a:p>
+              <a:p>
+                <a:pPr>
+                  <a:lnSpc>
+                    <a:spcPct val="150000"/>
+                  </a:lnSpc>
+                </a:pPr>
+                <a:r>
+                  <a:rPr lang="en-US" altLang="zh-TW" sz="2200" dirty="0">
+                    <a:latin typeface="Times" panose="02020603050405020304" pitchFamily="18" charset="0"/>
+                    <a:ea typeface="標楷體" panose="03000509000000000000" pitchFamily="65" charset="-120"/>
+                    <a:cs typeface="Times" panose="02020603050405020304" pitchFamily="18" charset="0"/>
+                  </a:rPr>
+                  <a:t>                             </a:t>
+                </a:r>
+                <a:r>
+                  <a:rPr lang="en-US" altLang="zh-TW" sz="1800" dirty="0">
+                    <a:latin typeface="Times" panose="02020603050405020304" pitchFamily="18" charset="0"/>
+                    <a:ea typeface="標楷體" panose="03000509000000000000" pitchFamily="65" charset="-120"/>
+                    <a:cs typeface="Times" panose="02020603050405020304" pitchFamily="18" charset="0"/>
+                  </a:rPr>
+                  <a:t>(</a:t>
+                </a:r>
+                <a14:m>
+                  <m:oMath xmlns:m="http://schemas.openxmlformats.org/officeDocument/2006/math">
+                    <m:sSubSup>
+                      <m:sSubSupPr>
+                        <m:ctrlPr>
+                          <a:rPr lang="en-US" altLang="zh-TW" sz="1800" i="1" smtClean="0">
+                            <a:latin typeface="Cambria Math" panose="02040503050406030204" pitchFamily="18" charset="0"/>
+                            <a:ea typeface="標楷體" panose="03000509000000000000" pitchFamily="65" charset="-120"/>
+                            <a:cs typeface="Times" panose="02020603050405020304" pitchFamily="18" charset="0"/>
+                          </a:rPr>
+                        </m:ctrlPr>
+                      </m:sSubSupPr>
+                      <m:e>
+                        <m:r>
+                          <a:rPr lang="zh-TW" altLang="en-US" sz="1800" i="1" smtClean="0">
+                            <a:latin typeface="Cambria Math" panose="02040503050406030204" pitchFamily="18" charset="0"/>
+                            <a:ea typeface="標楷體" panose="03000509000000000000" pitchFamily="65" charset="-120"/>
+                            <a:cs typeface="Times" panose="02020603050405020304" pitchFamily="18" charset="0"/>
+                          </a:rPr>
+                          <m:t>𝛼</m:t>
+                        </m:r>
+                      </m:e>
+                      <m:sub>
+                        <m:r>
+                          <a:rPr lang="en-US" altLang="zh-TW" sz="1800" b="0" i="1" smtClean="0">
+                            <a:latin typeface="Cambria Math" panose="02040503050406030204" pitchFamily="18" charset="0"/>
+                            <a:ea typeface="標楷體" panose="03000509000000000000" pitchFamily="65" charset="-120"/>
+                            <a:cs typeface="Times" panose="02020603050405020304" pitchFamily="18" charset="0"/>
+                          </a:rPr>
+                          <m:t>𝑙𝑖𝑝</m:t>
+                        </m:r>
+                      </m:sub>
+                      <m:sup>
+                        <m:r>
+                          <a:rPr lang="en-US" altLang="zh-TW" sz="1800" b="0" i="1" smtClean="0">
+                            <a:latin typeface="Cambria Math" panose="02040503050406030204" pitchFamily="18" charset="0"/>
+                            <a:ea typeface="標楷體" panose="03000509000000000000" pitchFamily="65" charset="-120"/>
+                            <a:cs typeface="Times" panose="02020603050405020304" pitchFamily="18" charset="0"/>
+                          </a:rPr>
+                          <m:t>(</m:t>
+                        </m:r>
+                        <m:r>
+                          <a:rPr lang="en-US" altLang="zh-TW" sz="1800" b="0" i="1" smtClean="0">
+                            <a:latin typeface="Cambria Math" panose="02040503050406030204" pitchFamily="18" charset="0"/>
+                            <a:ea typeface="標楷體" panose="03000509000000000000" pitchFamily="65" charset="-120"/>
+                            <a:cs typeface="Times" panose="02020603050405020304" pitchFamily="18" charset="0"/>
+                          </a:rPr>
+                          <m:t>𝑘</m:t>
+                        </m:r>
+                        <m:r>
+                          <a:rPr lang="en-US" altLang="zh-TW" sz="1800" b="0" i="1" smtClean="0">
+                            <a:latin typeface="Cambria Math" panose="02040503050406030204" pitchFamily="18" charset="0"/>
+                            <a:ea typeface="標楷體" panose="03000509000000000000" pitchFamily="65" charset="-120"/>
+                            <a:cs typeface="Times" panose="02020603050405020304" pitchFamily="18" charset="0"/>
+                          </a:rPr>
+                          <m:t>)</m:t>
+                        </m:r>
+                      </m:sup>
+                    </m:sSubSup>
+                  </m:oMath>
+                </a14:m>
+                <a:r>
+                  <a:rPr lang="en-US" altLang="zh-TW" sz="1800" dirty="0">
+                    <a:latin typeface="Times" panose="02020603050405020304" pitchFamily="18" charset="0"/>
+                    <a:ea typeface="標楷體" panose="03000509000000000000" pitchFamily="65" charset="-120"/>
+                    <a:cs typeface="Times" panose="02020603050405020304" pitchFamily="18" charset="0"/>
+                  </a:rPr>
+                  <a:t> : Lipschitz constant)</a:t>
+                </a:r>
+              </a:p>
+              <a:p>
+                <a:pPr>
+                  <a:lnSpc>
+                    <a:spcPct val="150000"/>
+                  </a:lnSpc>
+                </a:pPr>
+                <a:r>
+                  <a:rPr lang="en-US" altLang="zh-TW" sz="1800" dirty="0">
+                    <a:latin typeface="Times" panose="02020603050405020304" pitchFamily="18" charset="0"/>
+                    <a:ea typeface="標楷體" panose="03000509000000000000" pitchFamily="65" charset="-120"/>
+                    <a:cs typeface="Times" panose="02020603050405020304" pitchFamily="18" charset="0"/>
+                  </a:rPr>
+                  <a:t>The BB(Barzilai-</a:t>
+                </a:r>
+                <a:r>
+                  <a:rPr lang="en-US" altLang="zh-TW" sz="1800" dirty="0" err="1">
+                    <a:latin typeface="Times" panose="02020603050405020304" pitchFamily="18" charset="0"/>
+                    <a:ea typeface="標楷體" panose="03000509000000000000" pitchFamily="65" charset="-120"/>
+                    <a:cs typeface="Times" panose="02020603050405020304" pitchFamily="18" charset="0"/>
+                  </a:rPr>
+                  <a:t>Borwein</a:t>
+                </a:r>
+                <a:r>
+                  <a:rPr lang="en-US" altLang="zh-TW" sz="1800" dirty="0">
+                    <a:latin typeface="Times" panose="02020603050405020304" pitchFamily="18" charset="0"/>
+                    <a:ea typeface="標楷體" panose="03000509000000000000" pitchFamily="65" charset="-120"/>
+                    <a:cs typeface="Times" panose="02020603050405020304" pitchFamily="18" charset="0"/>
+                  </a:rPr>
+                  <a:t>) method ensure the global optimal for quadratic function, but not in general.</a:t>
+                </a:r>
+              </a:p>
+              <a:p>
+                <a:pPr>
+                  <a:lnSpc>
+                    <a:spcPct val="150000"/>
+                  </a:lnSpc>
+                </a:pPr>
+                <a:r>
+                  <a:rPr lang="en-US" altLang="zh-TW" sz="1800" dirty="0">
+                    <a:latin typeface="Times" panose="02020603050405020304" pitchFamily="18" charset="0"/>
+                    <a:ea typeface="標楷體" panose="03000509000000000000" pitchFamily="65" charset="-120"/>
+                    <a:cs typeface="Times" panose="02020603050405020304" pitchFamily="18" charset="0"/>
+                  </a:rPr>
+                  <a:t>Pairing up BB with non-monotone line search can achieve global convergence.</a:t>
+                </a:r>
+              </a:p>
+            </p:txBody>
+          </p:sp>
+        </mc:Choice>
+        <mc:Fallback>
+          <p:sp>
+            <p:nvSpPr>
+              <p:cNvPr id="7" name="內容版面配置區 6">
+                <a:extLst>
+                  <a:ext uri="{FF2B5EF4-FFF2-40B4-BE49-F238E27FC236}">
+                    <a16:creationId xmlns:a16="http://schemas.microsoft.com/office/drawing/2014/main" id="{1EE38041-72D1-E9F6-102E-67680CA0847C}"/>
+                  </a:ext>
+                </a:extLst>
+              </p:cNvPr>
+              <p:cNvSpPr>
+                <a:spLocks noGrp="1" noRot="1" noChangeAspect="1" noMove="1" noResize="1" noEditPoints="1" noAdjustHandles="1" noChangeArrowheads="1" noChangeShapeType="1" noTextEdit="1"/>
+              </p:cNvSpPr>
+              <p:nvPr>
+                <p:ph idx="1"/>
+              </p:nvPr>
+            </p:nvSpPr>
+            <p:spPr>
+              <a:xfrm>
+                <a:off x="838200" y="1396178"/>
+                <a:ext cx="10515600" cy="4780785"/>
+              </a:xfrm>
+              <a:blipFill>
+                <a:blip r:embed="rId3"/>
+                <a:stretch>
+                  <a:fillRect l="-696"/>
+                </a:stretch>
+              </a:blipFill>
+            </p:spPr>
+            <p:txBody>
+              <a:bodyPr/>
+              <a:lstStyle/>
+              <a:p>
+                <a:r>
+                  <a:rPr lang="zh-TW" altLang="en-US">
+                    <a:noFill/>
+                  </a:rPr>
+                  <a:t> </a:t>
+                </a:r>
+              </a:p>
+            </p:txBody>
+          </p:sp>
+        </mc:Fallback>
+      </mc:AlternateContent>
+      <p:pic>
+        <p:nvPicPr>
+          <p:cNvPr id="5" name="圖片 4">
+            <a:extLst>
+              <a:ext uri="{FF2B5EF4-FFF2-40B4-BE49-F238E27FC236}">
+                <a16:creationId xmlns:a16="http://schemas.microsoft.com/office/drawing/2014/main" id="{C632ACA7-D6A7-81D6-86D6-024038A1D291}"/>
+              </a:ext>
+            </a:extLst>
+          </p:cNvPr>
+          <p:cNvPicPr>
+            <a:picLocks noChangeAspect="1"/>
+          </p:cNvPicPr>
+          <p:nvPr/>
+        </p:nvPicPr>
+        <p:blipFill>
+          <a:blip r:embed="rId4"/>
+          <a:stretch>
+            <a:fillRect/>
+          </a:stretch>
+        </p:blipFill>
+        <p:spPr>
+          <a:xfrm>
+            <a:off x="9112299" y="2087244"/>
+            <a:ext cx="2790617" cy="598255"/>
+          </a:xfrm>
+          <a:prstGeom prst="rect">
+            <a:avLst/>
+          </a:prstGeom>
+        </p:spPr>
+      </p:pic>
+      <p:pic>
+        <p:nvPicPr>
+          <p:cNvPr id="8" name="圖片 7">
+            <a:extLst>
+              <a:ext uri="{FF2B5EF4-FFF2-40B4-BE49-F238E27FC236}">
+                <a16:creationId xmlns:a16="http://schemas.microsoft.com/office/drawing/2014/main" id="{816E6795-C6CB-D757-5D13-78718CCF482E}"/>
+              </a:ext>
+            </a:extLst>
+          </p:cNvPr>
+          <p:cNvPicPr>
+            <a:picLocks noChangeAspect="1"/>
+          </p:cNvPicPr>
+          <p:nvPr/>
+        </p:nvPicPr>
+        <p:blipFill>
+          <a:blip r:embed="rId5"/>
+          <a:stretch>
+            <a:fillRect/>
+          </a:stretch>
+        </p:blipFill>
+        <p:spPr>
+          <a:xfrm>
+            <a:off x="9090095" y="2742959"/>
+            <a:ext cx="2790616" cy="598255"/>
+          </a:xfrm>
+          <a:prstGeom prst="rect">
+            <a:avLst/>
+          </a:prstGeom>
+        </p:spPr>
+      </p:pic>
+      <p:pic>
+        <p:nvPicPr>
+          <p:cNvPr id="10" name="圖片 9">
+            <a:extLst>
+              <a:ext uri="{FF2B5EF4-FFF2-40B4-BE49-F238E27FC236}">
+                <a16:creationId xmlns:a16="http://schemas.microsoft.com/office/drawing/2014/main" id="{1D17A04C-8751-612C-1CFF-DAB9505D5695}"/>
+              </a:ext>
+            </a:extLst>
+          </p:cNvPr>
+          <p:cNvPicPr>
+            <a:picLocks noChangeAspect="1"/>
+          </p:cNvPicPr>
+          <p:nvPr/>
+        </p:nvPicPr>
+        <p:blipFill>
+          <a:blip r:embed="rId6"/>
+          <a:stretch>
+            <a:fillRect/>
+          </a:stretch>
+        </p:blipFill>
+        <p:spPr>
+          <a:xfrm>
+            <a:off x="1093293" y="3511253"/>
+            <a:ext cx="1919414" cy="422572"/>
+          </a:xfrm>
+          <a:prstGeom prst="rect">
+            <a:avLst/>
+          </a:prstGeom>
+        </p:spPr>
+      </p:pic>
+    </p:spTree>
+    <p:extLst>
+      <p:ext uri="{BB962C8B-B14F-4D97-AF65-F5344CB8AC3E}">
+        <p14:creationId xmlns:p14="http://schemas.microsoft.com/office/powerpoint/2010/main" val="1707838295"/>
+      </p:ext>
+    </p:extLst>
+  </p:cSld>
+  <p:clrMapOvr>
+    <a:masterClrMapping/>
+  </p:clrMapOvr>
+</p:sld>
+</file>
+
+<file path=ppt/slides/slide18.xml><?xml version="1.0" encoding="utf-8"?>
+<p:sld xmlns:a="http://schemas.openxmlformats.org/drawingml/2006/main" xmlns:r="http://schemas.openxmlformats.org/officeDocument/2006/relationships" xmlns:p="http://schemas.openxmlformats.org/presentationml/2006/main">
+  <p:cSld>
+    <p:spTree>
+      <p:nvGrpSpPr>
+        <p:cNvPr id="1" name=""/>
+        <p:cNvGrpSpPr/>
+        <p:nvPr/>
+      </p:nvGrpSpPr>
+      <p:grpSpPr>
+        <a:xfrm>
+          <a:off x="0" y="0"/>
+          <a:ext cx="0" cy="0"/>
+          <a:chOff x="0" y="0"/>
+          <a:chExt cx="0" cy="0"/>
+        </a:xfrm>
+      </p:grpSpPr>
+      <p:sp>
+        <p:nvSpPr>
+          <p:cNvPr id="2" name="標題 1">
+            <a:extLst>
+              <a:ext uri="{FF2B5EF4-FFF2-40B4-BE49-F238E27FC236}">
+                <a16:creationId xmlns:a16="http://schemas.microsoft.com/office/drawing/2014/main" id="{1C786D8A-EE6A-D63A-DCCC-CEFF2CF8D2D9}"/>
+              </a:ext>
+            </a:extLst>
+          </p:cNvPr>
+          <p:cNvSpPr>
+            <a:spLocks noGrp="1"/>
+          </p:cNvSpPr>
+          <p:nvPr>
+            <p:ph type="title"/>
+          </p:nvPr>
+        </p:nvSpPr>
+        <p:spPr>
+          <a:xfrm>
+            <a:off x="838200" y="365125"/>
+            <a:ext cx="11462886" cy="1325563"/>
+          </a:xfrm>
+        </p:spPr>
+        <p:txBody>
+          <a:bodyPr>
+            <a:normAutofit/>
+          </a:bodyPr>
+          <a:lstStyle/>
+          <a:p>
+            <a:r>
+              <a:rPr lang="en-US" altLang="zh-TW" sz="3800" dirty="0">
+                <a:latin typeface="Times" panose="02020603050405020304" pitchFamily="18" charset="0"/>
+                <a:cs typeface="Times" panose="02020603050405020304" pitchFamily="18" charset="0"/>
+              </a:rPr>
+              <a:t>Macro legalization</a:t>
+            </a:r>
+            <a:endParaRPr lang="zh-TW" altLang="en-US" sz="3800" dirty="0">
+              <a:latin typeface="Times" panose="02020603050405020304" pitchFamily="18" charset="0"/>
+              <a:cs typeface="Times" panose="02020603050405020304" pitchFamily="18" charset="0"/>
+            </a:endParaRPr>
+          </a:p>
+        </p:txBody>
+      </p:sp>
+      <p:sp>
+        <p:nvSpPr>
+          <p:cNvPr id="4" name="投影片編號版面配置區 3">
+            <a:extLst>
+              <a:ext uri="{FF2B5EF4-FFF2-40B4-BE49-F238E27FC236}">
+                <a16:creationId xmlns:a16="http://schemas.microsoft.com/office/drawing/2014/main" id="{0A2F5534-2155-264B-9B8B-79562DBDBCC6}"/>
+              </a:ext>
+            </a:extLst>
+          </p:cNvPr>
+          <p:cNvSpPr>
+            <a:spLocks noGrp="1"/>
+          </p:cNvSpPr>
+          <p:nvPr>
+            <p:ph type="sldNum" sz="quarter" idx="12"/>
+          </p:nvPr>
+        </p:nvSpPr>
+        <p:spPr/>
+        <p:txBody>
+          <a:bodyPr/>
+          <a:lstStyle/>
+          <a:p>
+            <a:fld id="{666274A1-CF9C-426A-8DD4-B13ED0C24231}" type="slidenum">
+              <a:rPr lang="en-US" smtClean="0"/>
+              <a:t>17</a:t>
+            </a:fld>
+            <a:endParaRPr lang="en-US"/>
+          </a:p>
+        </p:txBody>
+      </p:sp>
+      <p:sp>
+        <p:nvSpPr>
+          <p:cNvPr id="7" name="內容版面配置區 6">
+            <a:extLst>
+              <a:ext uri="{FF2B5EF4-FFF2-40B4-BE49-F238E27FC236}">
+                <a16:creationId xmlns:a16="http://schemas.microsoft.com/office/drawing/2014/main" id="{1EE38041-72D1-E9F6-102E-67680CA0847C}"/>
+              </a:ext>
+            </a:extLst>
+          </p:cNvPr>
+          <p:cNvSpPr>
+            <a:spLocks noGrp="1"/>
+          </p:cNvSpPr>
+          <p:nvPr>
+            <p:ph idx="1"/>
+          </p:nvPr>
+        </p:nvSpPr>
+        <p:spPr/>
+        <p:txBody>
+          <a:bodyPr>
+            <a:normAutofit/>
+          </a:bodyPr>
+          <a:lstStyle/>
+          <a:p>
+            <a:pPr>
+              <a:lnSpc>
+                <a:spcPct val="150000"/>
+              </a:lnSpc>
+            </a:pPr>
+            <a:r>
+              <a:rPr lang="en-US" altLang="zh-TW" sz="2200" dirty="0">
+                <a:latin typeface="Times" panose="02020603050405020304" pitchFamily="18" charset="0"/>
+                <a:ea typeface="Cambria Math" panose="02040503050406030204" pitchFamily="18" charset="0"/>
+                <a:cs typeface="Times" panose="02020603050405020304" pitchFamily="18" charset="0"/>
+              </a:rPr>
+              <a:t>First apply</a:t>
+            </a:r>
+            <a:r>
+              <a:rPr lang="en-US" altLang="zh-TW" sz="2200" b="1" dirty="0">
+                <a:latin typeface="Times" panose="02020603050405020304" pitchFamily="18" charset="0"/>
+                <a:ea typeface="Cambria Math" panose="02040503050406030204" pitchFamily="18" charset="0"/>
+                <a:cs typeface="Times" panose="02020603050405020304" pitchFamily="18" charset="0"/>
+              </a:rPr>
+              <a:t> Cutting-based Overlap Removal </a:t>
+            </a:r>
+            <a:r>
+              <a:rPr lang="en-US" altLang="zh-TW" sz="2200" dirty="0">
+                <a:latin typeface="Times" panose="02020603050405020304" pitchFamily="18" charset="0"/>
+                <a:ea typeface="Cambria Math" panose="02040503050406030204" pitchFamily="18" charset="0"/>
+                <a:cs typeface="Times" panose="02020603050405020304" pitchFamily="18" charset="0"/>
+              </a:rPr>
+              <a:t>to</a:t>
+            </a:r>
+            <a:r>
+              <a:rPr lang="en-US" altLang="zh-TW" sz="2200" b="1" dirty="0">
+                <a:latin typeface="Times" panose="02020603050405020304" pitchFamily="18" charset="0"/>
+                <a:ea typeface="Cambria Math" panose="02040503050406030204" pitchFamily="18" charset="0"/>
+                <a:cs typeface="Times" panose="02020603050405020304" pitchFamily="18" charset="0"/>
+              </a:rPr>
+              <a:t> </a:t>
+            </a:r>
+            <a:r>
+              <a:rPr lang="en-US" altLang="zh-TW" sz="2200" dirty="0">
+                <a:latin typeface="Times" panose="02020603050405020304" pitchFamily="18" charset="0"/>
+                <a:ea typeface="Cambria Math" panose="02040503050406030204" pitchFamily="18" charset="0"/>
+                <a:cs typeface="Times" panose="02020603050405020304" pitchFamily="18" charset="0"/>
+              </a:rPr>
+              <a:t>build the initial sequential pair.</a:t>
+            </a:r>
+          </a:p>
+          <a:p>
+            <a:pPr lvl="1">
+              <a:lnSpc>
+                <a:spcPct val="150000"/>
+              </a:lnSpc>
+            </a:pPr>
+            <a:r>
+              <a:rPr lang="en-US" altLang="zh-TW" sz="1800" dirty="0">
+                <a:latin typeface="Times" panose="02020603050405020304" pitchFamily="18" charset="0"/>
+                <a:ea typeface="Cambria Math" panose="02040503050406030204" pitchFamily="18" charset="0"/>
+                <a:cs typeface="Times" panose="02020603050405020304" pitchFamily="18" charset="0"/>
+              </a:rPr>
+              <a:t>If feasible:</a:t>
+            </a:r>
+          </a:p>
+          <a:p>
+            <a:pPr lvl="2">
+              <a:lnSpc>
+                <a:spcPct val="150000"/>
+              </a:lnSpc>
+            </a:pPr>
+            <a:r>
+              <a:rPr lang="en-US" altLang="zh-TW" sz="1700" dirty="0">
+                <a:latin typeface="Times" panose="02020603050405020304" pitchFamily="18" charset="0"/>
+                <a:ea typeface="Cambria Math" panose="02040503050406030204" pitchFamily="18" charset="0"/>
+                <a:cs typeface="Times" panose="02020603050405020304" pitchFamily="18" charset="0"/>
+              </a:rPr>
+              <a:t>Use transitive closure graph based min-cost flow algorithm to obtain macro positions.</a:t>
+            </a:r>
+          </a:p>
+          <a:p>
+            <a:pPr lvl="1">
+              <a:lnSpc>
+                <a:spcPct val="150000"/>
+              </a:lnSpc>
+            </a:pPr>
+            <a:r>
+              <a:rPr lang="en-US" altLang="zh-TW" sz="2000" dirty="0">
+                <a:latin typeface="Times" panose="02020603050405020304" pitchFamily="18" charset="0"/>
+                <a:ea typeface="Cambria Math" panose="02040503050406030204" pitchFamily="18" charset="0"/>
+                <a:cs typeface="Times" panose="02020603050405020304" pitchFamily="18" charset="0"/>
+              </a:rPr>
+              <a:t>If infeasible:</a:t>
+            </a:r>
+          </a:p>
+          <a:p>
+            <a:pPr lvl="2">
+              <a:lnSpc>
+                <a:spcPct val="150000"/>
+              </a:lnSpc>
+            </a:pPr>
+            <a:r>
+              <a:rPr lang="en-US" altLang="zh-TW" sz="1700" dirty="0">
+                <a:latin typeface="Times" panose="02020603050405020304" pitchFamily="18" charset="0"/>
+                <a:ea typeface="Cambria Math" panose="02040503050406030204" pitchFamily="18" charset="0"/>
+                <a:cs typeface="Times" panose="02020603050405020304" pitchFamily="18" charset="0"/>
+              </a:rPr>
+              <a:t>Small problem size: Use ILP-based macro legalization.</a:t>
+            </a:r>
+          </a:p>
+          <a:p>
+            <a:pPr lvl="2">
+              <a:lnSpc>
+                <a:spcPct val="150000"/>
+              </a:lnSpc>
+            </a:pPr>
+            <a:r>
+              <a:rPr lang="en-US" altLang="zh-TW" sz="1700" dirty="0">
+                <a:latin typeface="Times" panose="02020603050405020304" pitchFamily="18" charset="0"/>
+                <a:ea typeface="Cambria Math" panose="02040503050406030204" pitchFamily="18" charset="0"/>
+                <a:cs typeface="Times" panose="02020603050405020304" pitchFamily="18" charset="0"/>
+              </a:rPr>
+              <a:t>Large problem size: parallel tempering based macro legalization.</a:t>
+            </a:r>
+          </a:p>
+          <a:p>
+            <a:pPr lvl="2">
+              <a:lnSpc>
+                <a:spcPct val="120000"/>
+              </a:lnSpc>
+            </a:pPr>
+            <a:endParaRPr lang="en-US" altLang="zh-TW" sz="1400" dirty="0">
+              <a:latin typeface="Times" panose="02020603050405020304" pitchFamily="18" charset="0"/>
+              <a:ea typeface="Cambria Math" panose="02040503050406030204" pitchFamily="18" charset="0"/>
+              <a:cs typeface="Times" panose="02020603050405020304" pitchFamily="18" charset="0"/>
+            </a:endParaRPr>
+          </a:p>
+          <a:p>
+            <a:pPr>
+              <a:lnSpc>
+                <a:spcPct val="120000"/>
+              </a:lnSpc>
+            </a:pPr>
+            <a:endParaRPr lang="en-US" altLang="zh-TW" sz="1800" dirty="0">
+              <a:latin typeface="Cambria Math" panose="02040503050406030204" pitchFamily="18" charset="0"/>
+              <a:ea typeface="Cambria Math" panose="02040503050406030204" pitchFamily="18" charset="0"/>
+              <a:cs typeface="Times" panose="02020603050405020304" pitchFamily="18" charset="0"/>
+            </a:endParaRPr>
+          </a:p>
+        </p:txBody>
+      </p:sp>
+      <p:pic>
+        <p:nvPicPr>
+          <p:cNvPr id="8" name="圖片 7">
+            <a:extLst>
+              <a:ext uri="{FF2B5EF4-FFF2-40B4-BE49-F238E27FC236}">
+                <a16:creationId xmlns:a16="http://schemas.microsoft.com/office/drawing/2014/main" id="{D27E870E-4D0E-BE07-B0E1-1323AC4578A9}"/>
+              </a:ext>
+            </a:extLst>
+          </p:cNvPr>
+          <p:cNvPicPr>
+            <a:picLocks noChangeAspect="1"/>
+          </p:cNvPicPr>
+          <p:nvPr/>
+        </p:nvPicPr>
+        <p:blipFill>
+          <a:blip r:embed="rId3"/>
+          <a:stretch>
+            <a:fillRect/>
+          </a:stretch>
+        </p:blipFill>
+        <p:spPr>
+          <a:xfrm>
+            <a:off x="7905750" y="3438525"/>
+            <a:ext cx="2996030" cy="3315162"/>
+          </a:xfrm>
+          <a:prstGeom prst="rect">
+            <a:avLst/>
+          </a:prstGeom>
+        </p:spPr>
+      </p:pic>
+    </p:spTree>
+    <p:extLst>
+      <p:ext uri="{BB962C8B-B14F-4D97-AF65-F5344CB8AC3E}">
+        <p14:creationId xmlns:p14="http://schemas.microsoft.com/office/powerpoint/2010/main" val="1125700941"/>
+      </p:ext>
+    </p:extLst>
+  </p:cSld>
+  <p:clrMapOvr>
+    <a:masterClrMapping/>
+  </p:clrMapOvr>
+</p:sld>
+</file>
+
+<file path=ppt/slides/slide19.xml><?xml version="1.0" encoding="utf-8"?>
+<p:sld xmlns:a="http://schemas.openxmlformats.org/drawingml/2006/main" xmlns:r="http://schemas.openxmlformats.org/officeDocument/2006/relationships" xmlns:p="http://schemas.openxmlformats.org/presentationml/2006/main">
+  <p:cSld>
+    <p:spTree>
+      <p:nvGrpSpPr>
+        <p:cNvPr id="1" name=""/>
+        <p:cNvGrpSpPr/>
+        <p:nvPr/>
+      </p:nvGrpSpPr>
+      <p:grpSpPr>
+        <a:xfrm>
+          <a:off x="0" y="0"/>
+          <a:ext cx="0" cy="0"/>
+          <a:chOff x="0" y="0"/>
+          <a:chExt cx="0" cy="0"/>
+        </a:xfrm>
+      </p:grpSpPr>
+      <p:sp>
+        <p:nvSpPr>
+          <p:cNvPr id="2" name="標題 1">
+            <a:extLst>
+              <a:ext uri="{FF2B5EF4-FFF2-40B4-BE49-F238E27FC236}">
+                <a16:creationId xmlns:a16="http://schemas.microsoft.com/office/drawing/2014/main" id="{1A966039-7CDD-D245-131E-9FA688D523D3}"/>
+              </a:ext>
+            </a:extLst>
+          </p:cNvPr>
+          <p:cNvSpPr>
+            <a:spLocks noGrp="1"/>
+          </p:cNvSpPr>
+          <p:nvPr>
+            <p:ph type="title"/>
+          </p:nvPr>
+        </p:nvSpPr>
+        <p:spPr/>
+        <p:txBody>
+          <a:bodyPr/>
+          <a:lstStyle/>
+          <a:p>
+            <a:r>
+              <a:rPr lang="en-US" altLang="zh-TW" sz="4000" dirty="0">
+                <a:latin typeface="Times" panose="02020603050405020304" pitchFamily="18" charset="0"/>
+                <a:cs typeface="Times" panose="02020603050405020304" pitchFamily="18" charset="0"/>
+              </a:rPr>
+              <a:t>Macro Legalization</a:t>
+            </a:r>
+            <a:endParaRPr lang="zh-TW" altLang="en-US" dirty="0">
+              <a:latin typeface="Times" panose="02020603050405020304" pitchFamily="18" charset="0"/>
+              <a:cs typeface="Times" panose="02020603050405020304" pitchFamily="18" charset="0"/>
+            </a:endParaRPr>
+          </a:p>
+        </p:txBody>
+      </p:sp>
+      <mc:AlternateContent xmlns:mc="http://schemas.openxmlformats.org/markup-compatibility/2006">
+        <mc:Choice xmlns:a14="http://schemas.microsoft.com/office/drawing/2010/main" Requires="a14">
+          <p:sp>
+            <p:nvSpPr>
+              <p:cNvPr id="3" name="內容版面配置區 2">
+                <a:extLst>
+                  <a:ext uri="{FF2B5EF4-FFF2-40B4-BE49-F238E27FC236}">
+                    <a16:creationId xmlns:a16="http://schemas.microsoft.com/office/drawing/2014/main" id="{CBD7CEA3-77D1-9FFB-94D0-23801E3C63EE}"/>
+                  </a:ext>
+                </a:extLst>
+              </p:cNvPr>
+              <p:cNvSpPr>
+                <a:spLocks noGrp="1"/>
+              </p:cNvSpPr>
+              <p:nvPr>
+                <p:ph idx="1"/>
+              </p:nvPr>
+            </p:nvSpPr>
+            <p:spPr>
+              <a:xfrm>
+                <a:off x="838200" y="1825625"/>
+                <a:ext cx="10515600" cy="4895850"/>
+              </a:xfrm>
+            </p:spPr>
+            <p:txBody>
+              <a:bodyPr>
+                <a:normAutofit/>
+              </a:bodyPr>
+              <a:lstStyle/>
+              <a:p>
+                <a:pPr>
+                  <a:lnSpc>
+                    <a:spcPct val="120000"/>
+                  </a:lnSpc>
+                </a:pPr>
+                <a:r>
+                  <a:rPr lang="en-US" altLang="zh-TW" sz="2400" dirty="0">
+                    <a:latin typeface="Times" panose="02020603050405020304" pitchFamily="18" charset="0"/>
+                    <a:cs typeface="Times" panose="02020603050405020304" pitchFamily="18" charset="0"/>
+                  </a:rPr>
+                  <a:t>Macro legalization can be formulated as following.</a:t>
+                </a:r>
+              </a:p>
+              <a:p>
+                <a:pPr>
+                  <a:lnSpc>
+                    <a:spcPct val="120000"/>
+                  </a:lnSpc>
+                </a:pPr>
+                <a:endParaRPr lang="en-US" altLang="zh-TW" sz="2400" dirty="0">
+                  <a:latin typeface="Times" panose="02020603050405020304" pitchFamily="18" charset="0"/>
+                  <a:cs typeface="Times" panose="02020603050405020304" pitchFamily="18" charset="0"/>
+                </a:endParaRPr>
+              </a:p>
+              <a:p>
+                <a:pPr>
+                  <a:lnSpc>
+                    <a:spcPct val="120000"/>
+                  </a:lnSpc>
+                </a:pPr>
+                <a:endParaRPr lang="en-US" altLang="zh-TW" sz="2400" dirty="0">
+                  <a:latin typeface="Times" panose="02020603050405020304" pitchFamily="18" charset="0"/>
+                  <a:cs typeface="Times" panose="02020603050405020304" pitchFamily="18" charset="0"/>
+                </a:endParaRPr>
+              </a:p>
+              <a:p>
+                <a:pPr>
+                  <a:lnSpc>
+                    <a:spcPct val="120000"/>
+                  </a:lnSpc>
+                </a:pPr>
+                <a:endParaRPr lang="en-US" altLang="zh-TW" sz="2400" dirty="0">
+                  <a:latin typeface="Times" panose="02020603050405020304" pitchFamily="18" charset="0"/>
+                  <a:cs typeface="Times" panose="02020603050405020304" pitchFamily="18" charset="0"/>
+                </a:endParaRPr>
+              </a:p>
+              <a:p>
+                <a:pPr>
+                  <a:lnSpc>
+                    <a:spcPct val="120000"/>
+                  </a:lnSpc>
+                </a:pPr>
+                <a:endParaRPr lang="en-US" altLang="zh-TW" sz="2400" dirty="0">
+                  <a:latin typeface="Times" panose="02020603050405020304" pitchFamily="18" charset="0"/>
+                  <a:cs typeface="Times" panose="02020603050405020304" pitchFamily="18" charset="0"/>
+                </a:endParaRPr>
+              </a:p>
+              <a:p>
+                <a:pPr>
+                  <a:lnSpc>
+                    <a:spcPct val="110000"/>
+                  </a:lnSpc>
+                  <a:buFont typeface="Wingdings" panose="05000000000000000000" pitchFamily="2" charset="2"/>
+                  <a:buChar char="Ø"/>
+                </a:pPr>
+                <a:r>
+                  <a:rPr lang="en-US" altLang="zh-TW" sz="2000" b="0" i="1" dirty="0"/>
+                  <a:t> (</a:t>
+                </a:r>
+                <a14:m>
+                  <m:oMath xmlns:m="http://schemas.openxmlformats.org/officeDocument/2006/math">
+                    <m:acc>
+                      <m:accPr>
+                        <m:chr m:val="̂"/>
+                        <m:ctrlPr>
+                          <a:rPr lang="en-US" altLang="zh-TW" sz="2000" b="0" i="1" smtClean="0">
+                            <a:latin typeface="Cambria Math" panose="02040503050406030204" pitchFamily="18" charset="0"/>
+                          </a:rPr>
+                        </m:ctrlPr>
+                      </m:accPr>
+                      <m:e>
+                        <m:r>
+                          <a:rPr lang="en-US" altLang="zh-TW" sz="2000" b="0" i="1" smtClean="0">
+                            <a:latin typeface="Cambria Math" panose="02040503050406030204" pitchFamily="18" charset="0"/>
+                          </a:rPr>
+                          <m:t>𝑥</m:t>
+                        </m:r>
+                      </m:e>
+                    </m:acc>
+                    <m:r>
+                      <a:rPr lang="en-US" altLang="zh-TW" sz="2000" b="0" i="1" smtClean="0">
+                        <a:latin typeface="Cambria Math" panose="02040503050406030204" pitchFamily="18" charset="0"/>
+                      </a:rPr>
+                      <m:t>, </m:t>
+                    </m:r>
+                    <m:acc>
+                      <m:accPr>
+                        <m:chr m:val="̂"/>
+                        <m:ctrlPr>
+                          <a:rPr lang="en-US" altLang="zh-TW" sz="2000" b="0" i="1" smtClean="0">
+                            <a:latin typeface="Cambria Math" panose="02040503050406030204" pitchFamily="18" charset="0"/>
+                          </a:rPr>
+                        </m:ctrlPr>
+                      </m:accPr>
+                      <m:e>
+                        <m:r>
+                          <a:rPr lang="en-US" altLang="zh-TW" sz="2000" b="0" i="1" smtClean="0">
+                            <a:latin typeface="Cambria Math" panose="02040503050406030204" pitchFamily="18" charset="0"/>
+                          </a:rPr>
+                          <m:t>𝑦</m:t>
+                        </m:r>
+                      </m:e>
+                    </m:acc>
+                  </m:oMath>
+                </a14:m>
+                <a:r>
+                  <a:rPr lang="en-US" altLang="zh-TW" sz="2000" b="0" i="1" dirty="0"/>
+                  <a:t>)</a:t>
+                </a:r>
+                <a14:m>
+                  <m:oMath xmlns:m="http://schemas.openxmlformats.org/officeDocument/2006/math">
+                    <m:r>
+                      <a:rPr lang="en-US" altLang="zh-TW" sz="2000" b="0" i="1" smtClean="0">
+                        <a:latin typeface="Cambria Math" panose="02040503050406030204" pitchFamily="18" charset="0"/>
+                      </a:rPr>
+                      <m:t>: </m:t>
+                    </m:r>
+                  </m:oMath>
+                </a14:m>
+                <a:r>
+                  <a:rPr lang="en-US" altLang="zh-TW" sz="2000" dirty="0">
+                    <a:latin typeface="Times" panose="02020603050405020304" pitchFamily="18" charset="0"/>
+                    <a:cs typeface="Times" panose="02020603050405020304" pitchFamily="18" charset="0"/>
+                  </a:rPr>
+                  <a:t> The coordinates before legalization</a:t>
+                </a:r>
+              </a:p>
+              <a:p>
+                <a:pPr>
+                  <a:lnSpc>
+                    <a:spcPct val="110000"/>
+                  </a:lnSpc>
+                  <a:buFont typeface="Wingdings" panose="05000000000000000000" pitchFamily="2" charset="2"/>
+                  <a:buChar char="Ø"/>
+                </a:pPr>
+                <a:r>
+                  <a:rPr lang="en-US" altLang="zh-TW" sz="2000" dirty="0">
+                    <a:latin typeface="Times" panose="02020603050405020304" pitchFamily="18" charset="0"/>
+                    <a:cs typeface="Times" panose="02020603050405020304" pitchFamily="18" charset="0"/>
+                  </a:rPr>
+                  <a:t> (</a:t>
+                </a:r>
+                <a14:m>
+                  <m:oMath xmlns:m="http://schemas.openxmlformats.org/officeDocument/2006/math">
+                    <m:sSub>
+                      <m:sSubPr>
+                        <m:ctrlPr>
+                          <a:rPr lang="en-US" altLang="zh-TW" sz="2000" i="1" smtClean="0">
+                            <a:latin typeface="Cambria Math" panose="02040503050406030204" pitchFamily="18" charset="0"/>
+                            <a:cs typeface="Times" panose="02020603050405020304" pitchFamily="18" charset="0"/>
+                          </a:rPr>
+                        </m:ctrlPr>
+                      </m:sSubPr>
+                      <m:e>
+                        <m:r>
+                          <a:rPr lang="en-US" altLang="zh-TW" sz="2000" b="0" i="1" smtClean="0">
+                            <a:latin typeface="Cambria Math" panose="02040503050406030204" pitchFamily="18" charset="0"/>
+                            <a:cs typeface="Times" panose="02020603050405020304" pitchFamily="18" charset="0"/>
+                          </a:rPr>
+                          <m:t>𝑤</m:t>
+                        </m:r>
+                      </m:e>
+                      <m:sub>
+                        <m:r>
+                          <a:rPr lang="en-US" altLang="zh-TW" sz="2000" b="0" i="1" smtClean="0">
+                            <a:latin typeface="Cambria Math" panose="02040503050406030204" pitchFamily="18" charset="0"/>
+                            <a:cs typeface="Times" panose="02020603050405020304" pitchFamily="18" charset="0"/>
+                          </a:rPr>
+                          <m:t>𝑖</m:t>
+                        </m:r>
+                      </m:sub>
+                    </m:sSub>
+                    <m:r>
+                      <a:rPr lang="en-US" altLang="zh-TW" sz="2000" b="0" i="1" smtClean="0">
+                        <a:latin typeface="Cambria Math" panose="02040503050406030204" pitchFamily="18" charset="0"/>
+                        <a:cs typeface="Times" panose="02020603050405020304" pitchFamily="18" charset="0"/>
+                      </a:rPr>
+                      <m:t>, </m:t>
+                    </m:r>
+                    <m:sSub>
+                      <m:sSubPr>
+                        <m:ctrlPr>
+                          <a:rPr lang="en-US" altLang="zh-TW" sz="2000" b="0" i="1" smtClean="0">
+                            <a:latin typeface="Cambria Math" panose="02040503050406030204" pitchFamily="18" charset="0"/>
+                            <a:cs typeface="Times" panose="02020603050405020304" pitchFamily="18" charset="0"/>
+                          </a:rPr>
+                        </m:ctrlPr>
+                      </m:sSubPr>
+                      <m:e>
+                        <m:r>
+                          <a:rPr lang="en-US" altLang="zh-TW" sz="2000" b="0" i="1" smtClean="0">
+                            <a:latin typeface="Cambria Math" panose="02040503050406030204" pitchFamily="18" charset="0"/>
+                            <a:cs typeface="Times" panose="02020603050405020304" pitchFamily="18" charset="0"/>
+                          </a:rPr>
+                          <m:t>h</m:t>
+                        </m:r>
+                      </m:e>
+                      <m:sub>
+                        <m:r>
+                          <a:rPr lang="en-US" altLang="zh-TW" sz="2000" b="0" i="1" smtClean="0">
+                            <a:latin typeface="Cambria Math" panose="02040503050406030204" pitchFamily="18" charset="0"/>
+                            <a:cs typeface="Times" panose="02020603050405020304" pitchFamily="18" charset="0"/>
+                          </a:rPr>
+                          <m:t>𝑖</m:t>
+                        </m:r>
+                      </m:sub>
+                    </m:sSub>
+                  </m:oMath>
+                </a14:m>
+                <a:r>
+                  <a:rPr lang="en-US" altLang="zh-TW" sz="2000" dirty="0">
+                    <a:latin typeface="Times" panose="02020603050405020304" pitchFamily="18" charset="0"/>
+                    <a:cs typeface="Times" panose="02020603050405020304" pitchFamily="18" charset="0"/>
+                  </a:rPr>
+                  <a:t>): The width and height of the instance </a:t>
+                </a:r>
+                <a:r>
+                  <a:rPr lang="en-US" altLang="zh-TW" sz="2000" dirty="0" err="1">
+                    <a:latin typeface="Times" panose="02020603050405020304" pitchFamily="18" charset="0"/>
+                    <a:cs typeface="Times" panose="02020603050405020304" pitchFamily="18" charset="0"/>
+                  </a:rPr>
+                  <a:t>i</a:t>
+                </a:r>
+                <a:endParaRPr lang="en-US" altLang="zh-TW" sz="2000" dirty="0">
+                  <a:latin typeface="Times" panose="02020603050405020304" pitchFamily="18" charset="0"/>
+                  <a:cs typeface="Times" panose="02020603050405020304" pitchFamily="18" charset="0"/>
+                </a:endParaRPr>
+              </a:p>
+              <a:p>
+                <a:pPr>
+                  <a:lnSpc>
+                    <a:spcPct val="110000"/>
+                  </a:lnSpc>
+                  <a:buFont typeface="Wingdings" panose="05000000000000000000" pitchFamily="2" charset="2"/>
+                  <a:buChar char="Ø"/>
+                </a:pPr>
+                <a:r>
+                  <a:rPr lang="en-US" altLang="zh-TW" sz="2000" dirty="0">
+                    <a:latin typeface="Times" panose="02020603050405020304" pitchFamily="18" charset="0"/>
+                    <a:cs typeface="Times" panose="02020603050405020304" pitchFamily="18" charset="0"/>
+                  </a:rPr>
+                  <a:t> </a:t>
+                </a:r>
+                <a14:m>
+                  <m:oMath xmlns:m="http://schemas.openxmlformats.org/officeDocument/2006/math">
+                    <m:sSub>
+                      <m:sSubPr>
+                        <m:ctrlPr>
+                          <a:rPr lang="en-US" altLang="zh-TW" sz="2000" i="1" smtClean="0">
+                            <a:latin typeface="Cambria Math" panose="02040503050406030204" pitchFamily="18" charset="0"/>
+                            <a:cs typeface="Times" panose="02020603050405020304" pitchFamily="18" charset="0"/>
+                          </a:rPr>
+                        </m:ctrlPr>
+                      </m:sSubPr>
+                      <m:e>
+                        <m:r>
+                          <a:rPr lang="en-US" altLang="zh-TW" sz="2000" b="0" i="1" smtClean="0">
+                            <a:latin typeface="Cambria Math" panose="02040503050406030204" pitchFamily="18" charset="0"/>
+                            <a:cs typeface="Times" panose="02020603050405020304" pitchFamily="18" charset="0"/>
+                          </a:rPr>
+                          <m:t>𝑊</m:t>
+                        </m:r>
+                      </m:e>
+                      <m:sub>
+                        <m:r>
+                          <a:rPr lang="en-US" altLang="zh-TW" sz="2000" b="0" i="1" smtClean="0">
+                            <a:latin typeface="Cambria Math" panose="02040503050406030204" pitchFamily="18" charset="0"/>
+                            <a:cs typeface="Times" panose="02020603050405020304" pitchFamily="18" charset="0"/>
+                          </a:rPr>
+                          <m:t>𝑙</m:t>
+                        </m:r>
+                        <m:r>
+                          <a:rPr lang="en-US" altLang="zh-TW" sz="2000" b="0" i="1" smtClean="0">
+                            <a:latin typeface="Cambria Math" panose="02040503050406030204" pitchFamily="18" charset="0"/>
+                            <a:cs typeface="Times" panose="02020603050405020304" pitchFamily="18" charset="0"/>
+                          </a:rPr>
+                          <m:t> </m:t>
+                        </m:r>
+                      </m:sub>
+                    </m:sSub>
+                    <m:r>
+                      <a:rPr lang="en-US" altLang="zh-TW" sz="2000" b="0" i="1" smtClean="0">
+                        <a:latin typeface="Cambria Math" panose="02040503050406030204" pitchFamily="18" charset="0"/>
+                        <a:cs typeface="Times" panose="02020603050405020304" pitchFamily="18" charset="0"/>
+                      </a:rPr>
+                      <m:t>(</m:t>
+                    </m:r>
+                    <m:sSub>
+                      <m:sSubPr>
+                        <m:ctrlPr>
+                          <a:rPr lang="en-US" altLang="zh-TW" sz="2000" b="0" i="1" smtClean="0">
+                            <a:latin typeface="Cambria Math" panose="02040503050406030204" pitchFamily="18" charset="0"/>
+                            <a:cs typeface="Times" panose="02020603050405020304" pitchFamily="18" charset="0"/>
+                          </a:rPr>
+                        </m:ctrlPr>
+                      </m:sSubPr>
+                      <m:e>
+                        <m:r>
+                          <a:rPr lang="en-US" altLang="zh-TW" sz="2000" b="0" i="1" smtClean="0">
+                            <a:latin typeface="Cambria Math" panose="02040503050406030204" pitchFamily="18" charset="0"/>
+                            <a:cs typeface="Times" panose="02020603050405020304" pitchFamily="18" charset="0"/>
+                          </a:rPr>
+                          <m:t>𝑊</m:t>
+                        </m:r>
+                      </m:e>
+                      <m:sub>
+                        <m:r>
+                          <a:rPr lang="en-US" altLang="zh-TW" sz="2000" b="0" i="1" smtClean="0">
+                            <a:latin typeface="Cambria Math" panose="02040503050406030204" pitchFamily="18" charset="0"/>
+                            <a:cs typeface="Times" panose="02020603050405020304" pitchFamily="18" charset="0"/>
+                          </a:rPr>
+                          <m:t>h</m:t>
+                        </m:r>
+                      </m:sub>
+                    </m:sSub>
+                    <m:r>
+                      <a:rPr lang="en-US" altLang="zh-TW" sz="2000" b="0" i="1" smtClean="0">
+                        <a:latin typeface="Cambria Math" panose="02040503050406030204" pitchFamily="18" charset="0"/>
+                        <a:cs typeface="Times" panose="02020603050405020304" pitchFamily="18" charset="0"/>
+                      </a:rPr>
+                      <m:t>):</m:t>
+                    </m:r>
+                  </m:oMath>
+                </a14:m>
+                <a:r>
+                  <a:rPr lang="en-US" altLang="zh-TW" sz="2400" dirty="0">
+                    <a:latin typeface="Times" panose="02020603050405020304" pitchFamily="18" charset="0"/>
+                    <a:cs typeface="Times" panose="02020603050405020304" pitchFamily="18" charset="0"/>
+                  </a:rPr>
+                  <a:t> </a:t>
+                </a:r>
+                <a:r>
+                  <a:rPr lang="en-US" altLang="zh-TW" sz="2000" dirty="0">
+                    <a:latin typeface="Times" panose="02020603050405020304" pitchFamily="18" charset="0"/>
+                    <a:cs typeface="Times" panose="02020603050405020304" pitchFamily="18" charset="0"/>
+                  </a:rPr>
+                  <a:t>the left (right) boundary of the layout</a:t>
+                </a:r>
+              </a:p>
+              <a:p>
+                <a:pPr>
+                  <a:lnSpc>
+                    <a:spcPct val="110000"/>
+                  </a:lnSpc>
+                  <a:buFont typeface="Wingdings" panose="05000000000000000000" pitchFamily="2" charset="2"/>
+                  <a:buChar char="Ø"/>
+                </a:pPr>
+                <a14:m>
+                  <m:oMath xmlns:m="http://schemas.openxmlformats.org/officeDocument/2006/math">
+                    <m:sSub>
+                      <m:sSubPr>
+                        <m:ctrlPr>
+                          <a:rPr lang="en-US" altLang="zh-TW" sz="2000" i="1" smtClean="0">
+                            <a:latin typeface="Cambria Math" panose="02040503050406030204" pitchFamily="18" charset="0"/>
+                            <a:cs typeface="Times" panose="02020603050405020304" pitchFamily="18" charset="0"/>
+                          </a:rPr>
+                        </m:ctrlPr>
+                      </m:sSubPr>
+                      <m:e>
+                        <m:r>
+                          <a:rPr lang="en-US" altLang="zh-TW" sz="2000" b="0" i="1" smtClean="0">
+                            <a:latin typeface="Cambria Math" panose="02040503050406030204" pitchFamily="18" charset="0"/>
+                            <a:cs typeface="Times" panose="02020603050405020304" pitchFamily="18" charset="0"/>
+                          </a:rPr>
+                          <m:t> </m:t>
+                        </m:r>
+                        <m:r>
+                          <a:rPr lang="en-US" altLang="zh-TW" sz="2000" b="0" i="1" smtClean="0">
+                            <a:latin typeface="Cambria Math" panose="02040503050406030204" pitchFamily="18" charset="0"/>
+                            <a:cs typeface="Times" panose="02020603050405020304" pitchFamily="18" charset="0"/>
+                          </a:rPr>
+                          <m:t>𝐻</m:t>
+                        </m:r>
+                      </m:e>
+                      <m:sub>
+                        <m:r>
+                          <a:rPr lang="en-US" altLang="zh-TW" sz="2000" b="0" i="1" smtClean="0">
+                            <a:latin typeface="Cambria Math" panose="02040503050406030204" pitchFamily="18" charset="0"/>
+                            <a:cs typeface="Times" panose="02020603050405020304" pitchFamily="18" charset="0"/>
+                          </a:rPr>
+                          <m:t>𝑙</m:t>
+                        </m:r>
+                      </m:sub>
+                    </m:sSub>
+                    <m:r>
+                      <a:rPr lang="en-US" altLang="zh-TW" sz="2000" b="0" i="1" smtClean="0">
+                        <a:latin typeface="Cambria Math" panose="02040503050406030204" pitchFamily="18" charset="0"/>
+                        <a:cs typeface="Times" panose="02020603050405020304" pitchFamily="18" charset="0"/>
+                      </a:rPr>
+                      <m:t> (</m:t>
+                    </m:r>
+                    <m:sSub>
+                      <m:sSubPr>
+                        <m:ctrlPr>
+                          <a:rPr lang="en-US" altLang="zh-TW" sz="2000" b="0" i="1" smtClean="0">
+                            <a:latin typeface="Cambria Math" panose="02040503050406030204" pitchFamily="18" charset="0"/>
+                            <a:cs typeface="Times" panose="02020603050405020304" pitchFamily="18" charset="0"/>
+                          </a:rPr>
+                        </m:ctrlPr>
+                      </m:sSubPr>
+                      <m:e>
+                        <m:r>
+                          <a:rPr lang="en-US" altLang="zh-TW" sz="2000" b="0" i="1" smtClean="0">
+                            <a:latin typeface="Cambria Math" panose="02040503050406030204" pitchFamily="18" charset="0"/>
+                            <a:cs typeface="Times" panose="02020603050405020304" pitchFamily="18" charset="0"/>
+                          </a:rPr>
+                          <m:t>𝐻</m:t>
+                        </m:r>
+                      </m:e>
+                      <m:sub>
+                        <m:r>
+                          <a:rPr lang="en-US" altLang="zh-TW" sz="2000" b="0" i="1" smtClean="0">
+                            <a:latin typeface="Cambria Math" panose="02040503050406030204" pitchFamily="18" charset="0"/>
+                            <a:cs typeface="Times" panose="02020603050405020304" pitchFamily="18" charset="0"/>
+                          </a:rPr>
+                          <m:t>h</m:t>
+                        </m:r>
+                      </m:sub>
+                    </m:sSub>
+                    <m:r>
+                      <a:rPr lang="en-US" altLang="zh-TW" sz="2000" b="0" i="1" smtClean="0">
+                        <a:latin typeface="Cambria Math" panose="02040503050406030204" pitchFamily="18" charset="0"/>
+                        <a:cs typeface="Times" panose="02020603050405020304" pitchFamily="18" charset="0"/>
+                      </a:rPr>
+                      <m:t>)</m:t>
+                    </m:r>
+                  </m:oMath>
+                </a14:m>
+                <a:r>
+                  <a:rPr lang="en-US" altLang="zh-TW" sz="2000" dirty="0">
+                    <a:latin typeface="Times" panose="02020603050405020304" pitchFamily="18" charset="0"/>
+                    <a:cs typeface="Times" panose="02020603050405020304" pitchFamily="18" charset="0"/>
+                  </a:rPr>
+                  <a:t> : the bottom (top) boundary of the layout</a:t>
+                </a:r>
+              </a:p>
+              <a:p>
+                <a:pPr>
+                  <a:lnSpc>
+                    <a:spcPct val="120000"/>
+                  </a:lnSpc>
+                </a:pPr>
+                <a:endParaRPr lang="en-US" altLang="zh-TW" sz="2000" dirty="0">
+                  <a:latin typeface="Times" panose="02020603050405020304" pitchFamily="18" charset="0"/>
+                  <a:cs typeface="Times" panose="02020603050405020304" pitchFamily="18" charset="0"/>
+                </a:endParaRPr>
+              </a:p>
+            </p:txBody>
+          </p:sp>
+        </mc:Choice>
+        <mc:Fallback>
+          <p:sp>
+            <p:nvSpPr>
+              <p:cNvPr id="3" name="內容版面配置區 2">
+                <a:extLst>
+                  <a:ext uri="{FF2B5EF4-FFF2-40B4-BE49-F238E27FC236}">
+                    <a16:creationId xmlns:a16="http://schemas.microsoft.com/office/drawing/2014/main" id="{CBD7CEA3-77D1-9FFB-94D0-23801E3C63EE}"/>
+                  </a:ext>
+                </a:extLst>
+              </p:cNvPr>
+              <p:cNvSpPr>
+                <a:spLocks noGrp="1" noRot="1" noChangeAspect="1" noMove="1" noResize="1" noEditPoints="1" noAdjustHandles="1" noChangeArrowheads="1" noChangeShapeType="1" noTextEdit="1"/>
+              </p:cNvSpPr>
+              <p:nvPr>
+                <p:ph idx="1"/>
+              </p:nvPr>
+            </p:nvSpPr>
+            <p:spPr>
+              <a:xfrm>
+                <a:off x="838200" y="1825625"/>
+                <a:ext cx="10515600" cy="4895850"/>
+              </a:xfrm>
+              <a:blipFill>
+                <a:blip r:embed="rId3"/>
+                <a:stretch>
+                  <a:fillRect l="-812" t="-249"/>
+                </a:stretch>
+              </a:blipFill>
+            </p:spPr>
+            <p:txBody>
+              <a:bodyPr/>
+              <a:lstStyle/>
+              <a:p>
+                <a:r>
+                  <a:rPr lang="zh-TW" altLang="en-US">
+                    <a:noFill/>
+                  </a:rPr>
+                  <a:t> </a:t>
+                </a:r>
+              </a:p>
+            </p:txBody>
+          </p:sp>
+        </mc:Fallback>
+      </mc:AlternateContent>
+      <p:sp>
+        <p:nvSpPr>
+          <p:cNvPr id="4" name="投影片編號版面配置區 3">
+            <a:extLst>
+              <a:ext uri="{FF2B5EF4-FFF2-40B4-BE49-F238E27FC236}">
+                <a16:creationId xmlns:a16="http://schemas.microsoft.com/office/drawing/2014/main" id="{B35B14FF-D48D-70F2-8D80-2E843D4EA732}"/>
+              </a:ext>
+            </a:extLst>
+          </p:cNvPr>
+          <p:cNvSpPr>
+            <a:spLocks noGrp="1"/>
+          </p:cNvSpPr>
+          <p:nvPr>
+            <p:ph type="sldNum" sz="quarter" idx="12"/>
+          </p:nvPr>
+        </p:nvSpPr>
+        <p:spPr/>
+        <p:txBody>
+          <a:bodyPr/>
+          <a:lstStyle/>
+          <a:p>
+            <a:fld id="{666274A1-CF9C-426A-8DD4-B13ED0C24231}" type="slidenum">
+              <a:rPr lang="en-US" smtClean="0"/>
+              <a:t>18</a:t>
+            </a:fld>
+            <a:endParaRPr lang="en-US"/>
+          </a:p>
+        </p:txBody>
+      </p:sp>
+      <p:pic>
+        <p:nvPicPr>
+          <p:cNvPr id="8" name="圖片 7">
+            <a:extLst>
+              <a:ext uri="{FF2B5EF4-FFF2-40B4-BE49-F238E27FC236}">
+                <a16:creationId xmlns:a16="http://schemas.microsoft.com/office/drawing/2014/main" id="{3CA58C53-F467-F579-FF3F-32793FEE6770}"/>
+              </a:ext>
+            </a:extLst>
+          </p:cNvPr>
+          <p:cNvPicPr>
+            <a:picLocks noChangeAspect="1"/>
+          </p:cNvPicPr>
+          <p:nvPr/>
+        </p:nvPicPr>
+        <p:blipFill>
+          <a:blip r:embed="rId4"/>
+          <a:stretch>
+            <a:fillRect/>
+          </a:stretch>
+        </p:blipFill>
+        <p:spPr>
+          <a:xfrm>
+            <a:off x="1896105" y="3176115"/>
+            <a:ext cx="3830928" cy="505769"/>
+          </a:xfrm>
+          <a:prstGeom prst="rect">
+            <a:avLst/>
+          </a:prstGeom>
+        </p:spPr>
+      </p:pic>
+      <p:pic>
+        <p:nvPicPr>
+          <p:cNvPr id="11" name="圖片 10">
+            <a:extLst>
+              <a:ext uri="{FF2B5EF4-FFF2-40B4-BE49-F238E27FC236}">
+                <a16:creationId xmlns:a16="http://schemas.microsoft.com/office/drawing/2014/main" id="{E0309D63-C622-600F-763D-6BA67F44FDE4}"/>
+              </a:ext>
+            </a:extLst>
+          </p:cNvPr>
+          <p:cNvPicPr>
+            <a:picLocks noChangeAspect="1"/>
+          </p:cNvPicPr>
+          <p:nvPr/>
+        </p:nvPicPr>
+        <p:blipFill>
+          <a:blip r:embed="rId5"/>
+          <a:stretch>
+            <a:fillRect/>
+          </a:stretch>
+        </p:blipFill>
+        <p:spPr>
+          <a:xfrm>
+            <a:off x="6464969" y="2838974"/>
+            <a:ext cx="2887067" cy="1685819"/>
+          </a:xfrm>
+          <a:prstGeom prst="rect">
+            <a:avLst/>
+          </a:prstGeom>
+        </p:spPr>
+      </p:pic>
+    </p:spTree>
+    <p:extLst>
+      <p:ext uri="{BB962C8B-B14F-4D97-AF65-F5344CB8AC3E}">
+        <p14:creationId xmlns:p14="http://schemas.microsoft.com/office/powerpoint/2010/main" val="1089763102"/>
       </p:ext>
     </p:extLst>
   </p:cSld>
@@ -8526,6 +14974,276 @@
 </p:sld>
 </file>
 
+<file path=ppt/slides/slide20.xml><?xml version="1.0" encoding="utf-8"?>
+<p:sld xmlns:a="http://schemas.openxmlformats.org/drawingml/2006/main" xmlns:r="http://schemas.openxmlformats.org/officeDocument/2006/relationships" xmlns:p="http://schemas.openxmlformats.org/presentationml/2006/main">
+  <p:cSld>
+    <p:spTree>
+      <p:nvGrpSpPr>
+        <p:cNvPr id="1" name=""/>
+        <p:cNvGrpSpPr/>
+        <p:nvPr/>
+      </p:nvGrpSpPr>
+      <p:grpSpPr>
+        <a:xfrm>
+          <a:off x="0" y="0"/>
+          <a:ext cx="0" cy="0"/>
+          <a:chOff x="0" y="0"/>
+          <a:chExt cx="0" cy="0"/>
+        </a:xfrm>
+      </p:grpSpPr>
+      <p:sp>
+        <p:nvSpPr>
+          <p:cNvPr id="2" name="標題 1">
+            <a:extLst>
+              <a:ext uri="{FF2B5EF4-FFF2-40B4-BE49-F238E27FC236}">
+                <a16:creationId xmlns:a16="http://schemas.microsoft.com/office/drawing/2014/main" id="{E8D501D1-869B-2437-9176-58B4DD7E32FD}"/>
+              </a:ext>
+            </a:extLst>
+          </p:cNvPr>
+          <p:cNvSpPr>
+            <a:spLocks noGrp="1"/>
+          </p:cNvSpPr>
+          <p:nvPr>
+            <p:ph type="title"/>
+          </p:nvPr>
+        </p:nvSpPr>
+        <p:spPr>
+          <a:xfrm>
+            <a:off x="838199" y="365125"/>
+            <a:ext cx="11145253" cy="1325563"/>
+          </a:xfrm>
+        </p:spPr>
+        <p:txBody>
+          <a:bodyPr/>
+          <a:lstStyle/>
+          <a:p>
+            <a:r>
+              <a:rPr lang="en-US" altLang="zh-TW" dirty="0">
+                <a:latin typeface="Times" panose="02020603050405020304" pitchFamily="18" charset="0"/>
+                <a:cs typeface="Times" panose="02020603050405020304" pitchFamily="18" charset="0"/>
+              </a:rPr>
+              <a:t>Dual Min-Cost Flow based Macro Legalization</a:t>
+            </a:r>
+            <a:endParaRPr lang="zh-TW" altLang="en-US" dirty="0">
+              <a:latin typeface="Times" panose="02020603050405020304" pitchFamily="18" charset="0"/>
+              <a:cs typeface="Times" panose="02020603050405020304" pitchFamily="18" charset="0"/>
+            </a:endParaRPr>
+          </a:p>
+        </p:txBody>
+      </p:sp>
+      <p:sp>
+        <p:nvSpPr>
+          <p:cNvPr id="3" name="內容版面配置區 2">
+            <a:extLst>
+              <a:ext uri="{FF2B5EF4-FFF2-40B4-BE49-F238E27FC236}">
+                <a16:creationId xmlns:a16="http://schemas.microsoft.com/office/drawing/2014/main" id="{71F2C034-3694-0368-6A38-2F594F089521}"/>
+              </a:ext>
+            </a:extLst>
+          </p:cNvPr>
+          <p:cNvSpPr>
+            <a:spLocks noGrp="1"/>
+          </p:cNvSpPr>
+          <p:nvPr>
+            <p:ph idx="1"/>
+          </p:nvPr>
+        </p:nvSpPr>
+        <p:spPr/>
+        <p:txBody>
+          <a:bodyPr>
+            <a:normAutofit/>
+          </a:bodyPr>
+          <a:lstStyle/>
+          <a:p>
+            <a:pPr>
+              <a:lnSpc>
+                <a:spcPct val="150000"/>
+              </a:lnSpc>
+            </a:pPr>
+            <a:r>
+              <a:rPr lang="en-US" altLang="zh-TW" sz="2200" dirty="0">
+                <a:latin typeface="Times" panose="02020603050405020304" pitchFamily="18" charset="0"/>
+                <a:cs typeface="Times" panose="02020603050405020304" pitchFamily="18" charset="0"/>
+              </a:rPr>
+              <a:t>The target is to remove overlaps towards minimum displacement.</a:t>
+            </a:r>
+          </a:p>
+          <a:p>
+            <a:pPr>
+              <a:lnSpc>
+                <a:spcPct val="150000"/>
+              </a:lnSpc>
+            </a:pPr>
+            <a:r>
+              <a:rPr lang="en-US" altLang="zh-TW" sz="2200" dirty="0">
+                <a:latin typeface="Times" panose="02020603050405020304" pitchFamily="18" charset="0"/>
+                <a:cs typeface="Times" panose="02020603050405020304" pitchFamily="18" charset="0"/>
+              </a:rPr>
+              <a:t>Perform transitive closure graph based constraints reduction.</a:t>
+            </a:r>
+          </a:p>
+          <a:p>
+            <a:pPr lvl="1">
+              <a:lnSpc>
+                <a:spcPct val="150000"/>
+              </a:lnSpc>
+            </a:pPr>
+            <a:r>
+              <a:rPr lang="en-US" altLang="zh-TW" sz="1800" dirty="0">
+                <a:latin typeface="Times" panose="02020603050405020304" pitchFamily="18" charset="0"/>
+                <a:cs typeface="Times" panose="02020603050405020304" pitchFamily="18" charset="0"/>
+              </a:rPr>
+              <a:t>Use transitive closure graph (TCG) to represent the relation between macros without redundancy</a:t>
+            </a:r>
+            <a:endParaRPr lang="zh-TW" altLang="en-US" sz="1800" dirty="0">
+              <a:latin typeface="Times" panose="02020603050405020304" pitchFamily="18" charset="0"/>
+              <a:cs typeface="Times" panose="02020603050405020304" pitchFamily="18" charset="0"/>
+            </a:endParaRPr>
+          </a:p>
+        </p:txBody>
+      </p:sp>
+      <p:sp>
+        <p:nvSpPr>
+          <p:cNvPr id="4" name="投影片編號版面配置區 3">
+            <a:extLst>
+              <a:ext uri="{FF2B5EF4-FFF2-40B4-BE49-F238E27FC236}">
+                <a16:creationId xmlns:a16="http://schemas.microsoft.com/office/drawing/2014/main" id="{925BBD11-D8C5-1E78-F84A-EF6AC5A8304E}"/>
+              </a:ext>
+            </a:extLst>
+          </p:cNvPr>
+          <p:cNvSpPr>
+            <a:spLocks noGrp="1"/>
+          </p:cNvSpPr>
+          <p:nvPr>
+            <p:ph type="sldNum" sz="quarter" idx="12"/>
+          </p:nvPr>
+        </p:nvSpPr>
+        <p:spPr/>
+        <p:txBody>
+          <a:bodyPr/>
+          <a:lstStyle/>
+          <a:p>
+            <a:fld id="{666274A1-CF9C-426A-8DD4-B13ED0C24231}" type="slidenum">
+              <a:rPr lang="en-US" smtClean="0"/>
+              <a:t>19</a:t>
+            </a:fld>
+            <a:endParaRPr lang="en-US"/>
+          </a:p>
+        </p:txBody>
+      </p:sp>
+    </p:spTree>
+    <p:extLst>
+      <p:ext uri="{BB962C8B-B14F-4D97-AF65-F5344CB8AC3E}">
+        <p14:creationId xmlns:p14="http://schemas.microsoft.com/office/powerpoint/2010/main" val="2010395412"/>
+      </p:ext>
+    </p:extLst>
+  </p:cSld>
+  <p:clrMapOvr>
+    <a:masterClrMapping/>
+  </p:clrMapOvr>
+</p:sld>
+</file>
+
+<file path=ppt/slides/slide21.xml><?xml version="1.0" encoding="utf-8"?>
+<p:sld xmlns:a="http://schemas.openxmlformats.org/drawingml/2006/main" xmlns:r="http://schemas.openxmlformats.org/officeDocument/2006/relationships" xmlns:p="http://schemas.openxmlformats.org/presentationml/2006/main">
+  <p:cSld>
+    <p:spTree>
+      <p:nvGrpSpPr>
+        <p:cNvPr id="1" name=""/>
+        <p:cNvGrpSpPr/>
+        <p:nvPr/>
+      </p:nvGrpSpPr>
+      <p:grpSpPr>
+        <a:xfrm>
+          <a:off x="0" y="0"/>
+          <a:ext cx="0" cy="0"/>
+          <a:chOff x="0" y="0"/>
+          <a:chExt cx="0" cy="0"/>
+        </a:xfrm>
+      </p:grpSpPr>
+      <p:sp>
+        <p:nvSpPr>
+          <p:cNvPr id="4" name="Slide Number Placeholder 3">
+            <a:extLst>
+              <a:ext uri="{FF2B5EF4-FFF2-40B4-BE49-F238E27FC236}">
+                <a16:creationId xmlns:a16="http://schemas.microsoft.com/office/drawing/2014/main" id="{DB47E6D4-11C1-7FA3-40FD-EC8CC1AC8613}"/>
+              </a:ext>
+            </a:extLst>
+          </p:cNvPr>
+          <p:cNvSpPr>
+            <a:spLocks noGrp="1"/>
+          </p:cNvSpPr>
+          <p:nvPr>
+            <p:ph type="sldNum" sz="quarter" idx="12"/>
+          </p:nvPr>
+        </p:nvSpPr>
+        <p:spPr/>
+        <p:txBody>
+          <a:bodyPr/>
+          <a:lstStyle/>
+          <a:p>
+            <a:fld id="{666274A1-CF9C-426A-8DD4-B13ED0C24231}" type="slidenum">
+              <a:rPr lang="en-US" smtClean="0"/>
+              <a:t>20</a:t>
+            </a:fld>
+            <a:endParaRPr lang="en-US"/>
+          </a:p>
+        </p:txBody>
+      </p:sp>
+      <p:sp>
+        <p:nvSpPr>
+          <p:cNvPr id="5" name="TextBox 4">
+            <a:extLst>
+              <a:ext uri="{FF2B5EF4-FFF2-40B4-BE49-F238E27FC236}">
+                <a16:creationId xmlns:a16="http://schemas.microsoft.com/office/drawing/2014/main" id="{DE342AA9-4E4B-2420-9858-9BBA5A519307}"/>
+              </a:ext>
+            </a:extLst>
+          </p:cNvPr>
+          <p:cNvSpPr txBox="1"/>
+          <p:nvPr/>
+        </p:nvSpPr>
+        <p:spPr>
+          <a:xfrm>
+            <a:off x="2697986" y="2967335"/>
+            <a:ext cx="6936514" cy="923330"/>
+          </a:xfrm>
+          <a:prstGeom prst="rect">
+            <a:avLst/>
+          </a:prstGeom>
+          <a:noFill/>
+        </p:spPr>
+        <p:txBody>
+          <a:bodyPr wrap="none" rtlCol="0">
+            <a:spAutoFit/>
+          </a:bodyPr>
+          <a:lstStyle/>
+          <a:p>
+            <a:r>
+              <a:rPr lang="en-US" altLang="zh-TW" sz="5400" dirty="0">
+                <a:latin typeface="Times" panose="02020603050405020304" pitchFamily="18" charset="0"/>
+                <a:cs typeface="Times" panose="02020603050405020304" pitchFamily="18" charset="0"/>
+              </a:rPr>
+              <a:t>Thank you for listening!</a:t>
+            </a:r>
+            <a:endParaRPr lang="zh-TW" altLang="en-US" sz="5400" dirty="0">
+              <a:latin typeface="Times" panose="02020603050405020304" pitchFamily="18" charset="0"/>
+              <a:cs typeface="Times" panose="02020603050405020304" pitchFamily="18" charset="0"/>
+            </a:endParaRPr>
+          </a:p>
+        </p:txBody>
+      </p:sp>
+    </p:spTree>
+    <p:extLst>
+      <p:ext uri="{BB962C8B-B14F-4D97-AF65-F5344CB8AC3E}">
+        <p14:creationId xmlns:p14="http://schemas.microsoft.com/office/powerpoint/2010/main" val="1947749228"/>
+      </p:ext>
+    </p:extLst>
+  </p:cSld>
+  <p:clrMapOvr>
+    <a:masterClrMapping/>
+  </p:clrMapOvr>
+</p:sld>
+</file>
+
 <file path=ppt/slides/slide3.xml><?xml version="1.0" encoding="utf-8"?>
 <p:sld xmlns:a="http://schemas.openxmlformats.org/drawingml/2006/main" xmlns:r="http://schemas.openxmlformats.org/officeDocument/2006/relationships" xmlns:p="http://schemas.openxmlformats.org/presentationml/2006/main">
   <p:cSld>
@@ -8679,21 +15397,7 @@
                 <a:latin typeface="Times" panose="02020603050405020304" pitchFamily="18" charset="0"/>
                 <a:cs typeface="Times" panose="02020603050405020304" pitchFamily="18" charset="0"/>
               </a:rPr>
-              <a:t>, </a:t>
-            </a:r>
-            <a:r>
-              <a:rPr lang="en-US" altLang="zh-TW" sz="2000" dirty="0" err="1">
-                <a:latin typeface="Times" panose="02020603050405020304" pitchFamily="18" charset="0"/>
-                <a:cs typeface="Times" panose="02020603050405020304" pitchFamily="18" charset="0"/>
-              </a:rPr>
-              <a:t>ePlace</a:t>
-            </a:r>
-            <a:r>
-              <a:rPr lang="en-US" altLang="zh-TW" sz="2000" dirty="0">
-                <a:latin typeface="Times" panose="02020603050405020304" pitchFamily="18" charset="0"/>
-                <a:cs typeface="Times" panose="02020603050405020304" pitchFamily="18" charset="0"/>
-              </a:rPr>
-              <a:t>-MS</a:t>
+              <a:t>, ePlace-MS</a:t>
             </a:r>
           </a:p>
           <a:p>
@@ -8917,25 +15621,11 @@
               </a:lnSpc>
             </a:pPr>
             <a:r>
-              <a:rPr lang="en-US" altLang="zh-TW" sz="2000" dirty="0">
+              <a:rPr lang="en-US" altLang="zh-TW" sz="1800" dirty="0">
                 <a:latin typeface="Times" panose="02020603050405020304" pitchFamily="18" charset="0"/>
                 <a:cs typeface="Times" panose="02020603050405020304" pitchFamily="18" charset="0"/>
               </a:rPr>
-              <a:t>Macro placement solutions based on </a:t>
-            </a:r>
-            <a:r>
-              <a:rPr lang="en-US" altLang="zh-TW" sz="2000" dirty="0" err="1">
-                <a:latin typeface="Times" panose="02020603050405020304" pitchFamily="18" charset="0"/>
-                <a:cs typeface="Times" panose="02020603050405020304" pitchFamily="18" charset="0"/>
-              </a:rPr>
-              <a:t>routability</a:t>
-            </a:r>
-            <a:r>
-              <a:rPr lang="en-US" altLang="zh-TW" sz="2000" dirty="0">
-                <a:latin typeface="Times" panose="02020603050405020304" pitchFamily="18" charset="0"/>
-                <a:cs typeface="Times" panose="02020603050405020304" pitchFamily="18" charset="0"/>
-              </a:rPr>
-              <a:t> prediction.</a:t>
+              <a:t>Macro placement solutions based on routability prediction.</a:t>
             </a:r>
           </a:p>
           <a:p>
@@ -8945,7 +15635,7 @@
               </a:lnSpc>
             </a:pPr>
             <a:r>
-              <a:rPr lang="en-US" altLang="zh-TW" sz="2000" dirty="0">
+              <a:rPr lang="en-US" altLang="zh-TW" sz="1800" dirty="0">
                 <a:latin typeface="Times" panose="02020603050405020304" pitchFamily="18" charset="0"/>
                 <a:cs typeface="Times" panose="02020603050405020304" pitchFamily="18" charset="0"/>
               </a:rPr>
@@ -8959,7 +15649,7 @@
               </a:lnSpc>
             </a:pPr>
             <a:r>
-              <a:rPr lang="en-US" altLang="zh-TW" sz="2000" dirty="0">
+              <a:rPr lang="en-US" altLang="zh-TW" sz="1800" dirty="0">
                 <a:latin typeface="Times" panose="02020603050405020304" pitchFamily="18" charset="0"/>
                 <a:cs typeface="Times" panose="02020603050405020304" pitchFamily="18" charset="0"/>
               </a:rPr>
@@ -8984,32 +15674,11 @@
               </a:lnSpc>
             </a:pPr>
             <a:r>
-              <a:rPr lang="en-US" altLang="zh-TW" sz="2200" dirty="0" err="1">
-                <a:latin typeface="Times" panose="02020603050405020304" pitchFamily="18" charset="0"/>
-                <a:cs typeface="Times" panose="02020603050405020304" pitchFamily="18" charset="0"/>
-              </a:rPr>
-              <a:t>AutoDMP</a:t>
-            </a:r>
-            <a:r>
               <a:rPr lang="en-US" altLang="zh-TW" sz="2200" dirty="0">
                 <a:latin typeface="Times" panose="02020603050405020304" pitchFamily="18" charset="0"/>
                 <a:cs typeface="Times" panose="02020603050405020304" pitchFamily="18" charset="0"/>
               </a:rPr>
-              <a:t> apply </a:t>
-            </a:r>
-            <a:r>
-              <a:rPr lang="en-US" altLang="zh-TW" sz="2200" dirty="0" err="1">
-                <a:latin typeface="Times" panose="02020603050405020304" pitchFamily="18" charset="0"/>
-                <a:cs typeface="Times" panose="02020603050405020304" pitchFamily="18" charset="0"/>
-              </a:rPr>
-              <a:t>DREAMPlace</a:t>
-            </a:r>
-            <a:r>
-              <a:rPr lang="en-US" altLang="zh-TW" sz="2200" dirty="0">
-                <a:latin typeface="Times" panose="02020603050405020304" pitchFamily="18" charset="0"/>
-                <a:cs typeface="Times" panose="02020603050405020304" pitchFamily="18" charset="0"/>
-              </a:rPr>
-              <a:t> to performs hyper-parameter searching upon a mixed-size placement.</a:t>
+              <a:t>AutoDMP apply DREAMPlace to performs hyper-parameter searching upon a mixed-size placement.</a:t>
             </a:r>
           </a:p>
           <a:p>
@@ -9194,7 +15863,7 @@
           <a:p>
             <a:pPr>
               <a:lnSpc>
-                <a:spcPct val="120000"/>
+                <a:spcPct val="150000"/>
               </a:lnSpc>
             </a:pPr>
             <a:r>
@@ -9208,11 +15877,11 @@
           <a:p>
             <a:pPr lvl="1">
               <a:lnSpc>
-                <a:spcPct val="120000"/>
+                <a:spcPct val="150000"/>
               </a:lnSpc>
             </a:pPr>
             <a:r>
-              <a:rPr lang="en-US" altLang="zh-TW" sz="2000" dirty="0">
+              <a:rPr lang="en-US" altLang="zh-TW" sz="1800" dirty="0">
                 <a:latin typeface="Times" panose="02020603050405020304" pitchFamily="18" charset="0"/>
                 <a:cs typeface="Times" panose="02020603050405020304" pitchFamily="18" charset="0"/>
               </a:rPr>
@@ -9222,7 +15891,7 @@
           <a:p>
             <a:pPr>
               <a:lnSpc>
-                <a:spcPct val="120000"/>
+                <a:spcPct val="150000"/>
               </a:lnSpc>
             </a:pPr>
             <a:endParaRPr lang="en-US" altLang="zh-TW" sz="1100" dirty="0">
@@ -9233,7 +15902,7 @@
           <a:p>
             <a:pPr>
               <a:lnSpc>
-                <a:spcPct val="120000"/>
+                <a:spcPct val="150000"/>
               </a:lnSpc>
             </a:pPr>
             <a:r>
@@ -9247,7 +15916,7 @@
           <a:p>
             <a:pPr>
               <a:lnSpc>
-                <a:spcPct val="120000"/>
+                <a:spcPct val="150000"/>
               </a:lnSpc>
             </a:pPr>
             <a:endParaRPr lang="en-US" altLang="zh-TW" sz="2200" dirty="0">
@@ -9258,7 +15927,7 @@
           <a:p>
             <a:pPr>
               <a:lnSpc>
-                <a:spcPct val="120000"/>
+                <a:spcPct val="150000"/>
               </a:lnSpc>
             </a:pPr>
             <a:endParaRPr lang="zh-TW" altLang="en-US" sz="2200" dirty="0">
@@ -9634,7 +16303,7 @@
           <a:p>
             <a:pPr lvl="1">
               <a:lnSpc>
-                <a:spcPct val="120000"/>
+                <a:spcPct val="150000"/>
               </a:lnSpc>
             </a:pPr>
             <a:r>
@@ -9655,7 +16324,7 @@
           <a:p>
             <a:pPr marL="1371600" lvl="2" indent="-457200">
               <a:lnSpc>
-                <a:spcPct val="120000"/>
+                <a:spcPct val="150000"/>
               </a:lnSpc>
               <a:buFont typeface="+mj-lt"/>
               <a:buAutoNum type="arabicPeriod"/>
@@ -9671,7 +16340,7 @@
           <a:p>
             <a:pPr marL="1371600" lvl="2" indent="-457200">
               <a:lnSpc>
-                <a:spcPct val="120000"/>
+                <a:spcPct val="150000"/>
               </a:lnSpc>
               <a:buFont typeface="+mj-lt"/>
               <a:buAutoNum type="arabicPeriod"/>
@@ -9687,7 +16356,7 @@
           <a:p>
             <a:pPr marL="1371600" lvl="2" indent="-457200">
               <a:lnSpc>
-                <a:spcPct val="120000"/>
+                <a:spcPct val="150000"/>
               </a:lnSpc>
               <a:buFont typeface="+mj-lt"/>
               <a:buAutoNum type="arabicPeriod"/>
@@ -9703,7 +16372,7 @@
           <a:p>
             <a:pPr lvl="1">
               <a:lnSpc>
-                <a:spcPct val="120000"/>
+                <a:spcPct val="150000"/>
               </a:lnSpc>
             </a:pPr>
             <a:endParaRPr lang="en-US" altLang="zh-TW" b="0" dirty="0">
@@ -9790,14 +16459,7 @@
           </a:lstStyle>
           <a:p>
             <a:r>
-              <a:rPr lang="en-US" altLang="zh-TW" sz="4000">
-                <a:latin typeface="Times" panose="02020603050405020304" pitchFamily="18" charset="0"/>
-                <a:cs typeface="Times" panose="02020603050405020304" pitchFamily="18" charset="0"/>
-              </a:rPr>
-              <a:t>Preliminaries - </a:t>
-            </a:r>
-            <a:r>
-              <a:rPr lang="en-US" altLang="zh-TW">
+              <a:rPr lang="en-US" altLang="zh-TW" dirty="0">
                 <a:latin typeface="Times" panose="02020603050405020304" pitchFamily="18" charset="0"/>
                 <a:cs typeface="Times" panose="02020603050405020304" pitchFamily="18" charset="0"/>
               </a:rPr>
@@ -9866,13 +16528,6 @@
           <a:lstStyle/>
           <a:p>
             <a:r>
-              <a:rPr lang="en-US" altLang="zh-TW" sz="4000" dirty="0">
-                <a:latin typeface="Times" panose="02020603050405020304" pitchFamily="18" charset="0"/>
-                <a:cs typeface="Times" panose="02020603050405020304" pitchFamily="18" charset="0"/>
-              </a:rPr>
-              <a:t>Preliminaries - </a:t>
-            </a:r>
-            <a:r>
               <a:rPr lang="en-US" altLang="zh-TW" dirty="0">
                 <a:latin typeface="Times" panose="02020603050405020304" pitchFamily="18" charset="0"/>
                 <a:cs typeface="Times" panose="02020603050405020304" pitchFamily="18" charset="0"/>
@@ -9883,8 +16538,8 @@
           </a:p>
         </p:txBody>
       </p:sp>
-      <mc:AlternateContent xmlns:mc="http://schemas.openxmlformats.org/markup-compatibility/2006" xmlns:a14="http://schemas.microsoft.com/office/drawing/2010/main">
-        <mc:Choice Requires="a14">
+      <mc:AlternateContent xmlns:mc="http://schemas.openxmlformats.org/markup-compatibility/2006">
+        <mc:Choice xmlns:a14="http://schemas.microsoft.com/office/drawing/2010/main" Requires="a14">
           <p:sp>
             <p:nvSpPr>
               <p:cNvPr id="3" name="內容版面配置區 2">
@@ -9904,10 +16559,29 @@
             <p:spPr/>
             <p:txBody>
               <a:bodyPr>
-                <a:normAutofit lnSpcReduction="10000"/>
+                <a:normAutofit/>
               </a:bodyPr>
               <a:lstStyle/>
               <a:p>
+                <a:pPr>
+                  <a:lnSpc>
+                    <a:spcPct val="130000"/>
+                  </a:lnSpc>
+                </a:pPr>
+                <a:r>
+                  <a:rPr lang="en-US" altLang="zh-TW" sz="2200" dirty="0">
+                    <a:latin typeface="Times" panose="02020603050405020304" pitchFamily="18" charset="0"/>
+                    <a:cs typeface="Times" panose="02020603050405020304" pitchFamily="18" charset="0"/>
+                  </a:rPr>
+                  <a:t>Is an unconstrained optimization problem with differentiable objective function.</a:t>
+                </a:r>
+              </a:p>
+              <a:p>
+                <a:pPr>
+                  <a:lnSpc>
+                    <a:spcPct val="130000"/>
+                  </a:lnSpc>
+                </a:pPr>
                 <a:r>
                   <a:rPr lang="en-US" altLang="zh-TW" sz="2200" dirty="0">
                     <a:latin typeface="Times" panose="02020603050405020304" pitchFamily="18" charset="0"/>
@@ -9930,21 +16604,9 @@
                 </a:endParaRPr>
               </a:p>
               <a:p>
-                <a:endParaRPr lang="en-US" altLang="zh-TW" sz="1800" b="0" dirty="0">
-                  <a:latin typeface="Times" panose="02020603050405020304" pitchFamily="18" charset="0"/>
-                  <a:cs typeface="Times" panose="02020603050405020304" pitchFamily="18" charset="0"/>
-                </a:endParaRPr>
-              </a:p>
-              <a:p>
                 <a:pPr marL="0" indent="0">
                   <a:buNone/>
                 </a:pPr>
-                <a:endParaRPr lang="en-US" altLang="zh-TW" sz="2800" b="0" dirty="0">
-                  <a:latin typeface="Times" panose="02020603050405020304" pitchFamily="18" charset="0"/>
-                  <a:cs typeface="Times" panose="02020603050405020304" pitchFamily="18" charset="0"/>
-                </a:endParaRPr>
-              </a:p>
-              <a:p>
                 <a:endParaRPr lang="en-US" altLang="zh-TW" dirty="0">
                   <a:latin typeface="Times" panose="02020603050405020304" pitchFamily="18" charset="0"/>
                   <a:cs typeface="Times" panose="02020603050405020304" pitchFamily="18" charset="0"/>
@@ -9963,20 +16625,20 @@
                     <m:sSub>
                       <m:sSubPr>
                         <m:ctrlPr>
-                          <a:rPr lang="en-US" altLang="zh-TW" sz="2000" b="0" i="1" smtClean="0">
+                          <a:rPr lang="en-US" altLang="zh-TW" sz="1900" b="0" i="1" smtClean="0">
                             <a:latin typeface="Cambria Math" panose="02040503050406030204" pitchFamily="18" charset="0"/>
                           </a:rPr>
                         </m:ctrlPr>
                       </m:sSubPr>
                       <m:e>
                         <m:r>
-                          <a:rPr lang="en-US" altLang="zh-TW" sz="2000" b="0" i="1" smtClean="0">
+                          <a:rPr lang="en-US" altLang="zh-TW" sz="1900" b="0" i="1" smtClean="0">
                             <a:latin typeface="Cambria Math" panose="02040503050406030204" pitchFamily="18" charset="0"/>
                           </a:rPr>
                           <m:t> </m:t>
                         </m:r>
                         <m:r>
-                          <a:rPr lang="en-US" altLang="zh-TW" sz="2000" b="0" i="1" smtClean="0">
+                          <a:rPr lang="en-US" altLang="zh-TW" sz="1900" b="0" i="1" smtClean="0">
                             <a:latin typeface="Cambria Math" panose="02040503050406030204" pitchFamily="18" charset="0"/>
                           </a:rPr>
                           <m:t>𝑤</m:t>
@@ -9984,7 +16646,7 @@
                       </m:e>
                       <m:sub>
                         <m:r>
-                          <a:rPr lang="en-US" altLang="zh-TW" sz="2000" b="0" i="1" smtClean="0">
+                          <a:rPr lang="en-US" altLang="zh-TW" sz="1900" b="0" i="1" smtClean="0">
                             <a:latin typeface="Cambria Math" panose="02040503050406030204" pitchFamily="18" charset="0"/>
                           </a:rPr>
                           <m:t>𝑒</m:t>
@@ -9992,7 +16654,7 @@
                       </m:sub>
                     </m:sSub>
                     <m:r>
-                      <a:rPr lang="en-US" altLang="zh-TW" sz="2000" b="0" i="1" smtClean="0">
+                      <a:rPr lang="en-US" altLang="zh-TW" sz="1900" b="0" i="1" smtClean="0">
                         <a:latin typeface="Cambria Math" panose="02040503050406030204" pitchFamily="18" charset="0"/>
                       </a:rPr>
                       <m:t>:</m:t>
@@ -10000,13 +16662,13 @@
                   </m:oMath>
                 </a14:m>
                 <a:r>
-                  <a:rPr lang="en-US" altLang="zh-TW" sz="2000" b="0" i="1" dirty="0">
+                  <a:rPr lang="en-US" altLang="zh-TW" sz="1900" b="0" i="1" dirty="0">
                     <a:latin typeface="Cambria Math" panose="02040503050406030204" pitchFamily="18" charset="0"/>
                   </a:rPr>
                   <a:t> </a:t>
                 </a:r>
                 <a:r>
-                  <a:rPr lang="en-US" altLang="zh-TW" sz="2000" b="0" dirty="0">
+                  <a:rPr lang="en-US" altLang="zh-TW" sz="1900" b="0" dirty="0">
                     <a:latin typeface="Times" panose="02020603050405020304" pitchFamily="18" charset="0"/>
                     <a:cs typeface="Times" panose="02020603050405020304" pitchFamily="18" charset="0"/>
                   </a:rPr>
@@ -10024,7 +16686,7 @@
                 <a14:m>
                   <m:oMath xmlns:m="http://schemas.openxmlformats.org/officeDocument/2006/math">
                     <m:r>
-                      <a:rPr lang="en-US" altLang="zh-TW" sz="2000" b="0" i="1" smtClean="0">
+                      <a:rPr lang="en-US" altLang="zh-TW" sz="1900" b="0" i="1" smtClean="0">
                         <a:latin typeface="Cambria Math" panose="02040503050406030204" pitchFamily="18" charset="0"/>
                       </a:rPr>
                       <m:t>𝑊𝐿</m:t>
@@ -10032,38 +16694,38 @@
                     <m:d>
                       <m:dPr>
                         <m:ctrlPr>
-                          <a:rPr lang="en-US" altLang="zh-TW" sz="2000" b="0" i="1" smtClean="0">
+                          <a:rPr lang="en-US" altLang="zh-TW" sz="1900" b="0" i="1" smtClean="0">
                             <a:latin typeface="Cambria Math" panose="02040503050406030204" pitchFamily="18" charset="0"/>
                           </a:rPr>
                         </m:ctrlPr>
                       </m:dPr>
                       <m:e>
                         <m:r>
-                          <a:rPr lang="en-US" altLang="zh-TW" sz="2000" b="0" i="1" smtClean="0">
+                          <a:rPr lang="en-US" altLang="zh-TW" sz="1900" b="0" i="1" smtClean="0">
                             <a:latin typeface="Cambria Math" panose="02040503050406030204" pitchFamily="18" charset="0"/>
                           </a:rPr>
                           <m:t>𝑒</m:t>
                         </m:r>
                         <m:r>
-                          <a:rPr lang="en-US" altLang="zh-TW" sz="2000" b="0" i="1" smtClean="0">
+                          <a:rPr lang="en-US" altLang="zh-TW" sz="1900" b="0" i="1" smtClean="0">
                             <a:latin typeface="Cambria Math" panose="02040503050406030204" pitchFamily="18" charset="0"/>
                           </a:rPr>
                           <m:t>; </m:t>
                         </m:r>
                         <m:r>
-                          <a:rPr lang="en-US" altLang="zh-TW" sz="2000" b="0" i="1" smtClean="0">
+                          <a:rPr lang="en-US" altLang="zh-TW" sz="1900" b="0" i="1" smtClean="0">
                             <a:latin typeface="Cambria Math" panose="02040503050406030204" pitchFamily="18" charset="0"/>
                           </a:rPr>
                           <m:t>𝑥</m:t>
                         </m:r>
                         <m:r>
-                          <a:rPr lang="en-US" altLang="zh-TW" sz="2000" b="0" i="1" smtClean="0">
+                          <a:rPr lang="en-US" altLang="zh-TW" sz="1900" b="0" i="1" smtClean="0">
                             <a:latin typeface="Cambria Math" panose="02040503050406030204" pitchFamily="18" charset="0"/>
                           </a:rPr>
                           <m:t>, </m:t>
                         </m:r>
                         <m:r>
-                          <a:rPr lang="en-US" altLang="zh-TW" sz="2000" b="0" i="1" smtClean="0">
+                          <a:rPr lang="en-US" altLang="zh-TW" sz="1900" b="0" i="1" smtClean="0">
                             <a:latin typeface="Cambria Math" panose="02040503050406030204" pitchFamily="18" charset="0"/>
                           </a:rPr>
                           <m:t>𝑦</m:t>
@@ -10071,7 +16733,7 @@
                       </m:e>
                     </m:d>
                     <m:r>
-                      <a:rPr lang="en-US" altLang="zh-TW" sz="2000" b="0" i="1" smtClean="0">
+                      <a:rPr lang="en-US" altLang="zh-TW" sz="1900" b="0" i="1" smtClean="0">
                         <a:latin typeface="Cambria Math" panose="02040503050406030204" pitchFamily="18" charset="0"/>
                       </a:rPr>
                       <m:t>: </m:t>
@@ -10079,7 +16741,7 @@
                   </m:oMath>
                 </a14:m>
                 <a:r>
-                  <a:rPr lang="en-US" altLang="zh-TW" sz="2000" dirty="0">
+                  <a:rPr lang="en-US" altLang="zh-TW" sz="1900" dirty="0">
                     <a:latin typeface="Times" panose="02020603050405020304" pitchFamily="18" charset="0"/>
                     <a:cs typeface="Times" panose="02020603050405020304" pitchFamily="18" charset="0"/>
                   </a:rPr>
@@ -10097,13 +16759,13 @@
                 <a14:m>
                   <m:oMath xmlns:m="http://schemas.openxmlformats.org/officeDocument/2006/math">
                     <m:r>
-                      <a:rPr lang="en-US" altLang="zh-TW" sz="2000" b="0" i="1" smtClean="0">
+                      <a:rPr lang="en-US" altLang="zh-TW" sz="1900" b="0" i="1" smtClean="0">
                         <a:latin typeface="Cambria Math" panose="02040503050406030204" pitchFamily="18" charset="0"/>
                       </a:rPr>
                       <m:t> </m:t>
                     </m:r>
                     <m:r>
-                      <a:rPr lang="en-US" altLang="zh-TW" sz="2000" b="0" i="1" smtClean="0">
+                      <a:rPr lang="en-US" altLang="zh-TW" sz="1900" b="0" i="1" smtClean="0">
                         <a:latin typeface="Cambria Math" panose="02040503050406030204" pitchFamily="18" charset="0"/>
                       </a:rPr>
                       <m:t>𝐷</m:t>
@@ -10111,26 +16773,26 @@
                     <m:d>
                       <m:dPr>
                         <m:ctrlPr>
-                          <a:rPr lang="en-US" altLang="zh-TW" sz="2000" b="0" i="1" smtClean="0">
+                          <a:rPr lang="en-US" altLang="zh-TW" sz="1900" b="0" i="1" smtClean="0">
                             <a:latin typeface="Cambria Math" panose="02040503050406030204" pitchFamily="18" charset="0"/>
                           </a:rPr>
                         </m:ctrlPr>
                       </m:dPr>
                       <m:e>
                         <m:r>
-                          <a:rPr lang="en-US" altLang="zh-TW" sz="2000" b="0" i="1" smtClean="0">
+                          <a:rPr lang="en-US" altLang="zh-TW" sz="1900" b="0" i="1" smtClean="0">
                             <a:latin typeface="Cambria Math" panose="02040503050406030204" pitchFamily="18" charset="0"/>
                           </a:rPr>
                           <m:t>𝑥</m:t>
                         </m:r>
                         <m:r>
-                          <a:rPr lang="en-US" altLang="zh-TW" sz="2000" b="0" i="1" smtClean="0">
+                          <a:rPr lang="en-US" altLang="zh-TW" sz="1900" b="0" i="1" smtClean="0">
                             <a:latin typeface="Cambria Math" panose="02040503050406030204" pitchFamily="18" charset="0"/>
                           </a:rPr>
                           <m:t>, </m:t>
                         </m:r>
                         <m:r>
-                          <a:rPr lang="en-US" altLang="zh-TW" sz="2000" b="0" i="1" smtClean="0">
+                          <a:rPr lang="en-US" altLang="zh-TW" sz="1900" b="0" i="1" smtClean="0">
                             <a:latin typeface="Cambria Math" panose="02040503050406030204" pitchFamily="18" charset="0"/>
                           </a:rPr>
                           <m:t>𝑦</m:t>
@@ -10138,7 +16800,7 @@
                       </m:e>
                     </m:d>
                     <m:r>
-                      <a:rPr lang="en-US" altLang="zh-TW" sz="2000" b="0" i="1" smtClean="0">
+                      <a:rPr lang="en-US" altLang="zh-TW" sz="1900" b="0" i="1" smtClean="0">
                         <a:latin typeface="Cambria Math" panose="02040503050406030204" pitchFamily="18" charset="0"/>
                       </a:rPr>
                       <m:t>: </m:t>
@@ -10146,7 +16808,7 @@
                   </m:oMath>
                 </a14:m>
                 <a:r>
-                  <a:rPr lang="en-US" altLang="zh-TW" sz="2000" dirty="0">
+                  <a:rPr lang="en-US" altLang="zh-TW" sz="1900" dirty="0">
                     <a:latin typeface="Times" panose="02020603050405020304" pitchFamily="18" charset="0"/>
                     <a:cs typeface="Times" panose="02020603050405020304" pitchFamily="18" charset="0"/>
                   </a:rPr>
@@ -10162,41 +16824,41 @@
                   <a:buChar char="Ø"/>
                 </a:pPr>
                 <a:r>
-                  <a:rPr lang="en-US" altLang="zh-TW" sz="2000" dirty="0">
+                  <a:rPr lang="en-US" altLang="zh-TW" sz="1900" dirty="0">
                     <a:latin typeface="Times" panose="02020603050405020304" pitchFamily="18" charset="0"/>
                     <a:cs typeface="Times" panose="02020603050405020304" pitchFamily="18" charset="0"/>
                   </a:rPr>
                   <a:t> λ</a:t>
                 </a:r>
                 <a:r>
-                  <a:rPr lang="zh-TW" altLang="en-US" sz="2000" dirty="0">
+                  <a:rPr lang="zh-TW" altLang="en-US" sz="1900" dirty="0">
                     <a:latin typeface="Times" panose="02020603050405020304" pitchFamily="18" charset="0"/>
                     <a:cs typeface="Times" panose="02020603050405020304" pitchFamily="18" charset="0"/>
                   </a:rPr>
                   <a:t> </a:t>
                 </a:r>
                 <a:r>
-                  <a:rPr lang="en-US" altLang="zh-TW" sz="2000" dirty="0">
+                  <a:rPr lang="en-US" altLang="zh-TW" sz="1900" dirty="0">
                     <a:latin typeface="Times" panose="02020603050405020304" pitchFamily="18" charset="0"/>
                     <a:cs typeface="Times" panose="02020603050405020304" pitchFamily="18" charset="0"/>
                   </a:rPr>
                   <a:t>:</a:t>
                 </a:r>
                 <a:r>
-                  <a:rPr lang="zh-TW" altLang="en-US" sz="2000" dirty="0">
+                  <a:rPr lang="zh-TW" altLang="en-US" sz="1900" dirty="0">
                     <a:latin typeface="Times" panose="02020603050405020304" pitchFamily="18" charset="0"/>
                     <a:cs typeface="Times" panose="02020603050405020304" pitchFamily="18" charset="0"/>
                   </a:rPr>
                   <a:t> </a:t>
                 </a:r>
                 <a:r>
-                  <a:rPr lang="en-US" altLang="zh-TW" sz="2000" dirty="0">
+                  <a:rPr lang="en-US" altLang="zh-TW" sz="1900" dirty="0">
                     <a:latin typeface="Times" panose="02020603050405020304" pitchFamily="18" charset="0"/>
                     <a:cs typeface="Times" panose="02020603050405020304" pitchFamily="18" charset="0"/>
                   </a:rPr>
                   <a:t>Density penalty factor</a:t>
                 </a:r>
-                <a:endParaRPr lang="zh-TW" altLang="en-US" sz="2000" dirty="0">
+                <a:endParaRPr lang="zh-TW" altLang="en-US" sz="1900" dirty="0">
                   <a:latin typeface="Times" panose="02020603050405020304" pitchFamily="18" charset="0"/>
                   <a:cs typeface="Times" panose="02020603050405020304" pitchFamily="18" charset="0"/>
                 </a:endParaRPr>
@@ -10214,7 +16876,7 @@
             </p:txBody>
           </p:sp>
         </mc:Choice>
-        <mc:Fallback xmlns="">
+        <mc:Fallback>
           <p:sp>
             <p:nvSpPr>
               <p:cNvPr id="3" name="內容版面配置區 2">
@@ -10235,7 +16897,7 @@
               <a:blipFill>
                 <a:blip r:embed="rId3"/>
                 <a:stretch>
-                  <a:fillRect l="-696" t="-2381"/>
+                  <a:fillRect l="-696"/>
                 </a:stretch>
               </a:blipFill>
             </p:spPr>
@@ -10305,7 +16967,7 @@
         </p:blipFill>
         <p:spPr>
           <a:xfrm>
-            <a:off x="3637425" y="2784991"/>
+            <a:off x="3637425" y="3117536"/>
             <a:ext cx="4917149" cy="883758"/>
           </a:xfrm>
           <a:prstGeom prst="rect">
@@ -10369,14 +17031,7 @@
                 <a:latin typeface="Times" panose="02020603050405020304" pitchFamily="18" charset="0"/>
                 <a:cs typeface="Times" panose="02020603050405020304" pitchFamily="18" charset="0"/>
               </a:rPr>
-              <a:t>Preliminaries – Macro </a:t>
-            </a:r>
-            <a:r>
-              <a:rPr lang="en-US" altLang="zh-TW" sz="4000" dirty="0" err="1">
-                <a:latin typeface="Times" panose="02020603050405020304" pitchFamily="18" charset="0"/>
-                <a:cs typeface="Times" panose="02020603050405020304" pitchFamily="18" charset="0"/>
-              </a:rPr>
-              <a:t>Legalzation</a:t>
+              <a:t>Macro Legalization</a:t>
             </a:r>
             <a:endParaRPr lang="zh-TW" altLang="en-US" dirty="0">
               <a:latin typeface="Times" panose="02020603050405020304" pitchFamily="18" charset="0"/>
@@ -10415,7 +17070,7 @@
           <a:p>
             <a:pPr>
               <a:lnSpc>
-                <a:spcPct val="120000"/>
+                <a:spcPct val="150000"/>
               </a:lnSpc>
             </a:pPr>
             <a:r>
@@ -10429,7 +17084,7 @@
           <a:p>
             <a:pPr>
               <a:lnSpc>
-                <a:spcPct val="120000"/>
+                <a:spcPct val="150000"/>
               </a:lnSpc>
             </a:pPr>
             <a:endParaRPr lang="en-US" altLang="zh-TW" sz="1100" dirty="0">
@@ -10440,7 +17095,7 @@
           <a:p>
             <a:pPr>
               <a:lnSpc>
-                <a:spcPct val="120000"/>
+                <a:spcPct val="150000"/>
               </a:lnSpc>
             </a:pPr>
             <a:r>
@@ -10454,11 +17109,11 @@
           <a:p>
             <a:pPr lvl="1">
               <a:lnSpc>
-                <a:spcPct val="120000"/>
+                <a:spcPct val="150000"/>
               </a:lnSpc>
             </a:pPr>
             <a:r>
-              <a:rPr lang="en-US" altLang="zh-TW" sz="2000" dirty="0">
+              <a:rPr lang="en-US" altLang="zh-TW" sz="1800" dirty="0">
                 <a:latin typeface="Times" panose="02020603050405020304" pitchFamily="18" charset="0"/>
                 <a:cs typeface="Times" panose="02020603050405020304" pitchFamily="18" charset="0"/>
               </a:rPr>
@@ -10468,11 +17123,11 @@
           <a:p>
             <a:pPr lvl="1">
               <a:lnSpc>
-                <a:spcPct val="120000"/>
+                <a:spcPct val="150000"/>
               </a:lnSpc>
             </a:pPr>
             <a:r>
-              <a:rPr lang="en-US" altLang="zh-TW" sz="2000" dirty="0">
+              <a:rPr lang="en-US" altLang="zh-TW" sz="1800" dirty="0">
                 <a:latin typeface="Times" panose="02020603050405020304" pitchFamily="18" charset="0"/>
                 <a:cs typeface="Times" panose="02020603050405020304" pitchFamily="18" charset="0"/>
               </a:rPr>
@@ -10482,7 +17137,7 @@
           <a:p>
             <a:pPr>
               <a:lnSpc>
-                <a:spcPct val="120000"/>
+                <a:spcPct val="150000"/>
               </a:lnSpc>
             </a:pPr>
             <a:endParaRPr lang="en-US" altLang="zh-TW" sz="1100" dirty="0">
@@ -10493,7 +17148,7 @@
           <a:p>
             <a:pPr>
               <a:lnSpc>
-                <a:spcPct val="120000"/>
+                <a:spcPct val="150000"/>
               </a:lnSpc>
             </a:pPr>
             <a:r>
